--- a/flutter_common.pptx
+++ b/flutter_common.pptx
@@ -7934,7 +7934,7 @@
               <a:rPr lang="en-AU" smtClean="0">
                 <a:latin typeface="Arial" panose="020B0604020202020204" pitchFamily="34" charset="0"/>
               </a:rPr>
-              <a:t>10/11/20</a:t>
+              <a:t>11/11/2020</a:t>
             </a:fld>
             <a:endParaRPr lang="en-AU">
               <a:latin typeface="Arial" panose="020B0604020202020204" pitchFamily="34" charset="0"/>
@@ -8112,7 +8112,7 @@
             <a:fld id="{E09F651E-BA7C-4E9C-8918-9342026E9CA9}" type="datetimeFigureOut">
               <a:rPr lang="en-AU" smtClean="0"/>
               <a:pPr/>
-              <a:t>10/11/20</a:t>
+              <a:t>11/11/2020</a:t>
             </a:fld>
             <a:endParaRPr lang="en-AU"/>
           </a:p>
@@ -8580,7 +8580,7 @@
           <a:graphicData uri="http://schemas.openxmlformats.org/presentationml/2006/ole">
             <mc:AlternateContent xmlns:mc="http://schemas.openxmlformats.org/markup-compatibility/2006">
               <mc:Choice xmlns:v="urn:schemas-microsoft-com:vml" Requires="v">
-                <p:oleObj spid="_x0000_s1072" name="think-cell Folie" r:id="rId5" imgW="425" imgH="426" progId="TCLayout.ActiveDocument.1">
+                <p:oleObj spid="_x0000_s1091" name="think-cell Folie" r:id="rId5" imgW="425" imgH="426" progId="TCLayout.ActiveDocument.1">
                   <p:embed/>
                 </p:oleObj>
               </mc:Choice>
@@ -11011,6 +11011,8 @@
                 <a:solidFill>
                   <a:schemeClr val="bg1"/>
                 </a:solidFill>
+                <a:latin typeface="Microsoft YaHei UI" panose="020B0503020204020204" pitchFamily="34" charset="-122"/>
+                <a:ea typeface="Microsoft YaHei UI" panose="020B0503020204020204" pitchFamily="34" charset="-122"/>
               </a:rPr>
               <a:t>itemBuilder</a:t>
             </a:r>
@@ -11019,6 +11021,8 @@
                 <a:solidFill>
                   <a:schemeClr val="bg1"/>
                 </a:solidFill>
+                <a:latin typeface="Microsoft YaHei UI" panose="020B0503020204020204" pitchFamily="34" charset="-122"/>
+                <a:ea typeface="Microsoft YaHei UI" panose="020B0503020204020204" pitchFamily="34" charset="-122"/>
               </a:rPr>
               <a:t> </a:t>
             </a:r>
@@ -11029,6 +11033,8 @@
                 <a:solidFill>
                   <a:schemeClr val="bg1"/>
                 </a:solidFill>
+                <a:latin typeface="Microsoft YaHei UI" panose="020B0503020204020204" pitchFamily="34" charset="-122"/>
+                <a:ea typeface="Microsoft YaHei UI" panose="020B0503020204020204" pitchFamily="34" charset="-122"/>
               </a:rPr>
               <a:t>列表项的构建器，执行时它返回一个 </a:t>
             </a:r>
@@ -11037,6 +11043,8 @@
                 <a:solidFill>
                   <a:schemeClr val="bg1"/>
                 </a:solidFill>
+                <a:latin typeface="Microsoft YaHei UI" panose="020B0503020204020204" pitchFamily="34" charset="-122"/>
+                <a:ea typeface="Microsoft YaHei UI" panose="020B0503020204020204" pitchFamily="34" charset="-122"/>
               </a:rPr>
               <a:t>Widget</a:t>
             </a:r>
@@ -11045,6 +11053,8 @@
                 <a:solidFill>
                   <a:schemeClr val="bg1"/>
                 </a:solidFill>
+                <a:latin typeface="Microsoft YaHei UI" panose="020B0503020204020204" pitchFamily="34" charset="-122"/>
+                <a:ea typeface="Microsoft YaHei UI" panose="020B0503020204020204" pitchFamily="34" charset="-122"/>
               </a:rPr>
               <a:t>。</a:t>
             </a:r>
@@ -11053,6 +11063,8 @@
                 <a:solidFill>
                   <a:schemeClr val="bg1"/>
                 </a:solidFill>
+                <a:latin typeface="Microsoft YaHei UI" panose="020B0503020204020204" pitchFamily="34" charset="-122"/>
+                <a:ea typeface="Microsoft YaHei UI" panose="020B0503020204020204" pitchFamily="34" charset="-122"/>
               </a:rPr>
               <a:t>当列表滚动到具体的 </a:t>
             </a:r>
@@ -11061,6 +11073,8 @@
                 <a:solidFill>
                   <a:schemeClr val="bg1"/>
                 </a:solidFill>
+                <a:latin typeface="Microsoft YaHei UI" panose="020B0503020204020204" pitchFamily="34" charset="-122"/>
+                <a:ea typeface="Microsoft YaHei UI" panose="020B0503020204020204" pitchFamily="34" charset="-122"/>
               </a:rPr>
               <a:t>index </a:t>
             </a:r>
@@ -11069,6 +11083,8 @@
                 <a:solidFill>
                   <a:schemeClr val="bg1"/>
                 </a:solidFill>
+                <a:latin typeface="Microsoft YaHei UI" panose="020B0503020204020204" pitchFamily="34" charset="-122"/>
+                <a:ea typeface="Microsoft YaHei UI" panose="020B0503020204020204" pitchFamily="34" charset="-122"/>
               </a:rPr>
               <a:t>位置时，该构建器会执行并创建列表项。</a:t>
             </a:r>
@@ -11076,6 +11092,8 @@
               <a:solidFill>
                 <a:schemeClr val="bg1"/>
               </a:solidFill>
+              <a:latin typeface="Microsoft YaHei UI" panose="020B0503020204020204" pitchFamily="34" charset="-122"/>
+              <a:ea typeface="Microsoft YaHei UI" panose="020B0503020204020204" pitchFamily="34" charset="-122"/>
             </a:endParaRPr>
           </a:p>
           <a:p>
@@ -11084,6 +11102,8 @@
                 <a:solidFill>
                   <a:schemeClr val="bg1"/>
                 </a:solidFill>
+                <a:latin typeface="Microsoft YaHei UI" panose="020B0503020204020204" pitchFamily="34" charset="-122"/>
+                <a:ea typeface="Microsoft YaHei UI" panose="020B0503020204020204" pitchFamily="34" charset="-122"/>
               </a:rPr>
             </a:br>
             <a:r>
@@ -11091,6 +11111,8 @@
                 <a:solidFill>
                   <a:schemeClr val="bg1"/>
                 </a:solidFill>
+                <a:latin typeface="Microsoft YaHei UI" panose="020B0503020204020204" pitchFamily="34" charset="-122"/>
+                <a:ea typeface="Microsoft YaHei UI" panose="020B0503020204020204" pitchFamily="34" charset="-122"/>
               </a:rPr>
               <a:t>itemCount</a:t>
             </a:r>
@@ -11098,6 +11120,8 @@
               <a:solidFill>
                 <a:schemeClr val="bg1"/>
               </a:solidFill>
+              <a:latin typeface="Microsoft YaHei UI" panose="020B0503020204020204" pitchFamily="34" charset="-122"/>
+              <a:ea typeface="Microsoft YaHei UI" panose="020B0503020204020204" pitchFamily="34" charset="-122"/>
             </a:endParaRPr>
           </a:p>
           <a:p>
@@ -11106,6 +11130,8 @@
                 <a:solidFill>
                   <a:schemeClr val="bg1"/>
                 </a:solidFill>
+                <a:latin typeface="Microsoft YaHei UI" panose="020B0503020204020204" pitchFamily="34" charset="-122"/>
+                <a:ea typeface="Microsoft YaHei UI" panose="020B0503020204020204" pitchFamily="34" charset="-122"/>
               </a:rPr>
               <a:t>列表项的数量， 如果为 </a:t>
             </a:r>
@@ -11114,6 +11140,8 @@
                 <a:solidFill>
                   <a:schemeClr val="bg1"/>
                 </a:solidFill>
+                <a:latin typeface="Microsoft YaHei UI" panose="020B0503020204020204" pitchFamily="34" charset="-122"/>
+                <a:ea typeface="Microsoft YaHei UI" panose="020B0503020204020204" pitchFamily="34" charset="-122"/>
               </a:rPr>
               <a:t>null</a:t>
             </a:r>
@@ -11122,6 +11150,8 @@
                 <a:solidFill>
                   <a:schemeClr val="bg1"/>
                 </a:solidFill>
+                <a:latin typeface="Microsoft YaHei UI" panose="020B0503020204020204" pitchFamily="34" charset="-122"/>
+                <a:ea typeface="Microsoft YaHei UI" panose="020B0503020204020204" pitchFamily="34" charset="-122"/>
               </a:rPr>
               <a:t>，</a:t>
             </a:r>
@@ -11130,6 +11160,8 @@
                 <a:solidFill>
                   <a:schemeClr val="bg1"/>
                 </a:solidFill>
+                <a:latin typeface="Microsoft YaHei UI" panose="020B0503020204020204" pitchFamily="34" charset="-122"/>
+                <a:ea typeface="Microsoft YaHei UI" panose="020B0503020204020204" pitchFamily="34" charset="-122"/>
               </a:rPr>
               <a:t>则为无限列表。</a:t>
             </a:r>
@@ -11137,6 +11169,8 @@
               <a:solidFill>
                 <a:schemeClr val="bg1"/>
               </a:solidFill>
+              <a:latin typeface="Microsoft YaHei UI" panose="020B0503020204020204" pitchFamily="34" charset="-122"/>
+              <a:ea typeface="Microsoft YaHei UI" panose="020B0503020204020204" pitchFamily="34" charset="-122"/>
             </a:endParaRPr>
           </a:p>
           <a:p>
@@ -11144,6 +11178,8 @@
               <a:solidFill>
                 <a:schemeClr val="bg1"/>
               </a:solidFill>
+              <a:latin typeface="Microsoft YaHei UI" panose="020B0503020204020204" pitchFamily="34" charset="-122"/>
+              <a:ea typeface="Microsoft YaHei UI" panose="020B0503020204020204" pitchFamily="34" charset="-122"/>
             </a:endParaRPr>
           </a:p>
           <a:p>
@@ -11152,6 +11188,8 @@
                 <a:solidFill>
                   <a:schemeClr val="bg1"/>
                 </a:solidFill>
+                <a:latin typeface="Microsoft YaHei UI" panose="020B0503020204020204" pitchFamily="34" charset="-122"/>
+                <a:ea typeface="Microsoft YaHei UI" panose="020B0503020204020204" pitchFamily="34" charset="-122"/>
               </a:rPr>
               <a:t>separetorBuilder</a:t>
             </a:r>
@@ -11159,6 +11197,8 @@
               <a:solidFill>
                 <a:schemeClr val="bg1"/>
               </a:solidFill>
+              <a:latin typeface="Microsoft YaHei UI" panose="020B0503020204020204" pitchFamily="34" charset="-122"/>
+              <a:ea typeface="Microsoft YaHei UI" panose="020B0503020204020204" pitchFamily="34" charset="-122"/>
             </a:endParaRPr>
           </a:p>
           <a:p>
@@ -11167,6 +11207,8 @@
                 <a:solidFill>
                   <a:schemeClr val="bg1"/>
                 </a:solidFill>
+                <a:latin typeface="Microsoft YaHei UI" panose="020B0503020204020204" pitchFamily="34" charset="-122"/>
+                <a:ea typeface="Microsoft YaHei UI" panose="020B0503020204020204" pitchFamily="34" charset="-122"/>
               </a:rPr>
               <a:t>列表项分割组件的构建器，执行后返回一个用来分割的</a:t>
             </a:r>
@@ -11175,6 +11217,8 @@
                 <a:solidFill>
                   <a:schemeClr val="bg1"/>
                 </a:solidFill>
+                <a:latin typeface="Microsoft YaHei UI" panose="020B0503020204020204" pitchFamily="34" charset="-122"/>
+                <a:ea typeface="Microsoft YaHei UI" panose="020B0503020204020204" pitchFamily="34" charset="-122"/>
               </a:rPr>
               <a:t>Widget</a:t>
             </a:r>
@@ -11183,6 +11227,8 @@
                 <a:solidFill>
                   <a:schemeClr val="bg1"/>
                 </a:solidFill>
+                <a:latin typeface="Microsoft YaHei UI" panose="020B0503020204020204" pitchFamily="34" charset="-122"/>
+                <a:ea typeface="Microsoft YaHei UI" panose="020B0503020204020204" pitchFamily="34" charset="-122"/>
               </a:rPr>
               <a:t>。</a:t>
             </a:r>
@@ -11193,6 +11239,8 @@
                 <a:solidFill>
                   <a:schemeClr val="bg1"/>
                 </a:solidFill>
+                <a:latin typeface="Microsoft YaHei UI" panose="020B0503020204020204" pitchFamily="34" charset="-122"/>
+                <a:ea typeface="Microsoft YaHei UI" panose="020B0503020204020204" pitchFamily="34" charset="-122"/>
               </a:rPr>
             </a:br>
             <a:endParaRPr lang="en-US" altLang="zh-CN" sz="1400" b="1" dirty="0">
@@ -11401,6 +11449,8 @@
                 <a:solidFill>
                   <a:schemeClr val="bg1"/>
                 </a:solidFill>
+                <a:latin typeface="Microsoft YaHei UI" panose="020B0503020204020204" pitchFamily="34" charset="-122"/>
+                <a:ea typeface="Microsoft YaHei UI" panose="020B0503020204020204" pitchFamily="34" charset="-122"/>
               </a:rPr>
               <a:t>层叠布局和 </a:t>
             </a:r>
@@ -11409,6 +11459,8 @@
                 <a:solidFill>
                   <a:schemeClr val="bg1"/>
                 </a:solidFill>
+                <a:latin typeface="Microsoft YaHei UI" panose="020B0503020204020204" pitchFamily="34" charset="-122"/>
+                <a:ea typeface="Microsoft YaHei UI" panose="020B0503020204020204" pitchFamily="34" charset="-122"/>
               </a:rPr>
               <a:t>Web </a:t>
             </a:r>
@@ -11417,6 +11469,8 @@
                 <a:solidFill>
                   <a:schemeClr val="bg1"/>
                 </a:solidFill>
+                <a:latin typeface="Microsoft YaHei UI" panose="020B0503020204020204" pitchFamily="34" charset="-122"/>
+                <a:ea typeface="Microsoft YaHei UI" panose="020B0503020204020204" pitchFamily="34" charset="-122"/>
               </a:rPr>
               <a:t>中的绝对定位是相似的，子组件可以根据距父容器四个角（左上，右上，右下，左下）的位置来确定自身的位置。</a:t>
             </a:r>
@@ -11424,6 +11478,8 @@
               <a:solidFill>
                 <a:schemeClr val="bg1"/>
               </a:solidFill>
+              <a:latin typeface="Microsoft YaHei UI" panose="020B0503020204020204" pitchFamily="34" charset="-122"/>
+              <a:ea typeface="Microsoft YaHei UI" panose="020B0503020204020204" pitchFamily="34" charset="-122"/>
             </a:endParaRPr>
           </a:p>
           <a:p>
@@ -11431,6 +11487,8 @@
               <a:solidFill>
                 <a:schemeClr val="bg1"/>
               </a:solidFill>
+              <a:latin typeface="Microsoft YaHei UI" panose="020B0503020204020204" pitchFamily="34" charset="-122"/>
+              <a:ea typeface="Microsoft YaHei UI" panose="020B0503020204020204" pitchFamily="34" charset="-122"/>
             </a:endParaRPr>
           </a:p>
           <a:p>
@@ -11439,6 +11497,8 @@
                 <a:solidFill>
                   <a:schemeClr val="bg1"/>
                 </a:solidFill>
+                <a:latin typeface="Microsoft YaHei UI" panose="020B0503020204020204" pitchFamily="34" charset="-122"/>
+                <a:ea typeface="Microsoft YaHei UI" panose="020B0503020204020204" pitchFamily="34" charset="-122"/>
               </a:rPr>
               <a:t>绝对定位允许子组件堆叠起来（按照代码中声明的顺序）。</a:t>
             </a:r>
@@ -11446,6 +11506,8 @@
               <a:solidFill>
                 <a:schemeClr val="bg1"/>
               </a:solidFill>
+              <a:latin typeface="Microsoft YaHei UI" panose="020B0503020204020204" pitchFamily="34" charset="-122"/>
+              <a:ea typeface="Microsoft YaHei UI" panose="020B0503020204020204" pitchFamily="34" charset="-122"/>
             </a:endParaRPr>
           </a:p>
           <a:p>
@@ -11453,6 +11515,8 @@
               <a:solidFill>
                 <a:schemeClr val="bg1"/>
               </a:solidFill>
+              <a:latin typeface="Microsoft YaHei UI" panose="020B0503020204020204" pitchFamily="34" charset="-122"/>
+              <a:ea typeface="Microsoft YaHei UI" panose="020B0503020204020204" pitchFamily="34" charset="-122"/>
             </a:endParaRPr>
           </a:p>
           <a:p>
@@ -11461,6 +11525,8 @@
                 <a:solidFill>
                   <a:schemeClr val="bg1"/>
                 </a:solidFill>
+                <a:latin typeface="Microsoft YaHei UI" panose="020B0503020204020204" pitchFamily="34" charset="-122"/>
+                <a:ea typeface="Microsoft YaHei UI" panose="020B0503020204020204" pitchFamily="34" charset="-122"/>
               </a:rPr>
               <a:t>Flutter </a:t>
             </a:r>
@@ -11469,6 +11535,8 @@
                 <a:solidFill>
                   <a:schemeClr val="bg1"/>
                 </a:solidFill>
+                <a:latin typeface="Microsoft YaHei UI" panose="020B0503020204020204" pitchFamily="34" charset="-122"/>
+                <a:ea typeface="Microsoft YaHei UI" panose="020B0503020204020204" pitchFamily="34" charset="-122"/>
               </a:rPr>
               <a:t>中使用 </a:t>
             </a:r>
@@ -11477,6 +11545,8 @@
                 <a:solidFill>
                   <a:schemeClr val="bg1"/>
                 </a:solidFill>
+                <a:latin typeface="Microsoft YaHei UI" panose="020B0503020204020204" pitchFamily="34" charset="-122"/>
+                <a:ea typeface="Microsoft YaHei UI" panose="020B0503020204020204" pitchFamily="34" charset="-122"/>
               </a:rPr>
               <a:t>Stack </a:t>
             </a:r>
@@ -11485,6 +11555,8 @@
                 <a:solidFill>
                   <a:schemeClr val="bg1"/>
                 </a:solidFill>
+                <a:latin typeface="Microsoft YaHei UI" panose="020B0503020204020204" pitchFamily="34" charset="-122"/>
+                <a:ea typeface="Microsoft YaHei UI" panose="020B0503020204020204" pitchFamily="34" charset="-122"/>
               </a:rPr>
               <a:t>和 </a:t>
             </a:r>
@@ -11493,6 +11565,8 @@
                 <a:solidFill>
                   <a:schemeClr val="bg1"/>
                 </a:solidFill>
+                <a:latin typeface="Microsoft YaHei UI" panose="020B0503020204020204" pitchFamily="34" charset="-122"/>
+                <a:ea typeface="Microsoft YaHei UI" panose="020B0503020204020204" pitchFamily="34" charset="-122"/>
               </a:rPr>
               <a:t>Positioned </a:t>
             </a:r>
@@ -11501,6 +11575,8 @@
                 <a:solidFill>
                   <a:schemeClr val="bg1"/>
                 </a:solidFill>
+                <a:latin typeface="Microsoft YaHei UI" panose="020B0503020204020204" pitchFamily="34" charset="-122"/>
+                <a:ea typeface="Microsoft YaHei UI" panose="020B0503020204020204" pitchFamily="34" charset="-122"/>
               </a:rPr>
               <a:t>这两个组件来配合实现绝对定位。</a:t>
             </a:r>
@@ -11508,6 +11584,8 @@
               <a:solidFill>
                 <a:schemeClr val="bg1"/>
               </a:solidFill>
+              <a:latin typeface="Microsoft YaHei UI" panose="020B0503020204020204" pitchFamily="34" charset="-122"/>
+              <a:ea typeface="Microsoft YaHei UI" panose="020B0503020204020204" pitchFamily="34" charset="-122"/>
             </a:endParaRPr>
           </a:p>
           <a:p>
@@ -11515,6 +11593,8 @@
               <a:solidFill>
                 <a:schemeClr val="bg1"/>
               </a:solidFill>
+              <a:latin typeface="Microsoft YaHei UI" panose="020B0503020204020204" pitchFamily="34" charset="-122"/>
+              <a:ea typeface="Microsoft YaHei UI" panose="020B0503020204020204" pitchFamily="34" charset="-122"/>
             </a:endParaRPr>
           </a:p>
           <a:p>
@@ -11523,6 +11603,8 @@
                 <a:solidFill>
                   <a:schemeClr val="bg1"/>
                 </a:solidFill>
+                <a:latin typeface="Microsoft YaHei UI" panose="020B0503020204020204" pitchFamily="34" charset="-122"/>
+                <a:ea typeface="Microsoft YaHei UI" panose="020B0503020204020204" pitchFamily="34" charset="-122"/>
               </a:rPr>
               <a:t>Stack </a:t>
             </a:r>
@@ -11531,6 +11613,8 @@
                 <a:solidFill>
                   <a:schemeClr val="bg1"/>
                 </a:solidFill>
+                <a:latin typeface="Microsoft YaHei UI" panose="020B0503020204020204" pitchFamily="34" charset="-122"/>
+                <a:ea typeface="Microsoft YaHei UI" panose="020B0503020204020204" pitchFamily="34" charset="-122"/>
               </a:rPr>
               <a:t>允许子组件堆叠（相当于定位的锚点元素的元素）。</a:t>
             </a:r>
@@ -11538,6 +11622,8 @@
               <a:solidFill>
                 <a:schemeClr val="bg1"/>
               </a:solidFill>
+              <a:latin typeface="Microsoft YaHei UI" panose="020B0503020204020204" pitchFamily="34" charset="-122"/>
+              <a:ea typeface="Microsoft YaHei UI" panose="020B0503020204020204" pitchFamily="34" charset="-122"/>
             </a:endParaRPr>
           </a:p>
           <a:p>
@@ -11546,6 +11632,8 @@
                 <a:solidFill>
                   <a:schemeClr val="bg1"/>
                 </a:solidFill>
+                <a:latin typeface="Microsoft YaHei UI" panose="020B0503020204020204" pitchFamily="34" charset="-122"/>
+                <a:ea typeface="Microsoft YaHei UI" panose="020B0503020204020204" pitchFamily="34" charset="-122"/>
               </a:rPr>
               <a:t>Positioned </a:t>
             </a:r>
@@ -11554,6 +11642,8 @@
                 <a:solidFill>
                   <a:schemeClr val="bg1"/>
                 </a:solidFill>
+                <a:latin typeface="Microsoft YaHei UI" panose="020B0503020204020204" pitchFamily="34" charset="-122"/>
+                <a:ea typeface="Microsoft YaHei UI" panose="020B0503020204020204" pitchFamily="34" charset="-122"/>
               </a:rPr>
               <a:t>用于根据 </a:t>
             </a:r>
@@ -11562,6 +11652,8 @@
                 <a:solidFill>
                   <a:schemeClr val="bg1"/>
                 </a:solidFill>
+                <a:latin typeface="Microsoft YaHei UI" panose="020B0503020204020204" pitchFamily="34" charset="-122"/>
+                <a:ea typeface="Microsoft YaHei UI" panose="020B0503020204020204" pitchFamily="34" charset="-122"/>
               </a:rPr>
               <a:t>Stack </a:t>
             </a:r>
@@ -11570,6 +11662,8 @@
                 <a:solidFill>
                   <a:schemeClr val="bg1"/>
                 </a:solidFill>
+                <a:latin typeface="Microsoft YaHei UI" panose="020B0503020204020204" pitchFamily="34" charset="-122"/>
+                <a:ea typeface="Microsoft YaHei UI" panose="020B0503020204020204" pitchFamily="34" charset="-122"/>
               </a:rPr>
               <a:t>的四个角来确定子组件的位置。</a:t>
             </a:r>
@@ -11577,6 +11671,8 @@
               <a:solidFill>
                 <a:schemeClr val="bg1"/>
               </a:solidFill>
+              <a:latin typeface="Microsoft YaHei UI" panose="020B0503020204020204" pitchFamily="34" charset="-122"/>
+              <a:ea typeface="Microsoft YaHei UI" panose="020B0503020204020204" pitchFamily="34" charset="-122"/>
             </a:endParaRPr>
           </a:p>
           <a:p>
@@ -11585,6 +11681,8 @@
                 <a:solidFill>
                   <a:schemeClr val="bg1"/>
                 </a:solidFill>
+                <a:latin typeface="Microsoft YaHei UI" panose="020B0503020204020204" pitchFamily="34" charset="-122"/>
+                <a:ea typeface="Microsoft YaHei UI" panose="020B0503020204020204" pitchFamily="34" charset="-122"/>
               </a:rPr>
               <a:t>（相当于 </a:t>
             </a:r>
@@ -11593,6 +11691,8 @@
                 <a:solidFill>
                   <a:schemeClr val="bg1"/>
                 </a:solidFill>
+                <a:latin typeface="Microsoft YaHei UI" panose="020B0503020204020204" pitchFamily="34" charset="-122"/>
+                <a:ea typeface="Microsoft YaHei UI" panose="020B0503020204020204" pitchFamily="34" charset="-122"/>
               </a:rPr>
               <a:t>position:</a:t>
             </a:r>
@@ -11601,6 +11701,8 @@
                 <a:solidFill>
                   <a:schemeClr val="bg1"/>
                 </a:solidFill>
+                <a:latin typeface="Microsoft YaHei UI" panose="020B0503020204020204" pitchFamily="34" charset="-122"/>
+                <a:ea typeface="Microsoft YaHei UI" panose="020B0503020204020204" pitchFamily="34" charset="-122"/>
               </a:rPr>
               <a:t> </a:t>
             </a:r>
@@ -11609,6 +11711,8 @@
                 <a:solidFill>
                   <a:schemeClr val="bg1"/>
                 </a:solidFill>
+                <a:latin typeface="Microsoft YaHei UI" panose="020B0503020204020204" pitchFamily="34" charset="-122"/>
+                <a:ea typeface="Microsoft YaHei UI" panose="020B0503020204020204" pitchFamily="34" charset="-122"/>
               </a:rPr>
               <a:t>absolute</a:t>
             </a:r>
@@ -11617,6 +11721,8 @@
                 <a:solidFill>
                   <a:schemeClr val="bg1"/>
                 </a:solidFill>
+                <a:latin typeface="Microsoft YaHei UI" panose="020B0503020204020204" pitchFamily="34" charset="-122"/>
+                <a:ea typeface="Microsoft YaHei UI" panose="020B0503020204020204" pitchFamily="34" charset="-122"/>
               </a:rPr>
               <a:t>）</a:t>
             </a:r>
@@ -11624,6 +11730,8 @@
               <a:solidFill>
                 <a:schemeClr val="bg1"/>
               </a:solidFill>
+              <a:latin typeface="Microsoft YaHei UI" panose="020B0503020204020204" pitchFamily="34" charset="-122"/>
+              <a:ea typeface="Microsoft YaHei UI" panose="020B0503020204020204" pitchFamily="34" charset="-122"/>
             </a:endParaRPr>
           </a:p>
           <a:p>
@@ -11643,6 +11751,8 @@
                 <a:solidFill>
                   <a:schemeClr val="bg1"/>
                 </a:solidFill>
+                <a:latin typeface="Microsoft YaHei UI" panose="020B0503020204020204" pitchFamily="34" charset="-122"/>
+                <a:ea typeface="Microsoft YaHei UI" panose="020B0503020204020204" pitchFamily="34" charset="-122"/>
               </a:rPr>
               <a:t>alignment: </a:t>
             </a:r>
@@ -11651,6 +11761,8 @@
                 <a:solidFill>
                   <a:schemeClr val="bg1"/>
                 </a:solidFill>
+                <a:latin typeface="Microsoft YaHei UI" panose="020B0503020204020204" pitchFamily="34" charset="-122"/>
+                <a:ea typeface="Microsoft YaHei UI" panose="020B0503020204020204" pitchFamily="34" charset="-122"/>
               </a:rPr>
               <a:t>此参数决定如何去对齐没有定位（没有使用 </a:t>
             </a:r>
@@ -11659,6 +11771,8 @@
                 <a:solidFill>
                   <a:schemeClr val="bg1"/>
                 </a:solidFill>
+                <a:latin typeface="Microsoft YaHei UI" panose="020B0503020204020204" pitchFamily="34" charset="-122"/>
+                <a:ea typeface="Microsoft YaHei UI" panose="020B0503020204020204" pitchFamily="34" charset="-122"/>
               </a:rPr>
               <a:t>Positioned </a:t>
             </a:r>
@@ -11667,6 +11781,8 @@
                 <a:solidFill>
                   <a:schemeClr val="bg1"/>
                 </a:solidFill>
+                <a:latin typeface="Microsoft YaHei UI" panose="020B0503020204020204" pitchFamily="34" charset="-122"/>
+                <a:ea typeface="Microsoft YaHei UI" panose="020B0503020204020204" pitchFamily="34" charset="-122"/>
               </a:rPr>
               <a:t>）</a:t>
             </a:r>
@@ -11675,6 +11791,8 @@
                 <a:solidFill>
                   <a:schemeClr val="bg1"/>
                 </a:solidFill>
+                <a:latin typeface="Microsoft YaHei UI" panose="020B0503020204020204" pitchFamily="34" charset="-122"/>
+                <a:ea typeface="Microsoft YaHei UI" panose="020B0503020204020204" pitchFamily="34" charset="-122"/>
               </a:rPr>
               <a:t>或部分定位的子组件。</a:t>
             </a:r>
@@ -11682,6 +11800,8 @@
               <a:solidFill>
                 <a:schemeClr val="bg1"/>
               </a:solidFill>
+              <a:latin typeface="Microsoft YaHei UI" panose="020B0503020204020204" pitchFamily="34" charset="-122"/>
+              <a:ea typeface="Microsoft YaHei UI" panose="020B0503020204020204" pitchFamily="34" charset="-122"/>
             </a:endParaRPr>
           </a:p>
           <a:p>
@@ -11689,6 +11809,8 @@
               <a:solidFill>
                 <a:schemeClr val="bg1"/>
               </a:solidFill>
+              <a:latin typeface="Microsoft YaHei UI" panose="020B0503020204020204" pitchFamily="34" charset="-122"/>
+              <a:ea typeface="Microsoft YaHei UI" panose="020B0503020204020204" pitchFamily="34" charset="-122"/>
             </a:endParaRPr>
           </a:p>
           <a:p>
@@ -11697,6 +11819,8 @@
                 <a:solidFill>
                   <a:schemeClr val="bg1"/>
                 </a:solidFill>
+                <a:latin typeface="Microsoft YaHei UI" panose="020B0503020204020204" pitchFamily="34" charset="-122"/>
+                <a:ea typeface="Microsoft YaHei UI" panose="020B0503020204020204" pitchFamily="34" charset="-122"/>
               </a:rPr>
               <a:t>fit: </a:t>
             </a:r>
@@ -11705,6 +11829,8 @@
                 <a:solidFill>
                   <a:schemeClr val="bg1"/>
                 </a:solidFill>
+                <a:latin typeface="Microsoft YaHei UI" panose="020B0503020204020204" pitchFamily="34" charset="-122"/>
+                <a:ea typeface="Microsoft YaHei UI" panose="020B0503020204020204" pitchFamily="34" charset="-122"/>
               </a:rPr>
               <a:t>此参数用于确定没有定位的子组件如何去适应 </a:t>
             </a:r>
@@ -11713,6 +11839,8 @@
                 <a:solidFill>
                   <a:schemeClr val="bg1"/>
                 </a:solidFill>
+                <a:latin typeface="Microsoft YaHei UI" panose="020B0503020204020204" pitchFamily="34" charset="-122"/>
+                <a:ea typeface="Microsoft YaHei UI" panose="020B0503020204020204" pitchFamily="34" charset="-122"/>
               </a:rPr>
               <a:t>Stack </a:t>
             </a:r>
@@ -11721,6 +11849,8 @@
                 <a:solidFill>
                   <a:schemeClr val="bg1"/>
                 </a:solidFill>
+                <a:latin typeface="Microsoft YaHei UI" panose="020B0503020204020204" pitchFamily="34" charset="-122"/>
+                <a:ea typeface="Microsoft YaHei UI" panose="020B0503020204020204" pitchFamily="34" charset="-122"/>
               </a:rPr>
               <a:t>的大小。</a:t>
             </a:r>
@@ -11729,6 +11859,8 @@
                 <a:solidFill>
                   <a:schemeClr val="bg1"/>
                 </a:solidFill>
+                <a:latin typeface="Microsoft YaHei UI" panose="020B0503020204020204" pitchFamily="34" charset="-122"/>
+                <a:ea typeface="Microsoft YaHei UI" panose="020B0503020204020204" pitchFamily="34" charset="-122"/>
               </a:rPr>
               <a:t>StackFit.loose</a:t>
             </a:r>
@@ -11737,6 +11869,8 @@
                 <a:solidFill>
                   <a:schemeClr val="bg1"/>
                 </a:solidFill>
+                <a:latin typeface="Microsoft YaHei UI" panose="020B0503020204020204" pitchFamily="34" charset="-122"/>
+                <a:ea typeface="Microsoft YaHei UI" panose="020B0503020204020204" pitchFamily="34" charset="-122"/>
               </a:rPr>
               <a:t> </a:t>
             </a:r>
@@ -11745,6 +11879,8 @@
                 <a:solidFill>
                   <a:schemeClr val="bg1"/>
                 </a:solidFill>
+                <a:latin typeface="Microsoft YaHei UI" panose="020B0503020204020204" pitchFamily="34" charset="-122"/>
+                <a:ea typeface="Microsoft YaHei UI" panose="020B0503020204020204" pitchFamily="34" charset="-122"/>
               </a:rPr>
               <a:t>表示使用子组件的大小，</a:t>
             </a:r>
@@ -11753,6 +11889,8 @@
                 <a:solidFill>
                   <a:schemeClr val="bg1"/>
                 </a:solidFill>
+                <a:latin typeface="Microsoft YaHei UI" panose="020B0503020204020204" pitchFamily="34" charset="-122"/>
+                <a:ea typeface="Microsoft YaHei UI" panose="020B0503020204020204" pitchFamily="34" charset="-122"/>
               </a:rPr>
               <a:t>StackFit.expand</a:t>
             </a:r>
@@ -11761,6 +11899,8 @@
                 <a:solidFill>
                   <a:schemeClr val="bg1"/>
                 </a:solidFill>
+                <a:latin typeface="Microsoft YaHei UI" panose="020B0503020204020204" pitchFamily="34" charset="-122"/>
+                <a:ea typeface="Microsoft YaHei UI" panose="020B0503020204020204" pitchFamily="34" charset="-122"/>
               </a:rPr>
               <a:t> </a:t>
             </a:r>
@@ -11769,6 +11909,8 @@
                 <a:solidFill>
                   <a:schemeClr val="bg1"/>
                 </a:solidFill>
+                <a:latin typeface="Microsoft YaHei UI" panose="020B0503020204020204" pitchFamily="34" charset="-122"/>
+                <a:ea typeface="Microsoft YaHei UI" panose="020B0503020204020204" pitchFamily="34" charset="-122"/>
               </a:rPr>
               <a:t>表示扩伸到</a:t>
             </a:r>
@@ -11777,6 +11919,8 @@
                 <a:solidFill>
                   <a:schemeClr val="bg1"/>
                 </a:solidFill>
+                <a:latin typeface="Microsoft YaHei UI" panose="020B0503020204020204" pitchFamily="34" charset="-122"/>
+                <a:ea typeface="Microsoft YaHei UI" panose="020B0503020204020204" pitchFamily="34" charset="-122"/>
               </a:rPr>
               <a:t>Stack </a:t>
             </a:r>
@@ -11785,6 +11929,8 @@
                 <a:solidFill>
                   <a:schemeClr val="bg1"/>
                 </a:solidFill>
+                <a:latin typeface="Microsoft YaHei UI" panose="020B0503020204020204" pitchFamily="34" charset="-122"/>
+                <a:ea typeface="Microsoft YaHei UI" panose="020B0503020204020204" pitchFamily="34" charset="-122"/>
               </a:rPr>
               <a:t>的大小。</a:t>
             </a:r>
@@ -11792,6 +11938,8 @@
               <a:solidFill>
                 <a:schemeClr val="bg1"/>
               </a:solidFill>
+              <a:latin typeface="Microsoft YaHei UI" panose="020B0503020204020204" pitchFamily="34" charset="-122"/>
+              <a:ea typeface="Microsoft YaHei UI" panose="020B0503020204020204" pitchFamily="34" charset="-122"/>
             </a:endParaRPr>
           </a:p>
           <a:p>
@@ -11799,6 +11947,8 @@
               <a:solidFill>
                 <a:schemeClr val="bg1"/>
               </a:solidFill>
+              <a:latin typeface="Microsoft YaHei UI" panose="020B0503020204020204" pitchFamily="34" charset="-122"/>
+              <a:ea typeface="Microsoft YaHei UI" panose="020B0503020204020204" pitchFamily="34" charset="-122"/>
             </a:endParaRPr>
           </a:p>
           <a:p>
@@ -11807,6 +11957,8 @@
                 <a:solidFill>
                   <a:schemeClr val="bg1"/>
                 </a:solidFill>
+                <a:latin typeface="Microsoft YaHei UI" panose="020B0503020204020204" pitchFamily="34" charset="-122"/>
+                <a:ea typeface="Microsoft YaHei UI" panose="020B0503020204020204" pitchFamily="34" charset="-122"/>
               </a:rPr>
               <a:t>overflow: </a:t>
             </a:r>
@@ -11815,6 +11967,8 @@
                 <a:solidFill>
                   <a:schemeClr val="bg1"/>
                 </a:solidFill>
+                <a:latin typeface="Microsoft YaHei UI" panose="020B0503020204020204" pitchFamily="34" charset="-122"/>
+                <a:ea typeface="Microsoft YaHei UI" panose="020B0503020204020204" pitchFamily="34" charset="-122"/>
               </a:rPr>
               <a:t>此属性决定如何显示超出 </a:t>
             </a:r>
@@ -11823,6 +11977,8 @@
                 <a:solidFill>
                   <a:schemeClr val="bg1"/>
                 </a:solidFill>
+                <a:latin typeface="Microsoft YaHei UI" panose="020B0503020204020204" pitchFamily="34" charset="-122"/>
+                <a:ea typeface="Microsoft YaHei UI" panose="020B0503020204020204" pitchFamily="34" charset="-122"/>
               </a:rPr>
               <a:t>Stack </a:t>
             </a:r>
@@ -11831,6 +11987,8 @@
                 <a:solidFill>
                   <a:schemeClr val="bg1"/>
                 </a:solidFill>
+                <a:latin typeface="Microsoft YaHei UI" panose="020B0503020204020204" pitchFamily="34" charset="-122"/>
+                <a:ea typeface="Microsoft YaHei UI" panose="020B0503020204020204" pitchFamily="34" charset="-122"/>
               </a:rPr>
               <a:t>显示空间的子组件；值为 </a:t>
             </a:r>
@@ -11839,6 +11997,8 @@
                 <a:solidFill>
                   <a:schemeClr val="bg1"/>
                 </a:solidFill>
+                <a:latin typeface="Microsoft YaHei UI" panose="020B0503020204020204" pitchFamily="34" charset="-122"/>
+                <a:ea typeface="Microsoft YaHei UI" panose="020B0503020204020204" pitchFamily="34" charset="-122"/>
               </a:rPr>
               <a:t>Overflow.clip</a:t>
             </a:r>
@@ -11847,6 +12007,8 @@
                 <a:solidFill>
                   <a:schemeClr val="bg1"/>
                 </a:solidFill>
+                <a:latin typeface="Microsoft YaHei UI" panose="020B0503020204020204" pitchFamily="34" charset="-122"/>
+                <a:ea typeface="Microsoft YaHei UI" panose="020B0503020204020204" pitchFamily="34" charset="-122"/>
               </a:rPr>
               <a:t> </a:t>
             </a:r>
@@ -11855,6 +12017,8 @@
                 <a:solidFill>
                   <a:schemeClr val="bg1"/>
                 </a:solidFill>
+                <a:latin typeface="Microsoft YaHei UI" panose="020B0503020204020204" pitchFamily="34" charset="-122"/>
+                <a:ea typeface="Microsoft YaHei UI" panose="020B0503020204020204" pitchFamily="34" charset="-122"/>
               </a:rPr>
               <a:t>时，超出部分会被剪裁（隐藏），值为 </a:t>
             </a:r>
@@ -11863,6 +12027,8 @@
                 <a:solidFill>
                   <a:schemeClr val="bg1"/>
                 </a:solidFill>
+                <a:latin typeface="Microsoft YaHei UI" panose="020B0503020204020204" pitchFamily="34" charset="-122"/>
+                <a:ea typeface="Microsoft YaHei UI" panose="020B0503020204020204" pitchFamily="34" charset="-122"/>
               </a:rPr>
               <a:t>Overflow.visible</a:t>
             </a:r>
@@ -11871,6 +12037,8 @@
                 <a:solidFill>
                   <a:schemeClr val="bg1"/>
                 </a:solidFill>
+                <a:latin typeface="Microsoft YaHei UI" panose="020B0503020204020204" pitchFamily="34" charset="-122"/>
+                <a:ea typeface="Microsoft YaHei UI" panose="020B0503020204020204" pitchFamily="34" charset="-122"/>
               </a:rPr>
               <a:t> </a:t>
             </a:r>
@@ -11879,6 +12047,8 @@
                 <a:solidFill>
                   <a:schemeClr val="bg1"/>
                 </a:solidFill>
+                <a:latin typeface="Microsoft YaHei UI" panose="020B0503020204020204" pitchFamily="34" charset="-122"/>
+                <a:ea typeface="Microsoft YaHei UI" panose="020B0503020204020204" pitchFamily="34" charset="-122"/>
               </a:rPr>
               <a:t>时则不会。</a:t>
             </a:r>
@@ -11886,6 +12056,8 @@
               <a:solidFill>
                 <a:schemeClr val="bg1"/>
               </a:solidFill>
+              <a:latin typeface="Microsoft YaHei UI" panose="020B0503020204020204" pitchFamily="34" charset="-122"/>
+              <a:ea typeface="Microsoft YaHei UI" panose="020B0503020204020204" pitchFamily="34" charset="-122"/>
             </a:endParaRPr>
           </a:p>
           <a:p>
@@ -11893,6 +12065,8 @@
               <a:solidFill>
                 <a:schemeClr val="bg1"/>
               </a:solidFill>
+              <a:latin typeface="Microsoft YaHei UI" panose="020B0503020204020204" pitchFamily="34" charset="-122"/>
+              <a:ea typeface="Microsoft YaHei UI" panose="020B0503020204020204" pitchFamily="34" charset="-122"/>
             </a:endParaRPr>
           </a:p>
           <a:p>
@@ -11901,6 +12075,8 @@
                 <a:solidFill>
                   <a:schemeClr val="bg1"/>
                 </a:solidFill>
+                <a:latin typeface="Microsoft YaHei UI" panose="020B0503020204020204" pitchFamily="34" charset="-122"/>
+                <a:ea typeface="Microsoft YaHei UI" panose="020B0503020204020204" pitchFamily="34" charset="-122"/>
               </a:rPr>
               <a:t>定位属性跟 </a:t>
             </a:r>
@@ -11909,6 +12085,8 @@
                 <a:solidFill>
                   <a:schemeClr val="bg1"/>
                 </a:solidFill>
+                <a:latin typeface="Microsoft YaHei UI" panose="020B0503020204020204" pitchFamily="34" charset="-122"/>
+                <a:ea typeface="Microsoft YaHei UI" panose="020B0503020204020204" pitchFamily="34" charset="-122"/>
               </a:rPr>
               <a:t>web </a:t>
             </a:r>
@@ -11917,6 +12095,8 @@
                 <a:solidFill>
                   <a:schemeClr val="bg1"/>
                 </a:solidFill>
+                <a:latin typeface="Microsoft YaHei UI" panose="020B0503020204020204" pitchFamily="34" charset="-122"/>
+                <a:ea typeface="Microsoft YaHei UI" panose="020B0503020204020204" pitchFamily="34" charset="-122"/>
               </a:rPr>
               <a:t>中的绝对定位概念一致。同一轴上，给定其中任意两个值，就会自动计算出第三个值（</a:t>
             </a:r>
@@ -11925,6 +12105,8 @@
                 <a:solidFill>
                   <a:schemeClr val="bg1"/>
                 </a:solidFill>
+                <a:latin typeface="Microsoft YaHei UI" panose="020B0503020204020204" pitchFamily="34" charset="-122"/>
+                <a:ea typeface="Microsoft YaHei UI" panose="020B0503020204020204" pitchFamily="34" charset="-122"/>
               </a:rPr>
               <a:t>web </a:t>
             </a:r>
@@ -11933,6 +12115,8 @@
                 <a:solidFill>
                   <a:schemeClr val="bg1"/>
                 </a:solidFill>
+                <a:latin typeface="Microsoft YaHei UI" panose="020B0503020204020204" pitchFamily="34" charset="-122"/>
+                <a:ea typeface="Microsoft YaHei UI" panose="020B0503020204020204" pitchFamily="34" charset="-122"/>
               </a:rPr>
               <a:t>中一样）。</a:t>
             </a:r>
@@ -11941,6 +12125,8 @@
                 <a:solidFill>
                   <a:schemeClr val="bg1"/>
                 </a:solidFill>
+                <a:latin typeface="Microsoft YaHei UI" panose="020B0503020204020204" pitchFamily="34" charset="-122"/>
+                <a:ea typeface="Microsoft YaHei UI" panose="020B0503020204020204" pitchFamily="34" charset="-122"/>
               </a:rPr>
               <a:t>Flutter </a:t>
             </a:r>
@@ -11949,6 +12135,8 @@
                 <a:solidFill>
                   <a:schemeClr val="bg1"/>
                 </a:solidFill>
+                <a:latin typeface="Microsoft YaHei UI" panose="020B0503020204020204" pitchFamily="34" charset="-122"/>
+                <a:ea typeface="Microsoft YaHei UI" panose="020B0503020204020204" pitchFamily="34" charset="-122"/>
               </a:rPr>
               <a:t>中同时指定同一轴上的三个属性就会报错。</a:t>
             </a:r>
@@ -12754,6 +12942,8 @@
                 <a:solidFill>
                   <a:schemeClr val="bg1"/>
                 </a:solidFill>
+                <a:latin typeface="Microsoft YaHei UI" panose="020B0503020204020204" pitchFamily="34" charset="-122"/>
+                <a:ea typeface="Microsoft YaHei UI" panose="020B0503020204020204" pitchFamily="34" charset="-122"/>
               </a:rPr>
               <a:t>Flutter </a:t>
             </a:r>
@@ -12762,6 +12952,8 @@
                 <a:solidFill>
                   <a:schemeClr val="bg1"/>
                 </a:solidFill>
+                <a:latin typeface="Microsoft YaHei UI" panose="020B0503020204020204" pitchFamily="34" charset="-122"/>
+                <a:ea typeface="Microsoft YaHei UI" panose="020B0503020204020204" pitchFamily="34" charset="-122"/>
               </a:rPr>
               <a:t>是 </a:t>
             </a:r>
@@ -12770,6 +12962,8 @@
                 <a:solidFill>
                   <a:schemeClr val="bg1"/>
                 </a:solidFill>
+                <a:latin typeface="Microsoft YaHei UI" panose="020B0503020204020204" pitchFamily="34" charset="-122"/>
+                <a:ea typeface="Microsoft YaHei UI" panose="020B0503020204020204" pitchFamily="34" charset="-122"/>
               </a:rPr>
               <a:t>Google 2017</a:t>
             </a:r>
@@ -12778,6 +12972,8 @@
                 <a:solidFill>
                   <a:schemeClr val="bg1"/>
                 </a:solidFill>
+                <a:latin typeface="Microsoft YaHei UI" panose="020B0503020204020204" pitchFamily="34" charset="-122"/>
+                <a:ea typeface="Microsoft YaHei UI" panose="020B0503020204020204" pitchFamily="34" charset="-122"/>
               </a:rPr>
               <a:t>年 在 </a:t>
             </a:r>
@@ -12786,6 +12982,8 @@
                 <a:solidFill>
                   <a:schemeClr val="bg1"/>
                 </a:solidFill>
+                <a:latin typeface="Microsoft YaHei UI" panose="020B0503020204020204" pitchFamily="34" charset="-122"/>
+                <a:ea typeface="Microsoft YaHei UI" panose="020B0503020204020204" pitchFamily="34" charset="-122"/>
               </a:rPr>
               <a:t>Google I/O </a:t>
             </a:r>
@@ -12794,6 +12992,8 @@
                 <a:solidFill>
                   <a:schemeClr val="bg1"/>
                 </a:solidFill>
+                <a:latin typeface="Microsoft YaHei UI" panose="020B0503020204020204" pitchFamily="34" charset="-122"/>
+                <a:ea typeface="Microsoft YaHei UI" panose="020B0503020204020204" pitchFamily="34" charset="-122"/>
               </a:rPr>
               <a:t>大会上推出的一款用于</a:t>
             </a:r>
@@ -12802,6 +13002,8 @@
                 <a:solidFill>
                   <a:schemeClr val="bg1"/>
                 </a:solidFill>
+                <a:latin typeface="Microsoft YaHei UI" panose="020B0503020204020204" pitchFamily="34" charset="-122"/>
+                <a:ea typeface="Microsoft YaHei UI" panose="020B0503020204020204" pitchFamily="34" charset="-122"/>
               </a:rPr>
               <a:t>跨平台、高性能的移动应用框架</a:t>
             </a:r>
@@ -12810,6 +13012,8 @@
                 <a:solidFill>
                   <a:schemeClr val="bg1"/>
                 </a:solidFill>
+                <a:latin typeface="Microsoft YaHei UI" panose="020B0503020204020204" pitchFamily="34" charset="-122"/>
+                <a:ea typeface="Microsoft YaHei UI" panose="020B0503020204020204" pitchFamily="34" charset="-122"/>
               </a:rPr>
               <a:t>。</a:t>
             </a:r>
@@ -12817,6 +13021,8 @@
               <a:solidFill>
                 <a:schemeClr val="bg1"/>
               </a:solidFill>
+              <a:latin typeface="Microsoft YaHei UI" panose="020B0503020204020204" pitchFamily="34" charset="-122"/>
+              <a:ea typeface="Microsoft YaHei UI" panose="020B0503020204020204" pitchFamily="34" charset="-122"/>
             </a:endParaRPr>
           </a:p>
           <a:p>
@@ -12824,6 +13030,8 @@
               <a:solidFill>
                 <a:schemeClr val="bg1"/>
               </a:solidFill>
+              <a:latin typeface="Microsoft YaHei UI" panose="020B0503020204020204" pitchFamily="34" charset="-122"/>
+              <a:ea typeface="Microsoft YaHei UI" panose="020B0503020204020204" pitchFamily="34" charset="-122"/>
             </a:endParaRPr>
           </a:p>
           <a:p>
@@ -12836,6 +13044,8 @@
                 <a:solidFill>
                   <a:schemeClr val="bg1"/>
                 </a:solidFill>
+                <a:latin typeface="Microsoft YaHei UI" panose="020B0503020204020204" pitchFamily="34" charset="-122"/>
+                <a:ea typeface="Microsoft YaHei UI" panose="020B0503020204020204" pitchFamily="34" charset="-122"/>
               </a:rPr>
               <a:t>跨平台</a:t>
             </a:r>
@@ -12843,6 +13053,8 @@
               <a:solidFill>
                 <a:schemeClr val="bg1"/>
               </a:solidFill>
+              <a:latin typeface="Microsoft YaHei UI" panose="020B0503020204020204" pitchFamily="34" charset="-122"/>
+              <a:ea typeface="Microsoft YaHei UI" panose="020B0503020204020204" pitchFamily="34" charset="-122"/>
             </a:endParaRPr>
           </a:p>
           <a:p>
@@ -12851,6 +13063,8 @@
                 <a:solidFill>
                   <a:schemeClr val="bg1"/>
                 </a:solidFill>
+                <a:latin typeface="Microsoft YaHei UI" panose="020B0503020204020204" pitchFamily="34" charset="-122"/>
+                <a:ea typeface="Microsoft YaHei UI" panose="020B0503020204020204" pitchFamily="34" charset="-122"/>
               </a:rPr>
               <a:t>对比其他移动端开发手段，</a:t>
             </a:r>
@@ -12859,6 +13073,8 @@
                 <a:solidFill>
                   <a:schemeClr val="bg1"/>
                 </a:solidFill>
+                <a:latin typeface="Microsoft YaHei UI" panose="020B0503020204020204" pitchFamily="34" charset="-122"/>
+                <a:ea typeface="Microsoft YaHei UI" panose="020B0503020204020204" pitchFamily="34" charset="-122"/>
               </a:rPr>
               <a:t>Flutter </a:t>
             </a:r>
@@ -12867,6 +13083,8 @@
                 <a:solidFill>
                   <a:schemeClr val="bg1"/>
                 </a:solidFill>
+                <a:latin typeface="Microsoft YaHei UI" panose="020B0503020204020204" pitchFamily="34" charset="-122"/>
+                <a:ea typeface="Microsoft YaHei UI" panose="020B0503020204020204" pitchFamily="34" charset="-122"/>
               </a:rPr>
               <a:t>使用</a:t>
             </a:r>
@@ -12875,6 +13093,8 @@
                 <a:solidFill>
                   <a:schemeClr val="bg1"/>
                 </a:solidFill>
+                <a:latin typeface="Microsoft YaHei UI" panose="020B0503020204020204" pitchFamily="34" charset="-122"/>
+                <a:ea typeface="Microsoft YaHei UI" panose="020B0503020204020204" pitchFamily="34" charset="-122"/>
               </a:rPr>
               <a:t>自绘</a:t>
             </a:r>
@@ -12883,6 +13103,8 @@
                 <a:solidFill>
                   <a:schemeClr val="bg1"/>
                 </a:solidFill>
+                <a:latin typeface="Microsoft YaHei UI" panose="020B0503020204020204" pitchFamily="34" charset="-122"/>
+                <a:ea typeface="Microsoft YaHei UI" panose="020B0503020204020204" pitchFamily="34" charset="-122"/>
               </a:rPr>
               <a:t>UI + </a:t>
             </a:r>
@@ -12891,6 +13113,8 @@
                 <a:solidFill>
                   <a:schemeClr val="bg1"/>
                 </a:solidFill>
+                <a:latin typeface="Microsoft YaHei UI" panose="020B0503020204020204" pitchFamily="34" charset="-122"/>
+                <a:ea typeface="Microsoft YaHei UI" panose="020B0503020204020204" pitchFamily="34" charset="-122"/>
               </a:rPr>
               <a:t>原生</a:t>
             </a:r>
@@ -12899,6 +13123,8 @@
                 <a:solidFill>
                   <a:schemeClr val="bg1"/>
                 </a:solidFill>
+                <a:latin typeface="Microsoft YaHei UI" panose="020B0503020204020204" pitchFamily="34" charset="-122"/>
+                <a:ea typeface="Microsoft YaHei UI" panose="020B0503020204020204" pitchFamily="34" charset="-122"/>
               </a:rPr>
               <a:t>，因为是自绘</a:t>
             </a:r>
@@ -12907,6 +13133,8 @@
                 <a:solidFill>
                   <a:schemeClr val="bg1"/>
                 </a:solidFill>
+                <a:latin typeface="Microsoft YaHei UI" panose="020B0503020204020204" pitchFamily="34" charset="-122"/>
+                <a:ea typeface="Microsoft YaHei UI" panose="020B0503020204020204" pitchFamily="34" charset="-122"/>
               </a:rPr>
               <a:t>UI</a:t>
             </a:r>
@@ -12915,6 +13143,8 @@
                 <a:solidFill>
                   <a:schemeClr val="bg1"/>
                 </a:solidFill>
+                <a:latin typeface="Microsoft YaHei UI" panose="020B0503020204020204" pitchFamily="34" charset="-122"/>
+                <a:ea typeface="Microsoft YaHei UI" panose="020B0503020204020204" pitchFamily="34" charset="-122"/>
               </a:rPr>
               <a:t>， </a:t>
             </a:r>
@@ -12923,6 +13153,8 @@
                 <a:solidFill>
                   <a:schemeClr val="bg1"/>
                 </a:solidFill>
+                <a:latin typeface="Microsoft YaHei UI" panose="020B0503020204020204" pitchFamily="34" charset="-122"/>
+                <a:ea typeface="Microsoft YaHei UI" panose="020B0503020204020204" pitchFamily="34" charset="-122"/>
               </a:rPr>
               <a:t>所以可以确保在</a:t>
             </a:r>
@@ -12931,6 +13163,8 @@
                 <a:solidFill>
                   <a:schemeClr val="bg1"/>
                 </a:solidFill>
+                <a:latin typeface="Microsoft YaHei UI" panose="020B0503020204020204" pitchFamily="34" charset="-122"/>
+                <a:ea typeface="Microsoft YaHei UI" panose="020B0503020204020204" pitchFamily="34" charset="-122"/>
               </a:rPr>
               <a:t>多平台上 </a:t>
             </a:r>
@@ -12939,6 +13173,8 @@
                 <a:solidFill>
                   <a:schemeClr val="bg1"/>
                 </a:solidFill>
+                <a:latin typeface="Microsoft YaHei UI" panose="020B0503020204020204" pitchFamily="34" charset="-122"/>
+                <a:ea typeface="Microsoft YaHei UI" panose="020B0503020204020204" pitchFamily="34" charset="-122"/>
               </a:rPr>
               <a:t>UI </a:t>
             </a:r>
@@ -12947,6 +13183,8 @@
                 <a:solidFill>
                   <a:schemeClr val="bg1"/>
                 </a:solidFill>
+                <a:latin typeface="Microsoft YaHei UI" panose="020B0503020204020204" pitchFamily="34" charset="-122"/>
+                <a:ea typeface="Microsoft YaHei UI" panose="020B0503020204020204" pitchFamily="34" charset="-122"/>
               </a:rPr>
               <a:t>保持一致</a:t>
             </a:r>
@@ -12955,6 +13193,8 @@
                 <a:solidFill>
                   <a:schemeClr val="bg1"/>
                 </a:solidFill>
+                <a:latin typeface="Microsoft YaHei UI" panose="020B0503020204020204" pitchFamily="34" charset="-122"/>
+                <a:ea typeface="Microsoft YaHei UI" panose="020B0503020204020204" pitchFamily="34" charset="-122"/>
               </a:rPr>
               <a:t>。</a:t>
             </a:r>
@@ -12962,6 +13202,8 @@
               <a:solidFill>
                 <a:schemeClr val="bg1"/>
               </a:solidFill>
+              <a:latin typeface="Microsoft YaHei UI" panose="020B0503020204020204" pitchFamily="34" charset="-122"/>
+              <a:ea typeface="Microsoft YaHei UI" panose="020B0503020204020204" pitchFamily="34" charset="-122"/>
             </a:endParaRPr>
           </a:p>
           <a:p>
@@ -12969,6 +13211,8 @@
               <a:solidFill>
                 <a:schemeClr val="bg1"/>
               </a:solidFill>
+              <a:latin typeface="Microsoft YaHei UI" panose="020B0503020204020204" pitchFamily="34" charset="-122"/>
+              <a:ea typeface="Microsoft YaHei UI" panose="020B0503020204020204" pitchFamily="34" charset="-122"/>
             </a:endParaRPr>
           </a:p>
           <a:p>
@@ -12981,6 +13225,8 @@
                 <a:solidFill>
                   <a:schemeClr val="bg1"/>
                 </a:solidFill>
+                <a:latin typeface="Microsoft YaHei UI" panose="020B0503020204020204" pitchFamily="34" charset="-122"/>
+                <a:ea typeface="Microsoft YaHei UI" panose="020B0503020204020204" pitchFamily="34" charset="-122"/>
               </a:rPr>
               <a:t>高性能</a:t>
             </a:r>
@@ -12988,6 +13234,8 @@
               <a:solidFill>
                 <a:schemeClr val="bg1"/>
               </a:solidFill>
+              <a:latin typeface="Microsoft YaHei UI" panose="020B0503020204020204" pitchFamily="34" charset="-122"/>
+              <a:ea typeface="Microsoft YaHei UI" panose="020B0503020204020204" pitchFamily="34" charset="-122"/>
             </a:endParaRPr>
           </a:p>
           <a:p>
@@ -12996,6 +13244,8 @@
                 <a:solidFill>
                   <a:schemeClr val="bg1"/>
                 </a:solidFill>
+                <a:latin typeface="Microsoft YaHei UI" panose="020B0503020204020204" pitchFamily="34" charset="-122"/>
+                <a:ea typeface="Microsoft YaHei UI" panose="020B0503020204020204" pitchFamily="34" charset="-122"/>
               </a:rPr>
               <a:t>同样因为使用自绘</a:t>
             </a:r>
@@ -13004,6 +13254,8 @@
                 <a:solidFill>
                   <a:schemeClr val="bg1"/>
                 </a:solidFill>
+                <a:latin typeface="Microsoft YaHei UI" panose="020B0503020204020204" pitchFamily="34" charset="-122"/>
+                <a:ea typeface="Microsoft YaHei UI" panose="020B0503020204020204" pitchFamily="34" charset="-122"/>
               </a:rPr>
               <a:t>UI + </a:t>
             </a:r>
@@ -13012,6 +13264,8 @@
                 <a:solidFill>
                   <a:schemeClr val="bg1"/>
                 </a:solidFill>
+                <a:latin typeface="Microsoft YaHei UI" panose="020B0503020204020204" pitchFamily="34" charset="-122"/>
+                <a:ea typeface="Microsoft YaHei UI" panose="020B0503020204020204" pitchFamily="34" charset="-122"/>
               </a:rPr>
               <a:t>原生，对比 </a:t>
             </a:r>
@@ -13020,6 +13274,8 @@
                 <a:solidFill>
                   <a:schemeClr val="bg1"/>
                 </a:solidFill>
+                <a:latin typeface="Microsoft YaHei UI" panose="020B0503020204020204" pitchFamily="34" charset="-122"/>
+                <a:ea typeface="Microsoft YaHei UI" panose="020B0503020204020204" pitchFamily="34" charset="-122"/>
               </a:rPr>
               <a:t>H5</a:t>
             </a:r>
@@ -13028,6 +13284,8 @@
                 <a:solidFill>
                   <a:schemeClr val="bg1"/>
                 </a:solidFill>
+                <a:latin typeface="Microsoft YaHei UI" panose="020B0503020204020204" pitchFamily="34" charset="-122"/>
+                <a:ea typeface="Microsoft YaHei UI" panose="020B0503020204020204" pitchFamily="34" charset="-122"/>
               </a:rPr>
               <a:t>（</a:t>
             </a:r>
@@ -13036,6 +13294,8 @@
                 <a:solidFill>
                   <a:schemeClr val="bg1"/>
                 </a:solidFill>
+                <a:latin typeface="Microsoft YaHei UI" panose="020B0503020204020204" pitchFamily="34" charset="-122"/>
+                <a:ea typeface="Microsoft YaHei UI" panose="020B0503020204020204" pitchFamily="34" charset="-122"/>
               </a:rPr>
               <a:t>WebView</a:t>
             </a:r>
@@ -13044,6 +13304,8 @@
                 <a:solidFill>
                   <a:schemeClr val="bg1"/>
                 </a:solidFill>
+                <a:latin typeface="Microsoft YaHei UI" panose="020B0503020204020204" pitchFamily="34" charset="-122"/>
+                <a:ea typeface="Microsoft YaHei UI" panose="020B0503020204020204" pitchFamily="34" charset="-122"/>
               </a:rPr>
               <a:t>） </a:t>
             </a:r>
@@ -13052,6 +13314,8 @@
                 <a:solidFill>
                   <a:schemeClr val="bg1"/>
                 </a:solidFill>
+                <a:latin typeface="Microsoft YaHei UI" panose="020B0503020204020204" pitchFamily="34" charset="-122"/>
+                <a:ea typeface="Microsoft YaHei UI" panose="020B0503020204020204" pitchFamily="34" charset="-122"/>
               </a:rPr>
               <a:t>+ </a:t>
             </a:r>
@@ -13060,6 +13324,8 @@
                 <a:solidFill>
                   <a:schemeClr val="bg1"/>
                 </a:solidFill>
+                <a:latin typeface="Microsoft YaHei UI" panose="020B0503020204020204" pitchFamily="34" charset="-122"/>
+                <a:ea typeface="Microsoft YaHei UI" panose="020B0503020204020204" pitchFamily="34" charset="-122"/>
               </a:rPr>
               <a:t>原生（</a:t>
             </a:r>
@@ -13068,6 +13334,8 @@
                 <a:solidFill>
                   <a:schemeClr val="bg1"/>
                 </a:solidFill>
+                <a:latin typeface="Microsoft YaHei UI" panose="020B0503020204020204" pitchFamily="34" charset="-122"/>
+                <a:ea typeface="Microsoft YaHei UI" panose="020B0503020204020204" pitchFamily="34" charset="-122"/>
               </a:rPr>
               <a:t>Ionic</a:t>
             </a:r>
@@ -13076,6 +13344,8 @@
                 <a:solidFill>
                   <a:schemeClr val="bg1"/>
                 </a:solidFill>
+                <a:latin typeface="Microsoft YaHei UI" panose="020B0503020204020204" pitchFamily="34" charset="-122"/>
+                <a:ea typeface="Microsoft YaHei UI" panose="020B0503020204020204" pitchFamily="34" charset="-122"/>
               </a:rPr>
               <a:t>），</a:t>
             </a:r>
@@ -13084,6 +13354,8 @@
                 <a:solidFill>
                   <a:schemeClr val="bg1"/>
                 </a:solidFill>
+                <a:latin typeface="Microsoft YaHei UI" panose="020B0503020204020204" pitchFamily="34" charset="-122"/>
+                <a:ea typeface="Microsoft YaHei UI" panose="020B0503020204020204" pitchFamily="34" charset="-122"/>
               </a:rPr>
               <a:t>或者 </a:t>
             </a:r>
@@ -13092,6 +13364,8 @@
                 <a:solidFill>
                   <a:schemeClr val="bg1"/>
                 </a:solidFill>
+                <a:latin typeface="Microsoft YaHei UI" panose="020B0503020204020204" pitchFamily="34" charset="-122"/>
+                <a:ea typeface="Microsoft YaHei UI" panose="020B0503020204020204" pitchFamily="34" charset="-122"/>
               </a:rPr>
               <a:t>React</a:t>
             </a:r>
@@ -13100,6 +13374,8 @@
                 <a:solidFill>
                   <a:schemeClr val="bg1"/>
                 </a:solidFill>
+                <a:latin typeface="Microsoft YaHei UI" panose="020B0503020204020204" pitchFamily="34" charset="-122"/>
+                <a:ea typeface="Microsoft YaHei UI" panose="020B0503020204020204" pitchFamily="34" charset="-122"/>
               </a:rPr>
               <a:t> </a:t>
             </a:r>
@@ -13108,6 +13384,8 @@
                 <a:solidFill>
                   <a:schemeClr val="bg1"/>
                 </a:solidFill>
+                <a:latin typeface="Microsoft YaHei UI" panose="020B0503020204020204" pitchFamily="34" charset="-122"/>
+                <a:ea typeface="Microsoft YaHei UI" panose="020B0503020204020204" pitchFamily="34" charset="-122"/>
               </a:rPr>
               <a:t>Native</a:t>
             </a:r>
@@ -13116,6 +13394,8 @@
                 <a:solidFill>
                   <a:schemeClr val="bg1"/>
                 </a:solidFill>
+                <a:latin typeface="Microsoft YaHei UI" panose="020B0503020204020204" pitchFamily="34" charset="-122"/>
+                <a:ea typeface="Microsoft YaHei UI" panose="020B0503020204020204" pitchFamily="34" charset="-122"/>
               </a:rPr>
               <a:t>（</a:t>
             </a:r>
@@ -13124,6 +13404,8 @@
                 <a:solidFill>
                   <a:schemeClr val="bg1"/>
                 </a:solidFill>
+                <a:latin typeface="Microsoft YaHei UI" panose="020B0503020204020204" pitchFamily="34" charset="-122"/>
+                <a:ea typeface="Microsoft YaHei UI" panose="020B0503020204020204" pitchFamily="34" charset="-122"/>
               </a:rPr>
               <a:t>JS</a:t>
             </a:r>
@@ -13132,6 +13414,8 @@
                 <a:solidFill>
                   <a:schemeClr val="bg1"/>
                 </a:solidFill>
+                <a:latin typeface="Microsoft YaHei UI" panose="020B0503020204020204" pitchFamily="34" charset="-122"/>
+                <a:ea typeface="Microsoft YaHei UI" panose="020B0503020204020204" pitchFamily="34" charset="-122"/>
               </a:rPr>
               <a:t> + </a:t>
             </a:r>
@@ -13140,6 +13424,8 @@
                 <a:solidFill>
                   <a:schemeClr val="bg1"/>
                 </a:solidFill>
+                <a:latin typeface="Microsoft YaHei UI" panose="020B0503020204020204" pitchFamily="34" charset="-122"/>
+                <a:ea typeface="Microsoft YaHei UI" panose="020B0503020204020204" pitchFamily="34" charset="-122"/>
               </a:rPr>
               <a:t>原生），</a:t>
             </a:r>
@@ -13148,6 +13434,8 @@
                 <a:solidFill>
                   <a:schemeClr val="bg1"/>
                 </a:solidFill>
+                <a:latin typeface="Microsoft YaHei UI" panose="020B0503020204020204" pitchFamily="34" charset="-122"/>
+                <a:ea typeface="Microsoft YaHei UI" panose="020B0503020204020204" pitchFamily="34" charset="-122"/>
               </a:rPr>
               <a:t>Flutter </a:t>
             </a:r>
@@ -13156,6 +13444,8 @@
                 <a:solidFill>
                   <a:schemeClr val="bg1"/>
                 </a:solidFill>
+                <a:latin typeface="Microsoft YaHei UI" panose="020B0503020204020204" pitchFamily="34" charset="-122"/>
+                <a:ea typeface="Microsoft YaHei UI" panose="020B0503020204020204" pitchFamily="34" charset="-122"/>
               </a:rPr>
               <a:t>省去了中间通信的性能损失以及控件树的转换过程，所以性能更高</a:t>
             </a:r>
@@ -13164,6 +13454,8 @@
                 <a:solidFill>
                   <a:schemeClr val="bg1"/>
                 </a:solidFill>
+                <a:latin typeface="Microsoft YaHei UI" panose="020B0503020204020204" pitchFamily="34" charset="-122"/>
+                <a:ea typeface="Microsoft YaHei UI" panose="020B0503020204020204" pitchFamily="34" charset="-122"/>
               </a:rPr>
               <a:t>。</a:t>
             </a:r>
@@ -13171,6 +13463,8 @@
               <a:solidFill>
                 <a:schemeClr val="bg1"/>
               </a:solidFill>
+              <a:latin typeface="Microsoft YaHei UI" panose="020B0503020204020204" pitchFamily="34" charset="-122"/>
+              <a:ea typeface="Microsoft YaHei UI" panose="020B0503020204020204" pitchFamily="34" charset="-122"/>
             </a:endParaRPr>
           </a:p>
           <a:p>
@@ -13178,6 +13472,8 @@
               <a:solidFill>
                 <a:schemeClr val="bg1"/>
               </a:solidFill>
+              <a:latin typeface="Microsoft YaHei UI" panose="020B0503020204020204" pitchFamily="34" charset="-122"/>
+              <a:ea typeface="Microsoft YaHei UI" panose="020B0503020204020204" pitchFamily="34" charset="-122"/>
             </a:endParaRPr>
           </a:p>
           <a:p>
@@ -13190,6 +13486,8 @@
                 <a:solidFill>
                   <a:schemeClr val="bg1"/>
                 </a:solidFill>
+                <a:latin typeface="Microsoft YaHei UI" panose="020B0503020204020204" pitchFamily="34" charset="-122"/>
+                <a:ea typeface="Microsoft YaHei UI" panose="020B0503020204020204" pitchFamily="34" charset="-122"/>
               </a:rPr>
               <a:t>开发效率</a:t>
             </a:r>
@@ -13197,6 +13495,8 @@
               <a:solidFill>
                 <a:schemeClr val="bg1"/>
               </a:solidFill>
+              <a:latin typeface="Microsoft YaHei UI" panose="020B0503020204020204" pitchFamily="34" charset="-122"/>
+              <a:ea typeface="Microsoft YaHei UI" panose="020B0503020204020204" pitchFamily="34" charset="-122"/>
             </a:endParaRPr>
           </a:p>
           <a:p>
@@ -13205,6 +13505,8 @@
                 <a:solidFill>
                   <a:schemeClr val="bg1"/>
                 </a:solidFill>
+                <a:latin typeface="Microsoft YaHei UI" panose="020B0503020204020204" pitchFamily="34" charset="-122"/>
+                <a:ea typeface="Microsoft YaHei UI" panose="020B0503020204020204" pitchFamily="34" charset="-122"/>
               </a:rPr>
               <a:t>得益于 </a:t>
             </a:r>
@@ -13213,6 +13515,8 @@
                 <a:solidFill>
                   <a:schemeClr val="bg1"/>
                 </a:solidFill>
+                <a:latin typeface="Microsoft YaHei UI" panose="020B0503020204020204" pitchFamily="34" charset="-122"/>
+                <a:ea typeface="Microsoft YaHei UI" panose="020B0503020204020204" pitchFamily="34" charset="-122"/>
               </a:rPr>
               <a:t>Dart </a:t>
             </a:r>
@@ -13221,6 +13525,8 @@
                 <a:solidFill>
                   <a:schemeClr val="bg1"/>
                 </a:solidFill>
+                <a:latin typeface="Microsoft YaHei UI" panose="020B0503020204020204" pitchFamily="34" charset="-122"/>
+                <a:ea typeface="Microsoft YaHei UI" panose="020B0503020204020204" pitchFamily="34" charset="-122"/>
               </a:rPr>
               <a:t>的语言特性，</a:t>
             </a:r>
@@ -13229,6 +13535,8 @@
                 <a:solidFill>
                   <a:schemeClr val="bg1"/>
                 </a:solidFill>
+                <a:latin typeface="Microsoft YaHei UI" panose="020B0503020204020204" pitchFamily="34" charset="-122"/>
+                <a:ea typeface="Microsoft YaHei UI" panose="020B0503020204020204" pitchFamily="34" charset="-122"/>
               </a:rPr>
               <a:t>开发阶段即时编译</a:t>
             </a:r>
@@ -13237,6 +13545,8 @@
                 <a:solidFill>
                   <a:schemeClr val="bg1"/>
                 </a:solidFill>
+                <a:latin typeface="Microsoft YaHei UI" panose="020B0503020204020204" pitchFamily="34" charset="-122"/>
+                <a:ea typeface="Microsoft YaHei UI" panose="020B0503020204020204" pitchFamily="34" charset="-122"/>
               </a:rPr>
               <a:t>JIT</a:t>
             </a:r>
@@ -13245,6 +13555,8 @@
                 <a:solidFill>
                   <a:schemeClr val="bg1"/>
                 </a:solidFill>
+                <a:latin typeface="Microsoft YaHei UI" panose="020B0503020204020204" pitchFamily="34" charset="-122"/>
+                <a:ea typeface="Microsoft YaHei UI" panose="020B0503020204020204" pitchFamily="34" charset="-122"/>
               </a:rPr>
               <a:t>（</a:t>
             </a:r>
@@ -13253,6 +13565,8 @@
                 <a:solidFill>
                   <a:schemeClr val="bg1"/>
                 </a:solidFill>
+                <a:latin typeface="Microsoft YaHei UI" panose="020B0503020204020204" pitchFamily="34" charset="-122"/>
+                <a:ea typeface="Microsoft YaHei UI" panose="020B0503020204020204" pitchFamily="34" charset="-122"/>
               </a:rPr>
               <a:t>Just in time</a:t>
             </a:r>
@@ -13261,6 +13575,8 @@
                 <a:solidFill>
                   <a:schemeClr val="bg1"/>
                 </a:solidFill>
+                <a:latin typeface="Microsoft YaHei UI" panose="020B0503020204020204" pitchFamily="34" charset="-122"/>
+                <a:ea typeface="Microsoft YaHei UI" panose="020B0503020204020204" pitchFamily="34" charset="-122"/>
               </a:rPr>
               <a:t>）</a:t>
             </a:r>
@@ -13269,6 +13585,8 @@
                 <a:solidFill>
                   <a:schemeClr val="bg1"/>
                 </a:solidFill>
+                <a:latin typeface="Microsoft YaHei UI" panose="020B0503020204020204" pitchFamily="34" charset="-122"/>
+                <a:ea typeface="Microsoft YaHei UI" panose="020B0503020204020204" pitchFamily="34" charset="-122"/>
               </a:rPr>
               <a:t>可以使用热重载（</a:t>
             </a:r>
@@ -13277,6 +13595,8 @@
                 <a:solidFill>
                   <a:schemeClr val="bg1"/>
                 </a:solidFill>
+                <a:latin typeface="Microsoft YaHei UI" panose="020B0503020204020204" pitchFamily="34" charset="-122"/>
+                <a:ea typeface="Microsoft YaHei UI" panose="020B0503020204020204" pitchFamily="34" charset="-122"/>
               </a:rPr>
               <a:t>hot reload</a:t>
             </a:r>
@@ -13285,6 +13605,8 @@
                 <a:solidFill>
                   <a:schemeClr val="bg1"/>
                 </a:solidFill>
+                <a:latin typeface="Microsoft YaHei UI" panose="020B0503020204020204" pitchFamily="34" charset="-122"/>
+                <a:ea typeface="Microsoft YaHei UI" panose="020B0503020204020204" pitchFamily="34" charset="-122"/>
               </a:rPr>
               <a:t>）</a:t>
             </a:r>
@@ -13293,6 +13615,8 @@
                 <a:solidFill>
                   <a:schemeClr val="bg1"/>
                 </a:solidFill>
+                <a:latin typeface="Microsoft YaHei UI" panose="020B0503020204020204" pitchFamily="34" charset="-122"/>
+                <a:ea typeface="Microsoft YaHei UI" panose="020B0503020204020204" pitchFamily="34" charset="-122"/>
               </a:rPr>
               <a:t>功能，减少每次修改都需要重新打包的时间损耗</a:t>
             </a:r>
@@ -13301,6 +13625,8 @@
                 <a:solidFill>
                   <a:schemeClr val="bg1"/>
                 </a:solidFill>
+                <a:latin typeface="Microsoft YaHei UI" panose="020B0503020204020204" pitchFamily="34" charset="-122"/>
+                <a:ea typeface="Microsoft YaHei UI" panose="020B0503020204020204" pitchFamily="34" charset="-122"/>
               </a:rPr>
               <a:t>。发版阶段使用提前编译</a:t>
             </a:r>
@@ -13309,6 +13635,8 @@
                 <a:solidFill>
                   <a:schemeClr val="bg1"/>
                 </a:solidFill>
+                <a:latin typeface="Microsoft YaHei UI" panose="020B0503020204020204" pitchFamily="34" charset="-122"/>
+                <a:ea typeface="Microsoft YaHei UI" panose="020B0503020204020204" pitchFamily="34" charset="-122"/>
               </a:rPr>
               <a:t>AOT</a:t>
             </a:r>
@@ -13317,6 +13645,8 @@
                 <a:solidFill>
                   <a:schemeClr val="bg1"/>
                 </a:solidFill>
+                <a:latin typeface="Microsoft YaHei UI" panose="020B0503020204020204" pitchFamily="34" charset="-122"/>
+                <a:ea typeface="Microsoft YaHei UI" panose="020B0503020204020204" pitchFamily="34" charset="-122"/>
               </a:rPr>
               <a:t>（</a:t>
             </a:r>
@@ -13325,6 +13655,8 @@
                 <a:solidFill>
                   <a:schemeClr val="bg1"/>
                 </a:solidFill>
+                <a:latin typeface="Microsoft YaHei UI" panose="020B0503020204020204" pitchFamily="34" charset="-122"/>
+                <a:ea typeface="Microsoft YaHei UI" panose="020B0503020204020204" pitchFamily="34" charset="-122"/>
               </a:rPr>
               <a:t>Ahead of time</a:t>
             </a:r>
@@ -13333,6 +13665,8 @@
                 <a:solidFill>
                   <a:schemeClr val="bg1"/>
                 </a:solidFill>
+                <a:latin typeface="Microsoft YaHei UI" panose="020B0503020204020204" pitchFamily="34" charset="-122"/>
+                <a:ea typeface="Microsoft YaHei UI" panose="020B0503020204020204" pitchFamily="34" charset="-122"/>
               </a:rPr>
               <a:t>）</a:t>
             </a:r>
@@ -13341,6 +13675,8 @@
                 <a:solidFill>
                   <a:schemeClr val="bg1"/>
                 </a:solidFill>
+                <a:latin typeface="Microsoft YaHei UI" panose="020B0503020204020204" pitchFamily="34" charset="-122"/>
+                <a:ea typeface="Microsoft YaHei UI" panose="020B0503020204020204" pitchFamily="34" charset="-122"/>
               </a:rPr>
               <a:t>保证生成的代码性能。</a:t>
             </a:r>
@@ -13461,7 +13797,7 @@
           <a:lstStyle/>
           <a:p>
             <a:r>
-              <a:rPr lang="en-US" altLang="zh-CN" b="1" dirty="0">
+              <a:rPr lang="en-US" altLang="zh-CN" dirty="0">
                 <a:solidFill>
                   <a:schemeClr val="bg1"/>
                 </a:solidFill>
@@ -13472,7 +13808,7 @@
               <a:t>Flutter</a:t>
             </a:r>
             <a:r>
-              <a:rPr lang="zh-CN" altLang="en-US" b="1" dirty="0">
+              <a:rPr lang="zh-CN" altLang="en-US" dirty="0">
                 <a:solidFill>
                   <a:schemeClr val="bg1"/>
                 </a:solidFill>
@@ -13483,7 +13819,7 @@
               <a:t> 中，尽可能将 </a:t>
             </a:r>
             <a:r>
-              <a:rPr lang="en-US" altLang="zh-CN" b="1" dirty="0">
+              <a:rPr lang="en-US" altLang="zh-CN" dirty="0">
                 <a:solidFill>
                   <a:schemeClr val="bg1"/>
                 </a:solidFill>
@@ -13494,7 +13830,7 @@
               <a:t>UI</a:t>
             </a:r>
             <a:r>
-              <a:rPr lang="zh-CN" altLang="en-US" b="1" dirty="0">
+              <a:rPr lang="zh-CN" altLang="en-US" dirty="0">
                 <a:solidFill>
                   <a:schemeClr val="bg1"/>
                 </a:solidFill>
@@ -13502,10 +13838,10 @@
                 <a:ea typeface="Microsoft YaHei UI" panose="020B0503020204020204" pitchFamily="34" charset="-122"/>
                 <a:sym typeface="Montserrat"/>
               </a:rPr>
-              <a:t> 或者 功能 拆分成可以复用，重新组织的</a:t>
-            </a:r>
-            <a:r>
-              <a:rPr lang="en" altLang="zh-CN" b="1" dirty="0">
+              <a:t> 或者 功能 拆分成可以复用</a:t>
+            </a:r>
+            <a:r>
+              <a:rPr lang="en-US" altLang="zh-CN" dirty="0">
                 <a:solidFill>
                   <a:schemeClr val="bg1"/>
                 </a:solidFill>
@@ -13513,10 +13849,10 @@
                 <a:ea typeface="Microsoft YaHei UI" panose="020B0503020204020204" pitchFamily="34" charset="-122"/>
                 <a:sym typeface="Montserrat"/>
               </a:rPr>
-              <a:t>Widget</a:t>
-            </a:r>
-            <a:r>
-              <a:rPr lang="zh-CN" altLang="en" b="1" dirty="0">
+              <a:t>/</a:t>
+            </a:r>
+            <a:r>
+              <a:rPr lang="zh-CN" altLang="en-US" dirty="0">
                 <a:solidFill>
                   <a:schemeClr val="bg1"/>
                 </a:solidFill>
@@ -13524,53 +13860,9 @@
                 <a:ea typeface="Microsoft YaHei UI" panose="020B0503020204020204" pitchFamily="34" charset="-122"/>
                 <a:sym typeface="Montserrat"/>
               </a:rPr>
-              <a:t>（</a:t>
-            </a:r>
-            <a:r>
-              <a:rPr lang="zh-CN" altLang="en-US" b="1" dirty="0">
-                <a:solidFill>
-                  <a:schemeClr val="bg1"/>
-                </a:solidFill>
-                <a:latin typeface="Microsoft YaHei UI" panose="020B0503020204020204" pitchFamily="34" charset="-122"/>
-                <a:ea typeface="Microsoft YaHei UI" panose="020B0503020204020204" pitchFamily="34" charset="-122"/>
-                <a:sym typeface="Montserrat"/>
-              </a:rPr>
-              <a:t>组件），然后利用</a:t>
-            </a:r>
-            <a:r>
-              <a:rPr lang="en" altLang="zh-CN" b="1" dirty="0">
-                <a:solidFill>
-                  <a:schemeClr val="bg1"/>
-                </a:solidFill>
-                <a:latin typeface="Microsoft YaHei UI" panose="020B0503020204020204" pitchFamily="34" charset="-122"/>
-                <a:ea typeface="Microsoft YaHei UI" panose="020B0503020204020204" pitchFamily="34" charset="-122"/>
-                <a:sym typeface="Montserrat"/>
-              </a:rPr>
-              <a:t>Widget</a:t>
-            </a:r>
-            <a:r>
-              <a:rPr lang="zh-CN" altLang="en" b="1" dirty="0">
-                <a:solidFill>
-                  <a:schemeClr val="bg1"/>
-                </a:solidFill>
-                <a:latin typeface="Microsoft YaHei UI" panose="020B0503020204020204" pitchFamily="34" charset="-122"/>
-                <a:ea typeface="Microsoft YaHei UI" panose="020B0503020204020204" pitchFamily="34" charset="-122"/>
-                <a:sym typeface="Montserrat"/>
-              </a:rPr>
-              <a:t>（</a:t>
-            </a:r>
-            <a:r>
-              <a:rPr lang="zh-CN" altLang="en-US" b="1" dirty="0">
-                <a:solidFill>
-                  <a:schemeClr val="bg1"/>
-                </a:solidFill>
-                <a:latin typeface="Microsoft YaHei UI" panose="020B0503020204020204" pitchFamily="34" charset="-122"/>
-                <a:ea typeface="Microsoft YaHei UI" panose="020B0503020204020204" pitchFamily="34" charset="-122"/>
-                <a:sym typeface="Montserrat"/>
-              </a:rPr>
-              <a:t>组件）组成页面。</a:t>
-            </a:r>
-            <a:endParaRPr lang="en-US" altLang="zh-CN" b="1" dirty="0">
+              <a:t>重新组织的组件，然后利用组件组成页面。</a:t>
+            </a:r>
+            <a:endParaRPr lang="en-US" altLang="zh-CN" dirty="0">
               <a:solidFill>
                 <a:schemeClr val="bg1"/>
               </a:solidFill>
@@ -13580,7 +13872,7 @@
             </a:endParaRPr>
           </a:p>
           <a:p>
-            <a:endParaRPr lang="en-US" altLang="zh-CN" b="1" dirty="0">
+            <a:endParaRPr lang="en-US" altLang="zh-CN" dirty="0">
               <a:solidFill>
                 <a:schemeClr val="bg1"/>
               </a:solidFill>
@@ -13595,7 +13887,7 @@
               <a:buChar char="l"/>
             </a:pPr>
             <a:r>
-              <a:rPr lang="en-US" altLang="zh-CN" b="1" dirty="0">
+              <a:rPr lang="en-US" altLang="zh-CN" dirty="0">
                 <a:solidFill>
                   <a:schemeClr val="bg1"/>
                 </a:solidFill>
@@ -13608,7 +13900,7 @@
           </a:p>
           <a:p>
             <a:r>
-              <a:rPr lang="zh-CN" altLang="en-US" b="1" dirty="0">
+              <a:rPr lang="zh-CN" altLang="en-US" dirty="0">
                 <a:solidFill>
                   <a:schemeClr val="bg1"/>
                 </a:solidFill>
@@ -13619,7 +13911,7 @@
               <a:t>    用来存放各种 </a:t>
             </a:r>
             <a:r>
-              <a:rPr lang="en-US" altLang="zh-CN" b="1" dirty="0">
+              <a:rPr lang="en-US" altLang="zh-CN" dirty="0">
                 <a:solidFill>
                   <a:schemeClr val="bg1"/>
                 </a:solidFill>
@@ -13630,7 +13922,7 @@
               <a:t>UI</a:t>
             </a:r>
             <a:r>
-              <a:rPr lang="zh-CN" altLang="en-US" b="1" dirty="0">
+              <a:rPr lang="zh-CN" altLang="en-US" dirty="0">
                 <a:solidFill>
                   <a:schemeClr val="bg1"/>
                 </a:solidFill>
@@ -13638,108 +13930,9 @@
                 <a:ea typeface="Microsoft YaHei UI" panose="020B0503020204020204" pitchFamily="34" charset="-122"/>
                 <a:sym typeface="Montserrat"/>
               </a:rPr>
-              <a:t> </a:t>
-            </a:r>
-            <a:r>
-              <a:rPr lang="en" altLang="zh-CN" b="1" dirty="0">
-                <a:solidFill>
-                  <a:schemeClr val="bg1"/>
-                </a:solidFill>
-                <a:latin typeface="Microsoft YaHei UI" panose="020B0503020204020204" pitchFamily="34" charset="-122"/>
-                <a:ea typeface="Microsoft YaHei UI" panose="020B0503020204020204" pitchFamily="34" charset="-122"/>
-                <a:sym typeface="Montserrat"/>
-              </a:rPr>
-              <a:t>Widget</a:t>
-            </a:r>
-            <a:r>
-              <a:rPr lang="zh-CN" altLang="en" b="1" dirty="0">
-                <a:solidFill>
-                  <a:schemeClr val="bg1"/>
-                </a:solidFill>
-                <a:latin typeface="Microsoft YaHei UI" panose="020B0503020204020204" pitchFamily="34" charset="-122"/>
-                <a:ea typeface="Microsoft YaHei UI" panose="020B0503020204020204" pitchFamily="34" charset="-122"/>
-                <a:sym typeface="Montserrat"/>
-              </a:rPr>
-              <a:t>（</a:t>
-            </a:r>
-            <a:r>
-              <a:rPr lang="zh-CN" altLang="en-US" b="1" dirty="0">
-                <a:solidFill>
-                  <a:schemeClr val="bg1"/>
-                </a:solidFill>
-                <a:latin typeface="Microsoft YaHei UI" panose="020B0503020204020204" pitchFamily="34" charset="-122"/>
-                <a:ea typeface="Microsoft YaHei UI" panose="020B0503020204020204" pitchFamily="34" charset="-122"/>
-                <a:sym typeface="Montserrat"/>
-              </a:rPr>
-              <a:t>组件） 和 功能</a:t>
-            </a:r>
-            <a:r>
-              <a:rPr lang="en" altLang="zh-CN" b="1" dirty="0">
-                <a:solidFill>
-                  <a:schemeClr val="bg1"/>
-                </a:solidFill>
-                <a:latin typeface="Microsoft YaHei UI" panose="020B0503020204020204" pitchFamily="34" charset="-122"/>
-                <a:ea typeface="Microsoft YaHei UI" panose="020B0503020204020204" pitchFamily="34" charset="-122"/>
-                <a:sym typeface="Montserrat"/>
-              </a:rPr>
-              <a:t>Widget</a:t>
-            </a:r>
-            <a:r>
-              <a:rPr lang="zh-CN" altLang="en" b="1" dirty="0">
-                <a:solidFill>
-                  <a:schemeClr val="bg1"/>
-                </a:solidFill>
-                <a:latin typeface="Microsoft YaHei UI" panose="020B0503020204020204" pitchFamily="34" charset="-122"/>
-                <a:ea typeface="Microsoft YaHei UI" panose="020B0503020204020204" pitchFamily="34" charset="-122"/>
-                <a:sym typeface="Montserrat"/>
-              </a:rPr>
-              <a:t>（</a:t>
-            </a:r>
-            <a:r>
-              <a:rPr lang="zh-CN" altLang="en-US" b="1" dirty="0">
-                <a:solidFill>
-                  <a:schemeClr val="bg1"/>
-                </a:solidFill>
-                <a:latin typeface="Microsoft YaHei UI" panose="020B0503020204020204" pitchFamily="34" charset="-122"/>
-                <a:ea typeface="Microsoft YaHei UI" panose="020B0503020204020204" pitchFamily="34" charset="-122"/>
-                <a:sym typeface="Montserrat"/>
-              </a:rPr>
-              <a:t>组件）。其中的</a:t>
-            </a:r>
-            <a:r>
-              <a:rPr lang="en" altLang="zh-CN" b="1" dirty="0">
-                <a:solidFill>
-                  <a:schemeClr val="bg1"/>
-                </a:solidFill>
-                <a:latin typeface="Microsoft YaHei UI" panose="020B0503020204020204" pitchFamily="34" charset="-122"/>
-                <a:ea typeface="Microsoft YaHei UI" panose="020B0503020204020204" pitchFamily="34" charset="-122"/>
-                <a:sym typeface="Montserrat"/>
-              </a:rPr>
-              <a:t>Widget</a:t>
-            </a:r>
-            <a:r>
-              <a:rPr lang="zh-CN" altLang="en" b="1" dirty="0">
-                <a:solidFill>
-                  <a:schemeClr val="bg1"/>
-                </a:solidFill>
-                <a:latin typeface="Microsoft YaHei UI" panose="020B0503020204020204" pitchFamily="34" charset="-122"/>
-                <a:ea typeface="Microsoft YaHei UI" panose="020B0503020204020204" pitchFamily="34" charset="-122"/>
-                <a:sym typeface="Montserrat"/>
-              </a:rPr>
-              <a:t>（</a:t>
-            </a:r>
-            <a:r>
-              <a:rPr lang="zh-CN" altLang="en-US" b="1" dirty="0">
-                <a:solidFill>
-                  <a:schemeClr val="bg1"/>
-                </a:solidFill>
-                <a:latin typeface="Microsoft YaHei UI" panose="020B0503020204020204" pitchFamily="34" charset="-122"/>
-                <a:ea typeface="Microsoft YaHei UI" panose="020B0503020204020204" pitchFamily="34" charset="-122"/>
-                <a:sym typeface="Montserrat"/>
-              </a:rPr>
-              <a:t>组件）为了复用，尽可能的避免与数据关联。</a:t>
-            </a:r>
-            <a:endParaRPr lang="en-US" altLang="zh-CN" b="1" dirty="0">
+              <a:t> 组件 和 功能组件。其中的组件为了复用，尽可能的避免与数据关联。</a:t>
+            </a:r>
+            <a:endParaRPr lang="en-US" altLang="zh-CN" dirty="0">
               <a:solidFill>
                 <a:schemeClr val="bg1"/>
               </a:solidFill>
@@ -13749,7 +13942,7 @@
             </a:endParaRPr>
           </a:p>
           <a:p>
-            <a:endParaRPr lang="en-US" altLang="zh-CN" b="1" dirty="0">
+            <a:endParaRPr lang="en-US" altLang="zh-CN" dirty="0">
               <a:solidFill>
                 <a:schemeClr val="bg1"/>
               </a:solidFill>
@@ -13764,7 +13957,7 @@
               <a:buChar char="l"/>
             </a:pPr>
             <a:r>
-              <a:rPr lang="en-US" altLang="zh-CN" b="1" dirty="0">
+              <a:rPr lang="en-US" altLang="zh-CN" dirty="0">
                 <a:solidFill>
                   <a:schemeClr val="bg1"/>
                 </a:solidFill>
@@ -13777,7 +13970,7 @@
           </a:p>
           <a:p>
             <a:r>
-              <a:rPr lang="zh-CN" altLang="en-US" b="1" dirty="0">
+              <a:rPr lang="zh-CN" altLang="en-US" dirty="0">
                 <a:solidFill>
                   <a:schemeClr val="bg1"/>
                 </a:solidFill>
@@ -13785,10 +13978,10 @@
                 <a:ea typeface="Microsoft YaHei UI" panose="020B0503020204020204" pitchFamily="34" charset="-122"/>
                 <a:sym typeface="Montserrat"/>
               </a:rPr>
-              <a:t>    画面级的文件夹，里面存放的是最后需要渲染出来的页面，通过 </a:t>
-            </a:r>
-            <a:r>
-              <a:rPr lang="en-US" altLang="zh-CN" b="1" dirty="0">
+              <a:t>    画面级的文件夹，里面存放的是需要渲染出来的页面，通过 </a:t>
+            </a:r>
+            <a:r>
+              <a:rPr lang="en-US" altLang="zh-CN" dirty="0">
                 <a:solidFill>
                   <a:schemeClr val="bg1"/>
                 </a:solidFill>
@@ -13799,7 +13992,7 @@
               <a:t>Components</a:t>
             </a:r>
             <a:r>
-              <a:rPr lang="zh-CN" altLang="en-US" b="1" dirty="0">
+              <a:rPr lang="zh-CN" altLang="en-US" dirty="0">
                 <a:solidFill>
                   <a:schemeClr val="bg1"/>
                 </a:solidFill>
@@ -13807,42 +14000,9 @@
                 <a:ea typeface="Microsoft YaHei UI" panose="020B0503020204020204" pitchFamily="34" charset="-122"/>
                 <a:sym typeface="Montserrat"/>
               </a:rPr>
-              <a:t> 中的复用</a:t>
-            </a:r>
-            <a:r>
-              <a:rPr lang="en" altLang="zh-CN" b="1" dirty="0">
-                <a:solidFill>
-                  <a:schemeClr val="bg1"/>
-                </a:solidFill>
-                <a:latin typeface="Microsoft YaHei UI" panose="020B0503020204020204" pitchFamily="34" charset="-122"/>
-                <a:ea typeface="Microsoft YaHei UI" panose="020B0503020204020204" pitchFamily="34" charset="-122"/>
-                <a:sym typeface="Montserrat"/>
-              </a:rPr>
-              <a:t>Widget</a:t>
-            </a:r>
-            <a:r>
-              <a:rPr lang="zh-CN" altLang="en" b="1" dirty="0">
-                <a:solidFill>
-                  <a:schemeClr val="bg1"/>
-                </a:solidFill>
-                <a:latin typeface="Microsoft YaHei UI" panose="020B0503020204020204" pitchFamily="34" charset="-122"/>
-                <a:ea typeface="Microsoft YaHei UI" panose="020B0503020204020204" pitchFamily="34" charset="-122"/>
-                <a:sym typeface="Montserrat"/>
-              </a:rPr>
-              <a:t>（</a:t>
-            </a:r>
-            <a:r>
-              <a:rPr lang="zh-CN" altLang="en-US" b="1" dirty="0">
-                <a:solidFill>
-                  <a:schemeClr val="bg1"/>
-                </a:solidFill>
-                <a:latin typeface="Microsoft YaHei UI" panose="020B0503020204020204" pitchFamily="34" charset="-122"/>
-                <a:ea typeface="Microsoft YaHei UI" panose="020B0503020204020204" pitchFamily="34" charset="-122"/>
-                <a:sym typeface="Montserrat"/>
-              </a:rPr>
-              <a:t>组件）组合而成，页面是需要与数据关联的。</a:t>
-            </a:r>
-            <a:endParaRPr lang="en-US" altLang="zh-CN" b="1" dirty="0">
+              <a:t> 中的复用组件组合而成，页面是需要与数据关联的。</a:t>
+            </a:r>
+            <a:endParaRPr lang="en-US" altLang="zh-CN" dirty="0">
               <a:solidFill>
                 <a:schemeClr val="bg1"/>
               </a:solidFill>
@@ -13852,7 +14012,7 @@
             </a:endParaRPr>
           </a:p>
           <a:p>
-            <a:endParaRPr lang="en-US" altLang="zh-CN" b="1" dirty="0">
+            <a:endParaRPr lang="en-US" altLang="zh-CN" dirty="0">
               <a:solidFill>
                 <a:schemeClr val="bg1"/>
               </a:solidFill>
@@ -13867,7 +14027,7 @@
               <a:buChar char="l"/>
             </a:pPr>
             <a:r>
-              <a:rPr lang="en-US" altLang="zh-CN" b="1" dirty="0">
+              <a:rPr lang="en-US" altLang="zh-CN" dirty="0">
                 <a:solidFill>
                   <a:schemeClr val="bg1"/>
                 </a:solidFill>
@@ -13880,7 +14040,7 @@
           </a:p>
           <a:p>
             <a:r>
-              <a:rPr lang="zh-CN" altLang="en-US" b="1" dirty="0">
+              <a:rPr lang="zh-CN" altLang="en-US" dirty="0">
                 <a:solidFill>
                   <a:schemeClr val="bg1"/>
                 </a:solidFill>
@@ -13890,7 +14050,7 @@
               </a:rPr>
               <a:t>    存放数据管理模型的文件夹，通常存放有页面数据以及更新数据方法的文件。</a:t>
             </a:r>
-            <a:endParaRPr lang="en-US" altLang="zh-CN" b="1" dirty="0">
+            <a:endParaRPr lang="en-US" altLang="zh-CN" dirty="0">
               <a:solidFill>
                 <a:schemeClr val="bg1"/>
               </a:solidFill>
@@ -13900,7 +14060,7 @@
             </a:endParaRPr>
           </a:p>
           <a:p>
-            <a:endParaRPr lang="en-US" altLang="zh-CN" b="1" dirty="0">
+            <a:endParaRPr lang="en-US" altLang="zh-CN" dirty="0">
               <a:solidFill>
                 <a:schemeClr val="bg1"/>
               </a:solidFill>
@@ -13915,7 +14075,7 @@
               <a:buChar char="l"/>
             </a:pPr>
             <a:r>
-              <a:rPr lang="en-US" altLang="zh-CN" b="1" dirty="0">
+              <a:rPr lang="en-US" altLang="zh-CN" dirty="0">
                 <a:solidFill>
                   <a:schemeClr val="bg1"/>
                 </a:solidFill>
@@ -13928,7 +14088,7 @@
           </a:p>
           <a:p>
             <a:r>
-              <a:rPr lang="zh-CN" altLang="en-US" b="1" dirty="0">
+              <a:rPr lang="zh-CN" altLang="en-US" dirty="0">
                 <a:solidFill>
                   <a:schemeClr val="bg1"/>
                 </a:solidFill>
@@ -13938,7 +14098,7 @@
               </a:rPr>
               <a:t>    数据的类模型。</a:t>
             </a:r>
-            <a:endParaRPr lang="en-US" altLang="zh-CN" b="1" dirty="0">
+            <a:endParaRPr lang="en-US" altLang="zh-CN" dirty="0">
               <a:solidFill>
                 <a:schemeClr val="bg1"/>
               </a:solidFill>
@@ -13948,7 +14108,7 @@
             </a:endParaRPr>
           </a:p>
           <a:p>
-            <a:endParaRPr lang="en-US" altLang="zh-CN" b="1" dirty="0">
+            <a:endParaRPr lang="en-US" altLang="zh-CN" dirty="0">
               <a:solidFill>
                 <a:schemeClr val="bg1"/>
               </a:solidFill>
@@ -14092,6 +14252,8 @@
                 <a:solidFill>
                   <a:schemeClr val="bg1"/>
                 </a:solidFill>
+                <a:latin typeface="Microsoft YaHei UI" panose="020B0503020204020204" pitchFamily="34" charset="-122"/>
+                <a:ea typeface="Microsoft YaHei UI" panose="020B0503020204020204" pitchFamily="34" charset="-122"/>
               </a:rPr>
               <a:t>Flutter </a:t>
             </a:r>
@@ -14100,6 +14262,8 @@
                 <a:solidFill>
                   <a:schemeClr val="bg1"/>
                 </a:solidFill>
+                <a:latin typeface="Microsoft YaHei UI" panose="020B0503020204020204" pitchFamily="34" charset="-122"/>
+                <a:ea typeface="Microsoft YaHei UI" panose="020B0503020204020204" pitchFamily="34" charset="-122"/>
               </a:rPr>
               <a:t>中几乎所有的对象都是 </a:t>
             </a:r>
@@ -14108,6 +14272,8 @@
                 <a:solidFill>
                   <a:schemeClr val="bg1"/>
                 </a:solidFill>
+                <a:latin typeface="Microsoft YaHei UI" panose="020B0503020204020204" pitchFamily="34" charset="-122"/>
+                <a:ea typeface="Microsoft YaHei UI" panose="020B0503020204020204" pitchFamily="34" charset="-122"/>
               </a:rPr>
               <a:t>Widget</a:t>
             </a:r>
@@ -14116,6 +14282,8 @@
                 <a:solidFill>
                   <a:schemeClr val="bg1"/>
                 </a:solidFill>
+                <a:latin typeface="Microsoft YaHei UI" panose="020B0503020204020204" pitchFamily="34" charset="-122"/>
+                <a:ea typeface="Microsoft YaHei UI" panose="020B0503020204020204" pitchFamily="34" charset="-122"/>
               </a:rPr>
               <a:t>（组件）</a:t>
             </a:r>
@@ -14124,6 +14292,8 @@
                 <a:solidFill>
                   <a:schemeClr val="bg1"/>
                 </a:solidFill>
+                <a:latin typeface="Microsoft YaHei UI" panose="020B0503020204020204" pitchFamily="34" charset="-122"/>
+                <a:ea typeface="Microsoft YaHei UI" panose="020B0503020204020204" pitchFamily="34" charset="-122"/>
               </a:rPr>
               <a:t>。</a:t>
             </a:r>
@@ -14132,6 +14302,8 @@
                 <a:solidFill>
                   <a:schemeClr val="bg1"/>
                 </a:solidFill>
+                <a:latin typeface="Microsoft YaHei UI" panose="020B0503020204020204" pitchFamily="34" charset="-122"/>
+                <a:ea typeface="Microsoft YaHei UI" panose="020B0503020204020204" pitchFamily="34" charset="-122"/>
               </a:rPr>
               <a:t>Widget </a:t>
             </a:r>
@@ -14140,6 +14312,8 @@
                 <a:solidFill>
                   <a:schemeClr val="bg1"/>
                 </a:solidFill>
+                <a:latin typeface="Microsoft YaHei UI" panose="020B0503020204020204" pitchFamily="34" charset="-122"/>
+                <a:ea typeface="Microsoft YaHei UI" panose="020B0503020204020204" pitchFamily="34" charset="-122"/>
               </a:rPr>
               <a:t>的功能是描述一个 </a:t>
             </a:r>
@@ -14148,6 +14322,8 @@
                 <a:solidFill>
                   <a:schemeClr val="bg1"/>
                 </a:solidFill>
+                <a:latin typeface="Microsoft YaHei UI" panose="020B0503020204020204" pitchFamily="34" charset="-122"/>
+                <a:ea typeface="Microsoft YaHei UI" panose="020B0503020204020204" pitchFamily="34" charset="-122"/>
               </a:rPr>
               <a:t>UI </a:t>
             </a:r>
@@ -14156,6 +14332,8 @@
                 <a:solidFill>
                   <a:schemeClr val="bg1"/>
                 </a:solidFill>
+                <a:latin typeface="Microsoft YaHei UI" panose="020B0503020204020204" pitchFamily="34" charset="-122"/>
+                <a:ea typeface="Microsoft YaHei UI" panose="020B0503020204020204" pitchFamily="34" charset="-122"/>
               </a:rPr>
               <a:t>元素的配置数据，而真正绘制到屏幕上是通过 </a:t>
             </a:r>
@@ -14164,6 +14342,8 @@
                 <a:solidFill>
                   <a:schemeClr val="bg1"/>
                 </a:solidFill>
+                <a:latin typeface="Microsoft YaHei UI" panose="020B0503020204020204" pitchFamily="34" charset="-122"/>
+                <a:ea typeface="Microsoft YaHei UI" panose="020B0503020204020204" pitchFamily="34" charset="-122"/>
               </a:rPr>
               <a:t>Widget </a:t>
             </a:r>
@@ -14172,6 +14352,8 @@
                 <a:solidFill>
                   <a:schemeClr val="bg1"/>
                 </a:solidFill>
+                <a:latin typeface="Microsoft YaHei UI" panose="020B0503020204020204" pitchFamily="34" charset="-122"/>
+                <a:ea typeface="Microsoft YaHei UI" panose="020B0503020204020204" pitchFamily="34" charset="-122"/>
               </a:rPr>
               <a:t>创建出来的 </a:t>
             </a:r>
@@ -14180,6 +14362,8 @@
                 <a:solidFill>
                   <a:schemeClr val="bg1"/>
                 </a:solidFill>
+                <a:latin typeface="Microsoft YaHei UI" panose="020B0503020204020204" pitchFamily="34" charset="-122"/>
+                <a:ea typeface="Microsoft YaHei UI" panose="020B0503020204020204" pitchFamily="34" charset="-122"/>
               </a:rPr>
               <a:t>Element</a:t>
             </a:r>
@@ -14188,6 +14372,8 @@
                 <a:solidFill>
                   <a:schemeClr val="bg1"/>
                 </a:solidFill>
+                <a:latin typeface="Microsoft YaHei UI" panose="020B0503020204020204" pitchFamily="34" charset="-122"/>
+                <a:ea typeface="Microsoft YaHei UI" panose="020B0503020204020204" pitchFamily="34" charset="-122"/>
               </a:rPr>
               <a:t>。</a:t>
             </a:r>
@@ -14195,6 +14381,8 @@
               <a:solidFill>
                 <a:schemeClr val="bg1"/>
               </a:solidFill>
+              <a:latin typeface="Microsoft YaHei UI" panose="020B0503020204020204" pitchFamily="34" charset="-122"/>
+              <a:ea typeface="Microsoft YaHei UI" panose="020B0503020204020204" pitchFamily="34" charset="-122"/>
             </a:endParaRPr>
           </a:p>
           <a:p>
@@ -14211,6 +14399,8 @@
                 <a:solidFill>
                   <a:schemeClr val="bg1"/>
                 </a:solidFill>
+                <a:latin typeface="Microsoft YaHei UI" panose="020B0503020204020204" pitchFamily="34" charset="-122"/>
+                <a:ea typeface="Microsoft YaHei UI" panose="020B0503020204020204" pitchFamily="34" charset="-122"/>
               </a:rPr>
               <a:t>其中 </a:t>
             </a:r>
@@ -14219,6 +14409,8 @@
                 <a:solidFill>
                   <a:schemeClr val="bg1"/>
                 </a:solidFill>
+                <a:latin typeface="Microsoft YaHei UI" panose="020B0503020204020204" pitchFamily="34" charset="-122"/>
+                <a:ea typeface="Microsoft YaHei UI" panose="020B0503020204020204" pitchFamily="34" charset="-122"/>
               </a:rPr>
               <a:t>Scaffold</a:t>
             </a:r>
@@ -14227,6 +14419,8 @@
                 <a:solidFill>
                   <a:schemeClr val="bg1"/>
                 </a:solidFill>
+                <a:latin typeface="Microsoft YaHei UI" panose="020B0503020204020204" pitchFamily="34" charset="-122"/>
+                <a:ea typeface="Microsoft YaHei UI" panose="020B0503020204020204" pitchFamily="34" charset="-122"/>
               </a:rPr>
               <a:t>，</a:t>
             </a:r>
@@ -14235,6 +14429,8 @@
                 <a:solidFill>
                   <a:schemeClr val="bg1"/>
                 </a:solidFill>
+                <a:latin typeface="Microsoft YaHei UI" panose="020B0503020204020204" pitchFamily="34" charset="-122"/>
+                <a:ea typeface="Microsoft YaHei UI" panose="020B0503020204020204" pitchFamily="34" charset="-122"/>
               </a:rPr>
               <a:t>FlatButton</a:t>
             </a:r>
@@ -14243,6 +14439,8 @@
                 <a:solidFill>
                   <a:schemeClr val="bg1"/>
                 </a:solidFill>
+                <a:latin typeface="Microsoft YaHei UI" panose="020B0503020204020204" pitchFamily="34" charset="-122"/>
+                <a:ea typeface="Microsoft YaHei UI" panose="020B0503020204020204" pitchFamily="34" charset="-122"/>
               </a:rPr>
               <a:t>, </a:t>
             </a:r>
@@ -14251,6 +14449,8 @@
                 <a:solidFill>
                   <a:schemeClr val="bg1"/>
                 </a:solidFill>
+                <a:latin typeface="Microsoft YaHei UI" panose="020B0503020204020204" pitchFamily="34" charset="-122"/>
+                <a:ea typeface="Microsoft YaHei UI" panose="020B0503020204020204" pitchFamily="34" charset="-122"/>
               </a:rPr>
               <a:t>RaisedButton</a:t>
             </a:r>
@@ -14259,6 +14459,8 @@
                 <a:solidFill>
                   <a:schemeClr val="bg1"/>
                 </a:solidFill>
+                <a:latin typeface="Microsoft YaHei UI" panose="020B0503020204020204" pitchFamily="34" charset="-122"/>
+                <a:ea typeface="Microsoft YaHei UI" panose="020B0503020204020204" pitchFamily="34" charset="-122"/>
               </a:rPr>
               <a:t> </a:t>
             </a:r>
@@ -14267,6 +14469,8 @@
                 <a:solidFill>
                   <a:schemeClr val="bg1"/>
                 </a:solidFill>
+                <a:latin typeface="Microsoft YaHei UI" panose="020B0503020204020204" pitchFamily="34" charset="-122"/>
+                <a:ea typeface="Microsoft YaHei UI" panose="020B0503020204020204" pitchFamily="34" charset="-122"/>
               </a:rPr>
               <a:t>等一些</a:t>
             </a:r>
@@ -14275,6 +14479,8 @@
                 <a:solidFill>
                   <a:schemeClr val="bg1"/>
                 </a:solidFill>
+                <a:latin typeface="Microsoft YaHei UI" panose="020B0503020204020204" pitchFamily="34" charset="-122"/>
+                <a:ea typeface="Microsoft YaHei UI" panose="020B0503020204020204" pitchFamily="34" charset="-122"/>
               </a:rPr>
               <a:t>Widget</a:t>
             </a:r>
@@ -14283,6 +14489,8 @@
                 <a:solidFill>
                   <a:schemeClr val="bg1"/>
                 </a:solidFill>
+                <a:latin typeface="Microsoft YaHei UI" panose="020B0503020204020204" pitchFamily="34" charset="-122"/>
+                <a:ea typeface="Microsoft YaHei UI" panose="020B0503020204020204" pitchFamily="34" charset="-122"/>
               </a:rPr>
               <a:t>（</a:t>
             </a:r>
@@ -14291,6 +14499,8 @@
                 <a:solidFill>
                   <a:schemeClr val="bg1"/>
                 </a:solidFill>
+                <a:latin typeface="Microsoft YaHei UI" panose="020B0503020204020204" pitchFamily="34" charset="-122"/>
+                <a:ea typeface="Microsoft YaHei UI" panose="020B0503020204020204" pitchFamily="34" charset="-122"/>
               </a:rPr>
               <a:t>组件）默认是由 </a:t>
             </a:r>
@@ -14299,6 +14509,8 @@
                 <a:solidFill>
                   <a:schemeClr val="bg1"/>
                 </a:solidFill>
+                <a:latin typeface="Microsoft YaHei UI" panose="020B0503020204020204" pitchFamily="34" charset="-122"/>
+                <a:ea typeface="Microsoft YaHei UI" panose="020B0503020204020204" pitchFamily="34" charset="-122"/>
               </a:rPr>
               <a:t>Material UI </a:t>
             </a:r>
@@ -14307,6 +14519,8 @@
                 <a:solidFill>
                   <a:schemeClr val="bg1"/>
                 </a:solidFill>
+                <a:latin typeface="Microsoft YaHei UI" panose="020B0503020204020204" pitchFamily="34" charset="-122"/>
+                <a:ea typeface="Microsoft YaHei UI" panose="020B0503020204020204" pitchFamily="34" charset="-122"/>
               </a:rPr>
               <a:t>库提供的，使用的时候一定要在 </a:t>
             </a:r>
@@ -14315,6 +14529,8 @@
                 <a:solidFill>
                   <a:schemeClr val="bg1"/>
                 </a:solidFill>
+                <a:latin typeface="Microsoft YaHei UI" panose="020B0503020204020204" pitchFamily="34" charset="-122"/>
+                <a:ea typeface="Microsoft YaHei UI" panose="020B0503020204020204" pitchFamily="34" charset="-122"/>
               </a:rPr>
               <a:t>MaterialApp</a:t>
             </a:r>
@@ -14323,6 +14539,8 @@
                 <a:solidFill>
                   <a:schemeClr val="bg1"/>
                 </a:solidFill>
+                <a:latin typeface="Microsoft YaHei UI" panose="020B0503020204020204" pitchFamily="34" charset="-122"/>
+                <a:ea typeface="Microsoft YaHei UI" panose="020B0503020204020204" pitchFamily="34" charset="-122"/>
               </a:rPr>
               <a:t> </a:t>
             </a:r>
@@ -14331,6 +14549,8 @@
                 <a:solidFill>
                   <a:schemeClr val="bg1"/>
                 </a:solidFill>
+                <a:latin typeface="Microsoft YaHei UI" panose="020B0503020204020204" pitchFamily="34" charset="-122"/>
+                <a:ea typeface="Microsoft YaHei UI" panose="020B0503020204020204" pitchFamily="34" charset="-122"/>
               </a:rPr>
               <a:t>下使用，否则可能会报错。本质上它们也是由一些基础</a:t>
             </a:r>
@@ -14339,6 +14559,8 @@
                 <a:solidFill>
                   <a:schemeClr val="bg1"/>
                 </a:solidFill>
+                <a:latin typeface="Microsoft YaHei UI" panose="020B0503020204020204" pitchFamily="34" charset="-122"/>
+                <a:ea typeface="Microsoft YaHei UI" panose="020B0503020204020204" pitchFamily="34" charset="-122"/>
               </a:rPr>
               <a:t>Widget</a:t>
             </a:r>
@@ -14347,6 +14569,8 @@
                 <a:solidFill>
                   <a:schemeClr val="bg1"/>
                 </a:solidFill>
+                <a:latin typeface="Microsoft YaHei UI" panose="020B0503020204020204" pitchFamily="34" charset="-122"/>
+                <a:ea typeface="Microsoft YaHei UI" panose="020B0503020204020204" pitchFamily="34" charset="-122"/>
               </a:rPr>
               <a:t>（</a:t>
             </a:r>
@@ -14355,6 +14579,8 @@
                 <a:solidFill>
                   <a:schemeClr val="bg1"/>
                 </a:solidFill>
+                <a:latin typeface="Microsoft YaHei UI" panose="020B0503020204020204" pitchFamily="34" charset="-122"/>
+                <a:ea typeface="Microsoft YaHei UI" panose="020B0503020204020204" pitchFamily="34" charset="-122"/>
               </a:rPr>
               <a:t>组件）组合而成的。</a:t>
             </a:r>
@@ -14480,8 +14706,8 @@
         </p:nvSpPr>
         <p:spPr>
           <a:xfrm>
-            <a:off x="7104185" y="1137444"/>
-            <a:ext cx="4876799" cy="5177387"/>
+            <a:off x="7130310" y="1736846"/>
+            <a:ext cx="4876799" cy="3978579"/>
           </a:xfrm>
           <a:prstGeom prst="rect">
             <a:avLst/>
@@ -14502,6 +14728,8 @@
                 <a:solidFill>
                   <a:schemeClr val="bg1"/>
                 </a:solidFill>
+                <a:latin typeface="Microsoft YaHei UI" panose="020B0503020204020204" pitchFamily="34" charset="-122"/>
+                <a:ea typeface="Microsoft YaHei UI" panose="020B0503020204020204" pitchFamily="34" charset="-122"/>
               </a:rPr>
               <a:t>什么是 </a:t>
             </a:r>
@@ -14510,6 +14738,8 @@
                 <a:solidFill>
                   <a:schemeClr val="bg1"/>
                 </a:solidFill>
+                <a:latin typeface="Microsoft YaHei UI" panose="020B0503020204020204" pitchFamily="34" charset="-122"/>
+                <a:ea typeface="Microsoft YaHei UI" panose="020B0503020204020204" pitchFamily="34" charset="-122"/>
               </a:rPr>
               <a:t>Props</a:t>
             </a:r>
@@ -14518,6 +14748,8 @@
                 <a:solidFill>
                   <a:schemeClr val="bg1"/>
                 </a:solidFill>
+                <a:latin typeface="Microsoft YaHei UI" panose="020B0503020204020204" pitchFamily="34" charset="-122"/>
+                <a:ea typeface="Microsoft YaHei UI" panose="020B0503020204020204" pitchFamily="34" charset="-122"/>
               </a:rPr>
               <a:t>（属性）</a:t>
             </a:r>
@@ -14526,6 +14758,8 @@
                 <a:solidFill>
                   <a:schemeClr val="bg1"/>
                 </a:solidFill>
+                <a:latin typeface="Microsoft YaHei UI" panose="020B0503020204020204" pitchFamily="34" charset="-122"/>
+                <a:ea typeface="Microsoft YaHei UI" panose="020B0503020204020204" pitchFamily="34" charset="-122"/>
               </a:rPr>
               <a:t>？</a:t>
             </a:r>
@@ -14534,6 +14768,8 @@
                 <a:solidFill>
                   <a:schemeClr val="bg1"/>
                 </a:solidFill>
+                <a:latin typeface="Microsoft YaHei UI" panose="020B0503020204020204" pitchFamily="34" charset="-122"/>
+                <a:ea typeface="Microsoft YaHei UI" panose="020B0503020204020204" pitchFamily="34" charset="-122"/>
               </a:rPr>
             </a:br>
             <a:r>
@@ -14541,6 +14777,8 @@
                 <a:solidFill>
                   <a:schemeClr val="bg1"/>
                 </a:solidFill>
+                <a:latin typeface="Microsoft YaHei UI" panose="020B0503020204020204" pitchFamily="34" charset="-122"/>
+                <a:ea typeface="Microsoft YaHei UI" panose="020B0503020204020204" pitchFamily="34" charset="-122"/>
               </a:rPr>
               <a:t>Props </a:t>
             </a:r>
@@ -14549,6 +14787,8 @@
                 <a:solidFill>
                   <a:schemeClr val="bg1"/>
                 </a:solidFill>
+                <a:latin typeface="Microsoft YaHei UI" panose="020B0503020204020204" pitchFamily="34" charset="-122"/>
+                <a:ea typeface="Microsoft YaHei UI" panose="020B0503020204020204" pitchFamily="34" charset="-122"/>
               </a:rPr>
               <a:t>是由 父组件 传递给 子组件 的 </a:t>
             </a:r>
@@ -14557,6 +14797,8 @@
                 <a:solidFill>
                   <a:schemeClr val="bg1"/>
                 </a:solidFill>
+                <a:latin typeface="Microsoft YaHei UI" panose="020B0503020204020204" pitchFamily="34" charset="-122"/>
+                <a:ea typeface="Microsoft YaHei UI" panose="020B0503020204020204" pitchFamily="34" charset="-122"/>
               </a:rPr>
               <a:t>变量或者数据（甚至是函数，方法）</a:t>
             </a:r>
@@ -14565,6 +14807,8 @@
                 <a:solidFill>
                   <a:schemeClr val="bg1"/>
                 </a:solidFill>
+                <a:latin typeface="Microsoft YaHei UI" panose="020B0503020204020204" pitchFamily="34" charset="-122"/>
+                <a:ea typeface="Microsoft YaHei UI" panose="020B0503020204020204" pitchFamily="34" charset="-122"/>
               </a:rPr>
               <a:t>，它在子</a:t>
             </a:r>
@@ -14573,6 +14817,8 @@
                 <a:solidFill>
                   <a:schemeClr val="bg1"/>
                 </a:solidFill>
+                <a:latin typeface="Microsoft YaHei UI" panose="020B0503020204020204" pitchFamily="34" charset="-122"/>
+                <a:ea typeface="Microsoft YaHei UI" panose="020B0503020204020204" pitchFamily="34" charset="-122"/>
               </a:rPr>
               <a:t>组件</a:t>
             </a:r>
@@ -14581,6 +14827,8 @@
                 <a:solidFill>
                   <a:schemeClr val="bg1"/>
                 </a:solidFill>
+                <a:latin typeface="Microsoft YaHei UI" panose="020B0503020204020204" pitchFamily="34" charset="-122"/>
+                <a:ea typeface="Microsoft YaHei UI" panose="020B0503020204020204" pitchFamily="34" charset="-122"/>
               </a:rPr>
               <a:t>构造函数执行初始化时被初始化，初始化后 不能被修改。</a:t>
             </a:r>
@@ -14588,6 +14836,8 @@
               <a:solidFill>
                 <a:schemeClr val="bg1"/>
               </a:solidFill>
+              <a:latin typeface="Microsoft YaHei UI" panose="020B0503020204020204" pitchFamily="34" charset="-122"/>
+              <a:ea typeface="Microsoft YaHei UI" panose="020B0503020204020204" pitchFamily="34" charset="-122"/>
             </a:endParaRPr>
           </a:p>
           <a:p>
@@ -14595,6 +14845,8 @@
               <a:solidFill>
                 <a:schemeClr val="bg1"/>
               </a:solidFill>
+              <a:latin typeface="Microsoft YaHei UI" panose="020B0503020204020204" pitchFamily="34" charset="-122"/>
+              <a:ea typeface="Microsoft YaHei UI" panose="020B0503020204020204" pitchFamily="34" charset="-122"/>
             </a:endParaRPr>
           </a:p>
           <a:p>
@@ -14602,6 +14854,8 @@
               <a:solidFill>
                 <a:schemeClr val="bg1"/>
               </a:solidFill>
+              <a:latin typeface="Microsoft YaHei UI" panose="020B0503020204020204" pitchFamily="34" charset="-122"/>
+              <a:ea typeface="Microsoft YaHei UI" panose="020B0503020204020204" pitchFamily="34" charset="-122"/>
             </a:endParaRPr>
           </a:p>
           <a:p>
@@ -14614,6 +14868,8 @@
                 <a:solidFill>
                   <a:schemeClr val="bg1"/>
                 </a:solidFill>
+                <a:latin typeface="Microsoft YaHei UI" panose="020B0503020204020204" pitchFamily="34" charset="-122"/>
+                <a:ea typeface="Microsoft YaHei UI" panose="020B0503020204020204" pitchFamily="34" charset="-122"/>
               </a:rPr>
               <a:t>无状态</a:t>
             </a:r>
@@ -14622,6 +14878,8 @@
                 <a:solidFill>
                   <a:schemeClr val="bg1"/>
                 </a:solidFill>
+                <a:latin typeface="Microsoft YaHei UI" panose="020B0503020204020204" pitchFamily="34" charset="-122"/>
+                <a:ea typeface="Microsoft YaHei UI" panose="020B0503020204020204" pitchFamily="34" charset="-122"/>
               </a:rPr>
               <a:t>组件</a:t>
             </a:r>
@@ -14630,6 +14888,8 @@
                 <a:solidFill>
                   <a:schemeClr val="bg1"/>
                 </a:solidFill>
+                <a:latin typeface="Microsoft YaHei UI" panose="020B0503020204020204" pitchFamily="34" charset="-122"/>
+                <a:ea typeface="Microsoft YaHei UI" panose="020B0503020204020204" pitchFamily="34" charset="-122"/>
               </a:rPr>
               <a:t>（</a:t>
             </a:r>
@@ -14638,6 +14898,8 @@
                 <a:solidFill>
                   <a:schemeClr val="bg1"/>
                 </a:solidFill>
+                <a:latin typeface="Microsoft YaHei UI" panose="020B0503020204020204" pitchFamily="34" charset="-122"/>
+                <a:ea typeface="Microsoft YaHei UI" panose="020B0503020204020204" pitchFamily="34" charset="-122"/>
               </a:rPr>
               <a:t>StatelessWidget</a:t>
             </a:r>
@@ -14646,6 +14908,8 @@
                 <a:solidFill>
                   <a:schemeClr val="bg1"/>
                 </a:solidFill>
+                <a:latin typeface="Microsoft YaHei UI" panose="020B0503020204020204" pitchFamily="34" charset="-122"/>
+                <a:ea typeface="Microsoft YaHei UI" panose="020B0503020204020204" pitchFamily="34" charset="-122"/>
               </a:rPr>
               <a:t>）</a:t>
             </a:r>
@@ -14653,6 +14917,8 @@
               <a:solidFill>
                 <a:schemeClr val="bg1"/>
               </a:solidFill>
+              <a:latin typeface="Microsoft YaHei UI" panose="020B0503020204020204" pitchFamily="34" charset="-122"/>
+              <a:ea typeface="Microsoft YaHei UI" panose="020B0503020204020204" pitchFamily="34" charset="-122"/>
             </a:endParaRPr>
           </a:p>
           <a:p>
@@ -14661,6 +14927,8 @@
                 <a:solidFill>
                   <a:schemeClr val="bg1"/>
                 </a:solidFill>
+                <a:latin typeface="Microsoft YaHei UI" panose="020B0503020204020204" pitchFamily="34" charset="-122"/>
+                <a:ea typeface="Microsoft YaHei UI" panose="020B0503020204020204" pitchFamily="34" charset="-122"/>
               </a:rPr>
               <a:t>根据 </a:t>
             </a:r>
@@ -14669,6 +14937,8 @@
                 <a:solidFill>
                   <a:schemeClr val="bg1"/>
                 </a:solidFill>
+                <a:latin typeface="Microsoft YaHei UI" panose="020B0503020204020204" pitchFamily="34" charset="-122"/>
+                <a:ea typeface="Microsoft YaHei UI" panose="020B0503020204020204" pitchFamily="34" charset="-122"/>
               </a:rPr>
               <a:t>Props</a:t>
             </a:r>
@@ -14677,6 +14947,8 @@
                 <a:solidFill>
                   <a:schemeClr val="bg1"/>
                 </a:solidFill>
+                <a:latin typeface="Microsoft YaHei UI" panose="020B0503020204020204" pitchFamily="34" charset="-122"/>
+                <a:ea typeface="Microsoft YaHei UI" panose="020B0503020204020204" pitchFamily="34" charset="-122"/>
               </a:rPr>
               <a:t> 的机制，</a:t>
             </a:r>
@@ -14685,6 +14957,8 @@
                 <a:solidFill>
                   <a:schemeClr val="bg1"/>
                 </a:solidFill>
+                <a:latin typeface="Microsoft YaHei UI" panose="020B0503020204020204" pitchFamily="34" charset="-122"/>
+                <a:ea typeface="Microsoft YaHei UI" panose="020B0503020204020204" pitchFamily="34" charset="-122"/>
               </a:rPr>
               <a:t>Flutter</a:t>
             </a:r>
@@ -14693,6 +14967,8 @@
                 <a:solidFill>
                   <a:schemeClr val="bg1"/>
                 </a:solidFill>
+                <a:latin typeface="Microsoft YaHei UI" panose="020B0503020204020204" pitchFamily="34" charset="-122"/>
+                <a:ea typeface="Microsoft YaHei UI" panose="020B0503020204020204" pitchFamily="34" charset="-122"/>
               </a:rPr>
               <a:t> 提供了无状态组件。</a:t>
             </a:r>
@@ -14700,6 +14976,8 @@
               <a:solidFill>
                 <a:schemeClr val="bg1"/>
               </a:solidFill>
+              <a:latin typeface="Microsoft YaHei UI" panose="020B0503020204020204" pitchFamily="34" charset="-122"/>
+              <a:ea typeface="Microsoft YaHei UI" panose="020B0503020204020204" pitchFamily="34" charset="-122"/>
             </a:endParaRPr>
           </a:p>
           <a:p>
@@ -14708,6 +14986,8 @@
                 <a:solidFill>
                   <a:schemeClr val="bg1"/>
                 </a:solidFill>
+                <a:latin typeface="Microsoft YaHei UI" panose="020B0503020204020204" pitchFamily="34" charset="-122"/>
+                <a:ea typeface="Microsoft YaHei UI" panose="020B0503020204020204" pitchFamily="34" charset="-122"/>
               </a:rPr>
               <a:t>它使用类初始化时的数据进行渲染。</a:t>
             </a:r>
@@ -14715,6 +14995,8 @@
               <a:solidFill>
                 <a:schemeClr val="bg1"/>
               </a:solidFill>
+              <a:latin typeface="Microsoft YaHei UI" panose="020B0503020204020204" pitchFamily="34" charset="-122"/>
+              <a:ea typeface="Microsoft YaHei UI" panose="020B0503020204020204" pitchFamily="34" charset="-122"/>
             </a:endParaRPr>
           </a:p>
           <a:p>
@@ -14723,6 +15005,8 @@
                 <a:solidFill>
                   <a:schemeClr val="bg1"/>
                 </a:solidFill>
+                <a:latin typeface="Microsoft YaHei UI" panose="020B0503020204020204" pitchFamily="34" charset="-122"/>
+                <a:ea typeface="Microsoft YaHei UI" panose="020B0503020204020204" pitchFamily="34" charset="-122"/>
               </a:rPr>
               <a:t>组件无需管理自己的状态，初始化是什么样，渲染就是什么样子。</a:t>
             </a:r>
@@ -14733,6 +15017,8 @@
                 <a:solidFill>
                   <a:schemeClr val="bg1"/>
                 </a:solidFill>
+                <a:latin typeface="Microsoft YaHei UI" panose="020B0503020204020204" pitchFamily="34" charset="-122"/>
+                <a:ea typeface="Microsoft YaHei UI" panose="020B0503020204020204" pitchFamily="34" charset="-122"/>
               </a:rPr>
             </a:br>
             <a:endParaRPr lang="en-US" altLang="zh-CN" sz="1400" b="1" dirty="0">
@@ -14780,10 +15066,10 @@
       </p:sp>
       <p:pic>
         <p:nvPicPr>
-          <p:cNvPr id="4" name="图片 3">
+          <p:cNvPr id="6" name="图片 5">
             <a:extLst>
               <a:ext uri="{FF2B5EF4-FFF2-40B4-BE49-F238E27FC236}">
-                <a16:creationId xmlns:a16="http://schemas.microsoft.com/office/drawing/2014/main" id="{9D236941-227C-4148-93B6-5BFD556A1275}"/>
+                <a16:creationId xmlns:a16="http://schemas.microsoft.com/office/drawing/2014/main" id="{F785B635-4B61-4E54-AC9E-8C5679108766}"/>
               </a:ext>
             </a:extLst>
           </p:cNvPr>
@@ -14800,38 +15086,8 @@
         </p:blipFill>
         <p:spPr>
           <a:xfrm>
-            <a:off x="587628" y="1715782"/>
-            <a:ext cx="2819879" cy="2808203"/>
-          </a:xfrm>
-          <a:prstGeom prst="rect">
-            <a:avLst/>
-          </a:prstGeom>
-        </p:spPr>
-      </p:pic>
-      <p:pic>
-        <p:nvPicPr>
-          <p:cNvPr id="5" name="图片 4">
-            <a:extLst>
-              <a:ext uri="{FF2B5EF4-FFF2-40B4-BE49-F238E27FC236}">
-                <a16:creationId xmlns:a16="http://schemas.microsoft.com/office/drawing/2014/main" id="{7DD04A47-09E8-7048-9C89-5A604D27A9B3}"/>
-              </a:ext>
-            </a:extLst>
-          </p:cNvPr>
-          <p:cNvPicPr>
-            <a:picLocks noChangeAspect="1"/>
-          </p:cNvPicPr>
-          <p:nvPr/>
-        </p:nvPicPr>
-        <p:blipFill>
-          <a:blip r:embed="rId3"/>
-          <a:stretch>
-            <a:fillRect/>
-          </a:stretch>
-        </p:blipFill>
-        <p:spPr>
-          <a:xfrm>
-            <a:off x="3761510" y="1715782"/>
-            <a:ext cx="2988672" cy="2815200"/>
+            <a:off x="383177" y="1899707"/>
+            <a:ext cx="6580292" cy="3652859"/>
           </a:xfrm>
           <a:prstGeom prst="rect">
             <a:avLst/>
@@ -14927,8 +15183,8 @@
         </p:nvSpPr>
         <p:spPr>
           <a:xfrm>
-            <a:off x="7244861" y="1137444"/>
-            <a:ext cx="4736123" cy="5177387"/>
+            <a:off x="7532915" y="1262743"/>
+            <a:ext cx="4456778" cy="4695037"/>
           </a:xfrm>
           <a:prstGeom prst="rect">
             <a:avLst/>
@@ -14973,6 +15229,8 @@
                 <a:solidFill>
                   <a:schemeClr val="bg1"/>
                 </a:solidFill>
+                <a:latin typeface="Microsoft YaHei UI" panose="020B0503020204020204" pitchFamily="34" charset="-122"/>
+                <a:ea typeface="Microsoft YaHei UI" panose="020B0503020204020204" pitchFamily="34" charset="-122"/>
               </a:rPr>
               <a:t>什么是 </a:t>
             </a:r>
@@ -14981,6 +15239,8 @@
                 <a:solidFill>
                   <a:schemeClr val="bg1"/>
                 </a:solidFill>
+                <a:latin typeface="Microsoft YaHei UI" panose="020B0503020204020204" pitchFamily="34" charset="-122"/>
+                <a:ea typeface="Microsoft YaHei UI" panose="020B0503020204020204" pitchFamily="34" charset="-122"/>
               </a:rPr>
               <a:t>State</a:t>
             </a:r>
@@ -14989,6 +15249,8 @@
                 <a:solidFill>
                   <a:schemeClr val="bg1"/>
                 </a:solidFill>
+                <a:latin typeface="Microsoft YaHei UI" panose="020B0503020204020204" pitchFamily="34" charset="-122"/>
+                <a:ea typeface="Microsoft YaHei UI" panose="020B0503020204020204" pitchFamily="34" charset="-122"/>
               </a:rPr>
               <a:t>（状态）</a:t>
             </a:r>
@@ -14997,6 +15259,8 @@
                 <a:solidFill>
                   <a:schemeClr val="bg1"/>
                 </a:solidFill>
+                <a:latin typeface="Microsoft YaHei UI" panose="020B0503020204020204" pitchFamily="34" charset="-122"/>
+                <a:ea typeface="Microsoft YaHei UI" panose="020B0503020204020204" pitchFamily="34" charset="-122"/>
               </a:rPr>
               <a:t>？</a:t>
             </a:r>
@@ -15004,6 +15268,8 @@
               <a:solidFill>
                 <a:schemeClr val="bg1"/>
               </a:solidFill>
+              <a:latin typeface="Microsoft YaHei UI" panose="020B0503020204020204" pitchFamily="34" charset="-122"/>
+              <a:ea typeface="Microsoft YaHei UI" panose="020B0503020204020204" pitchFamily="34" charset="-122"/>
             </a:endParaRPr>
           </a:p>
           <a:p>
@@ -15012,6 +15278,8 @@
                 <a:solidFill>
                   <a:schemeClr val="bg1"/>
                 </a:solidFill>
+                <a:latin typeface="Microsoft YaHei UI" panose="020B0503020204020204" pitchFamily="34" charset="-122"/>
+                <a:ea typeface="Microsoft YaHei UI" panose="020B0503020204020204" pitchFamily="34" charset="-122"/>
               </a:rPr>
               <a:t>State </a:t>
             </a:r>
@@ -15020,6 +15288,8 @@
                 <a:solidFill>
                   <a:schemeClr val="bg1"/>
                 </a:solidFill>
+                <a:latin typeface="Microsoft YaHei UI" panose="020B0503020204020204" pitchFamily="34" charset="-122"/>
+                <a:ea typeface="Microsoft YaHei UI" panose="020B0503020204020204" pitchFamily="34" charset="-122"/>
               </a:rPr>
               <a:t>是由</a:t>
             </a:r>
@@ -15028,6 +15298,8 @@
                 <a:solidFill>
                   <a:schemeClr val="bg1"/>
                 </a:solidFill>
+                <a:latin typeface="Microsoft YaHei UI" panose="020B0503020204020204" pitchFamily="34" charset="-122"/>
+                <a:ea typeface="Microsoft YaHei UI" panose="020B0503020204020204" pitchFamily="34" charset="-122"/>
               </a:rPr>
               <a:t>组件</a:t>
             </a:r>
@@ -15036,6 +15308,8 @@
                 <a:solidFill>
                   <a:schemeClr val="bg1"/>
                 </a:solidFill>
+                <a:latin typeface="Microsoft YaHei UI" panose="020B0503020204020204" pitchFamily="34" charset="-122"/>
+                <a:ea typeface="Microsoft YaHei UI" panose="020B0503020204020204" pitchFamily="34" charset="-122"/>
               </a:rPr>
               <a:t> </a:t>
             </a:r>
@@ -15044,6 +15318,8 @@
                 <a:solidFill>
                   <a:schemeClr val="bg1"/>
                 </a:solidFill>
+                <a:latin typeface="Microsoft YaHei UI" panose="020B0503020204020204" pitchFamily="34" charset="-122"/>
+                <a:ea typeface="Microsoft YaHei UI" panose="020B0503020204020204" pitchFamily="34" charset="-122"/>
               </a:rPr>
               <a:t>自身管理的变量或者数据</a:t>
             </a:r>
@@ -15052,6 +15328,8 @@
                 <a:solidFill>
                   <a:schemeClr val="bg1"/>
                 </a:solidFill>
+                <a:latin typeface="Microsoft YaHei UI" panose="020B0503020204020204" pitchFamily="34" charset="-122"/>
+                <a:ea typeface="Microsoft YaHei UI" panose="020B0503020204020204" pitchFamily="34" charset="-122"/>
               </a:rPr>
               <a:t>， 当 </a:t>
             </a:r>
@@ -15060,6 +15338,8 @@
                 <a:solidFill>
                   <a:schemeClr val="bg1"/>
                 </a:solidFill>
+                <a:latin typeface="Microsoft YaHei UI" panose="020B0503020204020204" pitchFamily="34" charset="-122"/>
+                <a:ea typeface="Microsoft YaHei UI" panose="020B0503020204020204" pitchFamily="34" charset="-122"/>
               </a:rPr>
               <a:t>State </a:t>
             </a:r>
@@ -15068,6 +15348,8 @@
                 <a:solidFill>
                   <a:schemeClr val="bg1"/>
                 </a:solidFill>
+                <a:latin typeface="Microsoft YaHei UI" panose="020B0503020204020204" pitchFamily="34" charset="-122"/>
+                <a:ea typeface="Microsoft YaHei UI" panose="020B0503020204020204" pitchFamily="34" charset="-122"/>
               </a:rPr>
               <a:t>变化时</a:t>
             </a:r>
@@ -15076,6 +15358,8 @@
                 <a:solidFill>
                   <a:schemeClr val="bg1"/>
                 </a:solidFill>
+                <a:latin typeface="Microsoft YaHei UI" panose="020B0503020204020204" pitchFamily="34" charset="-122"/>
+                <a:ea typeface="Microsoft YaHei UI" panose="020B0503020204020204" pitchFamily="34" charset="-122"/>
               </a:rPr>
               <a:t>， </a:t>
             </a:r>
@@ -15084,6 +15368,8 @@
                 <a:solidFill>
                   <a:schemeClr val="bg1"/>
                 </a:solidFill>
+                <a:latin typeface="Microsoft YaHei UI" panose="020B0503020204020204" pitchFamily="34" charset="-122"/>
+                <a:ea typeface="Microsoft YaHei UI" panose="020B0503020204020204" pitchFamily="34" charset="-122"/>
               </a:rPr>
               <a:t>UI </a:t>
             </a:r>
@@ -15092,6 +15378,8 @@
                 <a:solidFill>
                   <a:schemeClr val="bg1"/>
                 </a:solidFill>
+                <a:latin typeface="Microsoft YaHei UI" panose="020B0503020204020204" pitchFamily="34" charset="-122"/>
+                <a:ea typeface="Microsoft YaHei UI" panose="020B0503020204020204" pitchFamily="34" charset="-122"/>
               </a:rPr>
               <a:t>的构建器将会自动的重新渲染对应的 </a:t>
             </a:r>
@@ -15100,6 +15388,8 @@
                 <a:solidFill>
                   <a:schemeClr val="bg1"/>
                 </a:solidFill>
+                <a:latin typeface="Microsoft YaHei UI" panose="020B0503020204020204" pitchFamily="34" charset="-122"/>
+                <a:ea typeface="Microsoft YaHei UI" panose="020B0503020204020204" pitchFamily="34" charset="-122"/>
               </a:rPr>
               <a:t>UI</a:t>
             </a:r>
@@ -15108,6 +15398,8 @@
                 <a:solidFill>
                   <a:schemeClr val="bg1"/>
                 </a:solidFill>
+                <a:latin typeface="Microsoft YaHei UI" panose="020B0503020204020204" pitchFamily="34" charset="-122"/>
+                <a:ea typeface="Microsoft YaHei UI" panose="020B0503020204020204" pitchFamily="34" charset="-122"/>
               </a:rPr>
               <a:t>树。</a:t>
             </a:r>
@@ -15115,6 +15407,8 @@
               <a:solidFill>
                 <a:schemeClr val="bg1"/>
               </a:solidFill>
+              <a:latin typeface="Microsoft YaHei UI" panose="020B0503020204020204" pitchFamily="34" charset="-122"/>
+              <a:ea typeface="Microsoft YaHei UI" panose="020B0503020204020204" pitchFamily="34" charset="-122"/>
             </a:endParaRPr>
           </a:p>
           <a:p>
@@ -15123,6 +15417,8 @@
                 <a:solidFill>
                   <a:schemeClr val="bg1"/>
                 </a:solidFill>
+                <a:latin typeface="Microsoft YaHei UI" panose="020B0503020204020204" pitchFamily="34" charset="-122"/>
+                <a:ea typeface="Microsoft YaHei UI" panose="020B0503020204020204" pitchFamily="34" charset="-122"/>
               </a:rPr>
               <a:t>组件</a:t>
             </a:r>
@@ -15131,6 +15427,8 @@
                 <a:solidFill>
                   <a:schemeClr val="bg1"/>
                 </a:solidFill>
+                <a:latin typeface="Microsoft YaHei UI" panose="020B0503020204020204" pitchFamily="34" charset="-122"/>
+                <a:ea typeface="Microsoft YaHei UI" panose="020B0503020204020204" pitchFamily="34" charset="-122"/>
               </a:rPr>
               <a:t>自身的</a:t>
             </a:r>
@@ -15139,6 +15437,8 @@
                 <a:solidFill>
                   <a:schemeClr val="bg1"/>
                 </a:solidFill>
+                <a:latin typeface="Microsoft YaHei UI" panose="020B0503020204020204" pitchFamily="34" charset="-122"/>
+                <a:ea typeface="Microsoft YaHei UI" panose="020B0503020204020204" pitchFamily="34" charset="-122"/>
               </a:rPr>
               <a:t>State</a:t>
             </a:r>
@@ -15147,6 +15447,8 @@
                 <a:solidFill>
                   <a:schemeClr val="bg1"/>
                 </a:solidFill>
+                <a:latin typeface="Microsoft YaHei UI" panose="020B0503020204020204" pitchFamily="34" charset="-122"/>
+                <a:ea typeface="Microsoft YaHei UI" panose="020B0503020204020204" pitchFamily="34" charset="-122"/>
               </a:rPr>
               <a:t>是可变的，而且可以作为变量或者数据传递给子</a:t>
             </a:r>
@@ -15155,6 +15457,8 @@
                 <a:solidFill>
                   <a:schemeClr val="bg1"/>
                 </a:solidFill>
+                <a:latin typeface="Microsoft YaHei UI" panose="020B0503020204020204" pitchFamily="34" charset="-122"/>
+                <a:ea typeface="Microsoft YaHei UI" panose="020B0503020204020204" pitchFamily="34" charset="-122"/>
               </a:rPr>
               <a:t>组件</a:t>
             </a:r>
@@ -15163,6 +15467,8 @@
                 <a:solidFill>
                   <a:schemeClr val="bg1"/>
                 </a:solidFill>
+                <a:latin typeface="Microsoft YaHei UI" panose="020B0503020204020204" pitchFamily="34" charset="-122"/>
+                <a:ea typeface="Microsoft YaHei UI" panose="020B0503020204020204" pitchFamily="34" charset="-122"/>
               </a:rPr>
               <a:t>。</a:t>
             </a:r>
@@ -15170,6 +15476,8 @@
               <a:solidFill>
                 <a:schemeClr val="bg1"/>
               </a:solidFill>
+              <a:latin typeface="Microsoft YaHei UI" panose="020B0503020204020204" pitchFamily="34" charset="-122"/>
+              <a:ea typeface="Microsoft YaHei UI" panose="020B0503020204020204" pitchFamily="34" charset="-122"/>
             </a:endParaRPr>
           </a:p>
           <a:p>
@@ -15177,6 +15485,8 @@
               <a:solidFill>
                 <a:schemeClr val="bg1"/>
               </a:solidFill>
+              <a:latin typeface="Microsoft YaHei UI" panose="020B0503020204020204" pitchFamily="34" charset="-122"/>
+              <a:ea typeface="Microsoft YaHei UI" panose="020B0503020204020204" pitchFamily="34" charset="-122"/>
             </a:endParaRPr>
           </a:p>
           <a:p>
@@ -15189,6 +15499,8 @@
                 <a:solidFill>
                   <a:schemeClr val="bg1"/>
                 </a:solidFill>
+                <a:latin typeface="Microsoft YaHei UI" panose="020B0503020204020204" pitchFamily="34" charset="-122"/>
+                <a:ea typeface="Microsoft YaHei UI" panose="020B0503020204020204" pitchFamily="34" charset="-122"/>
               </a:rPr>
               <a:t>状态</a:t>
             </a:r>
@@ -15197,6 +15509,8 @@
                 <a:solidFill>
                   <a:schemeClr val="bg1"/>
                 </a:solidFill>
+                <a:latin typeface="Microsoft YaHei UI" panose="020B0503020204020204" pitchFamily="34" charset="-122"/>
+                <a:ea typeface="Microsoft YaHei UI" panose="020B0503020204020204" pitchFamily="34" charset="-122"/>
               </a:rPr>
               <a:t>组件（</a:t>
             </a:r>
@@ -15205,6 +15519,8 @@
                 <a:solidFill>
                   <a:schemeClr val="bg1"/>
                 </a:solidFill>
+                <a:latin typeface="Microsoft YaHei UI" panose="020B0503020204020204" pitchFamily="34" charset="-122"/>
+                <a:ea typeface="Microsoft YaHei UI" panose="020B0503020204020204" pitchFamily="34" charset="-122"/>
               </a:rPr>
               <a:t>StatefulWidget</a:t>
             </a:r>
@@ -15213,6 +15529,8 @@
                 <a:solidFill>
                   <a:schemeClr val="bg1"/>
                 </a:solidFill>
+                <a:latin typeface="Microsoft YaHei UI" panose="020B0503020204020204" pitchFamily="34" charset="-122"/>
+                <a:ea typeface="Microsoft YaHei UI" panose="020B0503020204020204" pitchFamily="34" charset="-122"/>
               </a:rPr>
               <a:t>）</a:t>
             </a:r>
@@ -15220,6 +15538,8 @@
               <a:solidFill>
                 <a:schemeClr val="bg1"/>
               </a:solidFill>
+              <a:latin typeface="Microsoft YaHei UI" panose="020B0503020204020204" pitchFamily="34" charset="-122"/>
+              <a:ea typeface="Microsoft YaHei UI" panose="020B0503020204020204" pitchFamily="34" charset="-122"/>
             </a:endParaRPr>
           </a:p>
           <a:p>
@@ -15228,6 +15548,8 @@
                 <a:solidFill>
                   <a:schemeClr val="bg1"/>
                 </a:solidFill>
+                <a:latin typeface="Microsoft YaHei UI" panose="020B0503020204020204" pitchFamily="34" charset="-122"/>
+                <a:ea typeface="Microsoft YaHei UI" panose="020B0503020204020204" pitchFamily="34" charset="-122"/>
               </a:rPr>
               <a:t>根据 </a:t>
             </a:r>
@@ -15236,6 +15558,8 @@
                 <a:solidFill>
                   <a:schemeClr val="bg1"/>
                 </a:solidFill>
+                <a:latin typeface="Microsoft YaHei UI" panose="020B0503020204020204" pitchFamily="34" charset="-122"/>
+                <a:ea typeface="Microsoft YaHei UI" panose="020B0503020204020204" pitchFamily="34" charset="-122"/>
               </a:rPr>
               <a:t>State</a:t>
             </a:r>
@@ -15244,6 +15568,8 @@
                 <a:solidFill>
                   <a:schemeClr val="bg1"/>
                 </a:solidFill>
+                <a:latin typeface="Microsoft YaHei UI" panose="020B0503020204020204" pitchFamily="34" charset="-122"/>
+                <a:ea typeface="Microsoft YaHei UI" panose="020B0503020204020204" pitchFamily="34" charset="-122"/>
               </a:rPr>
               <a:t> 的机制，</a:t>
             </a:r>
@@ -15252,6 +15578,8 @@
                 <a:solidFill>
                   <a:schemeClr val="bg1"/>
                 </a:solidFill>
+                <a:latin typeface="Microsoft YaHei UI" panose="020B0503020204020204" pitchFamily="34" charset="-122"/>
+                <a:ea typeface="Microsoft YaHei UI" panose="020B0503020204020204" pitchFamily="34" charset="-122"/>
               </a:rPr>
               <a:t>Flutter</a:t>
             </a:r>
@@ -15260,6 +15588,8 @@
                 <a:solidFill>
                   <a:schemeClr val="bg1"/>
                 </a:solidFill>
+                <a:latin typeface="Microsoft YaHei UI" panose="020B0503020204020204" pitchFamily="34" charset="-122"/>
+                <a:ea typeface="Microsoft YaHei UI" panose="020B0503020204020204" pitchFamily="34" charset="-122"/>
               </a:rPr>
               <a:t> 提供了状态组件。</a:t>
             </a:r>
@@ -15267,6 +15597,8 @@
               <a:solidFill>
                 <a:schemeClr val="bg1"/>
               </a:solidFill>
+              <a:latin typeface="Microsoft YaHei UI" panose="020B0503020204020204" pitchFamily="34" charset="-122"/>
+              <a:ea typeface="Microsoft YaHei UI" panose="020B0503020204020204" pitchFamily="34" charset="-122"/>
             </a:endParaRPr>
           </a:p>
           <a:p>
@@ -15275,6 +15607,8 @@
                 <a:solidFill>
                   <a:schemeClr val="bg1"/>
                 </a:solidFill>
+                <a:latin typeface="Microsoft YaHei UI" panose="020B0503020204020204" pitchFamily="34" charset="-122"/>
+                <a:ea typeface="Microsoft YaHei UI" panose="020B0503020204020204" pitchFamily="34" charset="-122"/>
               </a:rPr>
               <a:t>它可以使用类初始化的数据进行渲染。</a:t>
             </a:r>
@@ -15282,6 +15616,8 @@
               <a:solidFill>
                 <a:schemeClr val="bg1"/>
               </a:solidFill>
+              <a:latin typeface="Microsoft YaHei UI" panose="020B0503020204020204" pitchFamily="34" charset="-122"/>
+              <a:ea typeface="Microsoft YaHei UI" panose="020B0503020204020204" pitchFamily="34" charset="-122"/>
             </a:endParaRPr>
           </a:p>
           <a:p>
@@ -15290,6 +15626,8 @@
                 <a:solidFill>
                   <a:schemeClr val="bg1"/>
                 </a:solidFill>
+                <a:latin typeface="Microsoft YaHei UI" panose="020B0503020204020204" pitchFamily="34" charset="-122"/>
+                <a:ea typeface="Microsoft YaHei UI" panose="020B0503020204020204" pitchFamily="34" charset="-122"/>
               </a:rPr>
               <a:t>同时也可以声明自己的状态。</a:t>
             </a:r>
@@ -15297,6 +15635,8 @@
               <a:solidFill>
                 <a:schemeClr val="bg1"/>
               </a:solidFill>
+              <a:latin typeface="Microsoft YaHei UI" panose="020B0503020204020204" pitchFamily="34" charset="-122"/>
+              <a:ea typeface="Microsoft YaHei UI" panose="020B0503020204020204" pitchFamily="34" charset="-122"/>
             </a:endParaRPr>
           </a:p>
           <a:p>
@@ -15305,6 +15645,8 @@
                 <a:solidFill>
                   <a:schemeClr val="bg1"/>
                 </a:solidFill>
+                <a:latin typeface="Microsoft YaHei UI" panose="020B0503020204020204" pitchFamily="34" charset="-122"/>
+                <a:ea typeface="Microsoft YaHei UI" panose="020B0503020204020204" pitchFamily="34" charset="-122"/>
               </a:rPr>
               <a:t>当自己的状态发生变化时，可以调用方法重新渲染自身。</a:t>
             </a:r>
@@ -15312,6 +15654,8 @@
               <a:solidFill>
                 <a:schemeClr val="bg1"/>
               </a:solidFill>
+              <a:latin typeface="Microsoft YaHei UI" panose="020B0503020204020204" pitchFamily="34" charset="-122"/>
+              <a:ea typeface="Microsoft YaHei UI" panose="020B0503020204020204" pitchFamily="34" charset="-122"/>
             </a:endParaRPr>
           </a:p>
           <a:p>
@@ -15320,6 +15664,8 @@
                 <a:solidFill>
                   <a:schemeClr val="bg1"/>
                 </a:solidFill>
+                <a:latin typeface="Microsoft YaHei UI" panose="020B0503020204020204" pitchFamily="34" charset="-122"/>
+                <a:ea typeface="Microsoft YaHei UI" panose="020B0503020204020204" pitchFamily="34" charset="-122"/>
               </a:rPr>
               <a:t>状态</a:t>
             </a:r>
@@ -15328,6 +15674,8 @@
                 <a:solidFill>
                   <a:schemeClr val="bg1"/>
                 </a:solidFill>
+                <a:latin typeface="Microsoft YaHei UI" panose="020B0503020204020204" pitchFamily="34" charset="-122"/>
+                <a:ea typeface="Microsoft YaHei UI" panose="020B0503020204020204" pitchFamily="34" charset="-122"/>
               </a:rPr>
               <a:t>组件</a:t>
             </a:r>
@@ -15336,6 +15684,8 @@
                 <a:solidFill>
                   <a:schemeClr val="bg1"/>
                 </a:solidFill>
+                <a:latin typeface="Microsoft YaHei UI" panose="020B0503020204020204" pitchFamily="34" charset="-122"/>
+                <a:ea typeface="Microsoft YaHei UI" panose="020B0503020204020204" pitchFamily="34" charset="-122"/>
               </a:rPr>
               <a:t>拥有生命周期。</a:t>
             </a:r>
@@ -15346,16 +15696,50 @@
                 <a:solidFill>
                   <a:schemeClr val="bg1"/>
                 </a:solidFill>
+                <a:latin typeface="Microsoft YaHei UI" panose="020B0503020204020204" pitchFamily="34" charset="-122"/>
+                <a:ea typeface="Microsoft YaHei UI" panose="020B0503020204020204" pitchFamily="34" charset="-122"/>
               </a:rPr>
             </a:br>
             <a:endParaRPr lang="zh-CN" altLang="en-US" dirty="0">
               <a:solidFill>
                 <a:schemeClr val="bg1"/>
               </a:solidFill>
+              <a:latin typeface="Microsoft YaHei UI" panose="020B0503020204020204" pitchFamily="34" charset="-122"/>
+              <a:ea typeface="Microsoft YaHei UI" panose="020B0503020204020204" pitchFamily="34" charset="-122"/>
             </a:endParaRPr>
           </a:p>
         </p:txBody>
       </p:sp>
+      <p:pic>
+        <p:nvPicPr>
+          <p:cNvPr id="3" name="图片 2">
+            <a:extLst>
+              <a:ext uri="{FF2B5EF4-FFF2-40B4-BE49-F238E27FC236}">
+                <a16:creationId xmlns:a16="http://schemas.microsoft.com/office/drawing/2014/main" id="{9127371E-7FA1-4E28-A272-07D01E40AA50}"/>
+              </a:ext>
+            </a:extLst>
+          </p:cNvPr>
+          <p:cNvPicPr>
+            <a:picLocks noChangeAspect="1"/>
+          </p:cNvPicPr>
+          <p:nvPr/>
+        </p:nvPicPr>
+        <p:blipFill>
+          <a:blip r:embed="rId2"/>
+          <a:stretch>
+            <a:fillRect/>
+          </a:stretch>
+        </p:blipFill>
+        <p:spPr>
+          <a:xfrm>
+            <a:off x="280684" y="1716588"/>
+            <a:ext cx="7151965" cy="4019879"/>
+          </a:xfrm>
+          <a:prstGeom prst="rect">
+            <a:avLst/>
+          </a:prstGeom>
+        </p:spPr>
+      </p:pic>
     </p:spTree>
     <p:extLst>
       <p:ext uri="{BB962C8B-B14F-4D97-AF65-F5344CB8AC3E}">
@@ -15459,6 +15843,8 @@
                 <a:solidFill>
                   <a:schemeClr val="bg1"/>
                 </a:solidFill>
+                <a:latin typeface="Microsoft YaHei UI" panose="020B0503020204020204" pitchFamily="34" charset="-122"/>
+                <a:ea typeface="Microsoft YaHei UI" panose="020B0503020204020204" pitchFamily="34" charset="-122"/>
               </a:rPr>
               <a:t>Flutter </a:t>
             </a:r>
@@ -15467,6 +15853,8 @@
                 <a:solidFill>
                   <a:schemeClr val="bg1"/>
                 </a:solidFill>
+                <a:latin typeface="Microsoft YaHei UI" panose="020B0503020204020204" pitchFamily="34" charset="-122"/>
+                <a:ea typeface="Microsoft YaHei UI" panose="020B0503020204020204" pitchFamily="34" charset="-122"/>
               </a:rPr>
               <a:t>中的弹性布局模型跟 </a:t>
             </a:r>
@@ -15475,6 +15863,8 @@
                 <a:solidFill>
                   <a:schemeClr val="bg1"/>
                 </a:solidFill>
+                <a:latin typeface="Microsoft YaHei UI" panose="020B0503020204020204" pitchFamily="34" charset="-122"/>
+                <a:ea typeface="Microsoft YaHei UI" panose="020B0503020204020204" pitchFamily="34" charset="-122"/>
               </a:rPr>
               <a:t>web </a:t>
             </a:r>
@@ -15483,6 +15873,8 @@
                 <a:solidFill>
                   <a:schemeClr val="bg1"/>
                 </a:solidFill>
+                <a:latin typeface="Microsoft YaHei UI" panose="020B0503020204020204" pitchFamily="34" charset="-122"/>
+                <a:ea typeface="Microsoft YaHei UI" panose="020B0503020204020204" pitchFamily="34" charset="-122"/>
               </a:rPr>
               <a:t>开发中的弹性布局非常类似。</a:t>
             </a:r>
@@ -15490,6 +15882,8 @@
               <a:solidFill>
                 <a:schemeClr val="bg1"/>
               </a:solidFill>
+              <a:latin typeface="Microsoft YaHei UI" panose="020B0503020204020204" pitchFamily="34" charset="-122"/>
+              <a:ea typeface="Microsoft YaHei UI" panose="020B0503020204020204" pitchFamily="34" charset="-122"/>
             </a:endParaRPr>
           </a:p>
           <a:p>
@@ -15498,6 +15892,8 @@
                 <a:solidFill>
                   <a:schemeClr val="bg1"/>
                 </a:solidFill>
+                <a:latin typeface="Microsoft YaHei UI" panose="020B0503020204020204" pitchFamily="34" charset="-122"/>
+                <a:ea typeface="Microsoft YaHei UI" panose="020B0503020204020204" pitchFamily="34" charset="-122"/>
               </a:rPr>
               <a:t>如果知道主轴方向，可以直接使用</a:t>
             </a:r>
@@ -15506,6 +15902,8 @@
                 <a:solidFill>
                   <a:schemeClr val="bg1"/>
                 </a:solidFill>
+                <a:latin typeface="Microsoft YaHei UI" panose="020B0503020204020204" pitchFamily="34" charset="-122"/>
+                <a:ea typeface="Microsoft YaHei UI" panose="020B0503020204020204" pitchFamily="34" charset="-122"/>
               </a:rPr>
               <a:t>Row</a:t>
             </a:r>
@@ -15514,6 +15912,8 @@
                 <a:solidFill>
                   <a:schemeClr val="bg1"/>
                 </a:solidFill>
+                <a:latin typeface="Microsoft YaHei UI" panose="020B0503020204020204" pitchFamily="34" charset="-122"/>
+                <a:ea typeface="Microsoft YaHei UI" panose="020B0503020204020204" pitchFamily="34" charset="-122"/>
               </a:rPr>
               <a:t>和 </a:t>
             </a:r>
@@ -15522,6 +15922,8 @@
                 <a:solidFill>
                   <a:schemeClr val="bg1"/>
                 </a:solidFill>
+                <a:latin typeface="Microsoft YaHei UI" panose="020B0503020204020204" pitchFamily="34" charset="-122"/>
+                <a:ea typeface="Microsoft YaHei UI" panose="020B0503020204020204" pitchFamily="34" charset="-122"/>
               </a:rPr>
               <a:t>Column</a:t>
             </a:r>
@@ -15530,6 +15932,8 @@
                 <a:solidFill>
                   <a:schemeClr val="bg1"/>
                 </a:solidFill>
+                <a:latin typeface="Microsoft YaHei UI" panose="020B0503020204020204" pitchFamily="34" charset="-122"/>
+                <a:ea typeface="Microsoft YaHei UI" panose="020B0503020204020204" pitchFamily="34" charset="-122"/>
               </a:rPr>
               <a:t>， 他们都继承自 </a:t>
             </a:r>
@@ -15538,6 +15942,8 @@
                 <a:solidFill>
                   <a:schemeClr val="bg1"/>
                 </a:solidFill>
+                <a:latin typeface="Microsoft YaHei UI" panose="020B0503020204020204" pitchFamily="34" charset="-122"/>
+                <a:ea typeface="Microsoft YaHei UI" panose="020B0503020204020204" pitchFamily="34" charset="-122"/>
               </a:rPr>
               <a:t>Flex</a:t>
             </a:r>
@@ -15546,6 +15952,8 @@
                 <a:solidFill>
                   <a:schemeClr val="bg1"/>
                 </a:solidFill>
+                <a:latin typeface="Microsoft YaHei UI" panose="020B0503020204020204" pitchFamily="34" charset="-122"/>
+                <a:ea typeface="Microsoft YaHei UI" panose="020B0503020204020204" pitchFamily="34" charset="-122"/>
               </a:rPr>
               <a:t>。以下是共通的属性：</a:t>
             </a:r>
@@ -15553,6 +15961,8 @@
               <a:solidFill>
                 <a:schemeClr val="bg1"/>
               </a:solidFill>
+              <a:latin typeface="Microsoft YaHei UI" panose="020B0503020204020204" pitchFamily="34" charset="-122"/>
+              <a:ea typeface="Microsoft YaHei UI" panose="020B0503020204020204" pitchFamily="34" charset="-122"/>
             </a:endParaRPr>
           </a:p>
           <a:p>
@@ -15560,6 +15970,8 @@
               <a:solidFill>
                 <a:schemeClr val="bg1"/>
               </a:solidFill>
+              <a:latin typeface="Microsoft YaHei UI" panose="020B0503020204020204" pitchFamily="34" charset="-122"/>
+              <a:ea typeface="Microsoft YaHei UI" panose="020B0503020204020204" pitchFamily="34" charset="-122"/>
             </a:endParaRPr>
           </a:p>
           <a:p>
@@ -15572,6 +15984,8 @@
                 <a:solidFill>
                   <a:schemeClr val="bg1"/>
                 </a:solidFill>
+                <a:latin typeface="Microsoft YaHei UI" panose="020B0503020204020204" pitchFamily="34" charset="-122"/>
+                <a:ea typeface="Microsoft YaHei UI" panose="020B0503020204020204" pitchFamily="34" charset="-122"/>
               </a:rPr>
               <a:t>mainAxisSize</a:t>
             </a:r>
@@ -15579,6 +15993,8 @@
               <a:solidFill>
                 <a:schemeClr val="bg1"/>
               </a:solidFill>
+              <a:latin typeface="Microsoft YaHei UI" panose="020B0503020204020204" pitchFamily="34" charset="-122"/>
+              <a:ea typeface="Microsoft YaHei UI" panose="020B0503020204020204" pitchFamily="34" charset="-122"/>
             </a:endParaRPr>
           </a:p>
           <a:p>
@@ -15587,6 +16003,8 @@
                 <a:solidFill>
                   <a:schemeClr val="bg1"/>
                 </a:solidFill>
+                <a:latin typeface="Microsoft YaHei UI" panose="020B0503020204020204" pitchFamily="34" charset="-122"/>
+                <a:ea typeface="Microsoft YaHei UI" panose="020B0503020204020204" pitchFamily="34" charset="-122"/>
               </a:rPr>
               <a:t>表示主轴（水平）方向上占用的空间，默认是 </a:t>
             </a:r>
@@ -15595,6 +16013,8 @@
                 <a:solidFill>
                   <a:schemeClr val="bg1"/>
                 </a:solidFill>
+                <a:latin typeface="Microsoft YaHei UI" panose="020B0503020204020204" pitchFamily="34" charset="-122"/>
+                <a:ea typeface="Microsoft YaHei UI" panose="020B0503020204020204" pitchFamily="34" charset="-122"/>
               </a:rPr>
               <a:t>MainAxisSize.max</a:t>
             </a:r>
@@ -15603,6 +16023,8 @@
                 <a:solidFill>
                   <a:schemeClr val="bg1"/>
                 </a:solidFill>
+                <a:latin typeface="Microsoft YaHei UI" panose="020B0503020204020204" pitchFamily="34" charset="-122"/>
+                <a:ea typeface="Microsoft YaHei UI" panose="020B0503020204020204" pitchFamily="34" charset="-122"/>
               </a:rPr>
               <a:t>， </a:t>
             </a:r>
@@ -15611,6 +16033,8 @@
                 <a:solidFill>
                   <a:schemeClr val="bg1"/>
                 </a:solidFill>
+                <a:latin typeface="Microsoft YaHei UI" panose="020B0503020204020204" pitchFamily="34" charset="-122"/>
+                <a:ea typeface="Microsoft YaHei UI" panose="020B0503020204020204" pitchFamily="34" charset="-122"/>
               </a:rPr>
               <a:t>表示尽可能多的占用水平方向的空间。</a:t>
             </a:r>
@@ -15619,6 +16043,8 @@
                 <a:solidFill>
                   <a:schemeClr val="bg1"/>
                 </a:solidFill>
+                <a:latin typeface="Microsoft YaHei UI" panose="020B0503020204020204" pitchFamily="34" charset="-122"/>
+                <a:ea typeface="Microsoft YaHei UI" panose="020B0503020204020204" pitchFamily="34" charset="-122"/>
               </a:rPr>
               <a:t>MainAxisSize.min</a:t>
             </a:r>
@@ -15627,6 +16053,8 @@
                 <a:solidFill>
                   <a:schemeClr val="bg1"/>
                 </a:solidFill>
+                <a:latin typeface="Microsoft YaHei UI" panose="020B0503020204020204" pitchFamily="34" charset="-122"/>
+                <a:ea typeface="Microsoft YaHei UI" panose="020B0503020204020204" pitchFamily="34" charset="-122"/>
               </a:rPr>
               <a:t> </a:t>
             </a:r>
@@ -15635,6 +16063,8 @@
                 <a:solidFill>
                   <a:schemeClr val="bg1"/>
                 </a:solidFill>
+                <a:latin typeface="Microsoft YaHei UI" panose="020B0503020204020204" pitchFamily="34" charset="-122"/>
+                <a:ea typeface="Microsoft YaHei UI" panose="020B0503020204020204" pitchFamily="34" charset="-122"/>
               </a:rPr>
               <a:t>则 </a:t>
             </a:r>
@@ -15643,6 +16073,8 @@
                 <a:solidFill>
                   <a:schemeClr val="bg1"/>
                 </a:solidFill>
+                <a:latin typeface="Microsoft YaHei UI" panose="020B0503020204020204" pitchFamily="34" charset="-122"/>
+                <a:ea typeface="Microsoft YaHei UI" panose="020B0503020204020204" pitchFamily="34" charset="-122"/>
               </a:rPr>
               <a:t>Row </a:t>
             </a:r>
@@ -15651,6 +16083,8 @@
                 <a:solidFill>
                   <a:schemeClr val="bg1"/>
                 </a:solidFill>
+                <a:latin typeface="Microsoft YaHei UI" panose="020B0503020204020204" pitchFamily="34" charset="-122"/>
+                <a:ea typeface="Microsoft YaHei UI" panose="020B0503020204020204" pitchFamily="34" charset="-122"/>
               </a:rPr>
               <a:t>的实际宽度是所有子</a:t>
             </a:r>
@@ -15659,6 +16093,8 @@
                 <a:solidFill>
                   <a:schemeClr val="bg1"/>
                 </a:solidFill>
+                <a:latin typeface="Microsoft YaHei UI" panose="020B0503020204020204" pitchFamily="34" charset="-122"/>
+                <a:ea typeface="Microsoft YaHei UI" panose="020B0503020204020204" pitchFamily="34" charset="-122"/>
               </a:rPr>
               <a:t>Widget</a:t>
             </a:r>
@@ -15667,6 +16103,8 @@
                 <a:solidFill>
                   <a:schemeClr val="bg1"/>
                 </a:solidFill>
+                <a:latin typeface="Microsoft YaHei UI" panose="020B0503020204020204" pitchFamily="34" charset="-122"/>
+                <a:ea typeface="Microsoft YaHei UI" panose="020B0503020204020204" pitchFamily="34" charset="-122"/>
               </a:rPr>
               <a:t>（</a:t>
             </a:r>
@@ -15675,6 +16113,8 @@
                 <a:solidFill>
                   <a:schemeClr val="bg1"/>
                 </a:solidFill>
+                <a:latin typeface="Microsoft YaHei UI" panose="020B0503020204020204" pitchFamily="34" charset="-122"/>
+                <a:ea typeface="Microsoft YaHei UI" panose="020B0503020204020204" pitchFamily="34" charset="-122"/>
               </a:rPr>
               <a:t>组件）占有的水平空间。</a:t>
             </a:r>
@@ -15682,6 +16122,8 @@
               <a:solidFill>
                 <a:schemeClr val="bg1"/>
               </a:solidFill>
+              <a:latin typeface="Microsoft YaHei UI" panose="020B0503020204020204" pitchFamily="34" charset="-122"/>
+              <a:ea typeface="Microsoft YaHei UI" panose="020B0503020204020204" pitchFamily="34" charset="-122"/>
             </a:endParaRPr>
           </a:p>
           <a:p>
@@ -15689,6 +16131,8 @@
               <a:solidFill>
                 <a:schemeClr val="bg1"/>
               </a:solidFill>
+              <a:latin typeface="Microsoft YaHei UI" panose="020B0503020204020204" pitchFamily="34" charset="-122"/>
+              <a:ea typeface="Microsoft YaHei UI" panose="020B0503020204020204" pitchFamily="34" charset="-122"/>
             </a:endParaRPr>
           </a:p>
           <a:p>
@@ -15701,6 +16145,8 @@
                 <a:solidFill>
                   <a:schemeClr val="bg1"/>
                 </a:solidFill>
+                <a:latin typeface="Microsoft YaHei UI" panose="020B0503020204020204" pitchFamily="34" charset="-122"/>
+                <a:ea typeface="Microsoft YaHei UI" panose="020B0503020204020204" pitchFamily="34" charset="-122"/>
               </a:rPr>
               <a:t>mainAxisAlignment</a:t>
             </a:r>
@@ -15708,6 +16154,8 @@
               <a:solidFill>
                 <a:schemeClr val="bg1"/>
               </a:solidFill>
+              <a:latin typeface="Microsoft YaHei UI" panose="020B0503020204020204" pitchFamily="34" charset="-122"/>
+              <a:ea typeface="Microsoft YaHei UI" panose="020B0503020204020204" pitchFamily="34" charset="-122"/>
             </a:endParaRPr>
           </a:p>
           <a:p>
@@ -15716,6 +16164,8 @@
                 <a:solidFill>
                   <a:schemeClr val="bg1"/>
                 </a:solidFill>
+                <a:latin typeface="Microsoft YaHei UI" panose="020B0503020204020204" pitchFamily="34" charset="-122"/>
+                <a:ea typeface="Microsoft YaHei UI" panose="020B0503020204020204" pitchFamily="34" charset="-122"/>
               </a:rPr>
               <a:t>可以参照 </a:t>
             </a:r>
@@ -15724,6 +16174,8 @@
                 <a:solidFill>
                   <a:schemeClr val="bg1"/>
                 </a:solidFill>
+                <a:latin typeface="Microsoft YaHei UI" panose="020B0503020204020204" pitchFamily="34" charset="-122"/>
+                <a:ea typeface="Microsoft YaHei UI" panose="020B0503020204020204" pitchFamily="34" charset="-122"/>
               </a:rPr>
               <a:t>css</a:t>
             </a:r>
@@ -15732,6 +16184,8 @@
                 <a:solidFill>
                   <a:schemeClr val="bg1"/>
                 </a:solidFill>
+                <a:latin typeface="Microsoft YaHei UI" panose="020B0503020204020204" pitchFamily="34" charset="-122"/>
+                <a:ea typeface="Microsoft YaHei UI" panose="020B0503020204020204" pitchFamily="34" charset="-122"/>
               </a:rPr>
               <a:t> </a:t>
             </a:r>
@@ -15740,6 +16194,8 @@
                 <a:solidFill>
                   <a:schemeClr val="bg1"/>
                 </a:solidFill>
+                <a:latin typeface="Microsoft YaHei UI" panose="020B0503020204020204" pitchFamily="34" charset="-122"/>
+                <a:ea typeface="Microsoft YaHei UI" panose="020B0503020204020204" pitchFamily="34" charset="-122"/>
               </a:rPr>
               <a:t>的 </a:t>
             </a:r>
@@ -15748,6 +16204,8 @@
                 <a:solidFill>
                   <a:schemeClr val="bg1"/>
                 </a:solidFill>
+                <a:latin typeface="Microsoft YaHei UI" panose="020B0503020204020204" pitchFamily="34" charset="-122"/>
+                <a:ea typeface="Microsoft YaHei UI" panose="020B0503020204020204" pitchFamily="34" charset="-122"/>
               </a:rPr>
               <a:t>justify-content </a:t>
             </a:r>
@@ -15756,6 +16214,8 @@
                 <a:solidFill>
                   <a:schemeClr val="bg1"/>
                 </a:solidFill>
+                <a:latin typeface="Microsoft YaHei UI" panose="020B0503020204020204" pitchFamily="34" charset="-122"/>
+                <a:ea typeface="Microsoft YaHei UI" panose="020B0503020204020204" pitchFamily="34" charset="-122"/>
               </a:rPr>
               <a:t>属性，表示子</a:t>
             </a:r>
@@ -15764,6 +16224,8 @@
                 <a:solidFill>
                   <a:schemeClr val="bg1"/>
                 </a:solidFill>
+                <a:latin typeface="Microsoft YaHei UI" panose="020B0503020204020204" pitchFamily="34" charset="-122"/>
+                <a:ea typeface="Microsoft YaHei UI" panose="020B0503020204020204" pitchFamily="34" charset="-122"/>
               </a:rPr>
               <a:t>Widget</a:t>
             </a:r>
@@ -15772,6 +16234,8 @@
                 <a:solidFill>
                   <a:schemeClr val="bg1"/>
                 </a:solidFill>
+                <a:latin typeface="Microsoft YaHei UI" panose="020B0503020204020204" pitchFamily="34" charset="-122"/>
+                <a:ea typeface="Microsoft YaHei UI" panose="020B0503020204020204" pitchFamily="34" charset="-122"/>
               </a:rPr>
               <a:t>（</a:t>
             </a:r>
@@ -15780,6 +16244,8 @@
                 <a:solidFill>
                   <a:schemeClr val="bg1"/>
                 </a:solidFill>
+                <a:latin typeface="Microsoft YaHei UI" panose="020B0503020204020204" pitchFamily="34" charset="-122"/>
+                <a:ea typeface="Microsoft YaHei UI" panose="020B0503020204020204" pitchFamily="34" charset="-122"/>
               </a:rPr>
               <a:t>组件）在水平空间内的对齐方式。</a:t>
             </a:r>
@@ -15787,6 +16253,8 @@
               <a:solidFill>
                 <a:schemeClr val="bg1"/>
               </a:solidFill>
+              <a:latin typeface="Microsoft YaHei UI" panose="020B0503020204020204" pitchFamily="34" charset="-122"/>
+              <a:ea typeface="Microsoft YaHei UI" panose="020B0503020204020204" pitchFamily="34" charset="-122"/>
             </a:endParaRPr>
           </a:p>
           <a:p>
@@ -15794,6 +16262,8 @@
               <a:solidFill>
                 <a:schemeClr val="bg1"/>
               </a:solidFill>
+              <a:latin typeface="Microsoft YaHei UI" panose="020B0503020204020204" pitchFamily="34" charset="-122"/>
+              <a:ea typeface="Microsoft YaHei UI" panose="020B0503020204020204" pitchFamily="34" charset="-122"/>
             </a:endParaRPr>
           </a:p>
           <a:p>
@@ -15806,6 +16276,8 @@
                 <a:solidFill>
                   <a:schemeClr val="bg1"/>
                 </a:solidFill>
+                <a:latin typeface="Microsoft YaHei UI" panose="020B0503020204020204" pitchFamily="34" charset="-122"/>
+                <a:ea typeface="Microsoft YaHei UI" panose="020B0503020204020204" pitchFamily="34" charset="-122"/>
               </a:rPr>
               <a:t>crossAxisAlignment</a:t>
             </a:r>
@@ -15813,6 +16285,8 @@
               <a:solidFill>
                 <a:schemeClr val="bg1"/>
               </a:solidFill>
+              <a:latin typeface="Microsoft YaHei UI" panose="020B0503020204020204" pitchFamily="34" charset="-122"/>
+              <a:ea typeface="Microsoft YaHei UI" panose="020B0503020204020204" pitchFamily="34" charset="-122"/>
             </a:endParaRPr>
           </a:p>
           <a:p>
@@ -15821,6 +16295,8 @@
                 <a:solidFill>
                   <a:schemeClr val="bg1"/>
                 </a:solidFill>
+                <a:latin typeface="Microsoft YaHei UI" panose="020B0503020204020204" pitchFamily="34" charset="-122"/>
+                <a:ea typeface="Microsoft YaHei UI" panose="020B0503020204020204" pitchFamily="34" charset="-122"/>
               </a:rPr>
               <a:t>可以参照 </a:t>
             </a:r>
@@ -15829,6 +16305,8 @@
                 <a:solidFill>
                   <a:schemeClr val="bg1"/>
                 </a:solidFill>
+                <a:latin typeface="Microsoft YaHei UI" panose="020B0503020204020204" pitchFamily="34" charset="-122"/>
+                <a:ea typeface="Microsoft YaHei UI" panose="020B0503020204020204" pitchFamily="34" charset="-122"/>
               </a:rPr>
               <a:t>css</a:t>
             </a:r>
@@ -15837,6 +16315,8 @@
                 <a:solidFill>
                   <a:schemeClr val="bg1"/>
                 </a:solidFill>
+                <a:latin typeface="Microsoft YaHei UI" panose="020B0503020204020204" pitchFamily="34" charset="-122"/>
+                <a:ea typeface="Microsoft YaHei UI" panose="020B0503020204020204" pitchFamily="34" charset="-122"/>
               </a:rPr>
               <a:t> </a:t>
             </a:r>
@@ -15845,6 +16325,8 @@
                 <a:solidFill>
                   <a:schemeClr val="bg1"/>
                 </a:solidFill>
+                <a:latin typeface="Microsoft YaHei UI" panose="020B0503020204020204" pitchFamily="34" charset="-122"/>
+                <a:ea typeface="Microsoft YaHei UI" panose="020B0503020204020204" pitchFamily="34" charset="-122"/>
               </a:rPr>
               <a:t>的 </a:t>
             </a:r>
@@ -15853,6 +16335,8 @@
                 <a:solidFill>
                   <a:schemeClr val="bg1"/>
                 </a:solidFill>
+                <a:latin typeface="Microsoft YaHei UI" panose="020B0503020204020204" pitchFamily="34" charset="-122"/>
+                <a:ea typeface="Microsoft YaHei UI" panose="020B0503020204020204" pitchFamily="34" charset="-122"/>
               </a:rPr>
               <a:t>align-items</a:t>
             </a:r>
@@ -15861,6 +16345,8 @@
                 <a:solidFill>
                   <a:schemeClr val="bg1"/>
                 </a:solidFill>
+                <a:latin typeface="Microsoft YaHei UI" panose="020B0503020204020204" pitchFamily="34" charset="-122"/>
+                <a:ea typeface="Microsoft YaHei UI" panose="020B0503020204020204" pitchFamily="34" charset="-122"/>
               </a:rPr>
               <a:t>属性，表示子</a:t>
             </a:r>
@@ -15869,6 +16355,8 @@
                 <a:solidFill>
                   <a:schemeClr val="bg1"/>
                 </a:solidFill>
+                <a:latin typeface="Microsoft YaHei UI" panose="020B0503020204020204" pitchFamily="34" charset="-122"/>
+                <a:ea typeface="Microsoft YaHei UI" panose="020B0503020204020204" pitchFamily="34" charset="-122"/>
               </a:rPr>
               <a:t>Widget</a:t>
             </a:r>
@@ -15877,6 +16365,8 @@
                 <a:solidFill>
                   <a:schemeClr val="bg1"/>
                 </a:solidFill>
+                <a:latin typeface="Microsoft YaHei UI" panose="020B0503020204020204" pitchFamily="34" charset="-122"/>
+                <a:ea typeface="Microsoft YaHei UI" panose="020B0503020204020204" pitchFamily="34" charset="-122"/>
               </a:rPr>
               <a:t>（</a:t>
             </a:r>
@@ -15885,6 +16375,8 @@
                 <a:solidFill>
                   <a:schemeClr val="bg1"/>
                 </a:solidFill>
+                <a:latin typeface="Microsoft YaHei UI" panose="020B0503020204020204" pitchFamily="34" charset="-122"/>
+                <a:ea typeface="Microsoft YaHei UI" panose="020B0503020204020204" pitchFamily="34" charset="-122"/>
               </a:rPr>
               <a:t>组件）在垂直空间内的对齐方式。交叉轴的高度取决于子</a:t>
             </a:r>
@@ -15893,6 +16385,8 @@
                 <a:solidFill>
                   <a:schemeClr val="bg1"/>
                 </a:solidFill>
+                <a:latin typeface="Microsoft YaHei UI" panose="020B0503020204020204" pitchFamily="34" charset="-122"/>
+                <a:ea typeface="Microsoft YaHei UI" panose="020B0503020204020204" pitchFamily="34" charset="-122"/>
               </a:rPr>
               <a:t>Widget</a:t>
             </a:r>
@@ -15901,6 +16395,8 @@
                 <a:solidFill>
                   <a:schemeClr val="bg1"/>
                 </a:solidFill>
+                <a:latin typeface="Microsoft YaHei UI" panose="020B0503020204020204" pitchFamily="34" charset="-122"/>
+                <a:ea typeface="Microsoft YaHei UI" panose="020B0503020204020204" pitchFamily="34" charset="-122"/>
               </a:rPr>
               <a:t>（</a:t>
             </a:r>
@@ -15909,6 +16405,8 @@
                 <a:solidFill>
                   <a:schemeClr val="bg1"/>
                 </a:solidFill>
+                <a:latin typeface="Microsoft YaHei UI" panose="020B0503020204020204" pitchFamily="34" charset="-122"/>
+                <a:ea typeface="Microsoft YaHei UI" panose="020B0503020204020204" pitchFamily="34" charset="-122"/>
               </a:rPr>
               <a:t>组件）中最高的子</a:t>
             </a:r>
@@ -15917,6 +16415,8 @@
                 <a:solidFill>
                   <a:schemeClr val="bg1"/>
                 </a:solidFill>
+                <a:latin typeface="Microsoft YaHei UI" panose="020B0503020204020204" pitchFamily="34" charset="-122"/>
+                <a:ea typeface="Microsoft YaHei UI" panose="020B0503020204020204" pitchFamily="34" charset="-122"/>
               </a:rPr>
               <a:t>Widget</a:t>
             </a:r>
@@ -15925,6 +16425,8 @@
                 <a:solidFill>
                   <a:schemeClr val="bg1"/>
                 </a:solidFill>
+                <a:latin typeface="Microsoft YaHei UI" panose="020B0503020204020204" pitchFamily="34" charset="-122"/>
+                <a:ea typeface="Microsoft YaHei UI" panose="020B0503020204020204" pitchFamily="34" charset="-122"/>
               </a:rPr>
               <a:t>（</a:t>
             </a:r>
@@ -15933,6 +16435,8 @@
                 <a:solidFill>
                   <a:schemeClr val="bg1"/>
                 </a:solidFill>
+                <a:latin typeface="Microsoft YaHei UI" panose="020B0503020204020204" pitchFamily="34" charset="-122"/>
+                <a:ea typeface="Microsoft YaHei UI" panose="020B0503020204020204" pitchFamily="34" charset="-122"/>
               </a:rPr>
               <a:t>组件）。</a:t>
             </a:r>
@@ -15942,10 +16446,12 @@
               <a:solidFill>
                 <a:schemeClr val="bg1"/>
               </a:solidFill>
+              <a:latin typeface="Microsoft YaHei UI" panose="020B0503020204020204" pitchFamily="34" charset="-122"/>
+              <a:ea typeface="Microsoft YaHei UI" panose="020B0503020204020204" pitchFamily="34" charset="-122"/>
             </a:endParaRPr>
           </a:p>
           <a:p>
-            <a:endParaRPr lang="en-US" altLang="zh-CN" sz="1400" b="1" dirty="0">
+            <a:endParaRPr lang="en-US" altLang="zh-CN" sz="1400" dirty="0">
               <a:solidFill>
                 <a:schemeClr val="bg1"/>
               </a:solidFill>
@@ -15956,7 +16462,7 @@
             </a:endParaRPr>
           </a:p>
           <a:p>
-            <a:endParaRPr lang="en-US" altLang="zh-CN" sz="1400" b="1" dirty="0">
+            <a:endParaRPr lang="en-US" altLang="zh-CN" sz="1400" dirty="0">
               <a:solidFill>
                 <a:schemeClr val="bg1"/>
               </a:solidFill>
@@ -16001,10 +16507,57 @@
       </p:sp>
       <p:pic>
         <p:nvPicPr>
-          <p:cNvPr id="4" name="图片 3">
+          <p:cNvPr id="2050" name="Picture 2">
             <a:extLst>
               <a:ext uri="{FF2B5EF4-FFF2-40B4-BE49-F238E27FC236}">
-                <a16:creationId xmlns:a16="http://schemas.microsoft.com/office/drawing/2014/main" id="{13DA90A2-436A-0A4C-8CDE-02F44AAC5645}"/>
+                <a16:creationId xmlns:a16="http://schemas.microsoft.com/office/drawing/2014/main" id="{4C8C3842-0FFF-4C37-8F5E-9592FB5BE40F}"/>
+              </a:ext>
+            </a:extLst>
+          </p:cNvPr>
+          <p:cNvPicPr>
+            <a:picLocks noChangeAspect="1" noChangeArrowheads="1"/>
+          </p:cNvPicPr>
+          <p:nvPr/>
+        </p:nvPicPr>
+        <p:blipFill>
+          <a:blip r:embed="rId2">
+            <a:extLst>
+              <a:ext uri="{28A0092B-C50C-407E-A947-70E740481C1C}">
+                <a14:useLocalDpi xmlns:a14="http://schemas.microsoft.com/office/drawing/2010/main" val="0"/>
+              </a:ext>
+            </a:extLst>
+          </a:blip>
+          <a:srcRect/>
+          <a:stretch>
+            <a:fillRect/>
+          </a:stretch>
+        </p:blipFill>
+        <p:spPr bwMode="auto">
+          <a:xfrm>
+            <a:off x="488099" y="3143006"/>
+            <a:ext cx="5362575" cy="3171825"/>
+          </a:xfrm>
+          <a:prstGeom prst="rect">
+            <a:avLst/>
+          </a:prstGeom>
+          <a:noFill/>
+          <a:extLst>
+            <a:ext uri="{909E8E84-426E-40DD-AFC4-6F175D3DCCD1}">
+              <a14:hiddenFill xmlns:a14="http://schemas.microsoft.com/office/drawing/2010/main">
+                <a:solidFill>
+                  <a:srgbClr val="FFFFFF"/>
+                </a:solidFill>
+              </a14:hiddenFill>
+            </a:ext>
+          </a:extLst>
+        </p:spPr>
+      </p:pic>
+      <p:pic>
+        <p:nvPicPr>
+          <p:cNvPr id="5" name="图片 4">
+            <a:extLst>
+              <a:ext uri="{FF2B5EF4-FFF2-40B4-BE49-F238E27FC236}">
+                <a16:creationId xmlns:a16="http://schemas.microsoft.com/office/drawing/2014/main" id="{721073A9-32CD-4F65-8833-A8875EDA9F0E}"/>
               </a:ext>
             </a:extLst>
           </p:cNvPr>
@@ -16014,15 +16567,15 @@
           <p:nvPr/>
         </p:nvPicPr>
         <p:blipFill>
-          <a:blip r:embed="rId2"/>
+          <a:blip r:embed="rId3"/>
           <a:stretch>
             <a:fillRect/>
           </a:stretch>
         </p:blipFill>
         <p:spPr>
           <a:xfrm>
-            <a:off x="617415" y="1719137"/>
-            <a:ext cx="5103944" cy="4014000"/>
+            <a:off x="488099" y="1400365"/>
+            <a:ext cx="5013286" cy="1612801"/>
           </a:xfrm>
           <a:prstGeom prst="rect">
             <a:avLst/>
@@ -16132,6 +16685,8 @@
                 <a:solidFill>
                   <a:schemeClr val="bg1"/>
                 </a:solidFill>
+                <a:latin typeface="Microsoft YaHei UI" panose="020B0503020204020204" pitchFamily="34" charset="-122"/>
+                <a:ea typeface="Microsoft YaHei UI" panose="020B0503020204020204" pitchFamily="34" charset="-122"/>
               </a:rPr>
               <a:t>Flutter</a:t>
             </a:r>
@@ -16140,6 +16695,8 @@
                 <a:solidFill>
                   <a:schemeClr val="bg1"/>
                 </a:solidFill>
+                <a:latin typeface="Microsoft YaHei UI" panose="020B0503020204020204" pitchFamily="34" charset="-122"/>
+                <a:ea typeface="Microsoft YaHei UI" panose="020B0503020204020204" pitchFamily="34" charset="-122"/>
               </a:rPr>
               <a:t> 渲染</a:t>
             </a:r>
@@ -16148,6 +16705,8 @@
                 <a:solidFill>
                   <a:schemeClr val="bg1"/>
                 </a:solidFill>
+                <a:latin typeface="Microsoft YaHei UI" panose="020B0503020204020204" pitchFamily="34" charset="-122"/>
+                <a:ea typeface="Microsoft YaHei UI" panose="020B0503020204020204" pitchFamily="34" charset="-122"/>
               </a:rPr>
               <a:t>Widget</a:t>
             </a:r>
@@ -16156,6 +16715,8 @@
                 <a:solidFill>
                   <a:schemeClr val="bg1"/>
                 </a:solidFill>
+                <a:latin typeface="Microsoft YaHei UI" panose="020B0503020204020204" pitchFamily="34" charset="-122"/>
+                <a:ea typeface="Microsoft YaHei UI" panose="020B0503020204020204" pitchFamily="34" charset="-122"/>
               </a:rPr>
               <a:t>（</a:t>
             </a:r>
@@ -16164,6 +16725,8 @@
                 <a:solidFill>
                   <a:schemeClr val="bg1"/>
                 </a:solidFill>
+                <a:latin typeface="Microsoft YaHei UI" panose="020B0503020204020204" pitchFamily="34" charset="-122"/>
+                <a:ea typeface="Microsoft YaHei UI" panose="020B0503020204020204" pitchFamily="34" charset="-122"/>
               </a:rPr>
               <a:t>组件）的方式与 </a:t>
             </a:r>
@@ -16172,6 +16735,8 @@
                 <a:solidFill>
                   <a:schemeClr val="bg1"/>
                 </a:solidFill>
+                <a:latin typeface="Microsoft YaHei UI" panose="020B0503020204020204" pitchFamily="34" charset="-122"/>
+                <a:ea typeface="Microsoft YaHei UI" panose="020B0503020204020204" pitchFamily="34" charset="-122"/>
               </a:rPr>
               <a:t>Web</a:t>
             </a:r>
@@ -16180,6 +16745,8 @@
                 <a:solidFill>
                   <a:schemeClr val="bg1"/>
                 </a:solidFill>
+                <a:latin typeface="Microsoft YaHei UI" panose="020B0503020204020204" pitchFamily="34" charset="-122"/>
+                <a:ea typeface="Microsoft YaHei UI" panose="020B0503020204020204" pitchFamily="34" charset="-122"/>
               </a:rPr>
               <a:t> 有一个明显的区别，就是当</a:t>
             </a:r>
@@ -16188,6 +16755,8 @@
                 <a:solidFill>
                   <a:schemeClr val="bg1"/>
                 </a:solidFill>
+                <a:latin typeface="Microsoft YaHei UI" panose="020B0503020204020204" pitchFamily="34" charset="-122"/>
+                <a:ea typeface="Microsoft YaHei UI" panose="020B0503020204020204" pitchFamily="34" charset="-122"/>
               </a:rPr>
               <a:t>Widget</a:t>
             </a:r>
@@ -16196,6 +16765,8 @@
                 <a:solidFill>
                   <a:schemeClr val="bg1"/>
                 </a:solidFill>
+                <a:latin typeface="Microsoft YaHei UI" panose="020B0503020204020204" pitchFamily="34" charset="-122"/>
+                <a:ea typeface="Microsoft YaHei UI" panose="020B0503020204020204" pitchFamily="34" charset="-122"/>
               </a:rPr>
               <a:t>（</a:t>
             </a:r>
@@ -16204,6 +16775,8 @@
                 <a:solidFill>
                   <a:schemeClr val="bg1"/>
                 </a:solidFill>
+                <a:latin typeface="Microsoft YaHei UI" panose="020B0503020204020204" pitchFamily="34" charset="-122"/>
+                <a:ea typeface="Microsoft YaHei UI" panose="020B0503020204020204" pitchFamily="34" charset="-122"/>
               </a:rPr>
               <a:t>组件）内容超过当前显示视口</a:t>
             </a:r>
@@ -16212,6 +16785,8 @@
                 <a:solidFill>
                   <a:schemeClr val="bg1"/>
                 </a:solidFill>
+                <a:latin typeface="Microsoft YaHei UI" panose="020B0503020204020204" pitchFamily="34" charset="-122"/>
+                <a:ea typeface="Microsoft YaHei UI" panose="020B0503020204020204" pitchFamily="34" charset="-122"/>
               </a:rPr>
               <a:t>(</a:t>
             </a:r>
@@ -16220,6 +16795,8 @@
                 <a:solidFill>
                   <a:schemeClr val="bg1"/>
                 </a:solidFill>
+                <a:latin typeface="Microsoft YaHei UI" panose="020B0503020204020204" pitchFamily="34" charset="-122"/>
+                <a:ea typeface="Microsoft YaHei UI" panose="020B0503020204020204" pitchFamily="34" charset="-122"/>
               </a:rPr>
               <a:t>View</a:t>
             </a:r>
@@ -16228,6 +16805,8 @@
                 <a:solidFill>
                   <a:schemeClr val="bg1"/>
                 </a:solidFill>
+                <a:latin typeface="Microsoft YaHei UI" panose="020B0503020204020204" pitchFamily="34" charset="-122"/>
+                <a:ea typeface="Microsoft YaHei UI" panose="020B0503020204020204" pitchFamily="34" charset="-122"/>
               </a:rPr>
               <a:t>-</a:t>
             </a:r>
@@ -16236,6 +16815,8 @@
                 <a:solidFill>
                   <a:schemeClr val="bg1"/>
                 </a:solidFill>
+                <a:latin typeface="Microsoft YaHei UI" panose="020B0503020204020204" pitchFamily="34" charset="-122"/>
+                <a:ea typeface="Microsoft YaHei UI" panose="020B0503020204020204" pitchFamily="34" charset="-122"/>
               </a:rPr>
               <a:t>Port)</a:t>
             </a:r>
@@ -16244,6 +16825,8 @@
                 <a:solidFill>
                   <a:schemeClr val="bg1"/>
                 </a:solidFill>
+                <a:latin typeface="Microsoft YaHei UI" panose="020B0503020204020204" pitchFamily="34" charset="-122"/>
+                <a:ea typeface="Microsoft YaHei UI" panose="020B0503020204020204" pitchFamily="34" charset="-122"/>
               </a:rPr>
               <a:t>时，如果没有特殊处理，</a:t>
             </a:r>
@@ -16252,6 +16835,8 @@
                 <a:solidFill>
                   <a:schemeClr val="bg1"/>
                 </a:solidFill>
+                <a:latin typeface="Microsoft YaHei UI" panose="020B0503020204020204" pitchFamily="34" charset="-122"/>
+                <a:ea typeface="Microsoft YaHei UI" panose="020B0503020204020204" pitchFamily="34" charset="-122"/>
               </a:rPr>
               <a:t>Flutter</a:t>
             </a:r>
@@ -16260,6 +16845,8 @@
                 <a:solidFill>
                   <a:schemeClr val="bg1"/>
                 </a:solidFill>
+                <a:latin typeface="Microsoft YaHei UI" panose="020B0503020204020204" pitchFamily="34" charset="-122"/>
+                <a:ea typeface="Microsoft YaHei UI" panose="020B0503020204020204" pitchFamily="34" charset="-122"/>
               </a:rPr>
               <a:t>则会提示</a:t>
             </a:r>
@@ -16268,6 +16855,8 @@
                 <a:solidFill>
                   <a:schemeClr val="bg1"/>
                 </a:solidFill>
+                <a:latin typeface="Microsoft YaHei UI" panose="020B0503020204020204" pitchFamily="34" charset="-122"/>
+                <a:ea typeface="Microsoft YaHei UI" panose="020B0503020204020204" pitchFamily="34" charset="-122"/>
               </a:rPr>
               <a:t>Overflow</a:t>
             </a:r>
@@ -16276,6 +16865,8 @@
                 <a:solidFill>
                   <a:schemeClr val="bg1"/>
                 </a:solidFill>
+                <a:latin typeface="Microsoft YaHei UI" panose="020B0503020204020204" pitchFamily="34" charset="-122"/>
+                <a:ea typeface="Microsoft YaHei UI" panose="020B0503020204020204" pitchFamily="34" charset="-122"/>
               </a:rPr>
               <a:t>错误，并不会自动添加滚动条。而在</a:t>
             </a:r>
@@ -16284,6 +16875,8 @@
                 <a:solidFill>
                   <a:schemeClr val="bg1"/>
                 </a:solidFill>
+                <a:latin typeface="Microsoft YaHei UI" panose="020B0503020204020204" pitchFamily="34" charset="-122"/>
+                <a:ea typeface="Microsoft YaHei UI" panose="020B0503020204020204" pitchFamily="34" charset="-122"/>
               </a:rPr>
               <a:t>Web</a:t>
             </a:r>
@@ -16292,6 +16885,8 @@
                 <a:solidFill>
                   <a:schemeClr val="bg1"/>
                 </a:solidFill>
+                <a:latin typeface="Microsoft YaHei UI" panose="020B0503020204020204" pitchFamily="34" charset="-122"/>
+                <a:ea typeface="Microsoft YaHei UI" panose="020B0503020204020204" pitchFamily="34" charset="-122"/>
               </a:rPr>
               <a:t> 中会自动添加滚动条。为此，</a:t>
             </a:r>
@@ -16300,6 +16895,8 @@
                 <a:solidFill>
                   <a:schemeClr val="bg1"/>
                 </a:solidFill>
+                <a:latin typeface="Microsoft YaHei UI" panose="020B0503020204020204" pitchFamily="34" charset="-122"/>
+                <a:ea typeface="Microsoft YaHei UI" panose="020B0503020204020204" pitchFamily="34" charset="-122"/>
               </a:rPr>
               <a:t>Flutter</a:t>
             </a:r>
@@ -16308,6 +16905,8 @@
                 <a:solidFill>
                   <a:schemeClr val="bg1"/>
                 </a:solidFill>
+                <a:latin typeface="Microsoft YaHei UI" panose="020B0503020204020204" pitchFamily="34" charset="-122"/>
+                <a:ea typeface="Microsoft YaHei UI" panose="020B0503020204020204" pitchFamily="34" charset="-122"/>
               </a:rPr>
               <a:t>提供了多种可滚动</a:t>
             </a:r>
@@ -16316,6 +16915,8 @@
                 <a:solidFill>
                   <a:schemeClr val="bg1"/>
                 </a:solidFill>
+                <a:latin typeface="Microsoft YaHei UI" panose="020B0503020204020204" pitchFamily="34" charset="-122"/>
+                <a:ea typeface="Microsoft YaHei UI" panose="020B0503020204020204" pitchFamily="34" charset="-122"/>
               </a:rPr>
               <a:t>Widget</a:t>
             </a:r>
@@ -16324,6 +16925,8 @@
                 <a:solidFill>
                   <a:schemeClr val="bg1"/>
                 </a:solidFill>
+                <a:latin typeface="Microsoft YaHei UI" panose="020B0503020204020204" pitchFamily="34" charset="-122"/>
+                <a:ea typeface="Microsoft YaHei UI" panose="020B0503020204020204" pitchFamily="34" charset="-122"/>
               </a:rPr>
               <a:t>（</a:t>
             </a:r>
@@ -16332,6 +16935,8 @@
                 <a:solidFill>
                   <a:schemeClr val="bg1"/>
                 </a:solidFill>
+                <a:latin typeface="Microsoft YaHei UI" panose="020B0503020204020204" pitchFamily="34" charset="-122"/>
+                <a:ea typeface="Microsoft YaHei UI" panose="020B0503020204020204" pitchFamily="34" charset="-122"/>
               </a:rPr>
               <a:t>组件）（</a:t>
             </a:r>
@@ -16340,6 +16945,8 @@
                 <a:solidFill>
                   <a:schemeClr val="bg1"/>
                 </a:solidFill>
+                <a:latin typeface="Microsoft YaHei UI" panose="020B0503020204020204" pitchFamily="34" charset="-122"/>
+                <a:ea typeface="Microsoft YaHei UI" panose="020B0503020204020204" pitchFamily="34" charset="-122"/>
               </a:rPr>
               <a:t>Scrollable Widget</a:t>
             </a:r>
@@ -16348,6 +16955,8 @@
                 <a:solidFill>
                   <a:schemeClr val="bg1"/>
                 </a:solidFill>
+                <a:latin typeface="Microsoft YaHei UI" panose="020B0503020204020204" pitchFamily="34" charset="-122"/>
+                <a:ea typeface="Microsoft YaHei UI" panose="020B0503020204020204" pitchFamily="34" charset="-122"/>
               </a:rPr>
               <a:t>）</a:t>
             </a:r>
@@ -16356,6 +16965,8 @@
                 <a:solidFill>
                   <a:schemeClr val="bg1"/>
                 </a:solidFill>
+                <a:latin typeface="Microsoft YaHei UI" panose="020B0503020204020204" pitchFamily="34" charset="-122"/>
+                <a:ea typeface="Microsoft YaHei UI" panose="020B0503020204020204" pitchFamily="34" charset="-122"/>
               </a:rPr>
               <a:t>用于显示列表和长布局。</a:t>
             </a:r>
@@ -16363,6 +16974,8 @@
               <a:solidFill>
                 <a:schemeClr val="bg1"/>
               </a:solidFill>
+              <a:latin typeface="Microsoft YaHei UI" panose="020B0503020204020204" pitchFamily="34" charset="-122"/>
+              <a:ea typeface="Microsoft YaHei UI" panose="020B0503020204020204" pitchFamily="34" charset="-122"/>
             </a:endParaRPr>
           </a:p>
           <a:p>
@@ -16370,6 +16983,8 @@
               <a:solidFill>
                 <a:schemeClr val="bg1"/>
               </a:solidFill>
+              <a:latin typeface="Microsoft YaHei UI" panose="020B0503020204020204" pitchFamily="34" charset="-122"/>
+              <a:ea typeface="Microsoft YaHei UI" panose="020B0503020204020204" pitchFamily="34" charset="-122"/>
             </a:endParaRPr>
           </a:p>
           <a:p>
@@ -16566,6 +17181,8 @@
                 <a:solidFill>
                   <a:schemeClr val="bg1"/>
                 </a:solidFill>
+                <a:latin typeface="Microsoft YaHei UI" panose="020B0503020204020204" pitchFamily="34" charset="-122"/>
+                <a:ea typeface="Microsoft YaHei UI" panose="020B0503020204020204" pitchFamily="34" charset="-122"/>
               </a:rPr>
               <a:t>基于 </a:t>
             </a:r>
@@ -16574,6 +17191,8 @@
                 <a:solidFill>
                   <a:schemeClr val="bg1"/>
                 </a:solidFill>
+                <a:latin typeface="Microsoft YaHei UI" panose="020B0503020204020204" pitchFamily="34" charset="-122"/>
+                <a:ea typeface="Microsoft YaHei UI" panose="020B0503020204020204" pitchFamily="34" charset="-122"/>
               </a:rPr>
               <a:t>Sliver </a:t>
             </a:r>
@@ -16582,6 +17201,8 @@
                 <a:solidFill>
                   <a:schemeClr val="bg1"/>
                 </a:solidFill>
+                <a:latin typeface="Microsoft YaHei UI" panose="020B0503020204020204" pitchFamily="34" charset="-122"/>
+                <a:ea typeface="Microsoft YaHei UI" panose="020B0503020204020204" pitchFamily="34" charset="-122"/>
               </a:rPr>
               <a:t>的延迟构建模型</a:t>
             </a:r>
@@ -16589,6 +17210,8 @@
               <a:solidFill>
                 <a:schemeClr val="bg1"/>
               </a:solidFill>
+              <a:latin typeface="Microsoft YaHei UI" panose="020B0503020204020204" pitchFamily="34" charset="-122"/>
+              <a:ea typeface="Microsoft YaHei UI" panose="020B0503020204020204" pitchFamily="34" charset="-122"/>
             </a:endParaRPr>
           </a:p>
           <a:p>
@@ -16596,6 +17219,8 @@
               <a:solidFill>
                 <a:schemeClr val="bg1"/>
               </a:solidFill>
+              <a:latin typeface="Microsoft YaHei UI" panose="020B0503020204020204" pitchFamily="34" charset="-122"/>
+              <a:ea typeface="Microsoft YaHei UI" panose="020B0503020204020204" pitchFamily="34" charset="-122"/>
             </a:endParaRPr>
           </a:p>
           <a:p>
@@ -16604,6 +17229,8 @@
                 <a:solidFill>
                   <a:schemeClr val="bg1"/>
                 </a:solidFill>
+                <a:latin typeface="Microsoft YaHei UI" panose="020B0503020204020204" pitchFamily="34" charset="-122"/>
+                <a:ea typeface="Microsoft YaHei UI" panose="020B0503020204020204" pitchFamily="34" charset="-122"/>
               </a:rPr>
               <a:t>如果一个可滚动</a:t>
             </a:r>
@@ -16612,6 +17239,8 @@
                 <a:solidFill>
                   <a:schemeClr val="bg1"/>
                 </a:solidFill>
+                <a:latin typeface="Microsoft YaHei UI" panose="020B0503020204020204" pitchFamily="34" charset="-122"/>
+                <a:ea typeface="Microsoft YaHei UI" panose="020B0503020204020204" pitchFamily="34" charset="-122"/>
               </a:rPr>
               <a:t>Widget</a:t>
             </a:r>
@@ -16620,6 +17249,8 @@
                 <a:solidFill>
                   <a:schemeClr val="bg1"/>
                 </a:solidFill>
+                <a:latin typeface="Microsoft YaHei UI" panose="020B0503020204020204" pitchFamily="34" charset="-122"/>
+                <a:ea typeface="Microsoft YaHei UI" panose="020B0503020204020204" pitchFamily="34" charset="-122"/>
               </a:rPr>
               <a:t>（</a:t>
             </a:r>
@@ -16628,6 +17259,8 @@
                 <a:solidFill>
                   <a:schemeClr val="bg1"/>
                 </a:solidFill>
+                <a:latin typeface="Microsoft YaHei UI" panose="020B0503020204020204" pitchFamily="34" charset="-122"/>
+                <a:ea typeface="Microsoft YaHei UI" panose="020B0503020204020204" pitchFamily="34" charset="-122"/>
               </a:rPr>
               <a:t>组件）支持 </a:t>
             </a:r>
@@ -16636,6 +17269,8 @@
                 <a:solidFill>
                   <a:schemeClr val="bg1"/>
                 </a:solidFill>
+                <a:latin typeface="Microsoft YaHei UI" panose="020B0503020204020204" pitchFamily="34" charset="-122"/>
+                <a:ea typeface="Microsoft YaHei UI" panose="020B0503020204020204" pitchFamily="34" charset="-122"/>
               </a:rPr>
               <a:t>Sliver </a:t>
             </a:r>
@@ -16644,6 +17279,8 @@
                 <a:solidFill>
                   <a:schemeClr val="bg1"/>
                 </a:solidFill>
+                <a:latin typeface="Microsoft YaHei UI" panose="020B0503020204020204" pitchFamily="34" charset="-122"/>
+                <a:ea typeface="Microsoft YaHei UI" panose="020B0503020204020204" pitchFamily="34" charset="-122"/>
               </a:rPr>
               <a:t>模型，那么该滚动可以将子</a:t>
             </a:r>
@@ -16652,6 +17289,8 @@
                 <a:solidFill>
                   <a:schemeClr val="bg1"/>
                 </a:solidFill>
+                <a:latin typeface="Microsoft YaHei UI" panose="020B0503020204020204" pitchFamily="34" charset="-122"/>
+                <a:ea typeface="Microsoft YaHei UI" panose="020B0503020204020204" pitchFamily="34" charset="-122"/>
               </a:rPr>
               <a:t>Widget</a:t>
             </a:r>
@@ -16660,6 +17299,8 @@
                 <a:solidFill>
                   <a:schemeClr val="bg1"/>
                 </a:solidFill>
+                <a:latin typeface="Microsoft YaHei UI" panose="020B0503020204020204" pitchFamily="34" charset="-122"/>
+                <a:ea typeface="Microsoft YaHei UI" panose="020B0503020204020204" pitchFamily="34" charset="-122"/>
               </a:rPr>
               <a:t>（</a:t>
             </a:r>
@@ -16668,6 +17309,8 @@
                 <a:solidFill>
                   <a:schemeClr val="bg1"/>
                 </a:solidFill>
+                <a:latin typeface="Microsoft YaHei UI" panose="020B0503020204020204" pitchFamily="34" charset="-122"/>
+                <a:ea typeface="Microsoft YaHei UI" panose="020B0503020204020204" pitchFamily="34" charset="-122"/>
               </a:rPr>
               <a:t>组件）分成好多个薄片（</a:t>
             </a:r>
@@ -16676,6 +17319,8 @@
                 <a:solidFill>
                   <a:schemeClr val="bg1"/>
                 </a:solidFill>
+                <a:latin typeface="Microsoft YaHei UI" panose="020B0503020204020204" pitchFamily="34" charset="-122"/>
+                <a:ea typeface="Microsoft YaHei UI" panose="020B0503020204020204" pitchFamily="34" charset="-122"/>
               </a:rPr>
               <a:t>Sliver</a:t>
             </a:r>
@@ -16684,6 +17329,8 @@
                 <a:solidFill>
                   <a:schemeClr val="bg1"/>
                 </a:solidFill>
+                <a:latin typeface="Microsoft YaHei UI" panose="020B0503020204020204" pitchFamily="34" charset="-122"/>
+                <a:ea typeface="Microsoft YaHei UI" panose="020B0503020204020204" pitchFamily="34" charset="-122"/>
               </a:rPr>
               <a:t>），</a:t>
             </a:r>
@@ -16692,6 +17339,8 @@
                 <a:solidFill>
                   <a:schemeClr val="bg1"/>
                 </a:solidFill>
+                <a:latin typeface="Microsoft YaHei UI" panose="020B0503020204020204" pitchFamily="34" charset="-122"/>
+                <a:ea typeface="Microsoft YaHei UI" panose="020B0503020204020204" pitchFamily="34" charset="-122"/>
               </a:rPr>
               <a:t>只有当 </a:t>
             </a:r>
@@ -16700,6 +17349,8 @@
                 <a:solidFill>
                   <a:schemeClr val="bg1"/>
                 </a:solidFill>
+                <a:latin typeface="Microsoft YaHei UI" panose="020B0503020204020204" pitchFamily="34" charset="-122"/>
+                <a:ea typeface="Microsoft YaHei UI" panose="020B0503020204020204" pitchFamily="34" charset="-122"/>
               </a:rPr>
               <a:t>Sliver </a:t>
             </a:r>
@@ -16708,6 +17359,8 @@
                 <a:solidFill>
                   <a:schemeClr val="bg1"/>
                 </a:solidFill>
+                <a:latin typeface="Microsoft YaHei UI" panose="020B0503020204020204" pitchFamily="34" charset="-122"/>
+                <a:ea typeface="Microsoft YaHei UI" panose="020B0503020204020204" pitchFamily="34" charset="-122"/>
               </a:rPr>
               <a:t>出现在视口中时才会去构建它</a:t>
             </a:r>
@@ -16762,10 +17415,10 @@
       </p:sp>
       <p:pic>
         <p:nvPicPr>
-          <p:cNvPr id="5" name="图片 4">
+          <p:cNvPr id="6" name="图片 5">
             <a:extLst>
               <a:ext uri="{FF2B5EF4-FFF2-40B4-BE49-F238E27FC236}">
-                <a16:creationId xmlns:a16="http://schemas.microsoft.com/office/drawing/2014/main" id="{08034CF9-A2FC-3B4A-B107-89DC378536AE}"/>
+                <a16:creationId xmlns:a16="http://schemas.microsoft.com/office/drawing/2014/main" id="{3FE9C065-DED9-48BD-8EA4-4AA3688936C4}"/>
               </a:ext>
             </a:extLst>
           </p:cNvPr>
@@ -16782,8 +17435,8 @@
         </p:blipFill>
         <p:spPr>
           <a:xfrm>
-            <a:off x="875324" y="1377605"/>
-            <a:ext cx="3647584" cy="4697064"/>
+            <a:off x="517998" y="1337654"/>
+            <a:ext cx="3844995" cy="4774728"/>
           </a:xfrm>
           <a:prstGeom prst="rect">
             <a:avLst/>

--- a/flutter_common.pptx
+++ b/flutter_common.pptx
@@ -2414,6 +2414,3306 @@
     </pc:docChg>
   </pc:docChgLst>
   <pc:docChgLst>
+    <pc:chgData name="Liu, Changsheng A." userId="877438ce-3489-4027-b8c0-4bd167ef53d0" providerId="ADAL" clId="{35AB68C3-AADD-4C6C-B90D-EE9085003035}"/>
+    <pc:docChg chg="undo custSel addSld modSld sldOrd">
+      <pc:chgData name="Liu, Changsheng A." userId="877438ce-3489-4027-b8c0-4bd167ef53d0" providerId="ADAL" clId="{35AB68C3-AADD-4C6C-B90D-EE9085003035}" dt="2020-06-01T11:54:34.824" v="1781" actId="1076"/>
+      <pc:docMkLst>
+        <pc:docMk/>
+      </pc:docMkLst>
+      <pc:sldChg chg="addSp delSp modSp ord modTransition">
+        <pc:chgData name="Liu, Changsheng A." userId="877438ce-3489-4027-b8c0-4bd167ef53d0" providerId="ADAL" clId="{35AB68C3-AADD-4C6C-B90D-EE9085003035}" dt="2020-06-01T05:41:20.256" v="1024"/>
+        <pc:sldMkLst>
+          <pc:docMk/>
+          <pc:sldMk cId="3624803210" sldId="7065"/>
+        </pc:sldMkLst>
+        <pc:spChg chg="mod">
+          <ac:chgData name="Liu, Changsheng A." userId="877438ce-3489-4027-b8c0-4bd167ef53d0" providerId="ADAL" clId="{35AB68C3-AADD-4C6C-B90D-EE9085003035}" dt="2020-06-01T03:30:17.437" v="8"/>
+          <ac:spMkLst>
+            <pc:docMk/>
+            <pc:sldMk cId="3624803210" sldId="7065"/>
+            <ac:spMk id="2" creationId="{181887AC-1E0B-4269-89DB-CE4A0D5F5100}"/>
+          </ac:spMkLst>
+        </pc:spChg>
+        <pc:spChg chg="del">
+          <ac:chgData name="Liu, Changsheng A." userId="877438ce-3489-4027-b8c0-4bd167ef53d0" providerId="ADAL" clId="{35AB68C3-AADD-4C6C-B90D-EE9085003035}" dt="2020-06-01T03:30:27.989" v="9" actId="478"/>
+          <ac:spMkLst>
+            <pc:docMk/>
+            <pc:sldMk cId="3624803210" sldId="7065"/>
+            <ac:spMk id="5" creationId="{67C02E1B-776D-443E-96EC-670F47554370}"/>
+          </ac:spMkLst>
+        </pc:spChg>
+        <pc:spChg chg="del">
+          <ac:chgData name="Liu, Changsheng A." userId="877438ce-3489-4027-b8c0-4bd167ef53d0" providerId="ADAL" clId="{35AB68C3-AADD-4C6C-B90D-EE9085003035}" dt="2020-06-01T03:30:27.989" v="9" actId="478"/>
+          <ac:spMkLst>
+            <pc:docMk/>
+            <pc:sldMk cId="3624803210" sldId="7065"/>
+            <ac:spMk id="6" creationId="{5D49D21E-1937-4C58-8EB0-EA9E06C18B81}"/>
+          </ac:spMkLst>
+        </pc:spChg>
+        <pc:spChg chg="del">
+          <ac:chgData name="Liu, Changsheng A." userId="877438ce-3489-4027-b8c0-4bd167ef53d0" providerId="ADAL" clId="{35AB68C3-AADD-4C6C-B90D-EE9085003035}" dt="2020-06-01T03:30:27.989" v="9" actId="478"/>
+          <ac:spMkLst>
+            <pc:docMk/>
+            <pc:sldMk cId="3624803210" sldId="7065"/>
+            <ac:spMk id="7" creationId="{9AAB083C-6F81-430F-9A9B-229C0DFC61F3}"/>
+          </ac:spMkLst>
+        </pc:spChg>
+        <pc:spChg chg="del">
+          <ac:chgData name="Liu, Changsheng A." userId="877438ce-3489-4027-b8c0-4bd167ef53d0" providerId="ADAL" clId="{35AB68C3-AADD-4C6C-B90D-EE9085003035}" dt="2020-06-01T03:30:27.989" v="9" actId="478"/>
+          <ac:spMkLst>
+            <pc:docMk/>
+            <pc:sldMk cId="3624803210" sldId="7065"/>
+            <ac:spMk id="8" creationId="{4B2183C8-14BE-47E3-8038-601F1EA75486}"/>
+          </ac:spMkLst>
+        </pc:spChg>
+        <pc:spChg chg="del">
+          <ac:chgData name="Liu, Changsheng A." userId="877438ce-3489-4027-b8c0-4bd167ef53d0" providerId="ADAL" clId="{35AB68C3-AADD-4C6C-B90D-EE9085003035}" dt="2020-06-01T03:30:27.989" v="9" actId="478"/>
+          <ac:spMkLst>
+            <pc:docMk/>
+            <pc:sldMk cId="3624803210" sldId="7065"/>
+            <ac:spMk id="9" creationId="{95CDEDF4-81CB-4EFC-B4B8-ED8C7D8E6D98}"/>
+          </ac:spMkLst>
+        </pc:spChg>
+        <pc:spChg chg="del">
+          <ac:chgData name="Liu, Changsheng A." userId="877438ce-3489-4027-b8c0-4bd167ef53d0" providerId="ADAL" clId="{35AB68C3-AADD-4C6C-B90D-EE9085003035}" dt="2020-06-01T03:30:27.989" v="9" actId="478"/>
+          <ac:spMkLst>
+            <pc:docMk/>
+            <pc:sldMk cId="3624803210" sldId="7065"/>
+            <ac:spMk id="10" creationId="{DF869208-FC7D-4D38-A597-36583D18D852}"/>
+          </ac:spMkLst>
+        </pc:spChg>
+        <pc:spChg chg="del">
+          <ac:chgData name="Liu, Changsheng A." userId="877438ce-3489-4027-b8c0-4bd167ef53d0" providerId="ADAL" clId="{35AB68C3-AADD-4C6C-B90D-EE9085003035}" dt="2020-06-01T03:30:27.989" v="9" actId="478"/>
+          <ac:spMkLst>
+            <pc:docMk/>
+            <pc:sldMk cId="3624803210" sldId="7065"/>
+            <ac:spMk id="11" creationId="{36ED4045-9D0D-40C9-9BE6-E52E843ACB4B}"/>
+          </ac:spMkLst>
+        </pc:spChg>
+        <pc:spChg chg="del">
+          <ac:chgData name="Liu, Changsheng A." userId="877438ce-3489-4027-b8c0-4bd167ef53d0" providerId="ADAL" clId="{35AB68C3-AADD-4C6C-B90D-EE9085003035}" dt="2020-06-01T03:30:27.989" v="9" actId="478"/>
+          <ac:spMkLst>
+            <pc:docMk/>
+            <pc:sldMk cId="3624803210" sldId="7065"/>
+            <ac:spMk id="12" creationId="{D99188AC-99B5-436F-B0EB-3F1EA201FD29}"/>
+          </ac:spMkLst>
+        </pc:spChg>
+        <pc:spChg chg="del">
+          <ac:chgData name="Liu, Changsheng A." userId="877438ce-3489-4027-b8c0-4bd167ef53d0" providerId="ADAL" clId="{35AB68C3-AADD-4C6C-B90D-EE9085003035}" dt="2020-06-01T03:30:27.989" v="9" actId="478"/>
+          <ac:spMkLst>
+            <pc:docMk/>
+            <pc:sldMk cId="3624803210" sldId="7065"/>
+            <ac:spMk id="14" creationId="{0DD24972-D6B9-4F2D-836A-177322D2B74F}"/>
+          </ac:spMkLst>
+        </pc:spChg>
+        <pc:spChg chg="del">
+          <ac:chgData name="Liu, Changsheng A." userId="877438ce-3489-4027-b8c0-4bd167ef53d0" providerId="ADAL" clId="{35AB68C3-AADD-4C6C-B90D-EE9085003035}" dt="2020-06-01T03:30:27.989" v="9" actId="478"/>
+          <ac:spMkLst>
+            <pc:docMk/>
+            <pc:sldMk cId="3624803210" sldId="7065"/>
+            <ac:spMk id="16" creationId="{039186A4-8901-4498-A3ED-D75034C7CE6F}"/>
+          </ac:spMkLst>
+        </pc:spChg>
+        <pc:spChg chg="del">
+          <ac:chgData name="Liu, Changsheng A." userId="877438ce-3489-4027-b8c0-4bd167ef53d0" providerId="ADAL" clId="{35AB68C3-AADD-4C6C-B90D-EE9085003035}" dt="2020-06-01T03:30:27.989" v="9" actId="478"/>
+          <ac:spMkLst>
+            <pc:docMk/>
+            <pc:sldMk cId="3624803210" sldId="7065"/>
+            <ac:spMk id="17" creationId="{B946F402-1E80-45B3-8934-96BA34B51F65}"/>
+          </ac:spMkLst>
+        </pc:spChg>
+        <pc:spChg chg="del">
+          <ac:chgData name="Liu, Changsheng A." userId="877438ce-3489-4027-b8c0-4bd167ef53d0" providerId="ADAL" clId="{35AB68C3-AADD-4C6C-B90D-EE9085003035}" dt="2020-06-01T03:30:27.989" v="9" actId="478"/>
+          <ac:spMkLst>
+            <pc:docMk/>
+            <pc:sldMk cId="3624803210" sldId="7065"/>
+            <ac:spMk id="18" creationId="{143A9E40-AD01-472D-A770-B2B8175748FB}"/>
+          </ac:spMkLst>
+        </pc:spChg>
+        <pc:spChg chg="del">
+          <ac:chgData name="Liu, Changsheng A." userId="877438ce-3489-4027-b8c0-4bd167ef53d0" providerId="ADAL" clId="{35AB68C3-AADD-4C6C-B90D-EE9085003035}" dt="2020-06-01T03:30:27.989" v="9" actId="478"/>
+          <ac:spMkLst>
+            <pc:docMk/>
+            <pc:sldMk cId="3624803210" sldId="7065"/>
+            <ac:spMk id="19" creationId="{3D5F391C-2485-4310-9425-3DFACE909772}"/>
+          </ac:spMkLst>
+        </pc:spChg>
+        <pc:spChg chg="del">
+          <ac:chgData name="Liu, Changsheng A." userId="877438ce-3489-4027-b8c0-4bd167ef53d0" providerId="ADAL" clId="{35AB68C3-AADD-4C6C-B90D-EE9085003035}" dt="2020-06-01T03:30:27.989" v="9" actId="478"/>
+          <ac:spMkLst>
+            <pc:docMk/>
+            <pc:sldMk cId="3624803210" sldId="7065"/>
+            <ac:spMk id="20" creationId="{5DBB7662-C21C-46DE-8B26-C60C57BB5B46}"/>
+          </ac:spMkLst>
+        </pc:spChg>
+        <pc:spChg chg="del">
+          <ac:chgData name="Liu, Changsheng A." userId="877438ce-3489-4027-b8c0-4bd167ef53d0" providerId="ADAL" clId="{35AB68C3-AADD-4C6C-B90D-EE9085003035}" dt="2020-06-01T03:30:27.989" v="9" actId="478"/>
+          <ac:spMkLst>
+            <pc:docMk/>
+            <pc:sldMk cId="3624803210" sldId="7065"/>
+            <ac:spMk id="21" creationId="{FB471F62-91BE-4CF0-9AAD-874D28A42646}"/>
+          </ac:spMkLst>
+        </pc:spChg>
+        <pc:spChg chg="del">
+          <ac:chgData name="Liu, Changsheng A." userId="877438ce-3489-4027-b8c0-4bd167ef53d0" providerId="ADAL" clId="{35AB68C3-AADD-4C6C-B90D-EE9085003035}" dt="2020-06-01T03:30:27.989" v="9" actId="478"/>
+          <ac:spMkLst>
+            <pc:docMk/>
+            <pc:sldMk cId="3624803210" sldId="7065"/>
+            <ac:spMk id="22" creationId="{C08FB6A6-3A8E-4100-9422-364F1AA66C23}"/>
+          </ac:spMkLst>
+        </pc:spChg>
+        <pc:spChg chg="del">
+          <ac:chgData name="Liu, Changsheng A." userId="877438ce-3489-4027-b8c0-4bd167ef53d0" providerId="ADAL" clId="{35AB68C3-AADD-4C6C-B90D-EE9085003035}" dt="2020-06-01T03:30:30.166" v="10" actId="478"/>
+          <ac:spMkLst>
+            <pc:docMk/>
+            <pc:sldMk cId="3624803210" sldId="7065"/>
+            <ac:spMk id="23" creationId="{9296144F-283D-4B75-9511-A1160AC492F8}"/>
+          </ac:spMkLst>
+        </pc:spChg>
+        <pc:spChg chg="add mod">
+          <ac:chgData name="Liu, Changsheng A." userId="877438ce-3489-4027-b8c0-4bd167ef53d0" providerId="ADAL" clId="{35AB68C3-AADD-4C6C-B90D-EE9085003035}" dt="2020-06-01T03:59:11.903" v="281" actId="1076"/>
+          <ac:spMkLst>
+            <pc:docMk/>
+            <pc:sldMk cId="3624803210" sldId="7065"/>
+            <ac:spMk id="24" creationId="{1427C411-8467-4EC1-AFF2-82A3435FA2B7}"/>
+          </ac:spMkLst>
+        </pc:spChg>
+        <pc:spChg chg="del">
+          <ac:chgData name="Liu, Changsheng A." userId="877438ce-3489-4027-b8c0-4bd167ef53d0" providerId="ADAL" clId="{35AB68C3-AADD-4C6C-B90D-EE9085003035}" dt="2020-06-01T03:30:27.989" v="9" actId="478"/>
+          <ac:spMkLst>
+            <pc:docMk/>
+            <pc:sldMk cId="3624803210" sldId="7065"/>
+            <ac:spMk id="25" creationId="{76FFCA00-4311-4E40-8F22-3D87210FECF6}"/>
+          </ac:spMkLst>
+        </pc:spChg>
+        <pc:spChg chg="add del">
+          <ac:chgData name="Liu, Changsheng A." userId="877438ce-3489-4027-b8c0-4bd167ef53d0" providerId="ADAL" clId="{35AB68C3-AADD-4C6C-B90D-EE9085003035}" dt="2020-06-01T03:40:36.327" v="75" actId="478"/>
+          <ac:spMkLst>
+            <pc:docMk/>
+            <pc:sldMk cId="3624803210" sldId="7065"/>
+            <ac:spMk id="26" creationId="{6FC74805-22EA-49C0-BADA-2B84A7EFC3D7}"/>
+          </ac:spMkLst>
+        </pc:spChg>
+        <pc:spChg chg="add mod">
+          <ac:chgData name="Liu, Changsheng A." userId="877438ce-3489-4027-b8c0-4bd167ef53d0" providerId="ADAL" clId="{35AB68C3-AADD-4C6C-B90D-EE9085003035}" dt="2020-06-01T04:00:00.857" v="303" actId="164"/>
+          <ac:spMkLst>
+            <pc:docMk/>
+            <pc:sldMk cId="3624803210" sldId="7065"/>
+            <ac:spMk id="27" creationId="{11738D7A-04CC-4EF5-85EA-BDE095A887FD}"/>
+          </ac:spMkLst>
+        </pc:spChg>
+        <pc:spChg chg="add mod">
+          <ac:chgData name="Liu, Changsheng A." userId="877438ce-3489-4027-b8c0-4bd167ef53d0" providerId="ADAL" clId="{35AB68C3-AADD-4C6C-B90D-EE9085003035}" dt="2020-06-01T04:00:00.857" v="303" actId="164"/>
+          <ac:spMkLst>
+            <pc:docMk/>
+            <pc:sldMk cId="3624803210" sldId="7065"/>
+            <ac:spMk id="28" creationId="{647402D2-B8CB-46CB-8230-49DE19402AF3}"/>
+          </ac:spMkLst>
+        </pc:spChg>
+        <pc:spChg chg="add mod">
+          <ac:chgData name="Liu, Changsheng A." userId="877438ce-3489-4027-b8c0-4bd167ef53d0" providerId="ADAL" clId="{35AB68C3-AADD-4C6C-B90D-EE9085003035}" dt="2020-06-01T04:00:00.857" v="303" actId="164"/>
+          <ac:spMkLst>
+            <pc:docMk/>
+            <pc:sldMk cId="3624803210" sldId="7065"/>
+            <ac:spMk id="29" creationId="{8E9C722A-B2BA-42B5-9B86-8CA59B700607}"/>
+          </ac:spMkLst>
+        </pc:spChg>
+        <pc:spChg chg="add mod">
+          <ac:chgData name="Liu, Changsheng A." userId="877438ce-3489-4027-b8c0-4bd167ef53d0" providerId="ADAL" clId="{35AB68C3-AADD-4C6C-B90D-EE9085003035}" dt="2020-06-01T04:00:00.857" v="303" actId="164"/>
+          <ac:spMkLst>
+            <pc:docMk/>
+            <pc:sldMk cId="3624803210" sldId="7065"/>
+            <ac:spMk id="30" creationId="{8BCFEBA6-0EAC-473F-9E61-61E0E7D7E676}"/>
+          </ac:spMkLst>
+        </pc:spChg>
+        <pc:spChg chg="add mod">
+          <ac:chgData name="Liu, Changsheng A." userId="877438ce-3489-4027-b8c0-4bd167ef53d0" providerId="ADAL" clId="{35AB68C3-AADD-4C6C-B90D-EE9085003035}" dt="2020-06-01T04:00:00.857" v="303" actId="164"/>
+          <ac:spMkLst>
+            <pc:docMk/>
+            <pc:sldMk cId="3624803210" sldId="7065"/>
+            <ac:spMk id="31" creationId="{832A4CF6-9CE5-4438-BA5C-AFD082F0C2F4}"/>
+          </ac:spMkLst>
+        </pc:spChg>
+        <pc:spChg chg="add mod">
+          <ac:chgData name="Liu, Changsheng A." userId="877438ce-3489-4027-b8c0-4bd167ef53d0" providerId="ADAL" clId="{35AB68C3-AADD-4C6C-B90D-EE9085003035}" dt="2020-06-01T04:00:00.857" v="303" actId="164"/>
+          <ac:spMkLst>
+            <pc:docMk/>
+            <pc:sldMk cId="3624803210" sldId="7065"/>
+            <ac:spMk id="32" creationId="{71B31A1F-918C-43A4-AA7E-AFC6E6F24BDD}"/>
+          </ac:spMkLst>
+        </pc:spChg>
+        <pc:spChg chg="add mod">
+          <ac:chgData name="Liu, Changsheng A." userId="877438ce-3489-4027-b8c0-4bd167ef53d0" providerId="ADAL" clId="{35AB68C3-AADD-4C6C-B90D-EE9085003035}" dt="2020-06-01T04:00:00.857" v="303" actId="164"/>
+          <ac:spMkLst>
+            <pc:docMk/>
+            <pc:sldMk cId="3624803210" sldId="7065"/>
+            <ac:spMk id="33" creationId="{EB5F6BFC-515D-409D-98C7-AE8F56A40405}"/>
+          </ac:spMkLst>
+        </pc:spChg>
+        <pc:spChg chg="add mod">
+          <ac:chgData name="Liu, Changsheng A." userId="877438ce-3489-4027-b8c0-4bd167ef53d0" providerId="ADAL" clId="{35AB68C3-AADD-4C6C-B90D-EE9085003035}" dt="2020-06-01T04:00:00.857" v="303" actId="164"/>
+          <ac:spMkLst>
+            <pc:docMk/>
+            <pc:sldMk cId="3624803210" sldId="7065"/>
+            <ac:spMk id="34" creationId="{55E82AD3-D03E-478C-9A5F-F93F75E34F59}"/>
+          </ac:spMkLst>
+        </pc:spChg>
+        <pc:spChg chg="add mod">
+          <ac:chgData name="Liu, Changsheng A." userId="877438ce-3489-4027-b8c0-4bd167ef53d0" providerId="ADAL" clId="{35AB68C3-AADD-4C6C-B90D-EE9085003035}" dt="2020-06-01T04:00:00.857" v="303" actId="164"/>
+          <ac:spMkLst>
+            <pc:docMk/>
+            <pc:sldMk cId="3624803210" sldId="7065"/>
+            <ac:spMk id="35" creationId="{324ECC88-9E99-46EA-B9E6-8E27507BD242}"/>
+          </ac:spMkLst>
+        </pc:spChg>
+        <pc:spChg chg="add mod">
+          <ac:chgData name="Liu, Changsheng A." userId="877438ce-3489-4027-b8c0-4bd167ef53d0" providerId="ADAL" clId="{35AB68C3-AADD-4C6C-B90D-EE9085003035}" dt="2020-06-01T04:00:00.857" v="303" actId="164"/>
+          <ac:spMkLst>
+            <pc:docMk/>
+            <pc:sldMk cId="3624803210" sldId="7065"/>
+            <ac:spMk id="36" creationId="{55AEC59F-A253-42D6-BAB5-62B1A8024B6C}"/>
+          </ac:spMkLst>
+        </pc:spChg>
+        <pc:spChg chg="add mod">
+          <ac:chgData name="Liu, Changsheng A." userId="877438ce-3489-4027-b8c0-4bd167ef53d0" providerId="ADAL" clId="{35AB68C3-AADD-4C6C-B90D-EE9085003035}" dt="2020-06-01T04:00:00.857" v="303" actId="164"/>
+          <ac:spMkLst>
+            <pc:docMk/>
+            <pc:sldMk cId="3624803210" sldId="7065"/>
+            <ac:spMk id="37" creationId="{5768E9E1-7A19-4265-98EA-F4D06E010D87}"/>
+          </ac:spMkLst>
+        </pc:spChg>
+        <pc:spChg chg="add mod">
+          <ac:chgData name="Liu, Changsheng A." userId="877438ce-3489-4027-b8c0-4bd167ef53d0" providerId="ADAL" clId="{35AB68C3-AADD-4C6C-B90D-EE9085003035}" dt="2020-06-01T04:00:00.857" v="303" actId="164"/>
+          <ac:spMkLst>
+            <pc:docMk/>
+            <pc:sldMk cId="3624803210" sldId="7065"/>
+            <ac:spMk id="38" creationId="{121D65B4-E10C-4D60-B212-2C942968F72F}"/>
+          </ac:spMkLst>
+        </pc:spChg>
+        <pc:spChg chg="add mod">
+          <ac:chgData name="Liu, Changsheng A." userId="877438ce-3489-4027-b8c0-4bd167ef53d0" providerId="ADAL" clId="{35AB68C3-AADD-4C6C-B90D-EE9085003035}" dt="2020-06-01T04:00:00.857" v="303" actId="164"/>
+          <ac:spMkLst>
+            <pc:docMk/>
+            <pc:sldMk cId="3624803210" sldId="7065"/>
+            <ac:spMk id="39" creationId="{474E7E2E-C6D5-4FD4-A259-15836834AABA}"/>
+          </ac:spMkLst>
+        </pc:spChg>
+        <pc:spChg chg="add mod">
+          <ac:chgData name="Liu, Changsheng A." userId="877438ce-3489-4027-b8c0-4bd167ef53d0" providerId="ADAL" clId="{35AB68C3-AADD-4C6C-B90D-EE9085003035}" dt="2020-06-01T04:00:00.857" v="303" actId="164"/>
+          <ac:spMkLst>
+            <pc:docMk/>
+            <pc:sldMk cId="3624803210" sldId="7065"/>
+            <ac:spMk id="40" creationId="{EDBD5573-79E8-4AC2-A951-7D96D0C67F86}"/>
+          </ac:spMkLst>
+        </pc:spChg>
+        <pc:spChg chg="add mod">
+          <ac:chgData name="Liu, Changsheng A." userId="877438ce-3489-4027-b8c0-4bd167ef53d0" providerId="ADAL" clId="{35AB68C3-AADD-4C6C-B90D-EE9085003035}" dt="2020-06-01T04:00:00.857" v="303" actId="164"/>
+          <ac:spMkLst>
+            <pc:docMk/>
+            <pc:sldMk cId="3624803210" sldId="7065"/>
+            <ac:spMk id="41" creationId="{87D99611-DBFC-4621-B18D-892888142ECC}"/>
+          </ac:spMkLst>
+        </pc:spChg>
+        <pc:spChg chg="add mod">
+          <ac:chgData name="Liu, Changsheng A." userId="877438ce-3489-4027-b8c0-4bd167ef53d0" providerId="ADAL" clId="{35AB68C3-AADD-4C6C-B90D-EE9085003035}" dt="2020-06-01T04:00:00.857" v="303" actId="164"/>
+          <ac:spMkLst>
+            <pc:docMk/>
+            <pc:sldMk cId="3624803210" sldId="7065"/>
+            <ac:spMk id="42" creationId="{3E15D2F8-9DB0-4866-A4C8-8CD0F298F02A}"/>
+          </ac:spMkLst>
+        </pc:spChg>
+        <pc:spChg chg="add mod">
+          <ac:chgData name="Liu, Changsheng A." userId="877438ce-3489-4027-b8c0-4bd167ef53d0" providerId="ADAL" clId="{35AB68C3-AADD-4C6C-B90D-EE9085003035}" dt="2020-06-01T04:00:00.857" v="303" actId="164"/>
+          <ac:spMkLst>
+            <pc:docMk/>
+            <pc:sldMk cId="3624803210" sldId="7065"/>
+            <ac:spMk id="43" creationId="{07029AE1-F50D-4F8F-93D2-771A724A0918}"/>
+          </ac:spMkLst>
+        </pc:spChg>
+        <pc:spChg chg="add mod">
+          <ac:chgData name="Liu, Changsheng A." userId="877438ce-3489-4027-b8c0-4bd167ef53d0" providerId="ADAL" clId="{35AB68C3-AADD-4C6C-B90D-EE9085003035}" dt="2020-06-01T04:00:00.857" v="303" actId="164"/>
+          <ac:spMkLst>
+            <pc:docMk/>
+            <pc:sldMk cId="3624803210" sldId="7065"/>
+            <ac:spMk id="44" creationId="{8CD7A325-1339-4E4F-8A99-A2575C7BB420}"/>
+          </ac:spMkLst>
+        </pc:spChg>
+        <pc:spChg chg="add mod">
+          <ac:chgData name="Liu, Changsheng A." userId="877438ce-3489-4027-b8c0-4bd167ef53d0" providerId="ADAL" clId="{35AB68C3-AADD-4C6C-B90D-EE9085003035}" dt="2020-06-01T04:00:00.857" v="303" actId="164"/>
+          <ac:spMkLst>
+            <pc:docMk/>
+            <pc:sldMk cId="3624803210" sldId="7065"/>
+            <ac:spMk id="45" creationId="{8EE6D591-BD01-4AF9-9B1E-CA2D8A146FAB}"/>
+          </ac:spMkLst>
+        </pc:spChg>
+        <pc:spChg chg="add mod">
+          <ac:chgData name="Liu, Changsheng A." userId="877438ce-3489-4027-b8c0-4bd167ef53d0" providerId="ADAL" clId="{35AB68C3-AADD-4C6C-B90D-EE9085003035}" dt="2020-06-01T04:00:00.857" v="303" actId="164"/>
+          <ac:spMkLst>
+            <pc:docMk/>
+            <pc:sldMk cId="3624803210" sldId="7065"/>
+            <ac:spMk id="46" creationId="{FDF96610-225C-44FC-B78B-657ACA73AB8C}"/>
+          </ac:spMkLst>
+        </pc:spChg>
+        <pc:spChg chg="add mod">
+          <ac:chgData name="Liu, Changsheng A." userId="877438ce-3489-4027-b8c0-4bd167ef53d0" providerId="ADAL" clId="{35AB68C3-AADD-4C6C-B90D-EE9085003035}" dt="2020-06-01T04:00:00.857" v="303" actId="164"/>
+          <ac:spMkLst>
+            <pc:docMk/>
+            <pc:sldMk cId="3624803210" sldId="7065"/>
+            <ac:spMk id="47" creationId="{079577EA-BE69-4DE1-B648-AB5123CEBEBC}"/>
+          </ac:spMkLst>
+        </pc:spChg>
+        <pc:spChg chg="add mod">
+          <ac:chgData name="Liu, Changsheng A." userId="877438ce-3489-4027-b8c0-4bd167ef53d0" providerId="ADAL" clId="{35AB68C3-AADD-4C6C-B90D-EE9085003035}" dt="2020-06-01T04:00:00.857" v="303" actId="164"/>
+          <ac:spMkLst>
+            <pc:docMk/>
+            <pc:sldMk cId="3624803210" sldId="7065"/>
+            <ac:spMk id="48" creationId="{76CEF490-3071-41E9-B4AB-918ADD4A8177}"/>
+          </ac:spMkLst>
+        </pc:spChg>
+        <pc:spChg chg="add mod">
+          <ac:chgData name="Liu, Changsheng A." userId="877438ce-3489-4027-b8c0-4bd167ef53d0" providerId="ADAL" clId="{35AB68C3-AADD-4C6C-B90D-EE9085003035}" dt="2020-06-01T04:00:00.857" v="303" actId="164"/>
+          <ac:spMkLst>
+            <pc:docMk/>
+            <pc:sldMk cId="3624803210" sldId="7065"/>
+            <ac:spMk id="49" creationId="{C7AC6EAB-331F-42AF-8266-C1FF6C8666F2}"/>
+          </ac:spMkLst>
+        </pc:spChg>
+        <pc:spChg chg="add mod">
+          <ac:chgData name="Liu, Changsheng A." userId="877438ce-3489-4027-b8c0-4bd167ef53d0" providerId="ADAL" clId="{35AB68C3-AADD-4C6C-B90D-EE9085003035}" dt="2020-06-01T04:00:00.857" v="303" actId="164"/>
+          <ac:spMkLst>
+            <pc:docMk/>
+            <pc:sldMk cId="3624803210" sldId="7065"/>
+            <ac:spMk id="50" creationId="{54AB5148-3057-4A1D-BF9B-17047A4E42D1}"/>
+          </ac:spMkLst>
+        </pc:spChg>
+        <pc:spChg chg="add mod">
+          <ac:chgData name="Liu, Changsheng A." userId="877438ce-3489-4027-b8c0-4bd167ef53d0" providerId="ADAL" clId="{35AB68C3-AADD-4C6C-B90D-EE9085003035}" dt="2020-06-01T04:00:00.857" v="303" actId="164"/>
+          <ac:spMkLst>
+            <pc:docMk/>
+            <pc:sldMk cId="3624803210" sldId="7065"/>
+            <ac:spMk id="51" creationId="{4644D9B5-A3D9-47F4-B408-5874AC22245D}"/>
+          </ac:spMkLst>
+        </pc:spChg>
+        <pc:spChg chg="add mod">
+          <ac:chgData name="Liu, Changsheng A." userId="877438ce-3489-4027-b8c0-4bd167ef53d0" providerId="ADAL" clId="{35AB68C3-AADD-4C6C-B90D-EE9085003035}" dt="2020-06-01T04:00:00.857" v="303" actId="164"/>
+          <ac:spMkLst>
+            <pc:docMk/>
+            <pc:sldMk cId="3624803210" sldId="7065"/>
+            <ac:spMk id="52" creationId="{53990669-D6CF-4256-B0BC-62FAE4029A59}"/>
+          </ac:spMkLst>
+        </pc:spChg>
+        <pc:spChg chg="add mod">
+          <ac:chgData name="Liu, Changsheng A." userId="877438ce-3489-4027-b8c0-4bd167ef53d0" providerId="ADAL" clId="{35AB68C3-AADD-4C6C-B90D-EE9085003035}" dt="2020-06-01T04:00:00.857" v="303" actId="164"/>
+          <ac:spMkLst>
+            <pc:docMk/>
+            <pc:sldMk cId="3624803210" sldId="7065"/>
+            <ac:spMk id="53" creationId="{ED89F336-4BEA-4C0D-8F17-74E1240A9038}"/>
+          </ac:spMkLst>
+        </pc:spChg>
+        <pc:spChg chg="add mod">
+          <ac:chgData name="Liu, Changsheng A." userId="877438ce-3489-4027-b8c0-4bd167ef53d0" providerId="ADAL" clId="{35AB68C3-AADD-4C6C-B90D-EE9085003035}" dt="2020-06-01T04:00:00.857" v="303" actId="164"/>
+          <ac:spMkLst>
+            <pc:docMk/>
+            <pc:sldMk cId="3624803210" sldId="7065"/>
+            <ac:spMk id="54" creationId="{2867D0DC-A98D-485E-9B48-B550939BA2A3}"/>
+          </ac:spMkLst>
+        </pc:spChg>
+        <pc:spChg chg="add mod">
+          <ac:chgData name="Liu, Changsheng A." userId="877438ce-3489-4027-b8c0-4bd167ef53d0" providerId="ADAL" clId="{35AB68C3-AADD-4C6C-B90D-EE9085003035}" dt="2020-06-01T04:00:00.857" v="303" actId="164"/>
+          <ac:spMkLst>
+            <pc:docMk/>
+            <pc:sldMk cId="3624803210" sldId="7065"/>
+            <ac:spMk id="55" creationId="{20F13826-1658-42F1-904F-384B91864645}"/>
+          </ac:spMkLst>
+        </pc:spChg>
+        <pc:spChg chg="add mod">
+          <ac:chgData name="Liu, Changsheng A." userId="877438ce-3489-4027-b8c0-4bd167ef53d0" providerId="ADAL" clId="{35AB68C3-AADD-4C6C-B90D-EE9085003035}" dt="2020-06-01T04:00:00.857" v="303" actId="164"/>
+          <ac:spMkLst>
+            <pc:docMk/>
+            <pc:sldMk cId="3624803210" sldId="7065"/>
+            <ac:spMk id="56" creationId="{E1984666-CC3C-4BAF-A1C3-5D3BEA45E35D}"/>
+          </ac:spMkLst>
+        </pc:spChg>
+        <pc:spChg chg="add mod">
+          <ac:chgData name="Liu, Changsheng A." userId="877438ce-3489-4027-b8c0-4bd167ef53d0" providerId="ADAL" clId="{35AB68C3-AADD-4C6C-B90D-EE9085003035}" dt="2020-06-01T04:00:00.857" v="303" actId="164"/>
+          <ac:spMkLst>
+            <pc:docMk/>
+            <pc:sldMk cId="3624803210" sldId="7065"/>
+            <ac:spMk id="57" creationId="{B2012D40-374F-43A6-A06B-6ED394DFA93F}"/>
+          </ac:spMkLst>
+        </pc:spChg>
+        <pc:spChg chg="add mod">
+          <ac:chgData name="Liu, Changsheng A." userId="877438ce-3489-4027-b8c0-4bd167ef53d0" providerId="ADAL" clId="{35AB68C3-AADD-4C6C-B90D-EE9085003035}" dt="2020-06-01T04:00:00.857" v="303" actId="164"/>
+          <ac:spMkLst>
+            <pc:docMk/>
+            <pc:sldMk cId="3624803210" sldId="7065"/>
+            <ac:spMk id="58" creationId="{36C34AC6-6463-4DF4-B0F3-4D381DC1A4F3}"/>
+          </ac:spMkLst>
+        </pc:spChg>
+        <pc:spChg chg="add mod">
+          <ac:chgData name="Liu, Changsheng A." userId="877438ce-3489-4027-b8c0-4bd167ef53d0" providerId="ADAL" clId="{35AB68C3-AADD-4C6C-B90D-EE9085003035}" dt="2020-06-01T04:00:00.857" v="303" actId="164"/>
+          <ac:spMkLst>
+            <pc:docMk/>
+            <pc:sldMk cId="3624803210" sldId="7065"/>
+            <ac:spMk id="59" creationId="{8EB26390-F4CC-43F7-BC11-B9999A07DDA0}"/>
+          </ac:spMkLst>
+        </pc:spChg>
+        <pc:spChg chg="add mod">
+          <ac:chgData name="Liu, Changsheng A." userId="877438ce-3489-4027-b8c0-4bd167ef53d0" providerId="ADAL" clId="{35AB68C3-AADD-4C6C-B90D-EE9085003035}" dt="2020-06-01T04:00:00.857" v="303" actId="164"/>
+          <ac:spMkLst>
+            <pc:docMk/>
+            <pc:sldMk cId="3624803210" sldId="7065"/>
+            <ac:spMk id="60" creationId="{C312CAA5-7D7C-474A-9701-6EF0914A6244}"/>
+          </ac:spMkLst>
+        </pc:spChg>
+        <pc:spChg chg="add mod">
+          <ac:chgData name="Liu, Changsheng A." userId="877438ce-3489-4027-b8c0-4bd167ef53d0" providerId="ADAL" clId="{35AB68C3-AADD-4C6C-B90D-EE9085003035}" dt="2020-06-01T04:00:00.857" v="303" actId="164"/>
+          <ac:spMkLst>
+            <pc:docMk/>
+            <pc:sldMk cId="3624803210" sldId="7065"/>
+            <ac:spMk id="61" creationId="{BAF5D4EC-7B74-4F1E-B6CF-6B2EB899A7DE}"/>
+          </ac:spMkLst>
+        </pc:spChg>
+        <pc:spChg chg="add mod">
+          <ac:chgData name="Liu, Changsheng A." userId="877438ce-3489-4027-b8c0-4bd167ef53d0" providerId="ADAL" clId="{35AB68C3-AADD-4C6C-B90D-EE9085003035}" dt="2020-06-01T04:00:00.857" v="303" actId="164"/>
+          <ac:spMkLst>
+            <pc:docMk/>
+            <pc:sldMk cId="3624803210" sldId="7065"/>
+            <ac:spMk id="62" creationId="{E1E7A93B-6099-40C5-9663-CACA3885B393}"/>
+          </ac:spMkLst>
+        </pc:spChg>
+        <pc:spChg chg="add mod">
+          <ac:chgData name="Liu, Changsheng A." userId="877438ce-3489-4027-b8c0-4bd167ef53d0" providerId="ADAL" clId="{35AB68C3-AADD-4C6C-B90D-EE9085003035}" dt="2020-06-01T04:00:00.857" v="303" actId="164"/>
+          <ac:spMkLst>
+            <pc:docMk/>
+            <pc:sldMk cId="3624803210" sldId="7065"/>
+            <ac:spMk id="66" creationId="{32128900-A13D-4FA0-9EF3-1CE6C9EA1C55}"/>
+          </ac:spMkLst>
+        </pc:spChg>
+        <pc:spChg chg="add mod">
+          <ac:chgData name="Liu, Changsheng A." userId="877438ce-3489-4027-b8c0-4bd167ef53d0" providerId="ADAL" clId="{35AB68C3-AADD-4C6C-B90D-EE9085003035}" dt="2020-06-01T03:56:05.039" v="246" actId="571"/>
+          <ac:spMkLst>
+            <pc:docMk/>
+            <pc:sldMk cId="3624803210" sldId="7065"/>
+            <ac:spMk id="67" creationId="{46FE7740-4416-40FB-8BE9-591596249B3E}"/>
+          </ac:spMkLst>
+        </pc:spChg>
+        <pc:spChg chg="add mod">
+          <ac:chgData name="Liu, Changsheng A." userId="877438ce-3489-4027-b8c0-4bd167ef53d0" providerId="ADAL" clId="{35AB68C3-AADD-4C6C-B90D-EE9085003035}" dt="2020-06-01T04:00:00.857" v="303" actId="164"/>
+          <ac:spMkLst>
+            <pc:docMk/>
+            <pc:sldMk cId="3624803210" sldId="7065"/>
+            <ac:spMk id="68" creationId="{E2760D1B-B5A1-424A-8EFB-52943AAEA436}"/>
+          </ac:spMkLst>
+        </pc:spChg>
+        <pc:spChg chg="add mod">
+          <ac:chgData name="Liu, Changsheng A." userId="877438ce-3489-4027-b8c0-4bd167ef53d0" providerId="ADAL" clId="{35AB68C3-AADD-4C6C-B90D-EE9085003035}" dt="2020-06-01T03:59:34.132" v="302"/>
+          <ac:spMkLst>
+            <pc:docMk/>
+            <pc:sldMk cId="3624803210" sldId="7065"/>
+            <ac:spMk id="69" creationId="{5C141EF5-7E35-41E5-A919-CFA9081F5113}"/>
+          </ac:spMkLst>
+        </pc:spChg>
+        <pc:spChg chg="mod topLvl">
+          <ac:chgData name="Liu, Changsheng A." userId="877438ce-3489-4027-b8c0-4bd167ef53d0" providerId="ADAL" clId="{35AB68C3-AADD-4C6C-B90D-EE9085003035}" dt="2020-06-01T04:41:55.416" v="448" actId="1076"/>
+          <ac:spMkLst>
+            <pc:docMk/>
+            <pc:sldMk cId="3624803210" sldId="7065"/>
+            <ac:spMk id="73" creationId="{C918EAA6-9C07-44DC-B5F9-5F54AD289D5F}"/>
+          </ac:spMkLst>
+        </pc:spChg>
+        <pc:spChg chg="mod topLvl">
+          <ac:chgData name="Liu, Changsheng A." userId="877438ce-3489-4027-b8c0-4bd167ef53d0" providerId="ADAL" clId="{35AB68C3-AADD-4C6C-B90D-EE9085003035}" dt="2020-06-01T04:41:55.416" v="448" actId="1076"/>
+          <ac:spMkLst>
+            <pc:docMk/>
+            <pc:sldMk cId="3624803210" sldId="7065"/>
+            <ac:spMk id="74" creationId="{D1F19961-839A-43D0-9FD8-934DBF59A518}"/>
+          </ac:spMkLst>
+        </pc:spChg>
+        <pc:spChg chg="mod topLvl">
+          <ac:chgData name="Liu, Changsheng A." userId="877438ce-3489-4027-b8c0-4bd167ef53d0" providerId="ADAL" clId="{35AB68C3-AADD-4C6C-B90D-EE9085003035}" dt="2020-06-01T04:41:55.416" v="448" actId="1076"/>
+          <ac:spMkLst>
+            <pc:docMk/>
+            <pc:sldMk cId="3624803210" sldId="7065"/>
+            <ac:spMk id="75" creationId="{3D367AA3-8A5B-4703-8C98-B36A6627FC27}"/>
+          </ac:spMkLst>
+        </pc:spChg>
+        <pc:spChg chg="mod topLvl">
+          <ac:chgData name="Liu, Changsheng A." userId="877438ce-3489-4027-b8c0-4bd167ef53d0" providerId="ADAL" clId="{35AB68C3-AADD-4C6C-B90D-EE9085003035}" dt="2020-06-01T04:41:55.416" v="448" actId="1076"/>
+          <ac:spMkLst>
+            <pc:docMk/>
+            <pc:sldMk cId="3624803210" sldId="7065"/>
+            <ac:spMk id="76" creationId="{632CDAA2-F648-4C21-90FD-9B7D15758DFA}"/>
+          </ac:spMkLst>
+        </pc:spChg>
+        <pc:spChg chg="mod topLvl">
+          <ac:chgData name="Liu, Changsheng A." userId="877438ce-3489-4027-b8c0-4bd167ef53d0" providerId="ADAL" clId="{35AB68C3-AADD-4C6C-B90D-EE9085003035}" dt="2020-06-01T04:41:55.416" v="448" actId="1076"/>
+          <ac:spMkLst>
+            <pc:docMk/>
+            <pc:sldMk cId="3624803210" sldId="7065"/>
+            <ac:spMk id="77" creationId="{52A56CA4-BDEE-4E2D-BDAB-C12EEF19D873}"/>
+          </ac:spMkLst>
+        </pc:spChg>
+        <pc:spChg chg="mod topLvl">
+          <ac:chgData name="Liu, Changsheng A." userId="877438ce-3489-4027-b8c0-4bd167ef53d0" providerId="ADAL" clId="{35AB68C3-AADD-4C6C-B90D-EE9085003035}" dt="2020-06-01T04:41:55.416" v="448" actId="1076"/>
+          <ac:spMkLst>
+            <pc:docMk/>
+            <pc:sldMk cId="3624803210" sldId="7065"/>
+            <ac:spMk id="78" creationId="{66E78DA4-350B-42C6-8570-8B4AD41EDB73}"/>
+          </ac:spMkLst>
+        </pc:spChg>
+        <pc:spChg chg="mod topLvl">
+          <ac:chgData name="Liu, Changsheng A." userId="877438ce-3489-4027-b8c0-4bd167ef53d0" providerId="ADAL" clId="{35AB68C3-AADD-4C6C-B90D-EE9085003035}" dt="2020-06-01T04:41:55.416" v="448" actId="1076"/>
+          <ac:spMkLst>
+            <pc:docMk/>
+            <pc:sldMk cId="3624803210" sldId="7065"/>
+            <ac:spMk id="79" creationId="{B5671556-0C6A-45EF-87FB-B0F88B95FAC7}"/>
+          </ac:spMkLst>
+        </pc:spChg>
+        <pc:spChg chg="mod topLvl">
+          <ac:chgData name="Liu, Changsheng A." userId="877438ce-3489-4027-b8c0-4bd167ef53d0" providerId="ADAL" clId="{35AB68C3-AADD-4C6C-B90D-EE9085003035}" dt="2020-06-01T04:41:55.416" v="448" actId="1076"/>
+          <ac:spMkLst>
+            <pc:docMk/>
+            <pc:sldMk cId="3624803210" sldId="7065"/>
+            <ac:spMk id="80" creationId="{7213AE2C-9566-4E7C-8AEE-A752BADAB975}"/>
+          </ac:spMkLst>
+        </pc:spChg>
+        <pc:spChg chg="mod topLvl">
+          <ac:chgData name="Liu, Changsheng A." userId="877438ce-3489-4027-b8c0-4bd167ef53d0" providerId="ADAL" clId="{35AB68C3-AADD-4C6C-B90D-EE9085003035}" dt="2020-06-01T04:41:55.416" v="448" actId="1076"/>
+          <ac:spMkLst>
+            <pc:docMk/>
+            <pc:sldMk cId="3624803210" sldId="7065"/>
+            <ac:spMk id="81" creationId="{29E3C2BA-59C3-4C8C-A577-14F68BEBF182}"/>
+          </ac:spMkLst>
+        </pc:spChg>
+        <pc:spChg chg="mod topLvl">
+          <ac:chgData name="Liu, Changsheng A." userId="877438ce-3489-4027-b8c0-4bd167ef53d0" providerId="ADAL" clId="{35AB68C3-AADD-4C6C-B90D-EE9085003035}" dt="2020-06-01T04:41:55.416" v="448" actId="1076"/>
+          <ac:spMkLst>
+            <pc:docMk/>
+            <pc:sldMk cId="3624803210" sldId="7065"/>
+            <ac:spMk id="82" creationId="{2D00894F-720F-4D3B-9464-F5F7737E993E}"/>
+          </ac:spMkLst>
+        </pc:spChg>
+        <pc:spChg chg="mod topLvl">
+          <ac:chgData name="Liu, Changsheng A." userId="877438ce-3489-4027-b8c0-4bd167ef53d0" providerId="ADAL" clId="{35AB68C3-AADD-4C6C-B90D-EE9085003035}" dt="2020-06-01T04:41:55.416" v="448" actId="1076"/>
+          <ac:spMkLst>
+            <pc:docMk/>
+            <pc:sldMk cId="3624803210" sldId="7065"/>
+            <ac:spMk id="83" creationId="{A58D68DE-3B0F-40E2-942C-205EF9955733}"/>
+          </ac:spMkLst>
+        </pc:spChg>
+        <pc:spChg chg="mod topLvl">
+          <ac:chgData name="Liu, Changsheng A." userId="877438ce-3489-4027-b8c0-4bd167ef53d0" providerId="ADAL" clId="{35AB68C3-AADD-4C6C-B90D-EE9085003035}" dt="2020-06-01T04:41:55.416" v="448" actId="1076"/>
+          <ac:spMkLst>
+            <pc:docMk/>
+            <pc:sldMk cId="3624803210" sldId="7065"/>
+            <ac:spMk id="84" creationId="{A2406DB4-EC22-4584-8F6E-422D91D953B8}"/>
+          </ac:spMkLst>
+        </pc:spChg>
+        <pc:spChg chg="mod topLvl">
+          <ac:chgData name="Liu, Changsheng A." userId="877438ce-3489-4027-b8c0-4bd167ef53d0" providerId="ADAL" clId="{35AB68C3-AADD-4C6C-B90D-EE9085003035}" dt="2020-06-01T04:41:55.416" v="448" actId="1076"/>
+          <ac:spMkLst>
+            <pc:docMk/>
+            <pc:sldMk cId="3624803210" sldId="7065"/>
+            <ac:spMk id="85" creationId="{C2FFB4AE-ECEF-4F25-8FD4-25E26A11547E}"/>
+          </ac:spMkLst>
+        </pc:spChg>
+        <pc:spChg chg="mod topLvl">
+          <ac:chgData name="Liu, Changsheng A." userId="877438ce-3489-4027-b8c0-4bd167ef53d0" providerId="ADAL" clId="{35AB68C3-AADD-4C6C-B90D-EE9085003035}" dt="2020-06-01T04:41:55.416" v="448" actId="1076"/>
+          <ac:spMkLst>
+            <pc:docMk/>
+            <pc:sldMk cId="3624803210" sldId="7065"/>
+            <ac:spMk id="86" creationId="{9FCD27C7-B18C-4208-A08B-9A0E2F4005C9}"/>
+          </ac:spMkLst>
+        </pc:spChg>
+        <pc:spChg chg="mod topLvl">
+          <ac:chgData name="Liu, Changsheng A." userId="877438ce-3489-4027-b8c0-4bd167ef53d0" providerId="ADAL" clId="{35AB68C3-AADD-4C6C-B90D-EE9085003035}" dt="2020-06-01T04:41:55.416" v="448" actId="1076"/>
+          <ac:spMkLst>
+            <pc:docMk/>
+            <pc:sldMk cId="3624803210" sldId="7065"/>
+            <ac:spMk id="87" creationId="{95C96DFC-F507-40E2-980A-BD1D399C1716}"/>
+          </ac:spMkLst>
+        </pc:spChg>
+        <pc:spChg chg="mod topLvl">
+          <ac:chgData name="Liu, Changsheng A." userId="877438ce-3489-4027-b8c0-4bd167ef53d0" providerId="ADAL" clId="{35AB68C3-AADD-4C6C-B90D-EE9085003035}" dt="2020-06-01T04:41:55.416" v="448" actId="1076"/>
+          <ac:spMkLst>
+            <pc:docMk/>
+            <pc:sldMk cId="3624803210" sldId="7065"/>
+            <ac:spMk id="88" creationId="{C610D9EB-1277-45E9-8B63-0A6F93A2F4D9}"/>
+          </ac:spMkLst>
+        </pc:spChg>
+        <pc:spChg chg="mod topLvl">
+          <ac:chgData name="Liu, Changsheng A." userId="877438ce-3489-4027-b8c0-4bd167ef53d0" providerId="ADAL" clId="{35AB68C3-AADD-4C6C-B90D-EE9085003035}" dt="2020-06-01T04:41:55.416" v="448" actId="1076"/>
+          <ac:spMkLst>
+            <pc:docMk/>
+            <pc:sldMk cId="3624803210" sldId="7065"/>
+            <ac:spMk id="89" creationId="{15CBC2C3-9963-430E-A4F3-AEFBD069FDF4}"/>
+          </ac:spMkLst>
+        </pc:spChg>
+        <pc:spChg chg="mod topLvl">
+          <ac:chgData name="Liu, Changsheng A." userId="877438ce-3489-4027-b8c0-4bd167ef53d0" providerId="ADAL" clId="{35AB68C3-AADD-4C6C-B90D-EE9085003035}" dt="2020-06-01T04:41:55.416" v="448" actId="1076"/>
+          <ac:spMkLst>
+            <pc:docMk/>
+            <pc:sldMk cId="3624803210" sldId="7065"/>
+            <ac:spMk id="90" creationId="{85C4D1C7-71E6-4458-9F8C-5A46B68FBCEE}"/>
+          </ac:spMkLst>
+        </pc:spChg>
+        <pc:spChg chg="mod topLvl">
+          <ac:chgData name="Liu, Changsheng A." userId="877438ce-3489-4027-b8c0-4bd167ef53d0" providerId="ADAL" clId="{35AB68C3-AADD-4C6C-B90D-EE9085003035}" dt="2020-06-01T04:41:55.416" v="448" actId="1076"/>
+          <ac:spMkLst>
+            <pc:docMk/>
+            <pc:sldMk cId="3624803210" sldId="7065"/>
+            <ac:spMk id="91" creationId="{E9698AC7-C2D2-4CF6-B338-2A6BD4A9D0C5}"/>
+          </ac:spMkLst>
+        </pc:spChg>
+        <pc:spChg chg="mod topLvl">
+          <ac:chgData name="Liu, Changsheng A." userId="877438ce-3489-4027-b8c0-4bd167ef53d0" providerId="ADAL" clId="{35AB68C3-AADD-4C6C-B90D-EE9085003035}" dt="2020-06-01T04:41:55.416" v="448" actId="1076"/>
+          <ac:spMkLst>
+            <pc:docMk/>
+            <pc:sldMk cId="3624803210" sldId="7065"/>
+            <ac:spMk id="92" creationId="{474ACA4C-7E97-4885-BBE8-E8919C772130}"/>
+          </ac:spMkLst>
+        </pc:spChg>
+        <pc:spChg chg="mod topLvl">
+          <ac:chgData name="Liu, Changsheng A." userId="877438ce-3489-4027-b8c0-4bd167ef53d0" providerId="ADAL" clId="{35AB68C3-AADD-4C6C-B90D-EE9085003035}" dt="2020-06-01T04:41:55.416" v="448" actId="1076"/>
+          <ac:spMkLst>
+            <pc:docMk/>
+            <pc:sldMk cId="3624803210" sldId="7065"/>
+            <ac:spMk id="93" creationId="{2A91439D-1490-46AE-A0E5-1C26B48D69B3}"/>
+          </ac:spMkLst>
+        </pc:spChg>
+        <pc:spChg chg="mod topLvl">
+          <ac:chgData name="Liu, Changsheng A." userId="877438ce-3489-4027-b8c0-4bd167ef53d0" providerId="ADAL" clId="{35AB68C3-AADD-4C6C-B90D-EE9085003035}" dt="2020-06-01T04:41:55.416" v="448" actId="1076"/>
+          <ac:spMkLst>
+            <pc:docMk/>
+            <pc:sldMk cId="3624803210" sldId="7065"/>
+            <ac:spMk id="94" creationId="{37841FF5-848E-4BE6-B744-02FF44D8C7B9}"/>
+          </ac:spMkLst>
+        </pc:spChg>
+        <pc:spChg chg="mod topLvl">
+          <ac:chgData name="Liu, Changsheng A." userId="877438ce-3489-4027-b8c0-4bd167ef53d0" providerId="ADAL" clId="{35AB68C3-AADD-4C6C-B90D-EE9085003035}" dt="2020-06-01T04:41:55.416" v="448" actId="1076"/>
+          <ac:spMkLst>
+            <pc:docMk/>
+            <pc:sldMk cId="3624803210" sldId="7065"/>
+            <ac:spMk id="95" creationId="{FE396CCE-AAC0-4301-8301-833303B2454A}"/>
+          </ac:spMkLst>
+        </pc:spChg>
+        <pc:spChg chg="mod topLvl">
+          <ac:chgData name="Liu, Changsheng A." userId="877438ce-3489-4027-b8c0-4bd167ef53d0" providerId="ADAL" clId="{35AB68C3-AADD-4C6C-B90D-EE9085003035}" dt="2020-06-01T04:41:55.416" v="448" actId="1076"/>
+          <ac:spMkLst>
+            <pc:docMk/>
+            <pc:sldMk cId="3624803210" sldId="7065"/>
+            <ac:spMk id="96" creationId="{82C90A6D-3A2A-401A-93CF-DD1D728AE27B}"/>
+          </ac:spMkLst>
+        </pc:spChg>
+        <pc:spChg chg="mod topLvl">
+          <ac:chgData name="Liu, Changsheng A." userId="877438ce-3489-4027-b8c0-4bd167ef53d0" providerId="ADAL" clId="{35AB68C3-AADD-4C6C-B90D-EE9085003035}" dt="2020-06-01T04:41:55.416" v="448" actId="1076"/>
+          <ac:spMkLst>
+            <pc:docMk/>
+            <pc:sldMk cId="3624803210" sldId="7065"/>
+            <ac:spMk id="97" creationId="{4B38D850-F70E-4603-839A-295746F2711E}"/>
+          </ac:spMkLst>
+        </pc:spChg>
+        <pc:spChg chg="mod topLvl">
+          <ac:chgData name="Liu, Changsheng A." userId="877438ce-3489-4027-b8c0-4bd167ef53d0" providerId="ADAL" clId="{35AB68C3-AADD-4C6C-B90D-EE9085003035}" dt="2020-06-01T04:41:55.416" v="448" actId="1076"/>
+          <ac:spMkLst>
+            <pc:docMk/>
+            <pc:sldMk cId="3624803210" sldId="7065"/>
+            <ac:spMk id="98" creationId="{DB54479E-F8FA-462A-961A-16654FCBCE68}"/>
+          </ac:spMkLst>
+        </pc:spChg>
+        <pc:spChg chg="mod topLvl">
+          <ac:chgData name="Liu, Changsheng A." userId="877438ce-3489-4027-b8c0-4bd167ef53d0" providerId="ADAL" clId="{35AB68C3-AADD-4C6C-B90D-EE9085003035}" dt="2020-06-01T04:41:55.416" v="448" actId="1076"/>
+          <ac:spMkLst>
+            <pc:docMk/>
+            <pc:sldMk cId="3624803210" sldId="7065"/>
+            <ac:spMk id="99" creationId="{40491FAE-A039-496F-A88E-AFEBE57D02EB}"/>
+          </ac:spMkLst>
+        </pc:spChg>
+        <pc:spChg chg="mod topLvl">
+          <ac:chgData name="Liu, Changsheng A." userId="877438ce-3489-4027-b8c0-4bd167ef53d0" providerId="ADAL" clId="{35AB68C3-AADD-4C6C-B90D-EE9085003035}" dt="2020-06-01T04:41:55.416" v="448" actId="1076"/>
+          <ac:spMkLst>
+            <pc:docMk/>
+            <pc:sldMk cId="3624803210" sldId="7065"/>
+            <ac:spMk id="100" creationId="{1CBF5D12-AABF-416A-B695-631B7C7E47C4}"/>
+          </ac:spMkLst>
+        </pc:spChg>
+        <pc:spChg chg="mod topLvl">
+          <ac:chgData name="Liu, Changsheng A." userId="877438ce-3489-4027-b8c0-4bd167ef53d0" providerId="ADAL" clId="{35AB68C3-AADD-4C6C-B90D-EE9085003035}" dt="2020-06-01T04:41:55.416" v="448" actId="1076"/>
+          <ac:spMkLst>
+            <pc:docMk/>
+            <pc:sldMk cId="3624803210" sldId="7065"/>
+            <ac:spMk id="101" creationId="{04FE3A28-9252-4C9F-967D-2D294E319BFC}"/>
+          </ac:spMkLst>
+        </pc:spChg>
+        <pc:spChg chg="mod topLvl">
+          <ac:chgData name="Liu, Changsheng A." userId="877438ce-3489-4027-b8c0-4bd167ef53d0" providerId="ADAL" clId="{35AB68C3-AADD-4C6C-B90D-EE9085003035}" dt="2020-06-01T04:41:55.416" v="448" actId="1076"/>
+          <ac:spMkLst>
+            <pc:docMk/>
+            <pc:sldMk cId="3624803210" sldId="7065"/>
+            <ac:spMk id="102" creationId="{160E5C33-D47D-47A8-8CC0-3EF71F7F82EE}"/>
+          </ac:spMkLst>
+        </pc:spChg>
+        <pc:spChg chg="mod topLvl">
+          <ac:chgData name="Liu, Changsheng A." userId="877438ce-3489-4027-b8c0-4bd167ef53d0" providerId="ADAL" clId="{35AB68C3-AADD-4C6C-B90D-EE9085003035}" dt="2020-06-01T04:41:55.416" v="448" actId="1076"/>
+          <ac:spMkLst>
+            <pc:docMk/>
+            <pc:sldMk cId="3624803210" sldId="7065"/>
+            <ac:spMk id="103" creationId="{89C6A33B-9CCE-4BF6-92F8-223136E86BAE}"/>
+          </ac:spMkLst>
+        </pc:spChg>
+        <pc:spChg chg="mod topLvl">
+          <ac:chgData name="Liu, Changsheng A." userId="877438ce-3489-4027-b8c0-4bd167ef53d0" providerId="ADAL" clId="{35AB68C3-AADD-4C6C-B90D-EE9085003035}" dt="2020-06-01T04:41:55.416" v="448" actId="1076"/>
+          <ac:spMkLst>
+            <pc:docMk/>
+            <pc:sldMk cId="3624803210" sldId="7065"/>
+            <ac:spMk id="104" creationId="{54A573E5-6491-4E0A-B530-C587C24BD2D8}"/>
+          </ac:spMkLst>
+        </pc:spChg>
+        <pc:spChg chg="mod topLvl">
+          <ac:chgData name="Liu, Changsheng A." userId="877438ce-3489-4027-b8c0-4bd167ef53d0" providerId="ADAL" clId="{35AB68C3-AADD-4C6C-B90D-EE9085003035}" dt="2020-06-01T04:41:55.416" v="448" actId="1076"/>
+          <ac:spMkLst>
+            <pc:docMk/>
+            <pc:sldMk cId="3624803210" sldId="7065"/>
+            <ac:spMk id="105" creationId="{ED125A6F-5662-4835-97BE-45B32B26858D}"/>
+          </ac:spMkLst>
+        </pc:spChg>
+        <pc:spChg chg="mod topLvl">
+          <ac:chgData name="Liu, Changsheng A." userId="877438ce-3489-4027-b8c0-4bd167ef53d0" providerId="ADAL" clId="{35AB68C3-AADD-4C6C-B90D-EE9085003035}" dt="2020-06-01T04:41:55.416" v="448" actId="1076"/>
+          <ac:spMkLst>
+            <pc:docMk/>
+            <pc:sldMk cId="3624803210" sldId="7065"/>
+            <ac:spMk id="106" creationId="{99D10CBF-0E1D-46C2-BA30-72539A224612}"/>
+          </ac:spMkLst>
+        </pc:spChg>
+        <pc:spChg chg="mod topLvl">
+          <ac:chgData name="Liu, Changsheng A." userId="877438ce-3489-4027-b8c0-4bd167ef53d0" providerId="ADAL" clId="{35AB68C3-AADD-4C6C-B90D-EE9085003035}" dt="2020-06-01T04:41:55.416" v="448" actId="1076"/>
+          <ac:spMkLst>
+            <pc:docMk/>
+            <pc:sldMk cId="3624803210" sldId="7065"/>
+            <ac:spMk id="107" creationId="{E9841B50-00AF-4DFD-B750-37D87FEE0781}"/>
+          </ac:spMkLst>
+        </pc:spChg>
+        <pc:spChg chg="mod topLvl">
+          <ac:chgData name="Liu, Changsheng A." userId="877438ce-3489-4027-b8c0-4bd167ef53d0" providerId="ADAL" clId="{35AB68C3-AADD-4C6C-B90D-EE9085003035}" dt="2020-06-01T04:41:55.416" v="448" actId="1076"/>
+          <ac:spMkLst>
+            <pc:docMk/>
+            <pc:sldMk cId="3624803210" sldId="7065"/>
+            <ac:spMk id="108" creationId="{8D621B53-54E3-4C27-938B-E9C70955B71F}"/>
+          </ac:spMkLst>
+        </pc:spChg>
+        <pc:spChg chg="mod topLvl">
+          <ac:chgData name="Liu, Changsheng A." userId="877438ce-3489-4027-b8c0-4bd167ef53d0" providerId="ADAL" clId="{35AB68C3-AADD-4C6C-B90D-EE9085003035}" dt="2020-06-01T04:41:55.416" v="448" actId="1076"/>
+          <ac:spMkLst>
+            <pc:docMk/>
+            <pc:sldMk cId="3624803210" sldId="7065"/>
+            <ac:spMk id="110" creationId="{714FBE2E-5B11-4823-BFC9-75F56BC840B5}"/>
+          </ac:spMkLst>
+        </pc:spChg>
+        <pc:spChg chg="mod topLvl">
+          <ac:chgData name="Liu, Changsheng A." userId="877438ce-3489-4027-b8c0-4bd167ef53d0" providerId="ADAL" clId="{35AB68C3-AADD-4C6C-B90D-EE9085003035}" dt="2020-06-01T04:41:55.416" v="448" actId="1076"/>
+          <ac:spMkLst>
+            <pc:docMk/>
+            <pc:sldMk cId="3624803210" sldId="7065"/>
+            <ac:spMk id="111" creationId="{547B5C38-A9AE-4689-BF62-BAC1F0E99A97}"/>
+          </ac:spMkLst>
+        </pc:spChg>
+        <pc:spChg chg="add mod">
+          <ac:chgData name="Liu, Changsheng A." userId="877438ce-3489-4027-b8c0-4bd167ef53d0" providerId="ADAL" clId="{35AB68C3-AADD-4C6C-B90D-EE9085003035}" dt="2020-06-01T04:41:55.416" v="448" actId="1076"/>
+          <ac:spMkLst>
+            <pc:docMk/>
+            <pc:sldMk cId="3624803210" sldId="7065"/>
+            <ac:spMk id="112" creationId="{D4EFD47A-D98A-45E4-AF91-7501C47B75AA}"/>
+          </ac:spMkLst>
+        </pc:spChg>
+        <pc:spChg chg="add mod">
+          <ac:chgData name="Liu, Changsheng A." userId="877438ce-3489-4027-b8c0-4bd167ef53d0" providerId="ADAL" clId="{35AB68C3-AADD-4C6C-B90D-EE9085003035}" dt="2020-06-01T04:41:55.416" v="448" actId="1076"/>
+          <ac:spMkLst>
+            <pc:docMk/>
+            <pc:sldMk cId="3624803210" sldId="7065"/>
+            <ac:spMk id="113" creationId="{793D7213-8B76-4FA2-B315-A319B3627314}"/>
+          </ac:spMkLst>
+        </pc:spChg>
+        <pc:spChg chg="add mod">
+          <ac:chgData name="Liu, Changsheng A." userId="877438ce-3489-4027-b8c0-4bd167ef53d0" providerId="ADAL" clId="{35AB68C3-AADD-4C6C-B90D-EE9085003035}" dt="2020-06-01T04:41:55.416" v="448" actId="1076"/>
+          <ac:spMkLst>
+            <pc:docMk/>
+            <pc:sldMk cId="3624803210" sldId="7065"/>
+            <ac:spMk id="114" creationId="{ED2AC2BB-CDC0-4E31-9902-EFBBC86428B8}"/>
+          </ac:spMkLst>
+        </pc:spChg>
+        <pc:spChg chg="add mod">
+          <ac:chgData name="Liu, Changsheng A." userId="877438ce-3489-4027-b8c0-4bd167ef53d0" providerId="ADAL" clId="{35AB68C3-AADD-4C6C-B90D-EE9085003035}" dt="2020-06-01T04:41:55.416" v="448" actId="1076"/>
+          <ac:spMkLst>
+            <pc:docMk/>
+            <pc:sldMk cId="3624803210" sldId="7065"/>
+            <ac:spMk id="115" creationId="{6CDA40B8-F4A0-4861-B72A-38E7B58A3F44}"/>
+          </ac:spMkLst>
+        </pc:spChg>
+        <pc:spChg chg="add mod">
+          <ac:chgData name="Liu, Changsheng A." userId="877438ce-3489-4027-b8c0-4bd167ef53d0" providerId="ADAL" clId="{35AB68C3-AADD-4C6C-B90D-EE9085003035}" dt="2020-06-01T04:41:55.416" v="448" actId="1076"/>
+          <ac:spMkLst>
+            <pc:docMk/>
+            <pc:sldMk cId="3624803210" sldId="7065"/>
+            <ac:spMk id="116" creationId="{894C126A-BEA1-4F11-AC55-22E9DFAB53E7}"/>
+          </ac:spMkLst>
+        </pc:spChg>
+        <pc:spChg chg="add mod">
+          <ac:chgData name="Liu, Changsheng A." userId="877438ce-3489-4027-b8c0-4bd167ef53d0" providerId="ADAL" clId="{35AB68C3-AADD-4C6C-B90D-EE9085003035}" dt="2020-06-01T04:42:12.642" v="452" actId="20577"/>
+          <ac:spMkLst>
+            <pc:docMk/>
+            <pc:sldMk cId="3624803210" sldId="7065"/>
+            <ac:spMk id="117" creationId="{C2A8819C-3381-4E57-AD93-22E41798B6EE}"/>
+          </ac:spMkLst>
+        </pc:spChg>
+        <pc:spChg chg="add mod">
+          <ac:chgData name="Liu, Changsheng A." userId="877438ce-3489-4027-b8c0-4bd167ef53d0" providerId="ADAL" clId="{35AB68C3-AADD-4C6C-B90D-EE9085003035}" dt="2020-06-01T04:41:55.416" v="448" actId="1076"/>
+          <ac:spMkLst>
+            <pc:docMk/>
+            <pc:sldMk cId="3624803210" sldId="7065"/>
+            <ac:spMk id="118" creationId="{2622495D-1E42-43C8-AC19-A5D5F65DAB62}"/>
+          </ac:spMkLst>
+        </pc:spChg>
+        <pc:spChg chg="add mod">
+          <ac:chgData name="Liu, Changsheng A." userId="877438ce-3489-4027-b8c0-4bd167ef53d0" providerId="ADAL" clId="{35AB68C3-AADD-4C6C-B90D-EE9085003035}" dt="2020-06-01T04:41:55.416" v="448" actId="1076"/>
+          <ac:spMkLst>
+            <pc:docMk/>
+            <pc:sldMk cId="3624803210" sldId="7065"/>
+            <ac:spMk id="119" creationId="{FC662C65-B179-454D-8BD0-D4BAB5FD98ED}"/>
+          </ac:spMkLst>
+        </pc:spChg>
+        <pc:spChg chg="add mod">
+          <ac:chgData name="Liu, Changsheng A." userId="877438ce-3489-4027-b8c0-4bd167ef53d0" providerId="ADAL" clId="{35AB68C3-AADD-4C6C-B90D-EE9085003035}" dt="2020-06-01T04:41:55.416" v="448" actId="1076"/>
+          <ac:spMkLst>
+            <pc:docMk/>
+            <pc:sldMk cId="3624803210" sldId="7065"/>
+            <ac:spMk id="120" creationId="{0CBF8F5D-EBFA-4DB7-AEA6-5DE9CC1952D9}"/>
+          </ac:spMkLst>
+        </pc:spChg>
+        <pc:spChg chg="add mod">
+          <ac:chgData name="Liu, Changsheng A." userId="877438ce-3489-4027-b8c0-4bd167ef53d0" providerId="ADAL" clId="{35AB68C3-AADD-4C6C-B90D-EE9085003035}" dt="2020-06-01T04:41:55.416" v="448" actId="1076"/>
+          <ac:spMkLst>
+            <pc:docMk/>
+            <pc:sldMk cId="3624803210" sldId="7065"/>
+            <ac:spMk id="121" creationId="{DAE7034C-64DD-4BC5-9C41-7E7AB97D6C68}"/>
+          </ac:spMkLst>
+        </pc:spChg>
+        <pc:spChg chg="add mod">
+          <ac:chgData name="Liu, Changsheng A." userId="877438ce-3489-4027-b8c0-4bd167ef53d0" providerId="ADAL" clId="{35AB68C3-AADD-4C6C-B90D-EE9085003035}" dt="2020-06-01T04:41:55.416" v="448" actId="1076"/>
+          <ac:spMkLst>
+            <pc:docMk/>
+            <pc:sldMk cId="3624803210" sldId="7065"/>
+            <ac:spMk id="122" creationId="{51FAE396-2C07-4CAF-A018-EF6E49A62D6B}"/>
+          </ac:spMkLst>
+        </pc:spChg>
+        <pc:spChg chg="add mod">
+          <ac:chgData name="Liu, Changsheng A." userId="877438ce-3489-4027-b8c0-4bd167ef53d0" providerId="ADAL" clId="{35AB68C3-AADD-4C6C-B90D-EE9085003035}" dt="2020-06-01T04:41:55.416" v="448" actId="1076"/>
+          <ac:spMkLst>
+            <pc:docMk/>
+            <pc:sldMk cId="3624803210" sldId="7065"/>
+            <ac:spMk id="123" creationId="{1A904466-5E80-4255-B766-D2B4011238DB}"/>
+          </ac:spMkLst>
+        </pc:spChg>
+        <pc:spChg chg="add mod">
+          <ac:chgData name="Liu, Changsheng A." userId="877438ce-3489-4027-b8c0-4bd167ef53d0" providerId="ADAL" clId="{35AB68C3-AADD-4C6C-B90D-EE9085003035}" dt="2020-06-01T04:41:55.416" v="448" actId="1076"/>
+          <ac:spMkLst>
+            <pc:docMk/>
+            <pc:sldMk cId="3624803210" sldId="7065"/>
+            <ac:spMk id="124" creationId="{A036FA98-1031-4A32-9136-DFF6CB048146}"/>
+          </ac:spMkLst>
+        </pc:spChg>
+        <pc:spChg chg="add mod">
+          <ac:chgData name="Liu, Changsheng A." userId="877438ce-3489-4027-b8c0-4bd167ef53d0" providerId="ADAL" clId="{35AB68C3-AADD-4C6C-B90D-EE9085003035}" dt="2020-06-01T04:41:55.416" v="448" actId="1076"/>
+          <ac:spMkLst>
+            <pc:docMk/>
+            <pc:sldMk cId="3624803210" sldId="7065"/>
+            <ac:spMk id="125" creationId="{9937ED0F-EE52-4C81-80B8-509FC8035FD3}"/>
+          </ac:spMkLst>
+        </pc:spChg>
+        <pc:spChg chg="add mod">
+          <ac:chgData name="Liu, Changsheng A." userId="877438ce-3489-4027-b8c0-4bd167ef53d0" providerId="ADAL" clId="{35AB68C3-AADD-4C6C-B90D-EE9085003035}" dt="2020-06-01T04:41:55.416" v="448" actId="1076"/>
+          <ac:spMkLst>
+            <pc:docMk/>
+            <pc:sldMk cId="3624803210" sldId="7065"/>
+            <ac:spMk id="126" creationId="{ED64DE50-9A2F-469D-8A57-F146B167D905}"/>
+          </ac:spMkLst>
+        </pc:spChg>
+        <pc:spChg chg="add mod">
+          <ac:chgData name="Liu, Changsheng A." userId="877438ce-3489-4027-b8c0-4bd167ef53d0" providerId="ADAL" clId="{35AB68C3-AADD-4C6C-B90D-EE9085003035}" dt="2020-06-01T04:41:55.416" v="448" actId="1076"/>
+          <ac:spMkLst>
+            <pc:docMk/>
+            <pc:sldMk cId="3624803210" sldId="7065"/>
+            <ac:spMk id="127" creationId="{ED8D19AD-27F5-44C4-B75F-E270EBD8FC55}"/>
+          </ac:spMkLst>
+        </pc:spChg>
+        <pc:spChg chg="add mod">
+          <ac:chgData name="Liu, Changsheng A." userId="877438ce-3489-4027-b8c0-4bd167ef53d0" providerId="ADAL" clId="{35AB68C3-AADD-4C6C-B90D-EE9085003035}" dt="2020-06-01T04:41:55.416" v="448" actId="1076"/>
+          <ac:spMkLst>
+            <pc:docMk/>
+            <pc:sldMk cId="3624803210" sldId="7065"/>
+            <ac:spMk id="128" creationId="{4DC4A63D-19A4-46BC-86D6-16996397011B}"/>
+          </ac:spMkLst>
+        </pc:spChg>
+        <pc:spChg chg="add mod">
+          <ac:chgData name="Liu, Changsheng A." userId="877438ce-3489-4027-b8c0-4bd167ef53d0" providerId="ADAL" clId="{35AB68C3-AADD-4C6C-B90D-EE9085003035}" dt="2020-06-01T04:42:03.623" v="449" actId="20577"/>
+          <ac:spMkLst>
+            <pc:docMk/>
+            <pc:sldMk cId="3624803210" sldId="7065"/>
+            <ac:spMk id="129" creationId="{705984BB-07A3-4E06-BBAC-BCE9E6DCBFF3}"/>
+          </ac:spMkLst>
+        </pc:spChg>
+        <pc:spChg chg="add mod">
+          <ac:chgData name="Liu, Changsheng A." userId="877438ce-3489-4027-b8c0-4bd167ef53d0" providerId="ADAL" clId="{35AB68C3-AADD-4C6C-B90D-EE9085003035}" dt="2020-06-01T04:41:55.416" v="448" actId="1076"/>
+          <ac:spMkLst>
+            <pc:docMk/>
+            <pc:sldMk cId="3624803210" sldId="7065"/>
+            <ac:spMk id="130" creationId="{B0A627FC-B90A-4686-976E-D00E4CC3AF59}"/>
+          </ac:spMkLst>
+        </pc:spChg>
+        <pc:spChg chg="add mod">
+          <ac:chgData name="Liu, Changsheng A." userId="877438ce-3489-4027-b8c0-4bd167ef53d0" providerId="ADAL" clId="{35AB68C3-AADD-4C6C-B90D-EE9085003035}" dt="2020-06-01T04:41:55.416" v="448" actId="1076"/>
+          <ac:spMkLst>
+            <pc:docMk/>
+            <pc:sldMk cId="3624803210" sldId="7065"/>
+            <ac:spMk id="131" creationId="{4F9195A5-AF64-420D-936D-EDBDF363366C}"/>
+          </ac:spMkLst>
+        </pc:spChg>
+        <pc:spChg chg="add mod">
+          <ac:chgData name="Liu, Changsheng A." userId="877438ce-3489-4027-b8c0-4bd167ef53d0" providerId="ADAL" clId="{35AB68C3-AADD-4C6C-B90D-EE9085003035}" dt="2020-06-01T04:41:55.416" v="448" actId="1076"/>
+          <ac:spMkLst>
+            <pc:docMk/>
+            <pc:sldMk cId="3624803210" sldId="7065"/>
+            <ac:spMk id="132" creationId="{09FE3130-6CBF-4B62-A986-C4EFF7FE307F}"/>
+          </ac:spMkLst>
+        </pc:spChg>
+        <pc:spChg chg="add mod">
+          <ac:chgData name="Liu, Changsheng A." userId="877438ce-3489-4027-b8c0-4bd167ef53d0" providerId="ADAL" clId="{35AB68C3-AADD-4C6C-B90D-EE9085003035}" dt="2020-06-01T04:41:55.416" v="448" actId="1076"/>
+          <ac:spMkLst>
+            <pc:docMk/>
+            <pc:sldMk cId="3624803210" sldId="7065"/>
+            <ac:spMk id="133" creationId="{6E71A595-0713-49DB-9642-30B754F15B1B}"/>
+          </ac:spMkLst>
+        </pc:spChg>
+        <pc:spChg chg="add mod">
+          <ac:chgData name="Liu, Changsheng A." userId="877438ce-3489-4027-b8c0-4bd167ef53d0" providerId="ADAL" clId="{35AB68C3-AADD-4C6C-B90D-EE9085003035}" dt="2020-06-01T04:41:55.416" v="448" actId="1076"/>
+          <ac:spMkLst>
+            <pc:docMk/>
+            <pc:sldMk cId="3624803210" sldId="7065"/>
+            <ac:spMk id="134" creationId="{5E823B8A-6520-4406-9386-871DB3039303}"/>
+          </ac:spMkLst>
+        </pc:spChg>
+        <pc:spChg chg="add mod">
+          <ac:chgData name="Liu, Changsheng A." userId="877438ce-3489-4027-b8c0-4bd167ef53d0" providerId="ADAL" clId="{35AB68C3-AADD-4C6C-B90D-EE9085003035}" dt="2020-06-01T04:42:06.032" v="450" actId="20577"/>
+          <ac:spMkLst>
+            <pc:docMk/>
+            <pc:sldMk cId="3624803210" sldId="7065"/>
+            <ac:spMk id="135" creationId="{B68DE4DB-DFE8-4FC9-B714-07D9E649F71D}"/>
+          </ac:spMkLst>
+        </pc:spChg>
+        <pc:spChg chg="add mod">
+          <ac:chgData name="Liu, Changsheng A." userId="877438ce-3489-4027-b8c0-4bd167ef53d0" providerId="ADAL" clId="{35AB68C3-AADD-4C6C-B90D-EE9085003035}" dt="2020-06-01T04:41:55.416" v="448" actId="1076"/>
+          <ac:spMkLst>
+            <pc:docMk/>
+            <pc:sldMk cId="3624803210" sldId="7065"/>
+            <ac:spMk id="136" creationId="{B459B751-DBF5-4ABE-855B-C2B2A5473FD5}"/>
+          </ac:spMkLst>
+        </pc:spChg>
+        <pc:spChg chg="add mod">
+          <ac:chgData name="Liu, Changsheng A." userId="877438ce-3489-4027-b8c0-4bd167ef53d0" providerId="ADAL" clId="{35AB68C3-AADD-4C6C-B90D-EE9085003035}" dt="2020-06-01T04:41:55.416" v="448" actId="1076"/>
+          <ac:spMkLst>
+            <pc:docMk/>
+            <pc:sldMk cId="3624803210" sldId="7065"/>
+            <ac:spMk id="137" creationId="{75379FCD-8F53-4895-B489-0E1FFC8D0118}"/>
+          </ac:spMkLst>
+        </pc:spChg>
+        <pc:spChg chg="add mod">
+          <ac:chgData name="Liu, Changsheng A." userId="877438ce-3489-4027-b8c0-4bd167ef53d0" providerId="ADAL" clId="{35AB68C3-AADD-4C6C-B90D-EE9085003035}" dt="2020-06-01T04:41:55.416" v="448" actId="1076"/>
+          <ac:spMkLst>
+            <pc:docMk/>
+            <pc:sldMk cId="3624803210" sldId="7065"/>
+            <ac:spMk id="138" creationId="{7E22C88E-D969-42F3-8E4B-D3D886E2DF0A}"/>
+          </ac:spMkLst>
+        </pc:spChg>
+        <pc:spChg chg="add mod">
+          <ac:chgData name="Liu, Changsheng A." userId="877438ce-3489-4027-b8c0-4bd167ef53d0" providerId="ADAL" clId="{35AB68C3-AADD-4C6C-B90D-EE9085003035}" dt="2020-06-01T04:41:55.416" v="448" actId="1076"/>
+          <ac:spMkLst>
+            <pc:docMk/>
+            <pc:sldMk cId="3624803210" sldId="7065"/>
+            <ac:spMk id="139" creationId="{55584928-94C2-4A79-ADFD-404D60653844}"/>
+          </ac:spMkLst>
+        </pc:spChg>
+        <pc:spChg chg="add mod">
+          <ac:chgData name="Liu, Changsheng A." userId="877438ce-3489-4027-b8c0-4bd167ef53d0" providerId="ADAL" clId="{35AB68C3-AADD-4C6C-B90D-EE9085003035}" dt="2020-06-01T04:41:55.416" v="448" actId="1076"/>
+          <ac:spMkLst>
+            <pc:docMk/>
+            <pc:sldMk cId="3624803210" sldId="7065"/>
+            <ac:spMk id="140" creationId="{20548975-1E1B-4260-9213-DC974ED71EB2}"/>
+          </ac:spMkLst>
+        </pc:spChg>
+        <pc:spChg chg="add mod">
+          <ac:chgData name="Liu, Changsheng A." userId="877438ce-3489-4027-b8c0-4bd167ef53d0" providerId="ADAL" clId="{35AB68C3-AADD-4C6C-B90D-EE9085003035}" dt="2020-06-01T04:42:07.658" v="451" actId="20577"/>
+          <ac:spMkLst>
+            <pc:docMk/>
+            <pc:sldMk cId="3624803210" sldId="7065"/>
+            <ac:spMk id="141" creationId="{4268D7DC-C166-490D-89BC-8F6E76B22BF4}"/>
+          </ac:spMkLst>
+        </pc:spChg>
+        <pc:spChg chg="add mod">
+          <ac:chgData name="Liu, Changsheng A." userId="877438ce-3489-4027-b8c0-4bd167ef53d0" providerId="ADAL" clId="{35AB68C3-AADD-4C6C-B90D-EE9085003035}" dt="2020-06-01T04:43:03.856" v="492" actId="14100"/>
+          <ac:spMkLst>
+            <pc:docMk/>
+            <pc:sldMk cId="3624803210" sldId="7065"/>
+            <ac:spMk id="143" creationId="{D027D3CF-BC74-4B21-95C0-AB24D8EA394C}"/>
+          </ac:spMkLst>
+        </pc:spChg>
+        <pc:spChg chg="add mod">
+          <ac:chgData name="Liu, Changsheng A." userId="877438ce-3489-4027-b8c0-4bd167ef53d0" providerId="ADAL" clId="{35AB68C3-AADD-4C6C-B90D-EE9085003035}" dt="2020-06-01T04:43:06.503" v="493" actId="14100"/>
+          <ac:spMkLst>
+            <pc:docMk/>
+            <pc:sldMk cId="3624803210" sldId="7065"/>
+            <ac:spMk id="144" creationId="{057AAA7E-A201-4F37-BC46-72BE9BD8B75D}"/>
+          </ac:spMkLst>
+        </pc:spChg>
+        <pc:spChg chg="add del mod">
+          <ac:chgData name="Liu, Changsheng A." userId="877438ce-3489-4027-b8c0-4bd167ef53d0" providerId="ADAL" clId="{35AB68C3-AADD-4C6C-B90D-EE9085003035}" dt="2020-06-01T04:43:21.542" v="548" actId="478"/>
+          <ac:spMkLst>
+            <pc:docMk/>
+            <pc:sldMk cId="3624803210" sldId="7065"/>
+            <ac:spMk id="145" creationId="{D8010A55-4F01-46C8-B1C4-C9BBF84F2B6F}"/>
+          </ac:spMkLst>
+        </pc:spChg>
+        <pc:spChg chg="add del mod">
+          <ac:chgData name="Liu, Changsheng A." userId="877438ce-3489-4027-b8c0-4bd167ef53d0" providerId="ADAL" clId="{35AB68C3-AADD-4C6C-B90D-EE9085003035}" dt="2020-06-01T04:43:21.542" v="548" actId="478"/>
+          <ac:spMkLst>
+            <pc:docMk/>
+            <pc:sldMk cId="3624803210" sldId="7065"/>
+            <ac:spMk id="147" creationId="{34A71683-8807-447B-B82D-9D9CB1615669}"/>
+          </ac:spMkLst>
+        </pc:spChg>
+        <pc:spChg chg="add del mod">
+          <ac:chgData name="Liu, Changsheng A." userId="877438ce-3489-4027-b8c0-4bd167ef53d0" providerId="ADAL" clId="{35AB68C3-AADD-4C6C-B90D-EE9085003035}" dt="2020-06-01T04:43:21.542" v="548" actId="478"/>
+          <ac:spMkLst>
+            <pc:docMk/>
+            <pc:sldMk cId="3624803210" sldId="7065"/>
+            <ac:spMk id="148" creationId="{06698FCD-9D0B-444B-8EF5-4F3BC9989500}"/>
+          </ac:spMkLst>
+        </pc:spChg>
+        <pc:spChg chg="add mod">
+          <ac:chgData name="Liu, Changsheng A." userId="877438ce-3489-4027-b8c0-4bd167ef53d0" providerId="ADAL" clId="{35AB68C3-AADD-4C6C-B90D-EE9085003035}" dt="2020-06-01T04:43:50.479" v="573" actId="14100"/>
+          <ac:spMkLst>
+            <pc:docMk/>
+            <pc:sldMk cId="3624803210" sldId="7065"/>
+            <ac:spMk id="149" creationId="{7AD20000-F972-4CC3-84BE-DA24CD4BD453}"/>
+          </ac:spMkLst>
+        </pc:spChg>
+        <pc:grpChg chg="add mod">
+          <ac:chgData name="Liu, Changsheng A." userId="877438ce-3489-4027-b8c0-4bd167ef53d0" providerId="ADAL" clId="{35AB68C3-AADD-4C6C-B90D-EE9085003035}" dt="2020-06-01T04:00:04.354" v="304" actId="1076"/>
+          <ac:grpSpMkLst>
+            <pc:docMk/>
+            <pc:sldMk cId="3624803210" sldId="7065"/>
+            <ac:grpSpMk id="70" creationId="{5BBA9151-CA60-480C-B47F-4D27E73879B3}"/>
+          </ac:grpSpMkLst>
+        </pc:grpChg>
+        <pc:grpChg chg="add del mod">
+          <ac:chgData name="Liu, Changsheng A." userId="877438ce-3489-4027-b8c0-4bd167ef53d0" providerId="ADAL" clId="{35AB68C3-AADD-4C6C-B90D-EE9085003035}" dt="2020-06-01T04:38:47.735" v="311" actId="165"/>
+          <ac:grpSpMkLst>
+            <pc:docMk/>
+            <pc:sldMk cId="3624803210" sldId="7065"/>
+            <ac:grpSpMk id="72" creationId="{5AB3140C-F394-4F5A-BBEC-F19616BCE2CD}"/>
+          </ac:grpSpMkLst>
+        </pc:grpChg>
+        <pc:graphicFrameChg chg="add del mod">
+          <ac:chgData name="Liu, Changsheng A." userId="877438ce-3489-4027-b8c0-4bd167ef53d0" providerId="ADAL" clId="{35AB68C3-AADD-4C6C-B90D-EE9085003035}" dt="2020-06-01T03:32:10.516" v="13" actId="478"/>
+          <ac:graphicFrameMkLst>
+            <pc:docMk/>
+            <pc:sldMk cId="3624803210" sldId="7065"/>
+            <ac:graphicFrameMk id="3" creationId="{6B5134B3-5BD1-47BE-B580-7AB7F6FB27F8}"/>
+          </ac:graphicFrameMkLst>
+        </pc:graphicFrameChg>
+        <pc:graphicFrameChg chg="add mod modGraphic">
+          <ac:chgData name="Liu, Changsheng A." userId="877438ce-3489-4027-b8c0-4bd167ef53d0" providerId="ADAL" clId="{35AB68C3-AADD-4C6C-B90D-EE9085003035}" dt="2020-06-01T04:10:50.378" v="308" actId="14100"/>
+          <ac:graphicFrameMkLst>
+            <pc:docMk/>
+            <pc:sldMk cId="3624803210" sldId="7065"/>
+            <ac:graphicFrameMk id="4" creationId="{6155957B-9638-40C1-A9BC-BE1BC7C9E984}"/>
+          </ac:graphicFrameMkLst>
+        </pc:graphicFrameChg>
+        <pc:graphicFrameChg chg="add del mod">
+          <ac:chgData name="Liu, Changsheng A." userId="877438ce-3489-4027-b8c0-4bd167ef53d0" providerId="ADAL" clId="{35AB68C3-AADD-4C6C-B90D-EE9085003035}" dt="2020-06-01T03:38:50.905" v="73" actId="478"/>
+          <ac:graphicFrameMkLst>
+            <pc:docMk/>
+            <pc:sldMk cId="3624803210" sldId="7065"/>
+            <ac:graphicFrameMk id="13" creationId="{C5FD9407-6364-45AE-A0A5-308AF89FB796}"/>
+          </ac:graphicFrameMkLst>
+        </pc:graphicFrameChg>
+        <pc:graphicFrameChg chg="add del mod modGraphic">
+          <ac:chgData name="Liu, Changsheng A." userId="877438ce-3489-4027-b8c0-4bd167ef53d0" providerId="ADAL" clId="{35AB68C3-AADD-4C6C-B90D-EE9085003035}" dt="2020-06-01T03:44:05.148" v="102" actId="478"/>
+          <ac:graphicFrameMkLst>
+            <pc:docMk/>
+            <pc:sldMk cId="3624803210" sldId="7065"/>
+            <ac:graphicFrameMk id="15" creationId="{9B41905D-4D4E-49B0-B14F-B9036AEEE888}"/>
+          </ac:graphicFrameMkLst>
+        </pc:graphicFrameChg>
+        <pc:graphicFrameChg chg="add del">
+          <ac:chgData name="Liu, Changsheng A." userId="877438ce-3489-4027-b8c0-4bd167ef53d0" providerId="ADAL" clId="{35AB68C3-AADD-4C6C-B90D-EE9085003035}" dt="2020-06-01T04:10:34.437" v="306"/>
+          <ac:graphicFrameMkLst>
+            <pc:docMk/>
+            <pc:sldMk cId="3624803210" sldId="7065"/>
+            <ac:graphicFrameMk id="71" creationId="{53886AAD-B07C-4686-9C20-3C62B9FDC2A0}"/>
+          </ac:graphicFrameMkLst>
+        </pc:graphicFrameChg>
+        <pc:cxnChg chg="add mod">
+          <ac:chgData name="Liu, Changsheng A." userId="877438ce-3489-4027-b8c0-4bd167ef53d0" providerId="ADAL" clId="{35AB68C3-AADD-4C6C-B90D-EE9085003035}" dt="2020-06-01T04:00:00.857" v="303" actId="164"/>
+          <ac:cxnSpMkLst>
+            <pc:docMk/>
+            <pc:sldMk cId="3624803210" sldId="7065"/>
+            <ac:cxnSpMk id="64" creationId="{9B801E2D-BCCB-43A2-B462-A9E7A0ECD55F}"/>
+          </ac:cxnSpMkLst>
+        </pc:cxnChg>
+        <pc:cxnChg chg="mod topLvl">
+          <ac:chgData name="Liu, Changsheng A." userId="877438ce-3489-4027-b8c0-4bd167ef53d0" providerId="ADAL" clId="{35AB68C3-AADD-4C6C-B90D-EE9085003035}" dt="2020-06-01T04:41:55.416" v="448" actId="1076"/>
+          <ac:cxnSpMkLst>
+            <pc:docMk/>
+            <pc:sldMk cId="3624803210" sldId="7065"/>
+            <ac:cxnSpMk id="109" creationId="{245FBB01-08FA-4811-9086-E7CE9FFFC97E}"/>
+          </ac:cxnSpMkLst>
+        </pc:cxnChg>
+        <pc:cxnChg chg="add del mod">
+          <ac:chgData name="Liu, Changsheng A." userId="877438ce-3489-4027-b8c0-4bd167ef53d0" providerId="ADAL" clId="{35AB68C3-AADD-4C6C-B90D-EE9085003035}" dt="2020-06-01T04:43:21.542" v="548" actId="478"/>
+          <ac:cxnSpMkLst>
+            <pc:docMk/>
+            <pc:sldMk cId="3624803210" sldId="7065"/>
+            <ac:cxnSpMk id="146" creationId="{C2306AD4-F50F-444E-9EF7-3C1EFECAD6A8}"/>
+          </ac:cxnSpMkLst>
+        </pc:cxnChg>
+      </pc:sldChg>
+      <pc:sldChg chg="add ord modTransition">
+        <pc:chgData name="Liu, Changsheng A." userId="877438ce-3489-4027-b8c0-4bd167ef53d0" providerId="ADAL" clId="{35AB68C3-AADD-4C6C-B90D-EE9085003035}" dt="2020-06-01T05:44:31.546" v="1075"/>
+        <pc:sldMkLst>
+          <pc:docMk/>
+          <pc:sldMk cId="3511397984" sldId="7071"/>
+        </pc:sldMkLst>
+      </pc:sldChg>
+      <pc:sldChg chg="addSp delSp modSp add">
+        <pc:chgData name="Liu, Changsheng A." userId="877438ce-3489-4027-b8c0-4bd167ef53d0" providerId="ADAL" clId="{35AB68C3-AADD-4C6C-B90D-EE9085003035}" dt="2020-06-01T05:48:05.710" v="1085" actId="113"/>
+        <pc:sldMkLst>
+          <pc:docMk/>
+          <pc:sldMk cId="2729856478" sldId="7072"/>
+        </pc:sldMkLst>
+        <pc:spChg chg="add del mod">
+          <ac:chgData name="Liu, Changsheng A." userId="877438ce-3489-4027-b8c0-4bd167ef53d0" providerId="ADAL" clId="{35AB68C3-AADD-4C6C-B90D-EE9085003035}" dt="2020-06-01T05:24:28.323" v="655" actId="478"/>
+          <ac:spMkLst>
+            <pc:docMk/>
+            <pc:sldMk cId="2729856478" sldId="7072"/>
+            <ac:spMk id="5" creationId="{C32D9D65-F9A5-4A48-A65F-9BD1E31D47B4}"/>
+          </ac:spMkLst>
+        </pc:spChg>
+        <pc:spChg chg="add mod">
+          <ac:chgData name="Liu, Changsheng A." userId="877438ce-3489-4027-b8c0-4bd167ef53d0" providerId="ADAL" clId="{35AB68C3-AADD-4C6C-B90D-EE9085003035}" dt="2020-06-01T05:42:29.002" v="1028" actId="1076"/>
+          <ac:spMkLst>
+            <pc:docMk/>
+            <pc:sldMk cId="2729856478" sldId="7072"/>
+            <ac:spMk id="10" creationId="{4D9B5909-B820-4B3C-8F02-83CB81D8980F}"/>
+          </ac:spMkLst>
+        </pc:spChg>
+        <pc:spChg chg="mod">
+          <ac:chgData name="Liu, Changsheng A." userId="877438ce-3489-4027-b8c0-4bd167ef53d0" providerId="ADAL" clId="{35AB68C3-AADD-4C6C-B90D-EE9085003035}" dt="2020-06-01T05:36:41.392" v="933" actId="1076"/>
+          <ac:spMkLst>
+            <pc:docMk/>
+            <pc:sldMk cId="2729856478" sldId="7072"/>
+            <ac:spMk id="24" creationId="{1427C411-8467-4EC1-AFF2-82A3435FA2B7}"/>
+          </ac:spMkLst>
+        </pc:spChg>
+        <pc:spChg chg="mod">
+          <ac:chgData name="Liu, Changsheng A." userId="877438ce-3489-4027-b8c0-4bd167ef53d0" providerId="ADAL" clId="{35AB68C3-AADD-4C6C-B90D-EE9085003035}" dt="2020-06-01T05:42:18.607" v="1027" actId="1076"/>
+          <ac:spMkLst>
+            <pc:docMk/>
+            <pc:sldMk cId="2729856478" sldId="7072"/>
+            <ac:spMk id="69" creationId="{5C141EF5-7E35-41E5-A919-CFA9081F5113}"/>
+          </ac:spMkLst>
+        </pc:spChg>
+        <pc:spChg chg="del">
+          <ac:chgData name="Liu, Changsheng A." userId="877438ce-3489-4027-b8c0-4bd167ef53d0" providerId="ADAL" clId="{35AB68C3-AADD-4C6C-B90D-EE9085003035}" dt="2020-06-01T05:19:53.228" v="575" actId="478"/>
+          <ac:spMkLst>
+            <pc:docMk/>
+            <pc:sldMk cId="2729856478" sldId="7072"/>
+            <ac:spMk id="73" creationId="{C918EAA6-9C07-44DC-B5F9-5F54AD289D5F}"/>
+          </ac:spMkLst>
+        </pc:spChg>
+        <pc:spChg chg="del">
+          <ac:chgData name="Liu, Changsheng A." userId="877438ce-3489-4027-b8c0-4bd167ef53d0" providerId="ADAL" clId="{35AB68C3-AADD-4C6C-B90D-EE9085003035}" dt="2020-06-01T05:19:53.228" v="575" actId="478"/>
+          <ac:spMkLst>
+            <pc:docMk/>
+            <pc:sldMk cId="2729856478" sldId="7072"/>
+            <ac:spMk id="74" creationId="{D1F19961-839A-43D0-9FD8-934DBF59A518}"/>
+          </ac:spMkLst>
+        </pc:spChg>
+        <pc:spChg chg="del">
+          <ac:chgData name="Liu, Changsheng A." userId="877438ce-3489-4027-b8c0-4bd167ef53d0" providerId="ADAL" clId="{35AB68C3-AADD-4C6C-B90D-EE9085003035}" dt="2020-06-01T05:19:53.228" v="575" actId="478"/>
+          <ac:spMkLst>
+            <pc:docMk/>
+            <pc:sldMk cId="2729856478" sldId="7072"/>
+            <ac:spMk id="75" creationId="{3D367AA3-8A5B-4703-8C98-B36A6627FC27}"/>
+          </ac:spMkLst>
+        </pc:spChg>
+        <pc:spChg chg="del">
+          <ac:chgData name="Liu, Changsheng A." userId="877438ce-3489-4027-b8c0-4bd167ef53d0" providerId="ADAL" clId="{35AB68C3-AADD-4C6C-B90D-EE9085003035}" dt="2020-06-01T05:19:53.228" v="575" actId="478"/>
+          <ac:spMkLst>
+            <pc:docMk/>
+            <pc:sldMk cId="2729856478" sldId="7072"/>
+            <ac:spMk id="76" creationId="{632CDAA2-F648-4C21-90FD-9B7D15758DFA}"/>
+          </ac:spMkLst>
+        </pc:spChg>
+        <pc:spChg chg="del">
+          <ac:chgData name="Liu, Changsheng A." userId="877438ce-3489-4027-b8c0-4bd167ef53d0" providerId="ADAL" clId="{35AB68C3-AADD-4C6C-B90D-EE9085003035}" dt="2020-06-01T05:19:53.228" v="575" actId="478"/>
+          <ac:spMkLst>
+            <pc:docMk/>
+            <pc:sldMk cId="2729856478" sldId="7072"/>
+            <ac:spMk id="77" creationId="{52A56CA4-BDEE-4E2D-BDAB-C12EEF19D873}"/>
+          </ac:spMkLst>
+        </pc:spChg>
+        <pc:spChg chg="del">
+          <ac:chgData name="Liu, Changsheng A." userId="877438ce-3489-4027-b8c0-4bd167ef53d0" providerId="ADAL" clId="{35AB68C3-AADD-4C6C-B90D-EE9085003035}" dt="2020-06-01T05:19:53.228" v="575" actId="478"/>
+          <ac:spMkLst>
+            <pc:docMk/>
+            <pc:sldMk cId="2729856478" sldId="7072"/>
+            <ac:spMk id="78" creationId="{66E78DA4-350B-42C6-8570-8B4AD41EDB73}"/>
+          </ac:spMkLst>
+        </pc:spChg>
+        <pc:spChg chg="del">
+          <ac:chgData name="Liu, Changsheng A." userId="877438ce-3489-4027-b8c0-4bd167ef53d0" providerId="ADAL" clId="{35AB68C3-AADD-4C6C-B90D-EE9085003035}" dt="2020-06-01T05:19:53.228" v="575" actId="478"/>
+          <ac:spMkLst>
+            <pc:docMk/>
+            <pc:sldMk cId="2729856478" sldId="7072"/>
+            <ac:spMk id="79" creationId="{B5671556-0C6A-45EF-87FB-B0F88B95FAC7}"/>
+          </ac:spMkLst>
+        </pc:spChg>
+        <pc:spChg chg="del">
+          <ac:chgData name="Liu, Changsheng A." userId="877438ce-3489-4027-b8c0-4bd167ef53d0" providerId="ADAL" clId="{35AB68C3-AADD-4C6C-B90D-EE9085003035}" dt="2020-06-01T05:19:53.228" v="575" actId="478"/>
+          <ac:spMkLst>
+            <pc:docMk/>
+            <pc:sldMk cId="2729856478" sldId="7072"/>
+            <ac:spMk id="80" creationId="{7213AE2C-9566-4E7C-8AEE-A752BADAB975}"/>
+          </ac:spMkLst>
+        </pc:spChg>
+        <pc:spChg chg="del">
+          <ac:chgData name="Liu, Changsheng A." userId="877438ce-3489-4027-b8c0-4bd167ef53d0" providerId="ADAL" clId="{35AB68C3-AADD-4C6C-B90D-EE9085003035}" dt="2020-06-01T05:19:53.228" v="575" actId="478"/>
+          <ac:spMkLst>
+            <pc:docMk/>
+            <pc:sldMk cId="2729856478" sldId="7072"/>
+            <ac:spMk id="81" creationId="{29E3C2BA-59C3-4C8C-A577-14F68BEBF182}"/>
+          </ac:spMkLst>
+        </pc:spChg>
+        <pc:spChg chg="del">
+          <ac:chgData name="Liu, Changsheng A." userId="877438ce-3489-4027-b8c0-4bd167ef53d0" providerId="ADAL" clId="{35AB68C3-AADD-4C6C-B90D-EE9085003035}" dt="2020-06-01T05:19:53.228" v="575" actId="478"/>
+          <ac:spMkLst>
+            <pc:docMk/>
+            <pc:sldMk cId="2729856478" sldId="7072"/>
+            <ac:spMk id="82" creationId="{2D00894F-720F-4D3B-9464-F5F7737E993E}"/>
+          </ac:spMkLst>
+        </pc:spChg>
+        <pc:spChg chg="del">
+          <ac:chgData name="Liu, Changsheng A." userId="877438ce-3489-4027-b8c0-4bd167ef53d0" providerId="ADAL" clId="{35AB68C3-AADD-4C6C-B90D-EE9085003035}" dt="2020-06-01T05:19:53.228" v="575" actId="478"/>
+          <ac:spMkLst>
+            <pc:docMk/>
+            <pc:sldMk cId="2729856478" sldId="7072"/>
+            <ac:spMk id="83" creationId="{A58D68DE-3B0F-40E2-942C-205EF9955733}"/>
+          </ac:spMkLst>
+        </pc:spChg>
+        <pc:spChg chg="del">
+          <ac:chgData name="Liu, Changsheng A." userId="877438ce-3489-4027-b8c0-4bd167ef53d0" providerId="ADAL" clId="{35AB68C3-AADD-4C6C-B90D-EE9085003035}" dt="2020-06-01T05:19:53.228" v="575" actId="478"/>
+          <ac:spMkLst>
+            <pc:docMk/>
+            <pc:sldMk cId="2729856478" sldId="7072"/>
+            <ac:spMk id="84" creationId="{A2406DB4-EC22-4584-8F6E-422D91D953B8}"/>
+          </ac:spMkLst>
+        </pc:spChg>
+        <pc:spChg chg="del">
+          <ac:chgData name="Liu, Changsheng A." userId="877438ce-3489-4027-b8c0-4bd167ef53d0" providerId="ADAL" clId="{35AB68C3-AADD-4C6C-B90D-EE9085003035}" dt="2020-06-01T05:19:53.228" v="575" actId="478"/>
+          <ac:spMkLst>
+            <pc:docMk/>
+            <pc:sldMk cId="2729856478" sldId="7072"/>
+            <ac:spMk id="85" creationId="{C2FFB4AE-ECEF-4F25-8FD4-25E26A11547E}"/>
+          </ac:spMkLst>
+        </pc:spChg>
+        <pc:spChg chg="del">
+          <ac:chgData name="Liu, Changsheng A." userId="877438ce-3489-4027-b8c0-4bd167ef53d0" providerId="ADAL" clId="{35AB68C3-AADD-4C6C-B90D-EE9085003035}" dt="2020-06-01T05:19:53.228" v="575" actId="478"/>
+          <ac:spMkLst>
+            <pc:docMk/>
+            <pc:sldMk cId="2729856478" sldId="7072"/>
+            <ac:spMk id="86" creationId="{9FCD27C7-B18C-4208-A08B-9A0E2F4005C9}"/>
+          </ac:spMkLst>
+        </pc:spChg>
+        <pc:spChg chg="del">
+          <ac:chgData name="Liu, Changsheng A." userId="877438ce-3489-4027-b8c0-4bd167ef53d0" providerId="ADAL" clId="{35AB68C3-AADD-4C6C-B90D-EE9085003035}" dt="2020-06-01T05:19:53.228" v="575" actId="478"/>
+          <ac:spMkLst>
+            <pc:docMk/>
+            <pc:sldMk cId="2729856478" sldId="7072"/>
+            <ac:spMk id="87" creationId="{95C96DFC-F507-40E2-980A-BD1D399C1716}"/>
+          </ac:spMkLst>
+        </pc:spChg>
+        <pc:spChg chg="del">
+          <ac:chgData name="Liu, Changsheng A." userId="877438ce-3489-4027-b8c0-4bd167ef53d0" providerId="ADAL" clId="{35AB68C3-AADD-4C6C-B90D-EE9085003035}" dt="2020-06-01T05:19:53.228" v="575" actId="478"/>
+          <ac:spMkLst>
+            <pc:docMk/>
+            <pc:sldMk cId="2729856478" sldId="7072"/>
+            <ac:spMk id="88" creationId="{C610D9EB-1277-45E9-8B63-0A6F93A2F4D9}"/>
+          </ac:spMkLst>
+        </pc:spChg>
+        <pc:spChg chg="del">
+          <ac:chgData name="Liu, Changsheng A." userId="877438ce-3489-4027-b8c0-4bd167ef53d0" providerId="ADAL" clId="{35AB68C3-AADD-4C6C-B90D-EE9085003035}" dt="2020-06-01T05:19:53.228" v="575" actId="478"/>
+          <ac:spMkLst>
+            <pc:docMk/>
+            <pc:sldMk cId="2729856478" sldId="7072"/>
+            <ac:spMk id="89" creationId="{15CBC2C3-9963-430E-A4F3-AEFBD069FDF4}"/>
+          </ac:spMkLst>
+        </pc:spChg>
+        <pc:spChg chg="del">
+          <ac:chgData name="Liu, Changsheng A." userId="877438ce-3489-4027-b8c0-4bd167ef53d0" providerId="ADAL" clId="{35AB68C3-AADD-4C6C-B90D-EE9085003035}" dt="2020-06-01T05:19:53.228" v="575" actId="478"/>
+          <ac:spMkLst>
+            <pc:docMk/>
+            <pc:sldMk cId="2729856478" sldId="7072"/>
+            <ac:spMk id="90" creationId="{85C4D1C7-71E6-4458-9F8C-5A46B68FBCEE}"/>
+          </ac:spMkLst>
+        </pc:spChg>
+        <pc:spChg chg="del">
+          <ac:chgData name="Liu, Changsheng A." userId="877438ce-3489-4027-b8c0-4bd167ef53d0" providerId="ADAL" clId="{35AB68C3-AADD-4C6C-B90D-EE9085003035}" dt="2020-06-01T05:19:53.228" v="575" actId="478"/>
+          <ac:spMkLst>
+            <pc:docMk/>
+            <pc:sldMk cId="2729856478" sldId="7072"/>
+            <ac:spMk id="91" creationId="{E9698AC7-C2D2-4CF6-B338-2A6BD4A9D0C5}"/>
+          </ac:spMkLst>
+        </pc:spChg>
+        <pc:spChg chg="del">
+          <ac:chgData name="Liu, Changsheng A." userId="877438ce-3489-4027-b8c0-4bd167ef53d0" providerId="ADAL" clId="{35AB68C3-AADD-4C6C-B90D-EE9085003035}" dt="2020-06-01T05:19:53.228" v="575" actId="478"/>
+          <ac:spMkLst>
+            <pc:docMk/>
+            <pc:sldMk cId="2729856478" sldId="7072"/>
+            <ac:spMk id="92" creationId="{474ACA4C-7E97-4885-BBE8-E8919C772130}"/>
+          </ac:spMkLst>
+        </pc:spChg>
+        <pc:spChg chg="del">
+          <ac:chgData name="Liu, Changsheng A." userId="877438ce-3489-4027-b8c0-4bd167ef53d0" providerId="ADAL" clId="{35AB68C3-AADD-4C6C-B90D-EE9085003035}" dt="2020-06-01T05:19:53.228" v="575" actId="478"/>
+          <ac:spMkLst>
+            <pc:docMk/>
+            <pc:sldMk cId="2729856478" sldId="7072"/>
+            <ac:spMk id="93" creationId="{2A91439D-1490-46AE-A0E5-1C26B48D69B3}"/>
+          </ac:spMkLst>
+        </pc:spChg>
+        <pc:spChg chg="del">
+          <ac:chgData name="Liu, Changsheng A." userId="877438ce-3489-4027-b8c0-4bd167ef53d0" providerId="ADAL" clId="{35AB68C3-AADD-4C6C-B90D-EE9085003035}" dt="2020-06-01T05:19:53.228" v="575" actId="478"/>
+          <ac:spMkLst>
+            <pc:docMk/>
+            <pc:sldMk cId="2729856478" sldId="7072"/>
+            <ac:spMk id="94" creationId="{37841FF5-848E-4BE6-B744-02FF44D8C7B9}"/>
+          </ac:spMkLst>
+        </pc:spChg>
+        <pc:spChg chg="del">
+          <ac:chgData name="Liu, Changsheng A." userId="877438ce-3489-4027-b8c0-4bd167ef53d0" providerId="ADAL" clId="{35AB68C3-AADD-4C6C-B90D-EE9085003035}" dt="2020-06-01T05:19:53.228" v="575" actId="478"/>
+          <ac:spMkLst>
+            <pc:docMk/>
+            <pc:sldMk cId="2729856478" sldId="7072"/>
+            <ac:spMk id="95" creationId="{FE396CCE-AAC0-4301-8301-833303B2454A}"/>
+          </ac:spMkLst>
+        </pc:spChg>
+        <pc:spChg chg="del">
+          <ac:chgData name="Liu, Changsheng A." userId="877438ce-3489-4027-b8c0-4bd167ef53d0" providerId="ADAL" clId="{35AB68C3-AADD-4C6C-B90D-EE9085003035}" dt="2020-06-01T05:19:53.228" v="575" actId="478"/>
+          <ac:spMkLst>
+            <pc:docMk/>
+            <pc:sldMk cId="2729856478" sldId="7072"/>
+            <ac:spMk id="96" creationId="{82C90A6D-3A2A-401A-93CF-DD1D728AE27B}"/>
+          </ac:spMkLst>
+        </pc:spChg>
+        <pc:spChg chg="del">
+          <ac:chgData name="Liu, Changsheng A." userId="877438ce-3489-4027-b8c0-4bd167ef53d0" providerId="ADAL" clId="{35AB68C3-AADD-4C6C-B90D-EE9085003035}" dt="2020-06-01T05:19:53.228" v="575" actId="478"/>
+          <ac:spMkLst>
+            <pc:docMk/>
+            <pc:sldMk cId="2729856478" sldId="7072"/>
+            <ac:spMk id="97" creationId="{4B38D850-F70E-4603-839A-295746F2711E}"/>
+          </ac:spMkLst>
+        </pc:spChg>
+        <pc:spChg chg="del">
+          <ac:chgData name="Liu, Changsheng A." userId="877438ce-3489-4027-b8c0-4bd167ef53d0" providerId="ADAL" clId="{35AB68C3-AADD-4C6C-B90D-EE9085003035}" dt="2020-06-01T05:19:53.228" v="575" actId="478"/>
+          <ac:spMkLst>
+            <pc:docMk/>
+            <pc:sldMk cId="2729856478" sldId="7072"/>
+            <ac:spMk id="98" creationId="{DB54479E-F8FA-462A-961A-16654FCBCE68}"/>
+          </ac:spMkLst>
+        </pc:spChg>
+        <pc:spChg chg="del">
+          <ac:chgData name="Liu, Changsheng A." userId="877438ce-3489-4027-b8c0-4bd167ef53d0" providerId="ADAL" clId="{35AB68C3-AADD-4C6C-B90D-EE9085003035}" dt="2020-06-01T05:19:53.228" v="575" actId="478"/>
+          <ac:spMkLst>
+            <pc:docMk/>
+            <pc:sldMk cId="2729856478" sldId="7072"/>
+            <ac:spMk id="99" creationId="{40491FAE-A039-496F-A88E-AFEBE57D02EB}"/>
+          </ac:spMkLst>
+        </pc:spChg>
+        <pc:spChg chg="del">
+          <ac:chgData name="Liu, Changsheng A." userId="877438ce-3489-4027-b8c0-4bd167ef53d0" providerId="ADAL" clId="{35AB68C3-AADD-4C6C-B90D-EE9085003035}" dt="2020-06-01T05:19:53.228" v="575" actId="478"/>
+          <ac:spMkLst>
+            <pc:docMk/>
+            <pc:sldMk cId="2729856478" sldId="7072"/>
+            <ac:spMk id="100" creationId="{1CBF5D12-AABF-416A-B695-631B7C7E47C4}"/>
+          </ac:spMkLst>
+        </pc:spChg>
+        <pc:spChg chg="del">
+          <ac:chgData name="Liu, Changsheng A." userId="877438ce-3489-4027-b8c0-4bd167ef53d0" providerId="ADAL" clId="{35AB68C3-AADD-4C6C-B90D-EE9085003035}" dt="2020-06-01T05:19:53.228" v="575" actId="478"/>
+          <ac:spMkLst>
+            <pc:docMk/>
+            <pc:sldMk cId="2729856478" sldId="7072"/>
+            <ac:spMk id="101" creationId="{04FE3A28-9252-4C9F-967D-2D294E319BFC}"/>
+          </ac:spMkLst>
+        </pc:spChg>
+        <pc:spChg chg="del">
+          <ac:chgData name="Liu, Changsheng A." userId="877438ce-3489-4027-b8c0-4bd167ef53d0" providerId="ADAL" clId="{35AB68C3-AADD-4C6C-B90D-EE9085003035}" dt="2020-06-01T05:19:53.228" v="575" actId="478"/>
+          <ac:spMkLst>
+            <pc:docMk/>
+            <pc:sldMk cId="2729856478" sldId="7072"/>
+            <ac:spMk id="102" creationId="{160E5C33-D47D-47A8-8CC0-3EF71F7F82EE}"/>
+          </ac:spMkLst>
+        </pc:spChg>
+        <pc:spChg chg="del">
+          <ac:chgData name="Liu, Changsheng A." userId="877438ce-3489-4027-b8c0-4bd167ef53d0" providerId="ADAL" clId="{35AB68C3-AADD-4C6C-B90D-EE9085003035}" dt="2020-06-01T05:19:53.228" v="575" actId="478"/>
+          <ac:spMkLst>
+            <pc:docMk/>
+            <pc:sldMk cId="2729856478" sldId="7072"/>
+            <ac:spMk id="103" creationId="{89C6A33B-9CCE-4BF6-92F8-223136E86BAE}"/>
+          </ac:spMkLst>
+        </pc:spChg>
+        <pc:spChg chg="del">
+          <ac:chgData name="Liu, Changsheng A." userId="877438ce-3489-4027-b8c0-4bd167ef53d0" providerId="ADAL" clId="{35AB68C3-AADD-4C6C-B90D-EE9085003035}" dt="2020-06-01T05:19:53.228" v="575" actId="478"/>
+          <ac:spMkLst>
+            <pc:docMk/>
+            <pc:sldMk cId="2729856478" sldId="7072"/>
+            <ac:spMk id="104" creationId="{54A573E5-6491-4E0A-B530-C587C24BD2D8}"/>
+          </ac:spMkLst>
+        </pc:spChg>
+        <pc:spChg chg="del">
+          <ac:chgData name="Liu, Changsheng A." userId="877438ce-3489-4027-b8c0-4bd167ef53d0" providerId="ADAL" clId="{35AB68C3-AADD-4C6C-B90D-EE9085003035}" dt="2020-06-01T05:19:53.228" v="575" actId="478"/>
+          <ac:spMkLst>
+            <pc:docMk/>
+            <pc:sldMk cId="2729856478" sldId="7072"/>
+            <ac:spMk id="105" creationId="{ED125A6F-5662-4835-97BE-45B32B26858D}"/>
+          </ac:spMkLst>
+        </pc:spChg>
+        <pc:spChg chg="del">
+          <ac:chgData name="Liu, Changsheng A." userId="877438ce-3489-4027-b8c0-4bd167ef53d0" providerId="ADAL" clId="{35AB68C3-AADD-4C6C-B90D-EE9085003035}" dt="2020-06-01T05:19:53.228" v="575" actId="478"/>
+          <ac:spMkLst>
+            <pc:docMk/>
+            <pc:sldMk cId="2729856478" sldId="7072"/>
+            <ac:spMk id="106" creationId="{99D10CBF-0E1D-46C2-BA30-72539A224612}"/>
+          </ac:spMkLst>
+        </pc:spChg>
+        <pc:spChg chg="del">
+          <ac:chgData name="Liu, Changsheng A." userId="877438ce-3489-4027-b8c0-4bd167ef53d0" providerId="ADAL" clId="{35AB68C3-AADD-4C6C-B90D-EE9085003035}" dt="2020-06-01T05:19:53.228" v="575" actId="478"/>
+          <ac:spMkLst>
+            <pc:docMk/>
+            <pc:sldMk cId="2729856478" sldId="7072"/>
+            <ac:spMk id="107" creationId="{E9841B50-00AF-4DFD-B750-37D87FEE0781}"/>
+          </ac:spMkLst>
+        </pc:spChg>
+        <pc:spChg chg="del">
+          <ac:chgData name="Liu, Changsheng A." userId="877438ce-3489-4027-b8c0-4bd167ef53d0" providerId="ADAL" clId="{35AB68C3-AADD-4C6C-B90D-EE9085003035}" dt="2020-06-01T05:19:53.228" v="575" actId="478"/>
+          <ac:spMkLst>
+            <pc:docMk/>
+            <pc:sldMk cId="2729856478" sldId="7072"/>
+            <ac:spMk id="108" creationId="{8D621B53-54E3-4C27-938B-E9C70955B71F}"/>
+          </ac:spMkLst>
+        </pc:spChg>
+        <pc:spChg chg="del">
+          <ac:chgData name="Liu, Changsheng A." userId="877438ce-3489-4027-b8c0-4bd167ef53d0" providerId="ADAL" clId="{35AB68C3-AADD-4C6C-B90D-EE9085003035}" dt="2020-06-01T05:19:53.228" v="575" actId="478"/>
+          <ac:spMkLst>
+            <pc:docMk/>
+            <pc:sldMk cId="2729856478" sldId="7072"/>
+            <ac:spMk id="110" creationId="{714FBE2E-5B11-4823-BFC9-75F56BC840B5}"/>
+          </ac:spMkLst>
+        </pc:spChg>
+        <pc:spChg chg="del">
+          <ac:chgData name="Liu, Changsheng A." userId="877438ce-3489-4027-b8c0-4bd167ef53d0" providerId="ADAL" clId="{35AB68C3-AADD-4C6C-B90D-EE9085003035}" dt="2020-06-01T05:19:53.228" v="575" actId="478"/>
+          <ac:spMkLst>
+            <pc:docMk/>
+            <pc:sldMk cId="2729856478" sldId="7072"/>
+            <ac:spMk id="111" creationId="{547B5C38-A9AE-4689-BF62-BAC1F0E99A97}"/>
+          </ac:spMkLst>
+        </pc:spChg>
+        <pc:spChg chg="del">
+          <ac:chgData name="Liu, Changsheng A." userId="877438ce-3489-4027-b8c0-4bd167ef53d0" providerId="ADAL" clId="{35AB68C3-AADD-4C6C-B90D-EE9085003035}" dt="2020-06-01T05:19:53.228" v="575" actId="478"/>
+          <ac:spMkLst>
+            <pc:docMk/>
+            <pc:sldMk cId="2729856478" sldId="7072"/>
+            <ac:spMk id="112" creationId="{D4EFD47A-D98A-45E4-AF91-7501C47B75AA}"/>
+          </ac:spMkLst>
+        </pc:spChg>
+        <pc:spChg chg="del">
+          <ac:chgData name="Liu, Changsheng A." userId="877438ce-3489-4027-b8c0-4bd167ef53d0" providerId="ADAL" clId="{35AB68C3-AADD-4C6C-B90D-EE9085003035}" dt="2020-06-01T05:19:53.228" v="575" actId="478"/>
+          <ac:spMkLst>
+            <pc:docMk/>
+            <pc:sldMk cId="2729856478" sldId="7072"/>
+            <ac:spMk id="113" creationId="{793D7213-8B76-4FA2-B315-A319B3627314}"/>
+          </ac:spMkLst>
+        </pc:spChg>
+        <pc:spChg chg="del">
+          <ac:chgData name="Liu, Changsheng A." userId="877438ce-3489-4027-b8c0-4bd167ef53d0" providerId="ADAL" clId="{35AB68C3-AADD-4C6C-B90D-EE9085003035}" dt="2020-06-01T05:19:53.228" v="575" actId="478"/>
+          <ac:spMkLst>
+            <pc:docMk/>
+            <pc:sldMk cId="2729856478" sldId="7072"/>
+            <ac:spMk id="114" creationId="{ED2AC2BB-CDC0-4E31-9902-EFBBC86428B8}"/>
+          </ac:spMkLst>
+        </pc:spChg>
+        <pc:spChg chg="del">
+          <ac:chgData name="Liu, Changsheng A." userId="877438ce-3489-4027-b8c0-4bd167ef53d0" providerId="ADAL" clId="{35AB68C3-AADD-4C6C-B90D-EE9085003035}" dt="2020-06-01T05:19:53.228" v="575" actId="478"/>
+          <ac:spMkLst>
+            <pc:docMk/>
+            <pc:sldMk cId="2729856478" sldId="7072"/>
+            <ac:spMk id="115" creationId="{6CDA40B8-F4A0-4861-B72A-38E7B58A3F44}"/>
+          </ac:spMkLst>
+        </pc:spChg>
+        <pc:spChg chg="del">
+          <ac:chgData name="Liu, Changsheng A." userId="877438ce-3489-4027-b8c0-4bd167ef53d0" providerId="ADAL" clId="{35AB68C3-AADD-4C6C-B90D-EE9085003035}" dt="2020-06-01T05:19:53.228" v="575" actId="478"/>
+          <ac:spMkLst>
+            <pc:docMk/>
+            <pc:sldMk cId="2729856478" sldId="7072"/>
+            <ac:spMk id="116" creationId="{894C126A-BEA1-4F11-AC55-22E9DFAB53E7}"/>
+          </ac:spMkLst>
+        </pc:spChg>
+        <pc:spChg chg="del">
+          <ac:chgData name="Liu, Changsheng A." userId="877438ce-3489-4027-b8c0-4bd167ef53d0" providerId="ADAL" clId="{35AB68C3-AADD-4C6C-B90D-EE9085003035}" dt="2020-06-01T05:19:53.228" v="575" actId="478"/>
+          <ac:spMkLst>
+            <pc:docMk/>
+            <pc:sldMk cId="2729856478" sldId="7072"/>
+            <ac:spMk id="117" creationId="{C2A8819C-3381-4E57-AD93-22E41798B6EE}"/>
+          </ac:spMkLst>
+        </pc:spChg>
+        <pc:spChg chg="del">
+          <ac:chgData name="Liu, Changsheng A." userId="877438ce-3489-4027-b8c0-4bd167ef53d0" providerId="ADAL" clId="{35AB68C3-AADD-4C6C-B90D-EE9085003035}" dt="2020-06-01T05:19:53.228" v="575" actId="478"/>
+          <ac:spMkLst>
+            <pc:docMk/>
+            <pc:sldMk cId="2729856478" sldId="7072"/>
+            <ac:spMk id="118" creationId="{2622495D-1E42-43C8-AC19-A5D5F65DAB62}"/>
+          </ac:spMkLst>
+        </pc:spChg>
+        <pc:spChg chg="del">
+          <ac:chgData name="Liu, Changsheng A." userId="877438ce-3489-4027-b8c0-4bd167ef53d0" providerId="ADAL" clId="{35AB68C3-AADD-4C6C-B90D-EE9085003035}" dt="2020-06-01T05:19:53.228" v="575" actId="478"/>
+          <ac:spMkLst>
+            <pc:docMk/>
+            <pc:sldMk cId="2729856478" sldId="7072"/>
+            <ac:spMk id="119" creationId="{FC662C65-B179-454D-8BD0-D4BAB5FD98ED}"/>
+          </ac:spMkLst>
+        </pc:spChg>
+        <pc:spChg chg="del">
+          <ac:chgData name="Liu, Changsheng A." userId="877438ce-3489-4027-b8c0-4bd167ef53d0" providerId="ADAL" clId="{35AB68C3-AADD-4C6C-B90D-EE9085003035}" dt="2020-06-01T05:19:53.228" v="575" actId="478"/>
+          <ac:spMkLst>
+            <pc:docMk/>
+            <pc:sldMk cId="2729856478" sldId="7072"/>
+            <ac:spMk id="120" creationId="{0CBF8F5D-EBFA-4DB7-AEA6-5DE9CC1952D9}"/>
+          </ac:spMkLst>
+        </pc:spChg>
+        <pc:spChg chg="del">
+          <ac:chgData name="Liu, Changsheng A." userId="877438ce-3489-4027-b8c0-4bd167ef53d0" providerId="ADAL" clId="{35AB68C3-AADD-4C6C-B90D-EE9085003035}" dt="2020-06-01T05:19:53.228" v="575" actId="478"/>
+          <ac:spMkLst>
+            <pc:docMk/>
+            <pc:sldMk cId="2729856478" sldId="7072"/>
+            <ac:spMk id="121" creationId="{DAE7034C-64DD-4BC5-9C41-7E7AB97D6C68}"/>
+          </ac:spMkLst>
+        </pc:spChg>
+        <pc:spChg chg="del">
+          <ac:chgData name="Liu, Changsheng A." userId="877438ce-3489-4027-b8c0-4bd167ef53d0" providerId="ADAL" clId="{35AB68C3-AADD-4C6C-B90D-EE9085003035}" dt="2020-06-01T05:19:53.228" v="575" actId="478"/>
+          <ac:spMkLst>
+            <pc:docMk/>
+            <pc:sldMk cId="2729856478" sldId="7072"/>
+            <ac:spMk id="122" creationId="{51FAE396-2C07-4CAF-A018-EF6E49A62D6B}"/>
+          </ac:spMkLst>
+        </pc:spChg>
+        <pc:spChg chg="del">
+          <ac:chgData name="Liu, Changsheng A." userId="877438ce-3489-4027-b8c0-4bd167ef53d0" providerId="ADAL" clId="{35AB68C3-AADD-4C6C-B90D-EE9085003035}" dt="2020-06-01T05:19:53.228" v="575" actId="478"/>
+          <ac:spMkLst>
+            <pc:docMk/>
+            <pc:sldMk cId="2729856478" sldId="7072"/>
+            <ac:spMk id="123" creationId="{1A904466-5E80-4255-B766-D2B4011238DB}"/>
+          </ac:spMkLst>
+        </pc:spChg>
+        <pc:spChg chg="del">
+          <ac:chgData name="Liu, Changsheng A." userId="877438ce-3489-4027-b8c0-4bd167ef53d0" providerId="ADAL" clId="{35AB68C3-AADD-4C6C-B90D-EE9085003035}" dt="2020-06-01T05:19:53.228" v="575" actId="478"/>
+          <ac:spMkLst>
+            <pc:docMk/>
+            <pc:sldMk cId="2729856478" sldId="7072"/>
+            <ac:spMk id="124" creationId="{A036FA98-1031-4A32-9136-DFF6CB048146}"/>
+          </ac:spMkLst>
+        </pc:spChg>
+        <pc:spChg chg="del">
+          <ac:chgData name="Liu, Changsheng A." userId="877438ce-3489-4027-b8c0-4bd167ef53d0" providerId="ADAL" clId="{35AB68C3-AADD-4C6C-B90D-EE9085003035}" dt="2020-06-01T05:19:53.228" v="575" actId="478"/>
+          <ac:spMkLst>
+            <pc:docMk/>
+            <pc:sldMk cId="2729856478" sldId="7072"/>
+            <ac:spMk id="125" creationId="{9937ED0F-EE52-4C81-80B8-509FC8035FD3}"/>
+          </ac:spMkLst>
+        </pc:spChg>
+        <pc:spChg chg="del">
+          <ac:chgData name="Liu, Changsheng A." userId="877438ce-3489-4027-b8c0-4bd167ef53d0" providerId="ADAL" clId="{35AB68C3-AADD-4C6C-B90D-EE9085003035}" dt="2020-06-01T05:19:53.228" v="575" actId="478"/>
+          <ac:spMkLst>
+            <pc:docMk/>
+            <pc:sldMk cId="2729856478" sldId="7072"/>
+            <ac:spMk id="126" creationId="{ED64DE50-9A2F-469D-8A57-F146B167D905}"/>
+          </ac:spMkLst>
+        </pc:spChg>
+        <pc:spChg chg="del">
+          <ac:chgData name="Liu, Changsheng A." userId="877438ce-3489-4027-b8c0-4bd167ef53d0" providerId="ADAL" clId="{35AB68C3-AADD-4C6C-B90D-EE9085003035}" dt="2020-06-01T05:19:53.228" v="575" actId="478"/>
+          <ac:spMkLst>
+            <pc:docMk/>
+            <pc:sldMk cId="2729856478" sldId="7072"/>
+            <ac:spMk id="127" creationId="{ED8D19AD-27F5-44C4-B75F-E270EBD8FC55}"/>
+          </ac:spMkLst>
+        </pc:spChg>
+        <pc:spChg chg="del">
+          <ac:chgData name="Liu, Changsheng A." userId="877438ce-3489-4027-b8c0-4bd167ef53d0" providerId="ADAL" clId="{35AB68C3-AADD-4C6C-B90D-EE9085003035}" dt="2020-06-01T05:19:53.228" v="575" actId="478"/>
+          <ac:spMkLst>
+            <pc:docMk/>
+            <pc:sldMk cId="2729856478" sldId="7072"/>
+            <ac:spMk id="128" creationId="{4DC4A63D-19A4-46BC-86D6-16996397011B}"/>
+          </ac:spMkLst>
+        </pc:spChg>
+        <pc:spChg chg="del">
+          <ac:chgData name="Liu, Changsheng A." userId="877438ce-3489-4027-b8c0-4bd167ef53d0" providerId="ADAL" clId="{35AB68C3-AADD-4C6C-B90D-EE9085003035}" dt="2020-06-01T05:19:53.228" v="575" actId="478"/>
+          <ac:spMkLst>
+            <pc:docMk/>
+            <pc:sldMk cId="2729856478" sldId="7072"/>
+            <ac:spMk id="129" creationId="{705984BB-07A3-4E06-BBAC-BCE9E6DCBFF3}"/>
+          </ac:spMkLst>
+        </pc:spChg>
+        <pc:spChg chg="del">
+          <ac:chgData name="Liu, Changsheng A." userId="877438ce-3489-4027-b8c0-4bd167ef53d0" providerId="ADAL" clId="{35AB68C3-AADD-4C6C-B90D-EE9085003035}" dt="2020-06-01T05:19:53.228" v="575" actId="478"/>
+          <ac:spMkLst>
+            <pc:docMk/>
+            <pc:sldMk cId="2729856478" sldId="7072"/>
+            <ac:spMk id="130" creationId="{B0A627FC-B90A-4686-976E-D00E4CC3AF59}"/>
+          </ac:spMkLst>
+        </pc:spChg>
+        <pc:spChg chg="del">
+          <ac:chgData name="Liu, Changsheng A." userId="877438ce-3489-4027-b8c0-4bd167ef53d0" providerId="ADAL" clId="{35AB68C3-AADD-4C6C-B90D-EE9085003035}" dt="2020-06-01T05:19:53.228" v="575" actId="478"/>
+          <ac:spMkLst>
+            <pc:docMk/>
+            <pc:sldMk cId="2729856478" sldId="7072"/>
+            <ac:spMk id="131" creationId="{4F9195A5-AF64-420D-936D-EDBDF363366C}"/>
+          </ac:spMkLst>
+        </pc:spChg>
+        <pc:spChg chg="del">
+          <ac:chgData name="Liu, Changsheng A." userId="877438ce-3489-4027-b8c0-4bd167ef53d0" providerId="ADAL" clId="{35AB68C3-AADD-4C6C-B90D-EE9085003035}" dt="2020-06-01T05:19:53.228" v="575" actId="478"/>
+          <ac:spMkLst>
+            <pc:docMk/>
+            <pc:sldMk cId="2729856478" sldId="7072"/>
+            <ac:spMk id="132" creationId="{09FE3130-6CBF-4B62-A986-C4EFF7FE307F}"/>
+          </ac:spMkLst>
+        </pc:spChg>
+        <pc:spChg chg="del">
+          <ac:chgData name="Liu, Changsheng A." userId="877438ce-3489-4027-b8c0-4bd167ef53d0" providerId="ADAL" clId="{35AB68C3-AADD-4C6C-B90D-EE9085003035}" dt="2020-06-01T05:19:53.228" v="575" actId="478"/>
+          <ac:spMkLst>
+            <pc:docMk/>
+            <pc:sldMk cId="2729856478" sldId="7072"/>
+            <ac:spMk id="133" creationId="{6E71A595-0713-49DB-9642-30B754F15B1B}"/>
+          </ac:spMkLst>
+        </pc:spChg>
+        <pc:spChg chg="del">
+          <ac:chgData name="Liu, Changsheng A." userId="877438ce-3489-4027-b8c0-4bd167ef53d0" providerId="ADAL" clId="{35AB68C3-AADD-4C6C-B90D-EE9085003035}" dt="2020-06-01T05:19:53.228" v="575" actId="478"/>
+          <ac:spMkLst>
+            <pc:docMk/>
+            <pc:sldMk cId="2729856478" sldId="7072"/>
+            <ac:spMk id="134" creationId="{5E823B8A-6520-4406-9386-871DB3039303}"/>
+          </ac:spMkLst>
+        </pc:spChg>
+        <pc:spChg chg="del">
+          <ac:chgData name="Liu, Changsheng A." userId="877438ce-3489-4027-b8c0-4bd167ef53d0" providerId="ADAL" clId="{35AB68C3-AADD-4C6C-B90D-EE9085003035}" dt="2020-06-01T05:19:53.228" v="575" actId="478"/>
+          <ac:spMkLst>
+            <pc:docMk/>
+            <pc:sldMk cId="2729856478" sldId="7072"/>
+            <ac:spMk id="135" creationId="{B68DE4DB-DFE8-4FC9-B714-07D9E649F71D}"/>
+          </ac:spMkLst>
+        </pc:spChg>
+        <pc:spChg chg="del">
+          <ac:chgData name="Liu, Changsheng A." userId="877438ce-3489-4027-b8c0-4bd167ef53d0" providerId="ADAL" clId="{35AB68C3-AADD-4C6C-B90D-EE9085003035}" dt="2020-06-01T05:19:53.228" v="575" actId="478"/>
+          <ac:spMkLst>
+            <pc:docMk/>
+            <pc:sldMk cId="2729856478" sldId="7072"/>
+            <ac:spMk id="136" creationId="{B459B751-DBF5-4ABE-855B-C2B2A5473FD5}"/>
+          </ac:spMkLst>
+        </pc:spChg>
+        <pc:spChg chg="del">
+          <ac:chgData name="Liu, Changsheng A." userId="877438ce-3489-4027-b8c0-4bd167ef53d0" providerId="ADAL" clId="{35AB68C3-AADD-4C6C-B90D-EE9085003035}" dt="2020-06-01T05:19:53.228" v="575" actId="478"/>
+          <ac:spMkLst>
+            <pc:docMk/>
+            <pc:sldMk cId="2729856478" sldId="7072"/>
+            <ac:spMk id="137" creationId="{75379FCD-8F53-4895-B489-0E1FFC8D0118}"/>
+          </ac:spMkLst>
+        </pc:spChg>
+        <pc:spChg chg="del">
+          <ac:chgData name="Liu, Changsheng A." userId="877438ce-3489-4027-b8c0-4bd167ef53d0" providerId="ADAL" clId="{35AB68C3-AADD-4C6C-B90D-EE9085003035}" dt="2020-06-01T05:19:53.228" v="575" actId="478"/>
+          <ac:spMkLst>
+            <pc:docMk/>
+            <pc:sldMk cId="2729856478" sldId="7072"/>
+            <ac:spMk id="138" creationId="{7E22C88E-D969-42F3-8E4B-D3D886E2DF0A}"/>
+          </ac:spMkLst>
+        </pc:spChg>
+        <pc:spChg chg="del">
+          <ac:chgData name="Liu, Changsheng A." userId="877438ce-3489-4027-b8c0-4bd167ef53d0" providerId="ADAL" clId="{35AB68C3-AADD-4C6C-B90D-EE9085003035}" dt="2020-06-01T05:19:53.228" v="575" actId="478"/>
+          <ac:spMkLst>
+            <pc:docMk/>
+            <pc:sldMk cId="2729856478" sldId="7072"/>
+            <ac:spMk id="139" creationId="{55584928-94C2-4A79-ADFD-404D60653844}"/>
+          </ac:spMkLst>
+        </pc:spChg>
+        <pc:spChg chg="del">
+          <ac:chgData name="Liu, Changsheng A." userId="877438ce-3489-4027-b8c0-4bd167ef53d0" providerId="ADAL" clId="{35AB68C3-AADD-4C6C-B90D-EE9085003035}" dt="2020-06-01T05:19:53.228" v="575" actId="478"/>
+          <ac:spMkLst>
+            <pc:docMk/>
+            <pc:sldMk cId="2729856478" sldId="7072"/>
+            <ac:spMk id="140" creationId="{20548975-1E1B-4260-9213-DC974ED71EB2}"/>
+          </ac:spMkLst>
+        </pc:spChg>
+        <pc:spChg chg="del">
+          <ac:chgData name="Liu, Changsheng A." userId="877438ce-3489-4027-b8c0-4bd167ef53d0" providerId="ADAL" clId="{35AB68C3-AADD-4C6C-B90D-EE9085003035}" dt="2020-06-01T05:19:53.228" v="575" actId="478"/>
+          <ac:spMkLst>
+            <pc:docMk/>
+            <pc:sldMk cId="2729856478" sldId="7072"/>
+            <ac:spMk id="141" creationId="{4268D7DC-C166-490D-89BC-8F6E76B22BF4}"/>
+          </ac:spMkLst>
+        </pc:spChg>
+        <pc:spChg chg="add del mod">
+          <ac:chgData name="Liu, Changsheng A." userId="877438ce-3489-4027-b8c0-4bd167ef53d0" providerId="ADAL" clId="{35AB68C3-AADD-4C6C-B90D-EE9085003035}" dt="2020-06-01T05:20:25.842" v="581"/>
+          <ac:spMkLst>
+            <pc:docMk/>
+            <pc:sldMk cId="2729856478" sldId="7072"/>
+            <ac:spMk id="142" creationId="{5A0CD868-B78F-42A2-8C8A-07737332A4EF}"/>
+          </ac:spMkLst>
+        </pc:spChg>
+        <pc:spChg chg="del">
+          <ac:chgData name="Liu, Changsheng A." userId="877438ce-3489-4027-b8c0-4bd167ef53d0" providerId="ADAL" clId="{35AB68C3-AADD-4C6C-B90D-EE9085003035}" dt="2020-06-01T05:19:53.228" v="575" actId="478"/>
+          <ac:spMkLst>
+            <pc:docMk/>
+            <pc:sldMk cId="2729856478" sldId="7072"/>
+            <ac:spMk id="143" creationId="{D027D3CF-BC74-4B21-95C0-AB24D8EA394C}"/>
+          </ac:spMkLst>
+        </pc:spChg>
+        <pc:spChg chg="del">
+          <ac:chgData name="Liu, Changsheng A." userId="877438ce-3489-4027-b8c0-4bd167ef53d0" providerId="ADAL" clId="{35AB68C3-AADD-4C6C-B90D-EE9085003035}" dt="2020-06-01T05:19:53.228" v="575" actId="478"/>
+          <ac:spMkLst>
+            <pc:docMk/>
+            <pc:sldMk cId="2729856478" sldId="7072"/>
+            <ac:spMk id="144" creationId="{057AAA7E-A201-4F37-BC46-72BE9BD8B75D}"/>
+          </ac:spMkLst>
+        </pc:spChg>
+        <pc:spChg chg="add del mod">
+          <ac:chgData name="Liu, Changsheng A." userId="877438ce-3489-4027-b8c0-4bd167ef53d0" providerId="ADAL" clId="{35AB68C3-AADD-4C6C-B90D-EE9085003035}" dt="2020-06-01T05:20:25.842" v="581"/>
+          <ac:spMkLst>
+            <pc:docMk/>
+            <pc:sldMk cId="2729856478" sldId="7072"/>
+            <ac:spMk id="145" creationId="{1EC82E18-1C38-43BA-AA67-FCE15AC3D064}"/>
+          </ac:spMkLst>
+        </pc:spChg>
+        <pc:spChg chg="add del mod">
+          <ac:chgData name="Liu, Changsheng A." userId="877438ce-3489-4027-b8c0-4bd167ef53d0" providerId="ADAL" clId="{35AB68C3-AADD-4C6C-B90D-EE9085003035}" dt="2020-06-01T05:20:25.842" v="581"/>
+          <ac:spMkLst>
+            <pc:docMk/>
+            <pc:sldMk cId="2729856478" sldId="7072"/>
+            <ac:spMk id="146" creationId="{DA8250B3-2043-4847-8312-620296CA23A4}"/>
+          </ac:spMkLst>
+        </pc:spChg>
+        <pc:spChg chg="add del mod">
+          <ac:chgData name="Liu, Changsheng A." userId="877438ce-3489-4027-b8c0-4bd167ef53d0" providerId="ADAL" clId="{35AB68C3-AADD-4C6C-B90D-EE9085003035}" dt="2020-06-01T05:20:25.842" v="581"/>
+          <ac:spMkLst>
+            <pc:docMk/>
+            <pc:sldMk cId="2729856478" sldId="7072"/>
+            <ac:spMk id="147" creationId="{999874C7-C88D-462B-87A9-C49D91E7F0D2}"/>
+          </ac:spMkLst>
+        </pc:spChg>
+        <pc:spChg chg="add del mod">
+          <ac:chgData name="Liu, Changsheng A." userId="877438ce-3489-4027-b8c0-4bd167ef53d0" providerId="ADAL" clId="{35AB68C3-AADD-4C6C-B90D-EE9085003035}" dt="2020-06-01T05:20:25.842" v="581"/>
+          <ac:spMkLst>
+            <pc:docMk/>
+            <pc:sldMk cId="2729856478" sldId="7072"/>
+            <ac:spMk id="148" creationId="{53F9656B-52F0-495A-957B-18A4132569CC}"/>
+          </ac:spMkLst>
+        </pc:spChg>
+        <pc:spChg chg="del">
+          <ac:chgData name="Liu, Changsheng A." userId="877438ce-3489-4027-b8c0-4bd167ef53d0" providerId="ADAL" clId="{35AB68C3-AADD-4C6C-B90D-EE9085003035}" dt="2020-06-01T05:19:53.228" v="575" actId="478"/>
+          <ac:spMkLst>
+            <pc:docMk/>
+            <pc:sldMk cId="2729856478" sldId="7072"/>
+            <ac:spMk id="149" creationId="{7AD20000-F972-4CC3-84BE-DA24CD4BD453}"/>
+          </ac:spMkLst>
+        </pc:spChg>
+        <pc:spChg chg="add del mod">
+          <ac:chgData name="Liu, Changsheng A." userId="877438ce-3489-4027-b8c0-4bd167ef53d0" providerId="ADAL" clId="{35AB68C3-AADD-4C6C-B90D-EE9085003035}" dt="2020-06-01T05:24:37.096" v="659" actId="478"/>
+          <ac:spMkLst>
+            <pc:docMk/>
+            <pc:sldMk cId="2729856478" sldId="7072"/>
+            <ac:spMk id="150" creationId="{4C12926C-C9B3-4873-BB1F-C05497747AAC}"/>
+          </ac:spMkLst>
+        </pc:spChg>
+        <pc:spChg chg="add del mod">
+          <ac:chgData name="Liu, Changsheng A." userId="877438ce-3489-4027-b8c0-4bd167ef53d0" providerId="ADAL" clId="{35AB68C3-AADD-4C6C-B90D-EE9085003035}" dt="2020-06-01T05:24:37.722" v="660" actId="478"/>
+          <ac:spMkLst>
+            <pc:docMk/>
+            <pc:sldMk cId="2729856478" sldId="7072"/>
+            <ac:spMk id="151" creationId="{CB01E2F7-11FD-4E32-BCD0-48D3F99F9E34}"/>
+          </ac:spMkLst>
+        </pc:spChg>
+        <pc:spChg chg="add del mod">
+          <ac:chgData name="Liu, Changsheng A." userId="877438ce-3489-4027-b8c0-4bd167ef53d0" providerId="ADAL" clId="{35AB68C3-AADD-4C6C-B90D-EE9085003035}" dt="2020-06-01T05:24:38.428" v="661" actId="478"/>
+          <ac:spMkLst>
+            <pc:docMk/>
+            <pc:sldMk cId="2729856478" sldId="7072"/>
+            <ac:spMk id="152" creationId="{4406527A-080F-4511-91B8-37D3C131B631}"/>
+          </ac:spMkLst>
+        </pc:spChg>
+        <pc:spChg chg="add del mod">
+          <ac:chgData name="Liu, Changsheng A." userId="877438ce-3489-4027-b8c0-4bd167ef53d0" providerId="ADAL" clId="{35AB68C3-AADD-4C6C-B90D-EE9085003035}" dt="2020-06-01T05:24:39.145" v="662" actId="478"/>
+          <ac:spMkLst>
+            <pc:docMk/>
+            <pc:sldMk cId="2729856478" sldId="7072"/>
+            <ac:spMk id="153" creationId="{F5709649-4BB1-4C8D-BDBA-C75F4B28E050}"/>
+          </ac:spMkLst>
+        </pc:spChg>
+        <pc:spChg chg="add del mod">
+          <ac:chgData name="Liu, Changsheng A." userId="877438ce-3489-4027-b8c0-4bd167ef53d0" providerId="ADAL" clId="{35AB68C3-AADD-4C6C-B90D-EE9085003035}" dt="2020-06-01T05:24:39.846" v="663" actId="478"/>
+          <ac:spMkLst>
+            <pc:docMk/>
+            <pc:sldMk cId="2729856478" sldId="7072"/>
+            <ac:spMk id="154" creationId="{C9B8856B-AF4C-409D-9E60-72B5B28E3817}"/>
+          </ac:spMkLst>
+        </pc:spChg>
+        <pc:spChg chg="add mod ord topLvl">
+          <ac:chgData name="Liu, Changsheng A." userId="877438ce-3489-4027-b8c0-4bd167ef53d0" providerId="ADAL" clId="{35AB68C3-AADD-4C6C-B90D-EE9085003035}" dt="2020-06-01T05:48:05.710" v="1085" actId="113"/>
+          <ac:spMkLst>
+            <pc:docMk/>
+            <pc:sldMk cId="2729856478" sldId="7072"/>
+            <ac:spMk id="155" creationId="{6982A03D-8A4B-43BB-91E2-9159A662C013}"/>
+          </ac:spMkLst>
+        </pc:spChg>
+        <pc:spChg chg="add mod topLvl">
+          <ac:chgData name="Liu, Changsheng A." userId="877438ce-3489-4027-b8c0-4bd167ef53d0" providerId="ADAL" clId="{35AB68C3-AADD-4C6C-B90D-EE9085003035}" dt="2020-06-01T05:38:53.538" v="979" actId="165"/>
+          <ac:spMkLst>
+            <pc:docMk/>
+            <pc:sldMk cId="2729856478" sldId="7072"/>
+            <ac:spMk id="163" creationId="{CA1BAFED-5DDC-47B0-BD1C-D57A40700217}"/>
+          </ac:spMkLst>
+        </pc:spChg>
+        <pc:spChg chg="add mod topLvl">
+          <ac:chgData name="Liu, Changsheng A." userId="877438ce-3489-4027-b8c0-4bd167ef53d0" providerId="ADAL" clId="{35AB68C3-AADD-4C6C-B90D-EE9085003035}" dt="2020-06-01T05:38:53.538" v="979" actId="165"/>
+          <ac:spMkLst>
+            <pc:docMk/>
+            <pc:sldMk cId="2729856478" sldId="7072"/>
+            <ac:spMk id="164" creationId="{B4516EAE-17E2-4D0B-BB0B-D6B897412231}"/>
+          </ac:spMkLst>
+        </pc:spChg>
+        <pc:spChg chg="add mod topLvl">
+          <ac:chgData name="Liu, Changsheng A." userId="877438ce-3489-4027-b8c0-4bd167ef53d0" providerId="ADAL" clId="{35AB68C3-AADD-4C6C-B90D-EE9085003035}" dt="2020-06-01T05:38:53.538" v="979" actId="165"/>
+          <ac:spMkLst>
+            <pc:docMk/>
+            <pc:sldMk cId="2729856478" sldId="7072"/>
+            <ac:spMk id="165" creationId="{91F95AEF-9785-4B46-A061-AB38A8446185}"/>
+          </ac:spMkLst>
+        </pc:spChg>
+        <pc:spChg chg="add mod topLvl">
+          <ac:chgData name="Liu, Changsheng A." userId="877438ce-3489-4027-b8c0-4bd167ef53d0" providerId="ADAL" clId="{35AB68C3-AADD-4C6C-B90D-EE9085003035}" dt="2020-06-01T05:38:53.538" v="979" actId="165"/>
+          <ac:spMkLst>
+            <pc:docMk/>
+            <pc:sldMk cId="2729856478" sldId="7072"/>
+            <ac:spMk id="166" creationId="{97C91B7C-AE15-468F-AC9B-A9A2E55C20E1}"/>
+          </ac:spMkLst>
+        </pc:spChg>
+        <pc:spChg chg="add mod topLvl">
+          <ac:chgData name="Liu, Changsheng A." userId="877438ce-3489-4027-b8c0-4bd167ef53d0" providerId="ADAL" clId="{35AB68C3-AADD-4C6C-B90D-EE9085003035}" dt="2020-06-01T05:38:53.538" v="979" actId="165"/>
+          <ac:spMkLst>
+            <pc:docMk/>
+            <pc:sldMk cId="2729856478" sldId="7072"/>
+            <ac:spMk id="167" creationId="{6B408180-4917-4DB9-AC94-8DEACB234430}"/>
+          </ac:spMkLst>
+        </pc:spChg>
+        <pc:spChg chg="add mod topLvl">
+          <ac:chgData name="Liu, Changsheng A." userId="877438ce-3489-4027-b8c0-4bd167ef53d0" providerId="ADAL" clId="{35AB68C3-AADD-4C6C-B90D-EE9085003035}" dt="2020-06-01T05:38:53.538" v="979" actId="165"/>
+          <ac:spMkLst>
+            <pc:docMk/>
+            <pc:sldMk cId="2729856478" sldId="7072"/>
+            <ac:spMk id="169" creationId="{99A53870-5371-4C8A-A81D-276EE8EFBB7A}"/>
+          </ac:spMkLst>
+        </pc:spChg>
+        <pc:spChg chg="add mod topLvl">
+          <ac:chgData name="Liu, Changsheng A." userId="877438ce-3489-4027-b8c0-4bd167ef53d0" providerId="ADAL" clId="{35AB68C3-AADD-4C6C-B90D-EE9085003035}" dt="2020-06-01T05:38:53.538" v="979" actId="165"/>
+          <ac:spMkLst>
+            <pc:docMk/>
+            <pc:sldMk cId="2729856478" sldId="7072"/>
+            <ac:spMk id="170" creationId="{E18C2752-AB71-4B8B-A535-FCA9A9E361FE}"/>
+          </ac:spMkLst>
+        </pc:spChg>
+        <pc:spChg chg="add mod topLvl">
+          <ac:chgData name="Liu, Changsheng A." userId="877438ce-3489-4027-b8c0-4bd167ef53d0" providerId="ADAL" clId="{35AB68C3-AADD-4C6C-B90D-EE9085003035}" dt="2020-06-01T05:38:53.538" v="979" actId="165"/>
+          <ac:spMkLst>
+            <pc:docMk/>
+            <pc:sldMk cId="2729856478" sldId="7072"/>
+            <ac:spMk id="171" creationId="{7A9A740D-B213-46A1-AC27-9FD465A398A1}"/>
+          </ac:spMkLst>
+        </pc:spChg>
+        <pc:spChg chg="add mod topLvl">
+          <ac:chgData name="Liu, Changsheng A." userId="877438ce-3489-4027-b8c0-4bd167ef53d0" providerId="ADAL" clId="{35AB68C3-AADD-4C6C-B90D-EE9085003035}" dt="2020-06-01T05:38:53.538" v="979" actId="165"/>
+          <ac:spMkLst>
+            <pc:docMk/>
+            <pc:sldMk cId="2729856478" sldId="7072"/>
+            <ac:spMk id="172" creationId="{7F0957FE-EBB4-4908-9598-0A31BD7571C7}"/>
+          </ac:spMkLst>
+        </pc:spChg>
+        <pc:spChg chg="add mod topLvl">
+          <ac:chgData name="Liu, Changsheng A." userId="877438ce-3489-4027-b8c0-4bd167ef53d0" providerId="ADAL" clId="{35AB68C3-AADD-4C6C-B90D-EE9085003035}" dt="2020-06-01T05:38:53.538" v="979" actId="165"/>
+          <ac:spMkLst>
+            <pc:docMk/>
+            <pc:sldMk cId="2729856478" sldId="7072"/>
+            <ac:spMk id="173" creationId="{CFA64541-AEC5-4EA2-8A3D-0D45CD8687FF}"/>
+          </ac:spMkLst>
+        </pc:spChg>
+        <pc:spChg chg="add mod topLvl">
+          <ac:chgData name="Liu, Changsheng A." userId="877438ce-3489-4027-b8c0-4bd167ef53d0" providerId="ADAL" clId="{35AB68C3-AADD-4C6C-B90D-EE9085003035}" dt="2020-06-01T05:40:33.591" v="1019" actId="1035"/>
+          <ac:spMkLst>
+            <pc:docMk/>
+            <pc:sldMk cId="2729856478" sldId="7072"/>
+            <ac:spMk id="174" creationId="{92E56961-D660-475F-9B5B-B563A8DE9738}"/>
+          </ac:spMkLst>
+        </pc:spChg>
+        <pc:spChg chg="add mod topLvl">
+          <ac:chgData name="Liu, Changsheng A." userId="877438ce-3489-4027-b8c0-4bd167ef53d0" providerId="ADAL" clId="{35AB68C3-AADD-4C6C-B90D-EE9085003035}" dt="2020-06-01T05:40:31.988" v="1017" actId="1035"/>
+          <ac:spMkLst>
+            <pc:docMk/>
+            <pc:sldMk cId="2729856478" sldId="7072"/>
+            <ac:spMk id="175" creationId="{82DD84EE-4862-40E4-B96F-05774D7524F3}"/>
+          </ac:spMkLst>
+        </pc:spChg>
+        <pc:spChg chg="add mod">
+          <ac:chgData name="Liu, Changsheng A." userId="877438ce-3489-4027-b8c0-4bd167ef53d0" providerId="ADAL" clId="{35AB68C3-AADD-4C6C-B90D-EE9085003035}" dt="2020-06-01T05:37:38.473" v="969" actId="1076"/>
+          <ac:spMkLst>
+            <pc:docMk/>
+            <pc:sldMk cId="2729856478" sldId="7072"/>
+            <ac:spMk id="176" creationId="{FE8BBEC4-CC86-4720-9F7B-B3ED90B167B5}"/>
+          </ac:spMkLst>
+        </pc:spChg>
+        <pc:spChg chg="add mod">
+          <ac:chgData name="Liu, Changsheng A." userId="877438ce-3489-4027-b8c0-4bd167ef53d0" providerId="ADAL" clId="{35AB68C3-AADD-4C6C-B90D-EE9085003035}" dt="2020-06-01T05:46:15.751" v="1082" actId="113"/>
+          <ac:spMkLst>
+            <pc:docMk/>
+            <pc:sldMk cId="2729856478" sldId="7072"/>
+            <ac:spMk id="177" creationId="{F73C9FEE-6350-4F05-B744-92279F143778}"/>
+          </ac:spMkLst>
+        </pc:spChg>
+        <pc:spChg chg="add del">
+          <ac:chgData name="Liu, Changsheng A." userId="877438ce-3489-4027-b8c0-4bd167ef53d0" providerId="ADAL" clId="{35AB68C3-AADD-4C6C-B90D-EE9085003035}" dt="2020-06-01T05:46:14.694" v="1081"/>
+          <ac:spMkLst>
+            <pc:docMk/>
+            <pc:sldMk cId="2729856478" sldId="7072"/>
+            <ac:spMk id="178" creationId="{D6FF7610-9449-4B4A-9ECD-BF5C9D0B4262}"/>
+          </ac:spMkLst>
+        </pc:spChg>
+        <pc:grpChg chg="add del mod">
+          <ac:chgData name="Liu, Changsheng A." userId="877438ce-3489-4027-b8c0-4bd167ef53d0" providerId="ADAL" clId="{35AB68C3-AADD-4C6C-B90D-EE9085003035}" dt="2020-06-01T05:38:53.538" v="979" actId="165"/>
+          <ac:grpSpMkLst>
+            <pc:docMk/>
+            <pc:sldMk cId="2729856478" sldId="7072"/>
+            <ac:grpSpMk id="9" creationId="{D469497E-55AB-4B7C-A1E5-EA502777FE18}"/>
+          </ac:grpSpMkLst>
+        </pc:grpChg>
+        <pc:grpChg chg="mod">
+          <ac:chgData name="Liu, Changsheng A." userId="877438ce-3489-4027-b8c0-4bd167ef53d0" providerId="ADAL" clId="{35AB68C3-AADD-4C6C-B90D-EE9085003035}" dt="2020-06-01T05:42:18.607" v="1027" actId="1076"/>
+          <ac:grpSpMkLst>
+            <pc:docMk/>
+            <pc:sldMk cId="2729856478" sldId="7072"/>
+            <ac:grpSpMk id="70" creationId="{5BBA9151-CA60-480C-B47F-4D27E73879B3}"/>
+          </ac:grpSpMkLst>
+        </pc:grpChg>
+        <pc:graphicFrameChg chg="add mod topLvl">
+          <ac:chgData name="Liu, Changsheng A." userId="877438ce-3489-4027-b8c0-4bd167ef53d0" providerId="ADAL" clId="{35AB68C3-AADD-4C6C-B90D-EE9085003035}" dt="2020-06-01T05:42:49.272" v="1029" actId="12269"/>
+          <ac:graphicFrameMkLst>
+            <pc:docMk/>
+            <pc:sldMk cId="2729856478" sldId="7072"/>
+            <ac:graphicFrameMk id="3" creationId="{48812ECC-C370-4011-B626-AECE60B19270}"/>
+          </ac:graphicFrameMkLst>
+        </pc:graphicFrameChg>
+        <pc:graphicFrameChg chg="modGraphic">
+          <ac:chgData name="Liu, Changsheng A." userId="877438ce-3489-4027-b8c0-4bd167ef53d0" providerId="ADAL" clId="{35AB68C3-AADD-4C6C-B90D-EE9085003035}" dt="2020-06-01T05:46:45.095" v="1083" actId="207"/>
+          <ac:graphicFrameMkLst>
+            <pc:docMk/>
+            <pc:sldMk cId="2729856478" sldId="7072"/>
+            <ac:graphicFrameMk id="4" creationId="{6155957B-9638-40C1-A9BC-BE1BC7C9E984}"/>
+          </ac:graphicFrameMkLst>
+        </pc:graphicFrameChg>
+        <pc:cxnChg chg="del">
+          <ac:chgData name="Liu, Changsheng A." userId="877438ce-3489-4027-b8c0-4bd167ef53d0" providerId="ADAL" clId="{35AB68C3-AADD-4C6C-B90D-EE9085003035}" dt="2020-06-01T05:19:53.228" v="575" actId="478"/>
+          <ac:cxnSpMkLst>
+            <pc:docMk/>
+            <pc:sldMk cId="2729856478" sldId="7072"/>
+            <ac:cxnSpMk id="109" creationId="{245FBB01-08FA-4811-9086-E7CE9FFFC97E}"/>
+          </ac:cxnSpMkLst>
+        </pc:cxnChg>
+        <pc:cxnChg chg="add mod ord topLvl">
+          <ac:chgData name="Liu, Changsheng A." userId="877438ce-3489-4027-b8c0-4bd167ef53d0" providerId="ADAL" clId="{35AB68C3-AADD-4C6C-B90D-EE9085003035}" dt="2020-06-01T05:45:19.523" v="1078" actId="166"/>
+          <ac:cxnSpMkLst>
+            <pc:docMk/>
+            <pc:sldMk cId="2729856478" sldId="7072"/>
+            <ac:cxnSpMk id="156" creationId="{057354C6-0346-4CA3-A479-3477BEAE1DAB}"/>
+          </ac:cxnSpMkLst>
+        </pc:cxnChg>
+        <pc:cxnChg chg="add mod ord topLvl">
+          <ac:chgData name="Liu, Changsheng A." userId="877438ce-3489-4027-b8c0-4bd167ef53d0" providerId="ADAL" clId="{35AB68C3-AADD-4C6C-B90D-EE9085003035}" dt="2020-06-01T05:45:19.523" v="1078" actId="166"/>
+          <ac:cxnSpMkLst>
+            <pc:docMk/>
+            <pc:sldMk cId="2729856478" sldId="7072"/>
+            <ac:cxnSpMk id="157" creationId="{283245AB-D2A2-442F-AB6F-5C47867B2BDA}"/>
+          </ac:cxnSpMkLst>
+        </pc:cxnChg>
+        <pc:cxnChg chg="add mod ord topLvl">
+          <ac:chgData name="Liu, Changsheng A." userId="877438ce-3489-4027-b8c0-4bd167ef53d0" providerId="ADAL" clId="{35AB68C3-AADD-4C6C-B90D-EE9085003035}" dt="2020-06-01T05:45:19.523" v="1078" actId="166"/>
+          <ac:cxnSpMkLst>
+            <pc:docMk/>
+            <pc:sldMk cId="2729856478" sldId="7072"/>
+            <ac:cxnSpMk id="158" creationId="{55F60300-A651-44B0-9DF7-118B18A86167}"/>
+          </ac:cxnSpMkLst>
+        </pc:cxnChg>
+        <pc:cxnChg chg="add mod ord topLvl">
+          <ac:chgData name="Liu, Changsheng A." userId="877438ce-3489-4027-b8c0-4bd167ef53d0" providerId="ADAL" clId="{35AB68C3-AADD-4C6C-B90D-EE9085003035}" dt="2020-06-01T05:45:19.523" v="1078" actId="166"/>
+          <ac:cxnSpMkLst>
+            <pc:docMk/>
+            <pc:sldMk cId="2729856478" sldId="7072"/>
+            <ac:cxnSpMk id="159" creationId="{71E90A51-52B0-4AC3-82A9-35270E042A43}"/>
+          </ac:cxnSpMkLst>
+        </pc:cxnChg>
+        <pc:cxnChg chg="add mod ord topLvl">
+          <ac:chgData name="Liu, Changsheng A." userId="877438ce-3489-4027-b8c0-4bd167ef53d0" providerId="ADAL" clId="{35AB68C3-AADD-4C6C-B90D-EE9085003035}" dt="2020-06-01T05:45:19.523" v="1078" actId="166"/>
+          <ac:cxnSpMkLst>
+            <pc:docMk/>
+            <pc:sldMk cId="2729856478" sldId="7072"/>
+            <ac:cxnSpMk id="160" creationId="{5112B6FD-E24B-413E-98D1-F4B3771C9BCE}"/>
+          </ac:cxnSpMkLst>
+        </pc:cxnChg>
+        <pc:cxnChg chg="add mod ord topLvl">
+          <ac:chgData name="Liu, Changsheng A." userId="877438ce-3489-4027-b8c0-4bd167ef53d0" providerId="ADAL" clId="{35AB68C3-AADD-4C6C-B90D-EE9085003035}" dt="2020-06-01T05:45:19.523" v="1078" actId="166"/>
+          <ac:cxnSpMkLst>
+            <pc:docMk/>
+            <pc:sldMk cId="2729856478" sldId="7072"/>
+            <ac:cxnSpMk id="161" creationId="{0B4DB62A-5517-430A-94F5-0C22A7A10A28}"/>
+          </ac:cxnSpMkLst>
+        </pc:cxnChg>
+        <pc:cxnChg chg="add mod topLvl">
+          <ac:chgData name="Liu, Changsheng A." userId="877438ce-3489-4027-b8c0-4bd167ef53d0" providerId="ADAL" clId="{35AB68C3-AADD-4C6C-B90D-EE9085003035}" dt="2020-06-01T05:47:58.505" v="1084" actId="208"/>
+          <ac:cxnSpMkLst>
+            <pc:docMk/>
+            <pc:sldMk cId="2729856478" sldId="7072"/>
+            <ac:cxnSpMk id="162" creationId="{AFB8B8D4-EEE9-4B04-862C-D0A85B5AFA07}"/>
+          </ac:cxnSpMkLst>
+        </pc:cxnChg>
+        <pc:cxnChg chg="add mod topLvl">
+          <ac:chgData name="Liu, Changsheng A." userId="877438ce-3489-4027-b8c0-4bd167ef53d0" providerId="ADAL" clId="{35AB68C3-AADD-4C6C-B90D-EE9085003035}" dt="2020-06-01T05:44:55.287" v="1077" actId="692"/>
+          <ac:cxnSpMkLst>
+            <pc:docMk/>
+            <pc:sldMk cId="2729856478" sldId="7072"/>
+            <ac:cxnSpMk id="168" creationId="{4F63E910-D499-436F-B596-AEA1E239E922}"/>
+          </ac:cxnSpMkLst>
+        </pc:cxnChg>
+      </pc:sldChg>
+      <pc:sldChg chg="addSp delSp modSp add">
+        <pc:chgData name="Liu, Changsheng A." userId="877438ce-3489-4027-b8c0-4bd167ef53d0" providerId="ADAL" clId="{35AB68C3-AADD-4C6C-B90D-EE9085003035}" dt="2020-06-01T11:01:21.863" v="1344" actId="207"/>
+        <pc:sldMkLst>
+          <pc:docMk/>
+          <pc:sldMk cId="2078933728" sldId="7073"/>
+        </pc:sldMkLst>
+        <pc:spChg chg="add mod">
+          <ac:chgData name="Liu, Changsheng A." userId="877438ce-3489-4027-b8c0-4bd167ef53d0" providerId="ADAL" clId="{35AB68C3-AADD-4C6C-B90D-EE9085003035}" dt="2020-06-01T10:58:16.238" v="1338" actId="1076"/>
+          <ac:spMkLst>
+            <pc:docMk/>
+            <pc:sldMk cId="2078933728" sldId="7073"/>
+            <ac:spMk id="5" creationId="{AA98423E-8F40-4B2A-AC95-647A24DD16D8}"/>
+          </ac:spMkLst>
+        </pc:spChg>
+        <pc:spChg chg="mod">
+          <ac:chgData name="Liu, Changsheng A." userId="877438ce-3489-4027-b8c0-4bd167ef53d0" providerId="ADAL" clId="{35AB68C3-AADD-4C6C-B90D-EE9085003035}" dt="2020-06-01T10:47:33.285" v="1293" actId="1076"/>
+          <ac:spMkLst>
+            <pc:docMk/>
+            <pc:sldMk cId="2078933728" sldId="7073"/>
+            <ac:spMk id="10" creationId="{4D9B5909-B820-4B3C-8F02-83CB81D8980F}"/>
+          </ac:spMkLst>
+        </pc:spChg>
+        <pc:spChg chg="mod">
+          <ac:chgData name="Liu, Changsheng A." userId="877438ce-3489-4027-b8c0-4bd167ef53d0" providerId="ADAL" clId="{35AB68C3-AADD-4C6C-B90D-EE9085003035}" dt="2020-06-01T10:48:25.509" v="1302" actId="1076"/>
+          <ac:spMkLst>
+            <pc:docMk/>
+            <pc:sldMk cId="2078933728" sldId="7073"/>
+            <ac:spMk id="24" creationId="{1427C411-8467-4EC1-AFF2-82A3435FA2B7}"/>
+          </ac:spMkLst>
+        </pc:spChg>
+        <pc:spChg chg="mod topLvl">
+          <ac:chgData name="Liu, Changsheng A." userId="877438ce-3489-4027-b8c0-4bd167ef53d0" providerId="ADAL" clId="{35AB68C3-AADD-4C6C-B90D-EE9085003035}" dt="2020-06-01T10:41:04.721" v="1164" actId="1037"/>
+          <ac:spMkLst>
+            <pc:docMk/>
+            <pc:sldMk cId="2078933728" sldId="7073"/>
+            <ac:spMk id="27" creationId="{11738D7A-04CC-4EF5-85EA-BDE095A887FD}"/>
+          </ac:spMkLst>
+        </pc:spChg>
+        <pc:spChg chg="mod topLvl">
+          <ac:chgData name="Liu, Changsheng A." userId="877438ce-3489-4027-b8c0-4bd167ef53d0" providerId="ADAL" clId="{35AB68C3-AADD-4C6C-B90D-EE9085003035}" dt="2020-06-01T10:41:04.721" v="1164" actId="1037"/>
+          <ac:spMkLst>
+            <pc:docMk/>
+            <pc:sldMk cId="2078933728" sldId="7073"/>
+            <ac:spMk id="28" creationId="{647402D2-B8CB-46CB-8230-49DE19402AF3}"/>
+          </ac:spMkLst>
+        </pc:spChg>
+        <pc:spChg chg="mod topLvl">
+          <ac:chgData name="Liu, Changsheng A." userId="877438ce-3489-4027-b8c0-4bd167ef53d0" providerId="ADAL" clId="{35AB68C3-AADD-4C6C-B90D-EE9085003035}" dt="2020-06-01T10:41:04.721" v="1164" actId="1037"/>
+          <ac:spMkLst>
+            <pc:docMk/>
+            <pc:sldMk cId="2078933728" sldId="7073"/>
+            <ac:spMk id="29" creationId="{8E9C722A-B2BA-42B5-9B86-8CA59B700607}"/>
+          </ac:spMkLst>
+        </pc:spChg>
+        <pc:spChg chg="mod topLvl">
+          <ac:chgData name="Liu, Changsheng A." userId="877438ce-3489-4027-b8c0-4bd167ef53d0" providerId="ADAL" clId="{35AB68C3-AADD-4C6C-B90D-EE9085003035}" dt="2020-06-01T10:41:04.721" v="1164" actId="1037"/>
+          <ac:spMkLst>
+            <pc:docMk/>
+            <pc:sldMk cId="2078933728" sldId="7073"/>
+            <ac:spMk id="30" creationId="{8BCFEBA6-0EAC-473F-9E61-61E0E7D7E676}"/>
+          </ac:spMkLst>
+        </pc:spChg>
+        <pc:spChg chg="mod topLvl">
+          <ac:chgData name="Liu, Changsheng A." userId="877438ce-3489-4027-b8c0-4bd167ef53d0" providerId="ADAL" clId="{35AB68C3-AADD-4C6C-B90D-EE9085003035}" dt="2020-06-01T10:41:04.721" v="1164" actId="1037"/>
+          <ac:spMkLst>
+            <pc:docMk/>
+            <pc:sldMk cId="2078933728" sldId="7073"/>
+            <ac:spMk id="31" creationId="{832A4CF6-9CE5-4438-BA5C-AFD082F0C2F4}"/>
+          </ac:spMkLst>
+        </pc:spChg>
+        <pc:spChg chg="mod topLvl">
+          <ac:chgData name="Liu, Changsheng A." userId="877438ce-3489-4027-b8c0-4bd167ef53d0" providerId="ADAL" clId="{35AB68C3-AADD-4C6C-B90D-EE9085003035}" dt="2020-06-01T10:41:44.668" v="1217" actId="1035"/>
+          <ac:spMkLst>
+            <pc:docMk/>
+            <pc:sldMk cId="2078933728" sldId="7073"/>
+            <ac:spMk id="32" creationId="{71B31A1F-918C-43A4-AA7E-AFC6E6F24BDD}"/>
+          </ac:spMkLst>
+        </pc:spChg>
+        <pc:spChg chg="mod topLvl">
+          <ac:chgData name="Liu, Changsheng A." userId="877438ce-3489-4027-b8c0-4bd167ef53d0" providerId="ADAL" clId="{35AB68C3-AADD-4C6C-B90D-EE9085003035}" dt="2020-06-01T10:41:44.668" v="1217" actId="1035"/>
+          <ac:spMkLst>
+            <pc:docMk/>
+            <pc:sldMk cId="2078933728" sldId="7073"/>
+            <ac:spMk id="33" creationId="{EB5F6BFC-515D-409D-98C7-AE8F56A40405}"/>
+          </ac:spMkLst>
+        </pc:spChg>
+        <pc:spChg chg="mod topLvl">
+          <ac:chgData name="Liu, Changsheng A." userId="877438ce-3489-4027-b8c0-4bd167ef53d0" providerId="ADAL" clId="{35AB68C3-AADD-4C6C-B90D-EE9085003035}" dt="2020-06-01T10:41:44.668" v="1217" actId="1035"/>
+          <ac:spMkLst>
+            <pc:docMk/>
+            <pc:sldMk cId="2078933728" sldId="7073"/>
+            <ac:spMk id="34" creationId="{55E82AD3-D03E-478C-9A5F-F93F75E34F59}"/>
+          </ac:spMkLst>
+        </pc:spChg>
+        <pc:spChg chg="mod topLvl">
+          <ac:chgData name="Liu, Changsheng A." userId="877438ce-3489-4027-b8c0-4bd167ef53d0" providerId="ADAL" clId="{35AB68C3-AADD-4C6C-B90D-EE9085003035}" dt="2020-06-01T10:41:44.668" v="1217" actId="1035"/>
+          <ac:spMkLst>
+            <pc:docMk/>
+            <pc:sldMk cId="2078933728" sldId="7073"/>
+            <ac:spMk id="35" creationId="{324ECC88-9E99-46EA-B9E6-8E27507BD242}"/>
+          </ac:spMkLst>
+        </pc:spChg>
+        <pc:spChg chg="mod topLvl">
+          <ac:chgData name="Liu, Changsheng A." userId="877438ce-3489-4027-b8c0-4bd167ef53d0" providerId="ADAL" clId="{35AB68C3-AADD-4C6C-B90D-EE9085003035}" dt="2020-06-01T10:41:44.668" v="1217" actId="1035"/>
+          <ac:spMkLst>
+            <pc:docMk/>
+            <pc:sldMk cId="2078933728" sldId="7073"/>
+            <ac:spMk id="36" creationId="{55AEC59F-A253-42D6-BAB5-62B1A8024B6C}"/>
+          </ac:spMkLst>
+        </pc:spChg>
+        <pc:spChg chg="mod topLvl">
+          <ac:chgData name="Liu, Changsheng A." userId="877438ce-3489-4027-b8c0-4bd167ef53d0" providerId="ADAL" clId="{35AB68C3-AADD-4C6C-B90D-EE9085003035}" dt="2020-06-01T10:52:42.410" v="1329" actId="20577"/>
+          <ac:spMkLst>
+            <pc:docMk/>
+            <pc:sldMk cId="2078933728" sldId="7073"/>
+            <ac:spMk id="37" creationId="{5768E9E1-7A19-4265-98EA-F4D06E010D87}"/>
+          </ac:spMkLst>
+        </pc:spChg>
+        <pc:spChg chg="mod topLvl">
+          <ac:chgData name="Liu, Changsheng A." userId="877438ce-3489-4027-b8c0-4bd167ef53d0" providerId="ADAL" clId="{35AB68C3-AADD-4C6C-B90D-EE9085003035}" dt="2020-06-01T10:53:00.510" v="1334" actId="20577"/>
+          <ac:spMkLst>
+            <pc:docMk/>
+            <pc:sldMk cId="2078933728" sldId="7073"/>
+            <ac:spMk id="38" creationId="{121D65B4-E10C-4D60-B212-2C942968F72F}"/>
+          </ac:spMkLst>
+        </pc:spChg>
+        <pc:spChg chg="mod topLvl">
+          <ac:chgData name="Liu, Changsheng A." userId="877438ce-3489-4027-b8c0-4bd167ef53d0" providerId="ADAL" clId="{35AB68C3-AADD-4C6C-B90D-EE9085003035}" dt="2020-06-01T10:52:09.045" v="1322" actId="207"/>
+          <ac:spMkLst>
+            <pc:docMk/>
+            <pc:sldMk cId="2078933728" sldId="7073"/>
+            <ac:spMk id="39" creationId="{474E7E2E-C6D5-4FD4-A259-15836834AABA}"/>
+          </ac:spMkLst>
+        </pc:spChg>
+        <pc:spChg chg="mod topLvl">
+          <ac:chgData name="Liu, Changsheng A." userId="877438ce-3489-4027-b8c0-4bd167ef53d0" providerId="ADAL" clId="{35AB68C3-AADD-4C6C-B90D-EE9085003035}" dt="2020-06-01T10:51:35.640" v="1321" actId="207"/>
+          <ac:spMkLst>
+            <pc:docMk/>
+            <pc:sldMk cId="2078933728" sldId="7073"/>
+            <ac:spMk id="40" creationId="{EDBD5573-79E8-4AC2-A951-7D96D0C67F86}"/>
+          </ac:spMkLst>
+        </pc:spChg>
+        <pc:spChg chg="mod topLvl">
+          <ac:chgData name="Liu, Changsheng A." userId="877438ce-3489-4027-b8c0-4bd167ef53d0" providerId="ADAL" clId="{35AB68C3-AADD-4C6C-B90D-EE9085003035}" dt="2020-06-01T10:41:44.668" v="1217" actId="1035"/>
+          <ac:spMkLst>
+            <pc:docMk/>
+            <pc:sldMk cId="2078933728" sldId="7073"/>
+            <ac:spMk id="41" creationId="{87D99611-DBFC-4621-B18D-892888142ECC}"/>
+          </ac:spMkLst>
+        </pc:spChg>
+        <pc:spChg chg="mod topLvl">
+          <ac:chgData name="Liu, Changsheng A." userId="877438ce-3489-4027-b8c0-4bd167ef53d0" providerId="ADAL" clId="{35AB68C3-AADD-4C6C-B90D-EE9085003035}" dt="2020-06-01T10:52:58.641" v="1333" actId="20577"/>
+          <ac:spMkLst>
+            <pc:docMk/>
+            <pc:sldMk cId="2078933728" sldId="7073"/>
+            <ac:spMk id="42" creationId="{3E15D2F8-9DB0-4866-A4C8-8CD0F298F02A}"/>
+          </ac:spMkLst>
+        </pc:spChg>
+        <pc:spChg chg="mod topLvl">
+          <ac:chgData name="Liu, Changsheng A." userId="877438ce-3489-4027-b8c0-4bd167ef53d0" providerId="ADAL" clId="{35AB68C3-AADD-4C6C-B90D-EE9085003035}" dt="2020-06-01T10:52:09.045" v="1322" actId="207"/>
+          <ac:spMkLst>
+            <pc:docMk/>
+            <pc:sldMk cId="2078933728" sldId="7073"/>
+            <ac:spMk id="43" creationId="{07029AE1-F50D-4F8F-93D2-771A724A0918}"/>
+          </ac:spMkLst>
+        </pc:spChg>
+        <pc:spChg chg="mod topLvl">
+          <ac:chgData name="Liu, Changsheng A." userId="877438ce-3489-4027-b8c0-4bd167ef53d0" providerId="ADAL" clId="{35AB68C3-AADD-4C6C-B90D-EE9085003035}" dt="2020-06-01T10:52:09.045" v="1322" actId="207"/>
+          <ac:spMkLst>
+            <pc:docMk/>
+            <pc:sldMk cId="2078933728" sldId="7073"/>
+            <ac:spMk id="44" creationId="{8CD7A325-1339-4E4F-8A99-A2575C7BB420}"/>
+          </ac:spMkLst>
+        </pc:spChg>
+        <pc:spChg chg="mod topLvl">
+          <ac:chgData name="Liu, Changsheng A." userId="877438ce-3489-4027-b8c0-4bd167ef53d0" providerId="ADAL" clId="{35AB68C3-AADD-4C6C-B90D-EE9085003035}" dt="2020-06-01T10:51:35.640" v="1321" actId="207"/>
+          <ac:spMkLst>
+            <pc:docMk/>
+            <pc:sldMk cId="2078933728" sldId="7073"/>
+            <ac:spMk id="45" creationId="{8EE6D591-BD01-4AF9-9B1E-CA2D8A146FAB}"/>
+          </ac:spMkLst>
+        </pc:spChg>
+        <pc:spChg chg="mod topLvl">
+          <ac:chgData name="Liu, Changsheng A." userId="877438ce-3489-4027-b8c0-4bd167ef53d0" providerId="ADAL" clId="{35AB68C3-AADD-4C6C-B90D-EE9085003035}" dt="2020-06-01T10:41:44.668" v="1217" actId="1035"/>
+          <ac:spMkLst>
+            <pc:docMk/>
+            <pc:sldMk cId="2078933728" sldId="7073"/>
+            <ac:spMk id="46" creationId="{FDF96610-225C-44FC-B78B-657ACA73AB8C}"/>
+          </ac:spMkLst>
+        </pc:spChg>
+        <pc:spChg chg="mod topLvl">
+          <ac:chgData name="Liu, Changsheng A." userId="877438ce-3489-4027-b8c0-4bd167ef53d0" providerId="ADAL" clId="{35AB68C3-AADD-4C6C-B90D-EE9085003035}" dt="2020-06-01T10:52:09.045" v="1322" actId="207"/>
+          <ac:spMkLst>
+            <pc:docMk/>
+            <pc:sldMk cId="2078933728" sldId="7073"/>
+            <ac:spMk id="47" creationId="{079577EA-BE69-4DE1-B648-AB5123CEBEBC}"/>
+          </ac:spMkLst>
+        </pc:spChg>
+        <pc:spChg chg="mod topLvl">
+          <ac:chgData name="Liu, Changsheng A." userId="877438ce-3489-4027-b8c0-4bd167ef53d0" providerId="ADAL" clId="{35AB68C3-AADD-4C6C-B90D-EE9085003035}" dt="2020-06-01T10:52:09.045" v="1322" actId="207"/>
+          <ac:spMkLst>
+            <pc:docMk/>
+            <pc:sldMk cId="2078933728" sldId="7073"/>
+            <ac:spMk id="48" creationId="{76CEF490-3071-41E9-B4AB-918ADD4A8177}"/>
+          </ac:spMkLst>
+        </pc:spChg>
+        <pc:spChg chg="mod topLvl">
+          <ac:chgData name="Liu, Changsheng A." userId="877438ce-3489-4027-b8c0-4bd167ef53d0" providerId="ADAL" clId="{35AB68C3-AADD-4C6C-B90D-EE9085003035}" dt="2020-06-01T10:51:35.640" v="1321" actId="207"/>
+          <ac:spMkLst>
+            <pc:docMk/>
+            <pc:sldMk cId="2078933728" sldId="7073"/>
+            <ac:spMk id="49" creationId="{C7AC6EAB-331F-42AF-8266-C1FF6C8666F2}"/>
+          </ac:spMkLst>
+        </pc:spChg>
+        <pc:spChg chg="mod topLvl">
+          <ac:chgData name="Liu, Changsheng A." userId="877438ce-3489-4027-b8c0-4bd167ef53d0" providerId="ADAL" clId="{35AB68C3-AADD-4C6C-B90D-EE9085003035}" dt="2020-06-01T10:41:44.668" v="1217" actId="1035"/>
+          <ac:spMkLst>
+            <pc:docMk/>
+            <pc:sldMk cId="2078933728" sldId="7073"/>
+            <ac:spMk id="50" creationId="{54AB5148-3057-4A1D-BF9B-17047A4E42D1}"/>
+          </ac:spMkLst>
+        </pc:spChg>
+        <pc:spChg chg="mod topLvl">
+          <ac:chgData name="Liu, Changsheng A." userId="877438ce-3489-4027-b8c0-4bd167ef53d0" providerId="ADAL" clId="{35AB68C3-AADD-4C6C-B90D-EE9085003035}" dt="2020-06-01T10:41:44.668" v="1217" actId="1035"/>
+          <ac:spMkLst>
+            <pc:docMk/>
+            <pc:sldMk cId="2078933728" sldId="7073"/>
+            <ac:spMk id="51" creationId="{4644D9B5-A3D9-47F4-B408-5874AC22245D}"/>
+          </ac:spMkLst>
+        </pc:spChg>
+        <pc:spChg chg="mod topLvl">
+          <ac:chgData name="Liu, Changsheng A." userId="877438ce-3489-4027-b8c0-4bd167ef53d0" providerId="ADAL" clId="{35AB68C3-AADD-4C6C-B90D-EE9085003035}" dt="2020-06-01T10:51:35.640" v="1321" actId="207"/>
+          <ac:spMkLst>
+            <pc:docMk/>
+            <pc:sldMk cId="2078933728" sldId="7073"/>
+            <ac:spMk id="52" creationId="{53990669-D6CF-4256-B0BC-62FAE4029A59}"/>
+          </ac:spMkLst>
+        </pc:spChg>
+        <pc:spChg chg="mod topLvl">
+          <ac:chgData name="Liu, Changsheng A." userId="877438ce-3489-4027-b8c0-4bd167ef53d0" providerId="ADAL" clId="{35AB68C3-AADD-4C6C-B90D-EE9085003035}" dt="2020-06-01T10:51:35.640" v="1321" actId="207"/>
+          <ac:spMkLst>
+            <pc:docMk/>
+            <pc:sldMk cId="2078933728" sldId="7073"/>
+            <ac:spMk id="53" creationId="{ED89F336-4BEA-4C0D-8F17-74E1240A9038}"/>
+          </ac:spMkLst>
+        </pc:spChg>
+        <pc:spChg chg="mod topLvl">
+          <ac:chgData name="Liu, Changsheng A." userId="877438ce-3489-4027-b8c0-4bd167ef53d0" providerId="ADAL" clId="{35AB68C3-AADD-4C6C-B90D-EE9085003035}" dt="2020-06-01T10:41:44.668" v="1217" actId="1035"/>
+          <ac:spMkLst>
+            <pc:docMk/>
+            <pc:sldMk cId="2078933728" sldId="7073"/>
+            <ac:spMk id="54" creationId="{2867D0DC-A98D-485E-9B48-B550939BA2A3}"/>
+          </ac:spMkLst>
+        </pc:spChg>
+        <pc:spChg chg="mod topLvl">
+          <ac:chgData name="Liu, Changsheng A." userId="877438ce-3489-4027-b8c0-4bd167ef53d0" providerId="ADAL" clId="{35AB68C3-AADD-4C6C-B90D-EE9085003035}" dt="2020-06-01T10:46:10.186" v="1289" actId="20577"/>
+          <ac:spMkLst>
+            <pc:docMk/>
+            <pc:sldMk cId="2078933728" sldId="7073"/>
+            <ac:spMk id="55" creationId="{20F13826-1658-42F1-904F-384B91864645}"/>
+          </ac:spMkLst>
+        </pc:spChg>
+        <pc:spChg chg="mod topLvl">
+          <ac:chgData name="Liu, Changsheng A." userId="877438ce-3489-4027-b8c0-4bd167ef53d0" providerId="ADAL" clId="{35AB68C3-AADD-4C6C-B90D-EE9085003035}" dt="2020-06-01T10:41:44.668" v="1217" actId="1035"/>
+          <ac:spMkLst>
+            <pc:docMk/>
+            <pc:sldMk cId="2078933728" sldId="7073"/>
+            <ac:spMk id="56" creationId="{E1984666-CC3C-4BAF-A1C3-5D3BEA45E35D}"/>
+          </ac:spMkLst>
+        </pc:spChg>
+        <pc:spChg chg="mod topLvl">
+          <ac:chgData name="Liu, Changsheng A." userId="877438ce-3489-4027-b8c0-4bd167ef53d0" providerId="ADAL" clId="{35AB68C3-AADD-4C6C-B90D-EE9085003035}" dt="2020-06-01T10:41:44.668" v="1217" actId="1035"/>
+          <ac:spMkLst>
+            <pc:docMk/>
+            <pc:sldMk cId="2078933728" sldId="7073"/>
+            <ac:spMk id="57" creationId="{B2012D40-374F-43A6-A06B-6ED394DFA93F}"/>
+          </ac:spMkLst>
+        </pc:spChg>
+        <pc:spChg chg="mod topLvl">
+          <ac:chgData name="Liu, Changsheng A." userId="877438ce-3489-4027-b8c0-4bd167ef53d0" providerId="ADAL" clId="{35AB68C3-AADD-4C6C-B90D-EE9085003035}" dt="2020-06-01T10:41:44.668" v="1217" actId="1035"/>
+          <ac:spMkLst>
+            <pc:docMk/>
+            <pc:sldMk cId="2078933728" sldId="7073"/>
+            <ac:spMk id="58" creationId="{36C34AC6-6463-4DF4-B0F3-4D381DC1A4F3}"/>
+          </ac:spMkLst>
+        </pc:spChg>
+        <pc:spChg chg="mod topLvl">
+          <ac:chgData name="Liu, Changsheng A." userId="877438ce-3489-4027-b8c0-4bd167ef53d0" providerId="ADAL" clId="{35AB68C3-AADD-4C6C-B90D-EE9085003035}" dt="2020-06-01T10:41:44.668" v="1217" actId="1035"/>
+          <ac:spMkLst>
+            <pc:docMk/>
+            <pc:sldMk cId="2078933728" sldId="7073"/>
+            <ac:spMk id="59" creationId="{8EB26390-F4CC-43F7-BC11-B9999A07DDA0}"/>
+          </ac:spMkLst>
+        </pc:spChg>
+        <pc:spChg chg="mod topLvl">
+          <ac:chgData name="Liu, Changsheng A." userId="877438ce-3489-4027-b8c0-4bd167ef53d0" providerId="ADAL" clId="{35AB68C3-AADD-4C6C-B90D-EE9085003035}" dt="2020-06-01T10:41:44.668" v="1217" actId="1035"/>
+          <ac:spMkLst>
+            <pc:docMk/>
+            <pc:sldMk cId="2078933728" sldId="7073"/>
+            <ac:spMk id="60" creationId="{C312CAA5-7D7C-474A-9701-6EF0914A6244}"/>
+          </ac:spMkLst>
+        </pc:spChg>
+        <pc:spChg chg="mod topLvl">
+          <ac:chgData name="Liu, Changsheng A." userId="877438ce-3489-4027-b8c0-4bd167ef53d0" providerId="ADAL" clId="{35AB68C3-AADD-4C6C-B90D-EE9085003035}" dt="2020-06-01T10:41:44.668" v="1217" actId="1035"/>
+          <ac:spMkLst>
+            <pc:docMk/>
+            <pc:sldMk cId="2078933728" sldId="7073"/>
+            <ac:spMk id="61" creationId="{BAF5D4EC-7B74-4F1E-B6CF-6B2EB899A7DE}"/>
+          </ac:spMkLst>
+        </pc:spChg>
+        <pc:spChg chg="mod topLvl">
+          <ac:chgData name="Liu, Changsheng A." userId="877438ce-3489-4027-b8c0-4bd167ef53d0" providerId="ADAL" clId="{35AB68C3-AADD-4C6C-B90D-EE9085003035}" dt="2020-06-01T10:40:28.625" v="1122" actId="165"/>
+          <ac:spMkLst>
+            <pc:docMk/>
+            <pc:sldMk cId="2078933728" sldId="7073"/>
+            <ac:spMk id="62" creationId="{E1E7A93B-6099-40C5-9663-CACA3885B393}"/>
+          </ac:spMkLst>
+        </pc:spChg>
+        <pc:spChg chg="mod topLvl">
+          <ac:chgData name="Liu, Changsheng A." userId="877438ce-3489-4027-b8c0-4bd167ef53d0" providerId="ADAL" clId="{35AB68C3-AADD-4C6C-B90D-EE9085003035}" dt="2020-06-01T10:40:28.625" v="1122" actId="165"/>
+          <ac:spMkLst>
+            <pc:docMk/>
+            <pc:sldMk cId="2078933728" sldId="7073"/>
+            <ac:spMk id="66" creationId="{32128900-A13D-4FA0-9EF3-1CE6C9EA1C55}"/>
+          </ac:spMkLst>
+        </pc:spChg>
+        <pc:spChg chg="mod topLvl">
+          <ac:chgData name="Liu, Changsheng A." userId="877438ce-3489-4027-b8c0-4bd167ef53d0" providerId="ADAL" clId="{35AB68C3-AADD-4C6C-B90D-EE9085003035}" dt="2020-06-01T10:40:28.625" v="1122" actId="165"/>
+          <ac:spMkLst>
+            <pc:docMk/>
+            <pc:sldMk cId="2078933728" sldId="7073"/>
+            <ac:spMk id="68" creationId="{E2760D1B-B5A1-424A-8EFB-52943AAEA436}"/>
+          </ac:spMkLst>
+        </pc:spChg>
+        <pc:spChg chg="add mod">
+          <ac:chgData name="Liu, Changsheng A." userId="877438ce-3489-4027-b8c0-4bd167ef53d0" providerId="ADAL" clId="{35AB68C3-AADD-4C6C-B90D-EE9085003035}" dt="2020-06-01T10:41:20.657" v="1166" actId="20577"/>
+          <ac:spMkLst>
+            <pc:docMk/>
+            <pc:sldMk cId="2078933728" sldId="7073"/>
+            <ac:spMk id="72" creationId="{2AA5DAF8-DCEE-4FB4-903A-A5DE76111CFA}"/>
+          </ac:spMkLst>
+        </pc:spChg>
+        <pc:spChg chg="add mod">
+          <ac:chgData name="Liu, Changsheng A." userId="877438ce-3489-4027-b8c0-4bd167ef53d0" providerId="ADAL" clId="{35AB68C3-AADD-4C6C-B90D-EE9085003035}" dt="2020-06-01T10:52:36.140" v="1328" actId="20577"/>
+          <ac:spMkLst>
+            <pc:docMk/>
+            <pc:sldMk cId="2078933728" sldId="7073"/>
+            <ac:spMk id="73" creationId="{CB23F596-D5BE-454E-B59B-1378CFC55C5E}"/>
+          </ac:spMkLst>
+        </pc:spChg>
+        <pc:spChg chg="add mod">
+          <ac:chgData name="Liu, Changsheng A." userId="877438ce-3489-4027-b8c0-4bd167ef53d0" providerId="ADAL" clId="{35AB68C3-AADD-4C6C-B90D-EE9085003035}" dt="2020-06-01T10:52:55.422" v="1332" actId="20577"/>
+          <ac:spMkLst>
+            <pc:docMk/>
+            <pc:sldMk cId="2078933728" sldId="7073"/>
+            <ac:spMk id="74" creationId="{4AA14367-7A10-476F-9016-49A2BBEA799F}"/>
+          </ac:spMkLst>
+        </pc:spChg>
+        <pc:spChg chg="add mod">
+          <ac:chgData name="Liu, Changsheng A." userId="877438ce-3489-4027-b8c0-4bd167ef53d0" providerId="ADAL" clId="{35AB68C3-AADD-4C6C-B90D-EE9085003035}" dt="2020-06-01T10:52:09.045" v="1322" actId="207"/>
+          <ac:spMkLst>
+            <pc:docMk/>
+            <pc:sldMk cId="2078933728" sldId="7073"/>
+            <ac:spMk id="75" creationId="{BC02985C-7420-4986-B441-1AA4D0775D16}"/>
+          </ac:spMkLst>
+        </pc:spChg>
+        <pc:spChg chg="add mod">
+          <ac:chgData name="Liu, Changsheng A." userId="877438ce-3489-4027-b8c0-4bd167ef53d0" providerId="ADAL" clId="{35AB68C3-AADD-4C6C-B90D-EE9085003035}" dt="2020-06-01T10:51:35.640" v="1321" actId="207"/>
+          <ac:spMkLst>
+            <pc:docMk/>
+            <pc:sldMk cId="2078933728" sldId="7073"/>
+            <ac:spMk id="76" creationId="{17710159-EF59-48F8-B91B-8D2134F4FDE8}"/>
+          </ac:spMkLst>
+        </pc:spChg>
+        <pc:spChg chg="add mod">
+          <ac:chgData name="Liu, Changsheng A." userId="877438ce-3489-4027-b8c0-4bd167ef53d0" providerId="ADAL" clId="{35AB68C3-AADD-4C6C-B90D-EE9085003035}" dt="2020-06-01T10:41:44.668" v="1217" actId="1035"/>
+          <ac:spMkLst>
+            <pc:docMk/>
+            <pc:sldMk cId="2078933728" sldId="7073"/>
+            <ac:spMk id="77" creationId="{30050CDE-A4DD-4DF7-AC94-99C0B4C96423}"/>
+          </ac:spMkLst>
+        </pc:spChg>
+        <pc:spChg chg="add mod">
+          <ac:chgData name="Liu, Changsheng A." userId="877438ce-3489-4027-b8c0-4bd167ef53d0" providerId="ADAL" clId="{35AB68C3-AADD-4C6C-B90D-EE9085003035}" dt="2020-06-01T10:41:51.803" v="1219" actId="20577"/>
+          <ac:spMkLst>
+            <pc:docMk/>
+            <pc:sldMk cId="2078933728" sldId="7073"/>
+            <ac:spMk id="78" creationId="{BCC7604B-327C-413F-9DA2-2B112C3E7359}"/>
+          </ac:spMkLst>
+        </pc:spChg>
+        <pc:spChg chg="add mod">
+          <ac:chgData name="Liu, Changsheng A." userId="877438ce-3489-4027-b8c0-4bd167ef53d0" providerId="ADAL" clId="{35AB68C3-AADD-4C6C-B90D-EE9085003035}" dt="2020-06-01T10:43:11.423" v="1232" actId="20577"/>
+          <ac:spMkLst>
+            <pc:docMk/>
+            <pc:sldMk cId="2078933728" sldId="7073"/>
+            <ac:spMk id="79" creationId="{3B0118A3-C45C-4EF2-9D15-7D5E3275D655}"/>
+          </ac:spMkLst>
+        </pc:spChg>
+        <pc:spChg chg="add mod">
+          <ac:chgData name="Liu, Changsheng A." userId="877438ce-3489-4027-b8c0-4bd167ef53d0" providerId="ADAL" clId="{35AB68C3-AADD-4C6C-B90D-EE9085003035}" dt="2020-06-01T10:52:33.320" v="1324" actId="20577"/>
+          <ac:spMkLst>
+            <pc:docMk/>
+            <pc:sldMk cId="2078933728" sldId="7073"/>
+            <ac:spMk id="80" creationId="{5687D83A-6553-459A-B2AF-7C6D59655E9D}"/>
+          </ac:spMkLst>
+        </pc:spChg>
+        <pc:spChg chg="add mod">
+          <ac:chgData name="Liu, Changsheng A." userId="877438ce-3489-4027-b8c0-4bd167ef53d0" providerId="ADAL" clId="{35AB68C3-AADD-4C6C-B90D-EE9085003035}" dt="2020-06-01T10:52:09.045" v="1322" actId="207"/>
+          <ac:spMkLst>
+            <pc:docMk/>
+            <pc:sldMk cId="2078933728" sldId="7073"/>
+            <ac:spMk id="81" creationId="{EB7133EF-8594-4403-A8F8-500F799473D1}"/>
+          </ac:spMkLst>
+        </pc:spChg>
+        <pc:spChg chg="add mod">
+          <ac:chgData name="Liu, Changsheng A." userId="877438ce-3489-4027-b8c0-4bd167ef53d0" providerId="ADAL" clId="{35AB68C3-AADD-4C6C-B90D-EE9085003035}" dt="2020-06-01T10:51:35.640" v="1321" actId="207"/>
+          <ac:spMkLst>
+            <pc:docMk/>
+            <pc:sldMk cId="2078933728" sldId="7073"/>
+            <ac:spMk id="82" creationId="{BBED5C99-389D-49D0-9DD0-A611CAB83AA6}"/>
+          </ac:spMkLst>
+        </pc:spChg>
+        <pc:spChg chg="add mod">
+          <ac:chgData name="Liu, Changsheng A." userId="877438ce-3489-4027-b8c0-4bd167ef53d0" providerId="ADAL" clId="{35AB68C3-AADD-4C6C-B90D-EE9085003035}" dt="2020-06-01T10:41:36.293" v="1194" actId="571"/>
+          <ac:spMkLst>
+            <pc:docMk/>
+            <pc:sldMk cId="2078933728" sldId="7073"/>
+            <ac:spMk id="83" creationId="{7C624BD0-FD52-49EC-99AD-160153C5B3B5}"/>
+          </ac:spMkLst>
+        </pc:spChg>
+        <pc:spChg chg="add mod">
+          <ac:chgData name="Liu, Changsheng A." userId="877438ce-3489-4027-b8c0-4bd167ef53d0" providerId="ADAL" clId="{35AB68C3-AADD-4C6C-B90D-EE9085003035}" dt="2020-06-01T10:53:09.844" v="1336" actId="20577"/>
+          <ac:spMkLst>
+            <pc:docMk/>
+            <pc:sldMk cId="2078933728" sldId="7073"/>
+            <ac:spMk id="84" creationId="{16EB385F-196F-4CDA-88C5-119228B5A246}"/>
+          </ac:spMkLst>
+        </pc:spChg>
+        <pc:spChg chg="mod">
+          <ac:chgData name="Liu, Changsheng A." userId="877438ce-3489-4027-b8c0-4bd167ef53d0" providerId="ADAL" clId="{35AB68C3-AADD-4C6C-B90D-EE9085003035}" dt="2020-06-01T10:36:51.030" v="1094" actId="20577"/>
+          <ac:spMkLst>
+            <pc:docMk/>
+            <pc:sldMk cId="2078933728" sldId="7073"/>
+            <ac:spMk id="164" creationId="{B4516EAE-17E2-4D0B-BB0B-D6B897412231}"/>
+          </ac:spMkLst>
+        </pc:spChg>
+        <pc:spChg chg="mod">
+          <ac:chgData name="Liu, Changsheng A." userId="877438ce-3489-4027-b8c0-4bd167ef53d0" providerId="ADAL" clId="{35AB68C3-AADD-4C6C-B90D-EE9085003035}" dt="2020-06-01T10:36:54.423" v="1095" actId="20577"/>
+          <ac:spMkLst>
+            <pc:docMk/>
+            <pc:sldMk cId="2078933728" sldId="7073"/>
+            <ac:spMk id="165" creationId="{91F95AEF-9785-4B46-A061-AB38A8446185}"/>
+          </ac:spMkLst>
+        </pc:spChg>
+        <pc:spChg chg="mod">
+          <ac:chgData name="Liu, Changsheng A." userId="877438ce-3489-4027-b8c0-4bd167ef53d0" providerId="ADAL" clId="{35AB68C3-AADD-4C6C-B90D-EE9085003035}" dt="2020-06-01T10:37:05.032" v="1097" actId="20577"/>
+          <ac:spMkLst>
+            <pc:docMk/>
+            <pc:sldMk cId="2078933728" sldId="7073"/>
+            <ac:spMk id="166" creationId="{97C91B7C-AE15-468F-AC9B-A9A2E55C20E1}"/>
+          </ac:spMkLst>
+        </pc:spChg>
+        <pc:spChg chg="mod">
+          <ac:chgData name="Liu, Changsheng A." userId="877438ce-3489-4027-b8c0-4bd167ef53d0" providerId="ADAL" clId="{35AB68C3-AADD-4C6C-B90D-EE9085003035}" dt="2020-06-01T10:58:57.464" v="1341" actId="20577"/>
+          <ac:spMkLst>
+            <pc:docMk/>
+            <pc:sldMk cId="2078933728" sldId="7073"/>
+            <ac:spMk id="167" creationId="{6B408180-4917-4DB9-AC94-8DEACB234430}"/>
+          </ac:spMkLst>
+        </pc:spChg>
+        <pc:spChg chg="mod">
+          <ac:chgData name="Liu, Changsheng A." userId="877438ce-3489-4027-b8c0-4bd167ef53d0" providerId="ADAL" clId="{35AB68C3-AADD-4C6C-B90D-EE9085003035}" dt="2020-06-01T10:47:51.326" v="1297" actId="20577"/>
+          <ac:spMkLst>
+            <pc:docMk/>
+            <pc:sldMk cId="2078933728" sldId="7073"/>
+            <ac:spMk id="171" creationId="{7A9A740D-B213-46A1-AC27-9FD465A398A1}"/>
+          </ac:spMkLst>
+        </pc:spChg>
+        <pc:spChg chg="mod">
+          <ac:chgData name="Liu, Changsheng A." userId="877438ce-3489-4027-b8c0-4bd167ef53d0" providerId="ADAL" clId="{35AB68C3-AADD-4C6C-B90D-EE9085003035}" dt="2020-06-01T10:47:54.088" v="1299" actId="20577"/>
+          <ac:spMkLst>
+            <pc:docMk/>
+            <pc:sldMk cId="2078933728" sldId="7073"/>
+            <ac:spMk id="172" creationId="{7F0957FE-EBB4-4908-9598-0A31BD7571C7}"/>
+          </ac:spMkLst>
+        </pc:spChg>
+        <pc:spChg chg="mod">
+          <ac:chgData name="Liu, Changsheng A." userId="877438ce-3489-4027-b8c0-4bd167ef53d0" providerId="ADAL" clId="{35AB68C3-AADD-4C6C-B90D-EE9085003035}" dt="2020-06-01T10:47:56.546" v="1300" actId="20577"/>
+          <ac:spMkLst>
+            <pc:docMk/>
+            <pc:sldMk cId="2078933728" sldId="7073"/>
+            <ac:spMk id="173" creationId="{CFA64541-AEC5-4EA2-8A3D-0D45CD8687FF}"/>
+          </ac:spMkLst>
+        </pc:spChg>
+        <pc:spChg chg="del mod">
+          <ac:chgData name="Liu, Changsheng A." userId="877438ce-3489-4027-b8c0-4bd167ef53d0" providerId="ADAL" clId="{35AB68C3-AADD-4C6C-B90D-EE9085003035}" dt="2020-06-01T10:40:44.795" v="1153" actId="478"/>
+          <ac:spMkLst>
+            <pc:docMk/>
+            <pc:sldMk cId="2078933728" sldId="7073"/>
+            <ac:spMk id="177" creationId="{F73C9FEE-6350-4F05-B744-92279F143778}"/>
+          </ac:spMkLst>
+        </pc:spChg>
+        <pc:grpChg chg="del">
+          <ac:chgData name="Liu, Changsheng A." userId="877438ce-3489-4027-b8c0-4bd167ef53d0" providerId="ADAL" clId="{35AB68C3-AADD-4C6C-B90D-EE9085003035}" dt="2020-06-01T10:40:28.625" v="1122" actId="165"/>
+          <ac:grpSpMkLst>
+            <pc:docMk/>
+            <pc:sldMk cId="2078933728" sldId="7073"/>
+            <ac:grpSpMk id="70" creationId="{5BBA9151-CA60-480C-B47F-4D27E73879B3}"/>
+          </ac:grpSpMkLst>
+        </pc:grpChg>
+        <pc:graphicFrameChg chg="mod">
+          <ac:chgData name="Liu, Changsheng A." userId="877438ce-3489-4027-b8c0-4bd167ef53d0" providerId="ADAL" clId="{35AB68C3-AADD-4C6C-B90D-EE9085003035}" dt="2020-06-01T11:01:21.863" v="1344" actId="207"/>
+          <ac:graphicFrameMkLst>
+            <pc:docMk/>
+            <pc:sldMk cId="2078933728" sldId="7073"/>
+            <ac:graphicFrameMk id="3" creationId="{48812ECC-C370-4011-B626-AECE60B19270}"/>
+          </ac:graphicFrameMkLst>
+        </pc:graphicFrameChg>
+        <pc:graphicFrameChg chg="mod modGraphic">
+          <ac:chgData name="Liu, Changsheng A." userId="877438ce-3489-4027-b8c0-4bd167ef53d0" providerId="ADAL" clId="{35AB68C3-AADD-4C6C-B90D-EE9085003035}" dt="2020-06-01T10:48:31.951" v="1303" actId="255"/>
+          <ac:graphicFrameMkLst>
+            <pc:docMk/>
+            <pc:sldMk cId="2078933728" sldId="7073"/>
+            <ac:graphicFrameMk id="4" creationId="{6155957B-9638-40C1-A9BC-BE1BC7C9E984}"/>
+          </ac:graphicFrameMkLst>
+        </pc:graphicFrameChg>
+        <pc:cxnChg chg="mod topLvl">
+          <ac:chgData name="Liu, Changsheng A." userId="877438ce-3489-4027-b8c0-4bd167ef53d0" providerId="ADAL" clId="{35AB68C3-AADD-4C6C-B90D-EE9085003035}" dt="2020-06-01T10:40:28.625" v="1122" actId="165"/>
+          <ac:cxnSpMkLst>
+            <pc:docMk/>
+            <pc:sldMk cId="2078933728" sldId="7073"/>
+            <ac:cxnSpMk id="64" creationId="{9B801E2D-BCCB-43A2-B462-A9E7A0ECD55F}"/>
+          </ac:cxnSpMkLst>
+        </pc:cxnChg>
+      </pc:sldChg>
+      <pc:sldChg chg="addSp modSp add">
+        <pc:chgData name="Liu, Changsheng A." userId="877438ce-3489-4027-b8c0-4bd167ef53d0" providerId="ADAL" clId="{35AB68C3-AADD-4C6C-B90D-EE9085003035}" dt="2020-06-01T11:54:34.824" v="1781" actId="1076"/>
+        <pc:sldMkLst>
+          <pc:docMk/>
+          <pc:sldMk cId="2921799353" sldId="7074"/>
+        </pc:sldMkLst>
+        <pc:spChg chg="mod">
+          <ac:chgData name="Liu, Changsheng A." userId="877438ce-3489-4027-b8c0-4bd167ef53d0" providerId="ADAL" clId="{35AB68C3-AADD-4C6C-B90D-EE9085003035}" dt="2020-06-01T11:48:17.661" v="1692" actId="164"/>
+          <ac:spMkLst>
+            <pc:docMk/>
+            <pc:sldMk cId="2921799353" sldId="7074"/>
+            <ac:spMk id="5" creationId="{AA98423E-8F40-4B2A-AC95-647A24DD16D8}"/>
+          </ac:spMkLst>
+        </pc:spChg>
+        <pc:spChg chg="mod">
+          <ac:chgData name="Liu, Changsheng A." userId="877438ce-3489-4027-b8c0-4bd167ef53d0" providerId="ADAL" clId="{35AB68C3-AADD-4C6C-B90D-EE9085003035}" dt="2020-06-01T11:54:34.824" v="1781" actId="1076"/>
+          <ac:spMkLst>
+            <pc:docMk/>
+            <pc:sldMk cId="2921799353" sldId="7074"/>
+            <ac:spMk id="10" creationId="{4D9B5909-B820-4B3C-8F02-83CB81D8980F}"/>
+          </ac:spMkLst>
+        </pc:spChg>
+        <pc:spChg chg="mod">
+          <ac:chgData name="Liu, Changsheng A." userId="877438ce-3489-4027-b8c0-4bd167ef53d0" providerId="ADAL" clId="{35AB68C3-AADD-4C6C-B90D-EE9085003035}" dt="2020-06-01T11:54:30.522" v="1780" actId="1037"/>
+          <ac:spMkLst>
+            <pc:docMk/>
+            <pc:sldMk cId="2921799353" sldId="7074"/>
+            <ac:spMk id="24" creationId="{1427C411-8467-4EC1-AFF2-82A3435FA2B7}"/>
+          </ac:spMkLst>
+        </pc:spChg>
+        <pc:spChg chg="mod">
+          <ac:chgData name="Liu, Changsheng A." userId="877438ce-3489-4027-b8c0-4bd167ef53d0" providerId="ADAL" clId="{35AB68C3-AADD-4C6C-B90D-EE9085003035}" dt="2020-06-01T11:47:48.724" v="1689" actId="164"/>
+          <ac:spMkLst>
+            <pc:docMk/>
+            <pc:sldMk cId="2921799353" sldId="7074"/>
+            <ac:spMk id="27" creationId="{11738D7A-04CC-4EF5-85EA-BDE095A887FD}"/>
+          </ac:spMkLst>
+        </pc:spChg>
+        <pc:spChg chg="mod">
+          <ac:chgData name="Liu, Changsheng A." userId="877438ce-3489-4027-b8c0-4bd167ef53d0" providerId="ADAL" clId="{35AB68C3-AADD-4C6C-B90D-EE9085003035}" dt="2020-06-01T11:47:48.724" v="1689" actId="164"/>
+          <ac:spMkLst>
+            <pc:docMk/>
+            <pc:sldMk cId="2921799353" sldId="7074"/>
+            <ac:spMk id="28" creationId="{647402D2-B8CB-46CB-8230-49DE19402AF3}"/>
+          </ac:spMkLst>
+        </pc:spChg>
+        <pc:spChg chg="mod">
+          <ac:chgData name="Liu, Changsheng A." userId="877438ce-3489-4027-b8c0-4bd167ef53d0" providerId="ADAL" clId="{35AB68C3-AADD-4C6C-B90D-EE9085003035}" dt="2020-06-01T11:47:48.724" v="1689" actId="164"/>
+          <ac:spMkLst>
+            <pc:docMk/>
+            <pc:sldMk cId="2921799353" sldId="7074"/>
+            <ac:spMk id="29" creationId="{8E9C722A-B2BA-42B5-9B86-8CA59B700607}"/>
+          </ac:spMkLst>
+        </pc:spChg>
+        <pc:spChg chg="mod">
+          <ac:chgData name="Liu, Changsheng A." userId="877438ce-3489-4027-b8c0-4bd167ef53d0" providerId="ADAL" clId="{35AB68C3-AADD-4C6C-B90D-EE9085003035}" dt="2020-06-01T11:47:48.724" v="1689" actId="164"/>
+          <ac:spMkLst>
+            <pc:docMk/>
+            <pc:sldMk cId="2921799353" sldId="7074"/>
+            <ac:spMk id="30" creationId="{8BCFEBA6-0EAC-473F-9E61-61E0E7D7E676}"/>
+          </ac:spMkLst>
+        </pc:spChg>
+        <pc:spChg chg="mod">
+          <ac:chgData name="Liu, Changsheng A." userId="877438ce-3489-4027-b8c0-4bd167ef53d0" providerId="ADAL" clId="{35AB68C3-AADD-4C6C-B90D-EE9085003035}" dt="2020-06-01T11:47:48.724" v="1689" actId="164"/>
+          <ac:spMkLst>
+            <pc:docMk/>
+            <pc:sldMk cId="2921799353" sldId="7074"/>
+            <ac:spMk id="31" creationId="{832A4CF6-9CE5-4438-BA5C-AFD082F0C2F4}"/>
+          </ac:spMkLst>
+        </pc:spChg>
+        <pc:spChg chg="mod">
+          <ac:chgData name="Liu, Changsheng A." userId="877438ce-3489-4027-b8c0-4bd167ef53d0" providerId="ADAL" clId="{35AB68C3-AADD-4C6C-B90D-EE9085003035}" dt="2020-06-01T11:47:48.724" v="1689" actId="164"/>
+          <ac:spMkLst>
+            <pc:docMk/>
+            <pc:sldMk cId="2921799353" sldId="7074"/>
+            <ac:spMk id="32" creationId="{71B31A1F-918C-43A4-AA7E-AFC6E6F24BDD}"/>
+          </ac:spMkLst>
+        </pc:spChg>
+        <pc:spChg chg="mod">
+          <ac:chgData name="Liu, Changsheng A." userId="877438ce-3489-4027-b8c0-4bd167ef53d0" providerId="ADAL" clId="{35AB68C3-AADD-4C6C-B90D-EE9085003035}" dt="2020-06-01T11:47:48.724" v="1689" actId="164"/>
+          <ac:spMkLst>
+            <pc:docMk/>
+            <pc:sldMk cId="2921799353" sldId="7074"/>
+            <ac:spMk id="33" creationId="{EB5F6BFC-515D-409D-98C7-AE8F56A40405}"/>
+          </ac:spMkLst>
+        </pc:spChg>
+        <pc:spChg chg="mod">
+          <ac:chgData name="Liu, Changsheng A." userId="877438ce-3489-4027-b8c0-4bd167ef53d0" providerId="ADAL" clId="{35AB68C3-AADD-4C6C-B90D-EE9085003035}" dt="2020-06-01T11:47:48.724" v="1689" actId="164"/>
+          <ac:spMkLst>
+            <pc:docMk/>
+            <pc:sldMk cId="2921799353" sldId="7074"/>
+            <ac:spMk id="34" creationId="{55E82AD3-D03E-478C-9A5F-F93F75E34F59}"/>
+          </ac:spMkLst>
+        </pc:spChg>
+        <pc:spChg chg="mod">
+          <ac:chgData name="Liu, Changsheng A." userId="877438ce-3489-4027-b8c0-4bd167ef53d0" providerId="ADAL" clId="{35AB68C3-AADD-4C6C-B90D-EE9085003035}" dt="2020-06-01T11:47:48.724" v="1689" actId="164"/>
+          <ac:spMkLst>
+            <pc:docMk/>
+            <pc:sldMk cId="2921799353" sldId="7074"/>
+            <ac:spMk id="35" creationId="{324ECC88-9E99-46EA-B9E6-8E27507BD242}"/>
+          </ac:spMkLst>
+        </pc:spChg>
+        <pc:spChg chg="mod">
+          <ac:chgData name="Liu, Changsheng A." userId="877438ce-3489-4027-b8c0-4bd167ef53d0" providerId="ADAL" clId="{35AB68C3-AADD-4C6C-B90D-EE9085003035}" dt="2020-06-01T11:47:48.724" v="1689" actId="164"/>
+          <ac:spMkLst>
+            <pc:docMk/>
+            <pc:sldMk cId="2921799353" sldId="7074"/>
+            <ac:spMk id="36" creationId="{55AEC59F-A253-42D6-BAB5-62B1A8024B6C}"/>
+          </ac:spMkLst>
+        </pc:spChg>
+        <pc:spChg chg="mod">
+          <ac:chgData name="Liu, Changsheng A." userId="877438ce-3489-4027-b8c0-4bd167ef53d0" providerId="ADAL" clId="{35AB68C3-AADD-4C6C-B90D-EE9085003035}" dt="2020-06-01T11:47:48.724" v="1689" actId="164"/>
+          <ac:spMkLst>
+            <pc:docMk/>
+            <pc:sldMk cId="2921799353" sldId="7074"/>
+            <ac:spMk id="37" creationId="{5768E9E1-7A19-4265-98EA-F4D06E010D87}"/>
+          </ac:spMkLst>
+        </pc:spChg>
+        <pc:spChg chg="mod">
+          <ac:chgData name="Liu, Changsheng A." userId="877438ce-3489-4027-b8c0-4bd167ef53d0" providerId="ADAL" clId="{35AB68C3-AADD-4C6C-B90D-EE9085003035}" dt="2020-06-01T11:47:48.724" v="1689" actId="164"/>
+          <ac:spMkLst>
+            <pc:docMk/>
+            <pc:sldMk cId="2921799353" sldId="7074"/>
+            <ac:spMk id="38" creationId="{121D65B4-E10C-4D60-B212-2C942968F72F}"/>
+          </ac:spMkLst>
+        </pc:spChg>
+        <pc:spChg chg="mod">
+          <ac:chgData name="Liu, Changsheng A." userId="877438ce-3489-4027-b8c0-4bd167ef53d0" providerId="ADAL" clId="{35AB68C3-AADD-4C6C-B90D-EE9085003035}" dt="2020-06-01T11:47:48.724" v="1689" actId="164"/>
+          <ac:spMkLst>
+            <pc:docMk/>
+            <pc:sldMk cId="2921799353" sldId="7074"/>
+            <ac:spMk id="39" creationId="{474E7E2E-C6D5-4FD4-A259-15836834AABA}"/>
+          </ac:spMkLst>
+        </pc:spChg>
+        <pc:spChg chg="mod">
+          <ac:chgData name="Liu, Changsheng A." userId="877438ce-3489-4027-b8c0-4bd167ef53d0" providerId="ADAL" clId="{35AB68C3-AADD-4C6C-B90D-EE9085003035}" dt="2020-06-01T11:47:48.724" v="1689" actId="164"/>
+          <ac:spMkLst>
+            <pc:docMk/>
+            <pc:sldMk cId="2921799353" sldId="7074"/>
+            <ac:spMk id="40" creationId="{EDBD5573-79E8-4AC2-A951-7D96D0C67F86}"/>
+          </ac:spMkLst>
+        </pc:spChg>
+        <pc:spChg chg="mod">
+          <ac:chgData name="Liu, Changsheng A." userId="877438ce-3489-4027-b8c0-4bd167ef53d0" providerId="ADAL" clId="{35AB68C3-AADD-4C6C-B90D-EE9085003035}" dt="2020-06-01T11:47:48.724" v="1689" actId="164"/>
+          <ac:spMkLst>
+            <pc:docMk/>
+            <pc:sldMk cId="2921799353" sldId="7074"/>
+            <ac:spMk id="41" creationId="{87D99611-DBFC-4621-B18D-892888142ECC}"/>
+          </ac:spMkLst>
+        </pc:spChg>
+        <pc:spChg chg="mod">
+          <ac:chgData name="Liu, Changsheng A." userId="877438ce-3489-4027-b8c0-4bd167ef53d0" providerId="ADAL" clId="{35AB68C3-AADD-4C6C-B90D-EE9085003035}" dt="2020-06-01T11:47:48.724" v="1689" actId="164"/>
+          <ac:spMkLst>
+            <pc:docMk/>
+            <pc:sldMk cId="2921799353" sldId="7074"/>
+            <ac:spMk id="42" creationId="{3E15D2F8-9DB0-4866-A4C8-8CD0F298F02A}"/>
+          </ac:spMkLst>
+        </pc:spChg>
+        <pc:spChg chg="mod">
+          <ac:chgData name="Liu, Changsheng A." userId="877438ce-3489-4027-b8c0-4bd167ef53d0" providerId="ADAL" clId="{35AB68C3-AADD-4C6C-B90D-EE9085003035}" dt="2020-06-01T11:47:48.724" v="1689" actId="164"/>
+          <ac:spMkLst>
+            <pc:docMk/>
+            <pc:sldMk cId="2921799353" sldId="7074"/>
+            <ac:spMk id="43" creationId="{07029AE1-F50D-4F8F-93D2-771A724A0918}"/>
+          </ac:spMkLst>
+        </pc:spChg>
+        <pc:spChg chg="mod">
+          <ac:chgData name="Liu, Changsheng A." userId="877438ce-3489-4027-b8c0-4bd167ef53d0" providerId="ADAL" clId="{35AB68C3-AADD-4C6C-B90D-EE9085003035}" dt="2020-06-01T11:47:48.724" v="1689" actId="164"/>
+          <ac:spMkLst>
+            <pc:docMk/>
+            <pc:sldMk cId="2921799353" sldId="7074"/>
+            <ac:spMk id="44" creationId="{8CD7A325-1339-4E4F-8A99-A2575C7BB420}"/>
+          </ac:spMkLst>
+        </pc:spChg>
+        <pc:spChg chg="mod">
+          <ac:chgData name="Liu, Changsheng A." userId="877438ce-3489-4027-b8c0-4bd167ef53d0" providerId="ADAL" clId="{35AB68C3-AADD-4C6C-B90D-EE9085003035}" dt="2020-06-01T11:47:48.724" v="1689" actId="164"/>
+          <ac:spMkLst>
+            <pc:docMk/>
+            <pc:sldMk cId="2921799353" sldId="7074"/>
+            <ac:spMk id="45" creationId="{8EE6D591-BD01-4AF9-9B1E-CA2D8A146FAB}"/>
+          </ac:spMkLst>
+        </pc:spChg>
+        <pc:spChg chg="mod">
+          <ac:chgData name="Liu, Changsheng A." userId="877438ce-3489-4027-b8c0-4bd167ef53d0" providerId="ADAL" clId="{35AB68C3-AADD-4C6C-B90D-EE9085003035}" dt="2020-06-01T11:47:48.724" v="1689" actId="164"/>
+          <ac:spMkLst>
+            <pc:docMk/>
+            <pc:sldMk cId="2921799353" sldId="7074"/>
+            <ac:spMk id="46" creationId="{FDF96610-225C-44FC-B78B-657ACA73AB8C}"/>
+          </ac:spMkLst>
+        </pc:spChg>
+        <pc:spChg chg="mod">
+          <ac:chgData name="Liu, Changsheng A." userId="877438ce-3489-4027-b8c0-4bd167ef53d0" providerId="ADAL" clId="{35AB68C3-AADD-4C6C-B90D-EE9085003035}" dt="2020-06-01T11:47:48.724" v="1689" actId="164"/>
+          <ac:spMkLst>
+            <pc:docMk/>
+            <pc:sldMk cId="2921799353" sldId="7074"/>
+            <ac:spMk id="47" creationId="{079577EA-BE69-4DE1-B648-AB5123CEBEBC}"/>
+          </ac:spMkLst>
+        </pc:spChg>
+        <pc:spChg chg="mod">
+          <ac:chgData name="Liu, Changsheng A." userId="877438ce-3489-4027-b8c0-4bd167ef53d0" providerId="ADAL" clId="{35AB68C3-AADD-4C6C-B90D-EE9085003035}" dt="2020-06-01T11:47:48.724" v="1689" actId="164"/>
+          <ac:spMkLst>
+            <pc:docMk/>
+            <pc:sldMk cId="2921799353" sldId="7074"/>
+            <ac:spMk id="48" creationId="{76CEF490-3071-41E9-B4AB-918ADD4A8177}"/>
+          </ac:spMkLst>
+        </pc:spChg>
+        <pc:spChg chg="mod">
+          <ac:chgData name="Liu, Changsheng A." userId="877438ce-3489-4027-b8c0-4bd167ef53d0" providerId="ADAL" clId="{35AB68C3-AADD-4C6C-B90D-EE9085003035}" dt="2020-06-01T11:47:48.724" v="1689" actId="164"/>
+          <ac:spMkLst>
+            <pc:docMk/>
+            <pc:sldMk cId="2921799353" sldId="7074"/>
+            <ac:spMk id="49" creationId="{C7AC6EAB-331F-42AF-8266-C1FF6C8666F2}"/>
+          </ac:spMkLst>
+        </pc:spChg>
+        <pc:spChg chg="mod">
+          <ac:chgData name="Liu, Changsheng A." userId="877438ce-3489-4027-b8c0-4bd167ef53d0" providerId="ADAL" clId="{35AB68C3-AADD-4C6C-B90D-EE9085003035}" dt="2020-06-01T11:47:48.724" v="1689" actId="164"/>
+          <ac:spMkLst>
+            <pc:docMk/>
+            <pc:sldMk cId="2921799353" sldId="7074"/>
+            <ac:spMk id="50" creationId="{54AB5148-3057-4A1D-BF9B-17047A4E42D1}"/>
+          </ac:spMkLst>
+        </pc:spChg>
+        <pc:spChg chg="mod">
+          <ac:chgData name="Liu, Changsheng A." userId="877438ce-3489-4027-b8c0-4bd167ef53d0" providerId="ADAL" clId="{35AB68C3-AADD-4C6C-B90D-EE9085003035}" dt="2020-06-01T11:47:48.724" v="1689" actId="164"/>
+          <ac:spMkLst>
+            <pc:docMk/>
+            <pc:sldMk cId="2921799353" sldId="7074"/>
+            <ac:spMk id="51" creationId="{4644D9B5-A3D9-47F4-B408-5874AC22245D}"/>
+          </ac:spMkLst>
+        </pc:spChg>
+        <pc:spChg chg="mod">
+          <ac:chgData name="Liu, Changsheng A." userId="877438ce-3489-4027-b8c0-4bd167ef53d0" providerId="ADAL" clId="{35AB68C3-AADD-4C6C-B90D-EE9085003035}" dt="2020-06-01T11:47:48.724" v="1689" actId="164"/>
+          <ac:spMkLst>
+            <pc:docMk/>
+            <pc:sldMk cId="2921799353" sldId="7074"/>
+            <ac:spMk id="52" creationId="{53990669-D6CF-4256-B0BC-62FAE4029A59}"/>
+          </ac:spMkLst>
+        </pc:spChg>
+        <pc:spChg chg="mod">
+          <ac:chgData name="Liu, Changsheng A." userId="877438ce-3489-4027-b8c0-4bd167ef53d0" providerId="ADAL" clId="{35AB68C3-AADD-4C6C-B90D-EE9085003035}" dt="2020-06-01T11:47:48.724" v="1689" actId="164"/>
+          <ac:spMkLst>
+            <pc:docMk/>
+            <pc:sldMk cId="2921799353" sldId="7074"/>
+            <ac:spMk id="53" creationId="{ED89F336-4BEA-4C0D-8F17-74E1240A9038}"/>
+          </ac:spMkLst>
+        </pc:spChg>
+        <pc:spChg chg="mod">
+          <ac:chgData name="Liu, Changsheng A." userId="877438ce-3489-4027-b8c0-4bd167ef53d0" providerId="ADAL" clId="{35AB68C3-AADD-4C6C-B90D-EE9085003035}" dt="2020-06-01T11:47:48.724" v="1689" actId="164"/>
+          <ac:spMkLst>
+            <pc:docMk/>
+            <pc:sldMk cId="2921799353" sldId="7074"/>
+            <ac:spMk id="54" creationId="{2867D0DC-A98D-485E-9B48-B550939BA2A3}"/>
+          </ac:spMkLst>
+        </pc:spChg>
+        <pc:spChg chg="mod">
+          <ac:chgData name="Liu, Changsheng A." userId="877438ce-3489-4027-b8c0-4bd167ef53d0" providerId="ADAL" clId="{35AB68C3-AADD-4C6C-B90D-EE9085003035}" dt="2020-06-01T11:47:48.724" v="1689" actId="164"/>
+          <ac:spMkLst>
+            <pc:docMk/>
+            <pc:sldMk cId="2921799353" sldId="7074"/>
+            <ac:spMk id="55" creationId="{20F13826-1658-42F1-904F-384B91864645}"/>
+          </ac:spMkLst>
+        </pc:spChg>
+        <pc:spChg chg="mod">
+          <ac:chgData name="Liu, Changsheng A." userId="877438ce-3489-4027-b8c0-4bd167ef53d0" providerId="ADAL" clId="{35AB68C3-AADD-4C6C-B90D-EE9085003035}" dt="2020-06-01T11:47:48.724" v="1689" actId="164"/>
+          <ac:spMkLst>
+            <pc:docMk/>
+            <pc:sldMk cId="2921799353" sldId="7074"/>
+            <ac:spMk id="56" creationId="{E1984666-CC3C-4BAF-A1C3-5D3BEA45E35D}"/>
+          </ac:spMkLst>
+        </pc:spChg>
+        <pc:spChg chg="mod">
+          <ac:chgData name="Liu, Changsheng A." userId="877438ce-3489-4027-b8c0-4bd167ef53d0" providerId="ADAL" clId="{35AB68C3-AADD-4C6C-B90D-EE9085003035}" dt="2020-06-01T11:47:48.724" v="1689" actId="164"/>
+          <ac:spMkLst>
+            <pc:docMk/>
+            <pc:sldMk cId="2921799353" sldId="7074"/>
+            <ac:spMk id="57" creationId="{B2012D40-374F-43A6-A06B-6ED394DFA93F}"/>
+          </ac:spMkLst>
+        </pc:spChg>
+        <pc:spChg chg="mod">
+          <ac:chgData name="Liu, Changsheng A." userId="877438ce-3489-4027-b8c0-4bd167ef53d0" providerId="ADAL" clId="{35AB68C3-AADD-4C6C-B90D-EE9085003035}" dt="2020-06-01T11:47:48.724" v="1689" actId="164"/>
+          <ac:spMkLst>
+            <pc:docMk/>
+            <pc:sldMk cId="2921799353" sldId="7074"/>
+            <ac:spMk id="58" creationId="{36C34AC6-6463-4DF4-B0F3-4D381DC1A4F3}"/>
+          </ac:spMkLst>
+        </pc:spChg>
+        <pc:spChg chg="mod">
+          <ac:chgData name="Liu, Changsheng A." userId="877438ce-3489-4027-b8c0-4bd167ef53d0" providerId="ADAL" clId="{35AB68C3-AADD-4C6C-B90D-EE9085003035}" dt="2020-06-01T11:47:48.724" v="1689" actId="164"/>
+          <ac:spMkLst>
+            <pc:docMk/>
+            <pc:sldMk cId="2921799353" sldId="7074"/>
+            <ac:spMk id="59" creationId="{8EB26390-F4CC-43F7-BC11-B9999A07DDA0}"/>
+          </ac:spMkLst>
+        </pc:spChg>
+        <pc:spChg chg="mod">
+          <ac:chgData name="Liu, Changsheng A." userId="877438ce-3489-4027-b8c0-4bd167ef53d0" providerId="ADAL" clId="{35AB68C3-AADD-4C6C-B90D-EE9085003035}" dt="2020-06-01T11:47:48.724" v="1689" actId="164"/>
+          <ac:spMkLst>
+            <pc:docMk/>
+            <pc:sldMk cId="2921799353" sldId="7074"/>
+            <ac:spMk id="60" creationId="{C312CAA5-7D7C-474A-9701-6EF0914A6244}"/>
+          </ac:spMkLst>
+        </pc:spChg>
+        <pc:spChg chg="mod">
+          <ac:chgData name="Liu, Changsheng A." userId="877438ce-3489-4027-b8c0-4bd167ef53d0" providerId="ADAL" clId="{35AB68C3-AADD-4C6C-B90D-EE9085003035}" dt="2020-06-01T11:47:48.724" v="1689" actId="164"/>
+          <ac:spMkLst>
+            <pc:docMk/>
+            <pc:sldMk cId="2921799353" sldId="7074"/>
+            <ac:spMk id="61" creationId="{BAF5D4EC-7B74-4F1E-B6CF-6B2EB899A7DE}"/>
+          </ac:spMkLst>
+        </pc:spChg>
+        <pc:spChg chg="mod">
+          <ac:chgData name="Liu, Changsheng A." userId="877438ce-3489-4027-b8c0-4bd167ef53d0" providerId="ADAL" clId="{35AB68C3-AADD-4C6C-B90D-EE9085003035}" dt="2020-06-01T11:47:48.724" v="1689" actId="164"/>
+          <ac:spMkLst>
+            <pc:docMk/>
+            <pc:sldMk cId="2921799353" sldId="7074"/>
+            <ac:spMk id="62" creationId="{E1E7A93B-6099-40C5-9663-CACA3885B393}"/>
+          </ac:spMkLst>
+        </pc:spChg>
+        <pc:spChg chg="mod">
+          <ac:chgData name="Liu, Changsheng A." userId="877438ce-3489-4027-b8c0-4bd167ef53d0" providerId="ADAL" clId="{35AB68C3-AADD-4C6C-B90D-EE9085003035}" dt="2020-06-01T11:47:48.724" v="1689" actId="164"/>
+          <ac:spMkLst>
+            <pc:docMk/>
+            <pc:sldMk cId="2921799353" sldId="7074"/>
+            <ac:spMk id="66" creationId="{32128900-A13D-4FA0-9EF3-1CE6C9EA1C55}"/>
+          </ac:spMkLst>
+        </pc:spChg>
+        <pc:spChg chg="mod">
+          <ac:chgData name="Liu, Changsheng A." userId="877438ce-3489-4027-b8c0-4bd167ef53d0" providerId="ADAL" clId="{35AB68C3-AADD-4C6C-B90D-EE9085003035}" dt="2020-06-01T11:47:48.724" v="1689" actId="164"/>
+          <ac:spMkLst>
+            <pc:docMk/>
+            <pc:sldMk cId="2921799353" sldId="7074"/>
+            <ac:spMk id="68" creationId="{E2760D1B-B5A1-424A-8EFB-52943AAEA436}"/>
+          </ac:spMkLst>
+        </pc:spChg>
+        <pc:spChg chg="mod">
+          <ac:chgData name="Liu, Changsheng A." userId="877438ce-3489-4027-b8c0-4bd167ef53d0" providerId="ADAL" clId="{35AB68C3-AADD-4C6C-B90D-EE9085003035}" dt="2020-06-01T11:54:30.522" v="1780" actId="1037"/>
+          <ac:spMkLst>
+            <pc:docMk/>
+            <pc:sldMk cId="2921799353" sldId="7074"/>
+            <ac:spMk id="69" creationId="{5C141EF5-7E35-41E5-A919-CFA9081F5113}"/>
+          </ac:spMkLst>
+        </pc:spChg>
+        <pc:spChg chg="mod">
+          <ac:chgData name="Liu, Changsheng A." userId="877438ce-3489-4027-b8c0-4bd167ef53d0" providerId="ADAL" clId="{35AB68C3-AADD-4C6C-B90D-EE9085003035}" dt="2020-06-01T11:47:48.724" v="1689" actId="164"/>
+          <ac:spMkLst>
+            <pc:docMk/>
+            <pc:sldMk cId="2921799353" sldId="7074"/>
+            <ac:spMk id="72" creationId="{2AA5DAF8-DCEE-4FB4-903A-A5DE76111CFA}"/>
+          </ac:spMkLst>
+        </pc:spChg>
+        <pc:spChg chg="mod">
+          <ac:chgData name="Liu, Changsheng A." userId="877438ce-3489-4027-b8c0-4bd167ef53d0" providerId="ADAL" clId="{35AB68C3-AADD-4C6C-B90D-EE9085003035}" dt="2020-06-01T11:47:48.724" v="1689" actId="164"/>
+          <ac:spMkLst>
+            <pc:docMk/>
+            <pc:sldMk cId="2921799353" sldId="7074"/>
+            <ac:spMk id="73" creationId="{CB23F596-D5BE-454E-B59B-1378CFC55C5E}"/>
+          </ac:spMkLst>
+        </pc:spChg>
+        <pc:spChg chg="mod">
+          <ac:chgData name="Liu, Changsheng A." userId="877438ce-3489-4027-b8c0-4bd167ef53d0" providerId="ADAL" clId="{35AB68C3-AADD-4C6C-B90D-EE9085003035}" dt="2020-06-01T11:47:48.724" v="1689" actId="164"/>
+          <ac:spMkLst>
+            <pc:docMk/>
+            <pc:sldMk cId="2921799353" sldId="7074"/>
+            <ac:spMk id="74" creationId="{4AA14367-7A10-476F-9016-49A2BBEA799F}"/>
+          </ac:spMkLst>
+        </pc:spChg>
+        <pc:spChg chg="mod">
+          <ac:chgData name="Liu, Changsheng A." userId="877438ce-3489-4027-b8c0-4bd167ef53d0" providerId="ADAL" clId="{35AB68C3-AADD-4C6C-B90D-EE9085003035}" dt="2020-06-01T11:47:48.724" v="1689" actId="164"/>
+          <ac:spMkLst>
+            <pc:docMk/>
+            <pc:sldMk cId="2921799353" sldId="7074"/>
+            <ac:spMk id="75" creationId="{BC02985C-7420-4986-B441-1AA4D0775D16}"/>
+          </ac:spMkLst>
+        </pc:spChg>
+        <pc:spChg chg="mod">
+          <ac:chgData name="Liu, Changsheng A." userId="877438ce-3489-4027-b8c0-4bd167ef53d0" providerId="ADAL" clId="{35AB68C3-AADD-4C6C-B90D-EE9085003035}" dt="2020-06-01T11:47:48.724" v="1689" actId="164"/>
+          <ac:spMkLst>
+            <pc:docMk/>
+            <pc:sldMk cId="2921799353" sldId="7074"/>
+            <ac:spMk id="76" creationId="{17710159-EF59-48F8-B91B-8D2134F4FDE8}"/>
+          </ac:spMkLst>
+        </pc:spChg>
+        <pc:spChg chg="mod">
+          <ac:chgData name="Liu, Changsheng A." userId="877438ce-3489-4027-b8c0-4bd167ef53d0" providerId="ADAL" clId="{35AB68C3-AADD-4C6C-B90D-EE9085003035}" dt="2020-06-01T11:47:48.724" v="1689" actId="164"/>
+          <ac:spMkLst>
+            <pc:docMk/>
+            <pc:sldMk cId="2921799353" sldId="7074"/>
+            <ac:spMk id="77" creationId="{30050CDE-A4DD-4DF7-AC94-99C0B4C96423}"/>
+          </ac:spMkLst>
+        </pc:spChg>
+        <pc:spChg chg="mod">
+          <ac:chgData name="Liu, Changsheng A." userId="877438ce-3489-4027-b8c0-4bd167ef53d0" providerId="ADAL" clId="{35AB68C3-AADD-4C6C-B90D-EE9085003035}" dt="2020-06-01T11:47:48.724" v="1689" actId="164"/>
+          <ac:spMkLst>
+            <pc:docMk/>
+            <pc:sldMk cId="2921799353" sldId="7074"/>
+            <ac:spMk id="78" creationId="{BCC7604B-327C-413F-9DA2-2B112C3E7359}"/>
+          </ac:spMkLst>
+        </pc:spChg>
+        <pc:spChg chg="mod">
+          <ac:chgData name="Liu, Changsheng A." userId="877438ce-3489-4027-b8c0-4bd167ef53d0" providerId="ADAL" clId="{35AB68C3-AADD-4C6C-B90D-EE9085003035}" dt="2020-06-01T11:47:48.724" v="1689" actId="164"/>
+          <ac:spMkLst>
+            <pc:docMk/>
+            <pc:sldMk cId="2921799353" sldId="7074"/>
+            <ac:spMk id="79" creationId="{3B0118A3-C45C-4EF2-9D15-7D5E3275D655}"/>
+          </ac:spMkLst>
+        </pc:spChg>
+        <pc:spChg chg="mod">
+          <ac:chgData name="Liu, Changsheng A." userId="877438ce-3489-4027-b8c0-4bd167ef53d0" providerId="ADAL" clId="{35AB68C3-AADD-4C6C-B90D-EE9085003035}" dt="2020-06-01T11:47:48.724" v="1689" actId="164"/>
+          <ac:spMkLst>
+            <pc:docMk/>
+            <pc:sldMk cId="2921799353" sldId="7074"/>
+            <ac:spMk id="80" creationId="{5687D83A-6553-459A-B2AF-7C6D59655E9D}"/>
+          </ac:spMkLst>
+        </pc:spChg>
+        <pc:spChg chg="mod">
+          <ac:chgData name="Liu, Changsheng A." userId="877438ce-3489-4027-b8c0-4bd167ef53d0" providerId="ADAL" clId="{35AB68C3-AADD-4C6C-B90D-EE9085003035}" dt="2020-06-01T11:47:48.724" v="1689" actId="164"/>
+          <ac:spMkLst>
+            <pc:docMk/>
+            <pc:sldMk cId="2921799353" sldId="7074"/>
+            <ac:spMk id="81" creationId="{EB7133EF-8594-4403-A8F8-500F799473D1}"/>
+          </ac:spMkLst>
+        </pc:spChg>
+        <pc:spChg chg="mod">
+          <ac:chgData name="Liu, Changsheng A." userId="877438ce-3489-4027-b8c0-4bd167ef53d0" providerId="ADAL" clId="{35AB68C3-AADD-4C6C-B90D-EE9085003035}" dt="2020-06-01T11:47:48.724" v="1689" actId="164"/>
+          <ac:spMkLst>
+            <pc:docMk/>
+            <pc:sldMk cId="2921799353" sldId="7074"/>
+            <ac:spMk id="82" creationId="{BBED5C99-389D-49D0-9DD0-A611CAB83AA6}"/>
+          </ac:spMkLst>
+        </pc:spChg>
+        <pc:spChg chg="mod">
+          <ac:chgData name="Liu, Changsheng A." userId="877438ce-3489-4027-b8c0-4bd167ef53d0" providerId="ADAL" clId="{35AB68C3-AADD-4C6C-B90D-EE9085003035}" dt="2020-06-01T11:47:48.724" v="1689" actId="164"/>
+          <ac:spMkLst>
+            <pc:docMk/>
+            <pc:sldMk cId="2921799353" sldId="7074"/>
+            <ac:spMk id="83" creationId="{7C624BD0-FD52-49EC-99AD-160153C5B3B5}"/>
+          </ac:spMkLst>
+        </pc:spChg>
+        <pc:spChg chg="mod">
+          <ac:chgData name="Liu, Changsheng A." userId="877438ce-3489-4027-b8c0-4bd167ef53d0" providerId="ADAL" clId="{35AB68C3-AADD-4C6C-B90D-EE9085003035}" dt="2020-06-01T11:47:48.724" v="1689" actId="164"/>
+          <ac:spMkLst>
+            <pc:docMk/>
+            <pc:sldMk cId="2921799353" sldId="7074"/>
+            <ac:spMk id="84" creationId="{16EB385F-196F-4CDA-88C5-119228B5A246}"/>
+          </ac:spMkLst>
+        </pc:spChg>
+        <pc:spChg chg="mod">
+          <ac:chgData name="Liu, Changsheng A." userId="877438ce-3489-4027-b8c0-4bd167ef53d0" providerId="ADAL" clId="{35AB68C3-AADD-4C6C-B90D-EE9085003035}" dt="2020-06-01T11:48:17.661" v="1692" actId="164"/>
+          <ac:spMkLst>
+            <pc:docMk/>
+            <pc:sldMk cId="2921799353" sldId="7074"/>
+            <ac:spMk id="155" creationId="{6982A03D-8A4B-43BB-91E2-9159A662C013}"/>
+          </ac:spMkLst>
+        </pc:spChg>
+        <pc:spChg chg="mod">
+          <ac:chgData name="Liu, Changsheng A." userId="877438ce-3489-4027-b8c0-4bd167ef53d0" providerId="ADAL" clId="{35AB68C3-AADD-4C6C-B90D-EE9085003035}" dt="2020-06-01T11:48:17.661" v="1692" actId="164"/>
+          <ac:spMkLst>
+            <pc:docMk/>
+            <pc:sldMk cId="2921799353" sldId="7074"/>
+            <ac:spMk id="163" creationId="{CA1BAFED-5DDC-47B0-BD1C-D57A40700217}"/>
+          </ac:spMkLst>
+        </pc:spChg>
+        <pc:spChg chg="mod">
+          <ac:chgData name="Liu, Changsheng A." userId="877438ce-3489-4027-b8c0-4bd167ef53d0" providerId="ADAL" clId="{35AB68C3-AADD-4C6C-B90D-EE9085003035}" dt="2020-06-01T11:48:17.661" v="1692" actId="164"/>
+          <ac:spMkLst>
+            <pc:docMk/>
+            <pc:sldMk cId="2921799353" sldId="7074"/>
+            <ac:spMk id="164" creationId="{B4516EAE-17E2-4D0B-BB0B-D6B897412231}"/>
+          </ac:spMkLst>
+        </pc:spChg>
+        <pc:spChg chg="mod">
+          <ac:chgData name="Liu, Changsheng A." userId="877438ce-3489-4027-b8c0-4bd167ef53d0" providerId="ADAL" clId="{35AB68C3-AADD-4C6C-B90D-EE9085003035}" dt="2020-06-01T11:48:17.661" v="1692" actId="164"/>
+          <ac:spMkLst>
+            <pc:docMk/>
+            <pc:sldMk cId="2921799353" sldId="7074"/>
+            <ac:spMk id="165" creationId="{91F95AEF-9785-4B46-A061-AB38A8446185}"/>
+          </ac:spMkLst>
+        </pc:spChg>
+        <pc:spChg chg="mod">
+          <ac:chgData name="Liu, Changsheng A." userId="877438ce-3489-4027-b8c0-4bd167ef53d0" providerId="ADAL" clId="{35AB68C3-AADD-4C6C-B90D-EE9085003035}" dt="2020-06-01T11:48:17.661" v="1692" actId="164"/>
+          <ac:spMkLst>
+            <pc:docMk/>
+            <pc:sldMk cId="2921799353" sldId="7074"/>
+            <ac:spMk id="166" creationId="{97C91B7C-AE15-468F-AC9B-A9A2E55C20E1}"/>
+          </ac:spMkLst>
+        </pc:spChg>
+        <pc:spChg chg="mod">
+          <ac:chgData name="Liu, Changsheng A." userId="877438ce-3489-4027-b8c0-4bd167ef53d0" providerId="ADAL" clId="{35AB68C3-AADD-4C6C-B90D-EE9085003035}" dt="2020-06-01T11:48:17.661" v="1692" actId="164"/>
+          <ac:spMkLst>
+            <pc:docMk/>
+            <pc:sldMk cId="2921799353" sldId="7074"/>
+            <ac:spMk id="167" creationId="{6B408180-4917-4DB9-AC94-8DEACB234430}"/>
+          </ac:spMkLst>
+        </pc:spChg>
+        <pc:spChg chg="mod">
+          <ac:chgData name="Liu, Changsheng A." userId="877438ce-3489-4027-b8c0-4bd167ef53d0" providerId="ADAL" clId="{35AB68C3-AADD-4C6C-B90D-EE9085003035}" dt="2020-06-01T11:48:17.661" v="1692" actId="164"/>
+          <ac:spMkLst>
+            <pc:docMk/>
+            <pc:sldMk cId="2921799353" sldId="7074"/>
+            <ac:spMk id="169" creationId="{99A53870-5371-4C8A-A81D-276EE8EFBB7A}"/>
+          </ac:spMkLst>
+        </pc:spChg>
+        <pc:spChg chg="mod">
+          <ac:chgData name="Liu, Changsheng A." userId="877438ce-3489-4027-b8c0-4bd167ef53d0" providerId="ADAL" clId="{35AB68C3-AADD-4C6C-B90D-EE9085003035}" dt="2020-06-01T11:48:17.661" v="1692" actId="164"/>
+          <ac:spMkLst>
+            <pc:docMk/>
+            <pc:sldMk cId="2921799353" sldId="7074"/>
+            <ac:spMk id="170" creationId="{E18C2752-AB71-4B8B-A535-FCA9A9E361FE}"/>
+          </ac:spMkLst>
+        </pc:spChg>
+        <pc:spChg chg="mod">
+          <ac:chgData name="Liu, Changsheng A." userId="877438ce-3489-4027-b8c0-4bd167ef53d0" providerId="ADAL" clId="{35AB68C3-AADD-4C6C-B90D-EE9085003035}" dt="2020-06-01T11:48:17.661" v="1692" actId="164"/>
+          <ac:spMkLst>
+            <pc:docMk/>
+            <pc:sldMk cId="2921799353" sldId="7074"/>
+            <ac:spMk id="171" creationId="{7A9A740D-B213-46A1-AC27-9FD465A398A1}"/>
+          </ac:spMkLst>
+        </pc:spChg>
+        <pc:spChg chg="mod">
+          <ac:chgData name="Liu, Changsheng A." userId="877438ce-3489-4027-b8c0-4bd167ef53d0" providerId="ADAL" clId="{35AB68C3-AADD-4C6C-B90D-EE9085003035}" dt="2020-06-01T11:48:17.661" v="1692" actId="164"/>
+          <ac:spMkLst>
+            <pc:docMk/>
+            <pc:sldMk cId="2921799353" sldId="7074"/>
+            <ac:spMk id="172" creationId="{7F0957FE-EBB4-4908-9598-0A31BD7571C7}"/>
+          </ac:spMkLst>
+        </pc:spChg>
+        <pc:spChg chg="mod">
+          <ac:chgData name="Liu, Changsheng A." userId="877438ce-3489-4027-b8c0-4bd167ef53d0" providerId="ADAL" clId="{35AB68C3-AADD-4C6C-B90D-EE9085003035}" dt="2020-06-01T11:48:17.661" v="1692" actId="164"/>
+          <ac:spMkLst>
+            <pc:docMk/>
+            <pc:sldMk cId="2921799353" sldId="7074"/>
+            <ac:spMk id="173" creationId="{CFA64541-AEC5-4EA2-8A3D-0D45CD8687FF}"/>
+          </ac:spMkLst>
+        </pc:spChg>
+        <pc:spChg chg="mod">
+          <ac:chgData name="Liu, Changsheng A." userId="877438ce-3489-4027-b8c0-4bd167ef53d0" providerId="ADAL" clId="{35AB68C3-AADD-4C6C-B90D-EE9085003035}" dt="2020-06-01T11:49:25.762" v="1700" actId="255"/>
+          <ac:spMkLst>
+            <pc:docMk/>
+            <pc:sldMk cId="2921799353" sldId="7074"/>
+            <ac:spMk id="174" creationId="{92E56961-D660-475F-9B5B-B563A8DE9738}"/>
+          </ac:spMkLst>
+        </pc:spChg>
+        <pc:spChg chg="mod ord">
+          <ac:chgData name="Liu, Changsheng A." userId="877438ce-3489-4027-b8c0-4bd167ef53d0" providerId="ADAL" clId="{35AB68C3-AADD-4C6C-B90D-EE9085003035}" dt="2020-06-01T11:49:38.129" v="1702" actId="166"/>
+          <ac:spMkLst>
+            <pc:docMk/>
+            <pc:sldMk cId="2921799353" sldId="7074"/>
+            <ac:spMk id="175" creationId="{82DD84EE-4862-40E4-B96F-05774D7524F3}"/>
+          </ac:spMkLst>
+        </pc:spChg>
+        <pc:spChg chg="mod">
+          <ac:chgData name="Liu, Changsheng A." userId="877438ce-3489-4027-b8c0-4bd167ef53d0" providerId="ADAL" clId="{35AB68C3-AADD-4C6C-B90D-EE9085003035}" dt="2020-06-01T11:48:57.429" v="1697" actId="1076"/>
+          <ac:spMkLst>
+            <pc:docMk/>
+            <pc:sldMk cId="2921799353" sldId="7074"/>
+            <ac:spMk id="176" creationId="{FE8BBEC4-CC86-4720-9F7B-B3ED90B167B5}"/>
+          </ac:spMkLst>
+        </pc:spChg>
+        <pc:grpChg chg="add mod">
+          <ac:chgData name="Liu, Changsheng A." userId="877438ce-3489-4027-b8c0-4bd167ef53d0" providerId="ADAL" clId="{35AB68C3-AADD-4C6C-B90D-EE9085003035}" dt="2020-06-01T11:54:30.522" v="1780" actId="1037"/>
+          <ac:grpSpMkLst>
+            <pc:docMk/>
+            <pc:sldMk cId="2921799353" sldId="7074"/>
+            <ac:grpSpMk id="6" creationId="{073EFC90-D264-4C76-BA70-0382BC3C7385}"/>
+          </ac:grpSpMkLst>
+        </pc:grpChg>
+        <pc:grpChg chg="add mod">
+          <ac:chgData name="Liu, Changsheng A." userId="877438ce-3489-4027-b8c0-4bd167ef53d0" providerId="ADAL" clId="{35AB68C3-AADD-4C6C-B90D-EE9085003035}" dt="2020-06-01T11:54:16.544" v="1764" actId="1076"/>
+          <ac:grpSpMkLst>
+            <pc:docMk/>
+            <pc:sldMk cId="2921799353" sldId="7074"/>
+            <ac:grpSpMk id="7" creationId="{95545018-B45C-40BD-8AFE-BF6018B61921}"/>
+          </ac:grpSpMkLst>
+        </pc:grpChg>
+        <pc:graphicFrameChg chg="mod">
+          <ac:chgData name="Liu, Changsheng A." userId="877438ce-3489-4027-b8c0-4bd167ef53d0" providerId="ADAL" clId="{35AB68C3-AADD-4C6C-B90D-EE9085003035}" dt="2020-06-01T11:48:17.661" v="1692" actId="164"/>
+          <ac:graphicFrameMkLst>
+            <pc:docMk/>
+            <pc:sldMk cId="2921799353" sldId="7074"/>
+            <ac:graphicFrameMk id="3" creationId="{48812ECC-C370-4011-B626-AECE60B19270}"/>
+          </ac:graphicFrameMkLst>
+        </pc:graphicFrameChg>
+        <pc:graphicFrameChg chg="mod modGraphic">
+          <ac:chgData name="Liu, Changsheng A." userId="877438ce-3489-4027-b8c0-4bd167ef53d0" providerId="ADAL" clId="{35AB68C3-AADD-4C6C-B90D-EE9085003035}" dt="2020-06-01T11:54:30.522" v="1780" actId="1037"/>
+          <ac:graphicFrameMkLst>
+            <pc:docMk/>
+            <pc:sldMk cId="2921799353" sldId="7074"/>
+            <ac:graphicFrameMk id="4" creationId="{6155957B-9638-40C1-A9BC-BE1BC7C9E984}"/>
+          </ac:graphicFrameMkLst>
+        </pc:graphicFrameChg>
+        <pc:cxnChg chg="mod">
+          <ac:chgData name="Liu, Changsheng A." userId="877438ce-3489-4027-b8c0-4bd167ef53d0" providerId="ADAL" clId="{35AB68C3-AADD-4C6C-B90D-EE9085003035}" dt="2020-06-01T11:47:48.724" v="1689" actId="164"/>
+          <ac:cxnSpMkLst>
+            <pc:docMk/>
+            <pc:sldMk cId="2921799353" sldId="7074"/>
+            <ac:cxnSpMk id="64" creationId="{9B801E2D-BCCB-43A2-B462-A9E7A0ECD55F}"/>
+          </ac:cxnSpMkLst>
+        </pc:cxnChg>
+        <pc:cxnChg chg="mod">
+          <ac:chgData name="Liu, Changsheng A." userId="877438ce-3489-4027-b8c0-4bd167ef53d0" providerId="ADAL" clId="{35AB68C3-AADD-4C6C-B90D-EE9085003035}" dt="2020-06-01T11:48:17.661" v="1692" actId="164"/>
+          <ac:cxnSpMkLst>
+            <pc:docMk/>
+            <pc:sldMk cId="2921799353" sldId="7074"/>
+            <ac:cxnSpMk id="156" creationId="{057354C6-0346-4CA3-A479-3477BEAE1DAB}"/>
+          </ac:cxnSpMkLst>
+        </pc:cxnChg>
+        <pc:cxnChg chg="mod">
+          <ac:chgData name="Liu, Changsheng A." userId="877438ce-3489-4027-b8c0-4bd167ef53d0" providerId="ADAL" clId="{35AB68C3-AADD-4C6C-B90D-EE9085003035}" dt="2020-06-01T11:48:17.661" v="1692" actId="164"/>
+          <ac:cxnSpMkLst>
+            <pc:docMk/>
+            <pc:sldMk cId="2921799353" sldId="7074"/>
+            <ac:cxnSpMk id="157" creationId="{283245AB-D2A2-442F-AB6F-5C47867B2BDA}"/>
+          </ac:cxnSpMkLst>
+        </pc:cxnChg>
+        <pc:cxnChg chg="mod">
+          <ac:chgData name="Liu, Changsheng A." userId="877438ce-3489-4027-b8c0-4bd167ef53d0" providerId="ADAL" clId="{35AB68C3-AADD-4C6C-B90D-EE9085003035}" dt="2020-06-01T11:48:17.661" v="1692" actId="164"/>
+          <ac:cxnSpMkLst>
+            <pc:docMk/>
+            <pc:sldMk cId="2921799353" sldId="7074"/>
+            <ac:cxnSpMk id="158" creationId="{55F60300-A651-44B0-9DF7-118B18A86167}"/>
+          </ac:cxnSpMkLst>
+        </pc:cxnChg>
+        <pc:cxnChg chg="mod">
+          <ac:chgData name="Liu, Changsheng A." userId="877438ce-3489-4027-b8c0-4bd167ef53d0" providerId="ADAL" clId="{35AB68C3-AADD-4C6C-B90D-EE9085003035}" dt="2020-06-01T11:48:17.661" v="1692" actId="164"/>
+          <ac:cxnSpMkLst>
+            <pc:docMk/>
+            <pc:sldMk cId="2921799353" sldId="7074"/>
+            <ac:cxnSpMk id="159" creationId="{71E90A51-52B0-4AC3-82A9-35270E042A43}"/>
+          </ac:cxnSpMkLst>
+        </pc:cxnChg>
+        <pc:cxnChg chg="mod">
+          <ac:chgData name="Liu, Changsheng A." userId="877438ce-3489-4027-b8c0-4bd167ef53d0" providerId="ADAL" clId="{35AB68C3-AADD-4C6C-B90D-EE9085003035}" dt="2020-06-01T11:48:17.661" v="1692" actId="164"/>
+          <ac:cxnSpMkLst>
+            <pc:docMk/>
+            <pc:sldMk cId="2921799353" sldId="7074"/>
+            <ac:cxnSpMk id="160" creationId="{5112B6FD-E24B-413E-98D1-F4B3771C9BCE}"/>
+          </ac:cxnSpMkLst>
+        </pc:cxnChg>
+        <pc:cxnChg chg="mod">
+          <ac:chgData name="Liu, Changsheng A." userId="877438ce-3489-4027-b8c0-4bd167ef53d0" providerId="ADAL" clId="{35AB68C3-AADD-4C6C-B90D-EE9085003035}" dt="2020-06-01T11:48:17.661" v="1692" actId="164"/>
+          <ac:cxnSpMkLst>
+            <pc:docMk/>
+            <pc:sldMk cId="2921799353" sldId="7074"/>
+            <ac:cxnSpMk id="161" creationId="{0B4DB62A-5517-430A-94F5-0C22A7A10A28}"/>
+          </ac:cxnSpMkLst>
+        </pc:cxnChg>
+        <pc:cxnChg chg="mod">
+          <ac:chgData name="Liu, Changsheng A." userId="877438ce-3489-4027-b8c0-4bd167ef53d0" providerId="ADAL" clId="{35AB68C3-AADD-4C6C-B90D-EE9085003035}" dt="2020-06-01T11:48:17.661" v="1692" actId="164"/>
+          <ac:cxnSpMkLst>
+            <pc:docMk/>
+            <pc:sldMk cId="2921799353" sldId="7074"/>
+            <ac:cxnSpMk id="162" creationId="{AFB8B8D4-EEE9-4B04-862C-D0A85B5AFA07}"/>
+          </ac:cxnSpMkLst>
+        </pc:cxnChg>
+        <pc:cxnChg chg="mod">
+          <ac:chgData name="Liu, Changsheng A." userId="877438ce-3489-4027-b8c0-4bd167ef53d0" providerId="ADAL" clId="{35AB68C3-AADD-4C6C-B90D-EE9085003035}" dt="2020-06-01T11:48:17.661" v="1692" actId="164"/>
+          <ac:cxnSpMkLst>
+            <pc:docMk/>
+            <pc:sldMk cId="2921799353" sldId="7074"/>
+            <ac:cxnSpMk id="168" creationId="{4F63E910-D499-436F-B596-AEA1E239E922}"/>
+          </ac:cxnSpMkLst>
+        </pc:cxnChg>
+      </pc:sldChg>
+    </pc:docChg>
+  </pc:docChgLst>
+  <pc:docChgLst>
     <pc:chgData name="Liu, Changsheng A." userId="877438ce-3489-4027-b8c0-4bd167ef53d0" providerId="ADAL" clId="{43626957-3FDF-4338-9773-E2CB646F2E73}"/>
     <pc:docChg chg="undo custSel addSld delSld modSld">
       <pc:chgData name="Liu, Changsheng A." userId="877438ce-3489-4027-b8c0-4bd167ef53d0" providerId="ADAL" clId="{43626957-3FDF-4338-9773-E2CB646F2E73}" dt="2020-06-11T09:53:50.189" v="782"/>
@@ -3449,3306 +6749,6 @@
     </pc:docChg>
   </pc:docChgLst>
   <pc:docChgLst>
-    <pc:chgData name="Liu, Changsheng A." userId="877438ce-3489-4027-b8c0-4bd167ef53d0" providerId="ADAL" clId="{35AB68C3-AADD-4C6C-B90D-EE9085003035}"/>
-    <pc:docChg chg="undo custSel addSld modSld sldOrd">
-      <pc:chgData name="Liu, Changsheng A." userId="877438ce-3489-4027-b8c0-4bd167ef53d0" providerId="ADAL" clId="{35AB68C3-AADD-4C6C-B90D-EE9085003035}" dt="2020-06-01T11:54:34.824" v="1781" actId="1076"/>
-      <pc:docMkLst>
-        <pc:docMk/>
-      </pc:docMkLst>
-      <pc:sldChg chg="addSp delSp modSp ord modTransition">
-        <pc:chgData name="Liu, Changsheng A." userId="877438ce-3489-4027-b8c0-4bd167ef53d0" providerId="ADAL" clId="{35AB68C3-AADD-4C6C-B90D-EE9085003035}" dt="2020-06-01T05:41:20.256" v="1024"/>
-        <pc:sldMkLst>
-          <pc:docMk/>
-          <pc:sldMk cId="3624803210" sldId="7065"/>
-        </pc:sldMkLst>
-        <pc:spChg chg="mod">
-          <ac:chgData name="Liu, Changsheng A." userId="877438ce-3489-4027-b8c0-4bd167ef53d0" providerId="ADAL" clId="{35AB68C3-AADD-4C6C-B90D-EE9085003035}" dt="2020-06-01T03:30:17.437" v="8"/>
-          <ac:spMkLst>
-            <pc:docMk/>
-            <pc:sldMk cId="3624803210" sldId="7065"/>
-            <ac:spMk id="2" creationId="{181887AC-1E0B-4269-89DB-CE4A0D5F5100}"/>
-          </ac:spMkLst>
-        </pc:spChg>
-        <pc:spChg chg="del">
-          <ac:chgData name="Liu, Changsheng A." userId="877438ce-3489-4027-b8c0-4bd167ef53d0" providerId="ADAL" clId="{35AB68C3-AADD-4C6C-B90D-EE9085003035}" dt="2020-06-01T03:30:27.989" v="9" actId="478"/>
-          <ac:spMkLst>
-            <pc:docMk/>
-            <pc:sldMk cId="3624803210" sldId="7065"/>
-            <ac:spMk id="5" creationId="{67C02E1B-776D-443E-96EC-670F47554370}"/>
-          </ac:spMkLst>
-        </pc:spChg>
-        <pc:spChg chg="del">
-          <ac:chgData name="Liu, Changsheng A." userId="877438ce-3489-4027-b8c0-4bd167ef53d0" providerId="ADAL" clId="{35AB68C3-AADD-4C6C-B90D-EE9085003035}" dt="2020-06-01T03:30:27.989" v="9" actId="478"/>
-          <ac:spMkLst>
-            <pc:docMk/>
-            <pc:sldMk cId="3624803210" sldId="7065"/>
-            <ac:spMk id="6" creationId="{5D49D21E-1937-4C58-8EB0-EA9E06C18B81}"/>
-          </ac:spMkLst>
-        </pc:spChg>
-        <pc:spChg chg="del">
-          <ac:chgData name="Liu, Changsheng A." userId="877438ce-3489-4027-b8c0-4bd167ef53d0" providerId="ADAL" clId="{35AB68C3-AADD-4C6C-B90D-EE9085003035}" dt="2020-06-01T03:30:27.989" v="9" actId="478"/>
-          <ac:spMkLst>
-            <pc:docMk/>
-            <pc:sldMk cId="3624803210" sldId="7065"/>
-            <ac:spMk id="7" creationId="{9AAB083C-6F81-430F-9A9B-229C0DFC61F3}"/>
-          </ac:spMkLst>
-        </pc:spChg>
-        <pc:spChg chg="del">
-          <ac:chgData name="Liu, Changsheng A." userId="877438ce-3489-4027-b8c0-4bd167ef53d0" providerId="ADAL" clId="{35AB68C3-AADD-4C6C-B90D-EE9085003035}" dt="2020-06-01T03:30:27.989" v="9" actId="478"/>
-          <ac:spMkLst>
-            <pc:docMk/>
-            <pc:sldMk cId="3624803210" sldId="7065"/>
-            <ac:spMk id="8" creationId="{4B2183C8-14BE-47E3-8038-601F1EA75486}"/>
-          </ac:spMkLst>
-        </pc:spChg>
-        <pc:spChg chg="del">
-          <ac:chgData name="Liu, Changsheng A." userId="877438ce-3489-4027-b8c0-4bd167ef53d0" providerId="ADAL" clId="{35AB68C3-AADD-4C6C-B90D-EE9085003035}" dt="2020-06-01T03:30:27.989" v="9" actId="478"/>
-          <ac:spMkLst>
-            <pc:docMk/>
-            <pc:sldMk cId="3624803210" sldId="7065"/>
-            <ac:spMk id="9" creationId="{95CDEDF4-81CB-4EFC-B4B8-ED8C7D8E6D98}"/>
-          </ac:spMkLst>
-        </pc:spChg>
-        <pc:spChg chg="del">
-          <ac:chgData name="Liu, Changsheng A." userId="877438ce-3489-4027-b8c0-4bd167ef53d0" providerId="ADAL" clId="{35AB68C3-AADD-4C6C-B90D-EE9085003035}" dt="2020-06-01T03:30:27.989" v="9" actId="478"/>
-          <ac:spMkLst>
-            <pc:docMk/>
-            <pc:sldMk cId="3624803210" sldId="7065"/>
-            <ac:spMk id="10" creationId="{DF869208-FC7D-4D38-A597-36583D18D852}"/>
-          </ac:spMkLst>
-        </pc:spChg>
-        <pc:spChg chg="del">
-          <ac:chgData name="Liu, Changsheng A." userId="877438ce-3489-4027-b8c0-4bd167ef53d0" providerId="ADAL" clId="{35AB68C3-AADD-4C6C-B90D-EE9085003035}" dt="2020-06-01T03:30:27.989" v="9" actId="478"/>
-          <ac:spMkLst>
-            <pc:docMk/>
-            <pc:sldMk cId="3624803210" sldId="7065"/>
-            <ac:spMk id="11" creationId="{36ED4045-9D0D-40C9-9BE6-E52E843ACB4B}"/>
-          </ac:spMkLst>
-        </pc:spChg>
-        <pc:spChg chg="del">
-          <ac:chgData name="Liu, Changsheng A." userId="877438ce-3489-4027-b8c0-4bd167ef53d0" providerId="ADAL" clId="{35AB68C3-AADD-4C6C-B90D-EE9085003035}" dt="2020-06-01T03:30:27.989" v="9" actId="478"/>
-          <ac:spMkLst>
-            <pc:docMk/>
-            <pc:sldMk cId="3624803210" sldId="7065"/>
-            <ac:spMk id="12" creationId="{D99188AC-99B5-436F-B0EB-3F1EA201FD29}"/>
-          </ac:spMkLst>
-        </pc:spChg>
-        <pc:spChg chg="del">
-          <ac:chgData name="Liu, Changsheng A." userId="877438ce-3489-4027-b8c0-4bd167ef53d0" providerId="ADAL" clId="{35AB68C3-AADD-4C6C-B90D-EE9085003035}" dt="2020-06-01T03:30:27.989" v="9" actId="478"/>
-          <ac:spMkLst>
-            <pc:docMk/>
-            <pc:sldMk cId="3624803210" sldId="7065"/>
-            <ac:spMk id="14" creationId="{0DD24972-D6B9-4F2D-836A-177322D2B74F}"/>
-          </ac:spMkLst>
-        </pc:spChg>
-        <pc:spChg chg="del">
-          <ac:chgData name="Liu, Changsheng A." userId="877438ce-3489-4027-b8c0-4bd167ef53d0" providerId="ADAL" clId="{35AB68C3-AADD-4C6C-B90D-EE9085003035}" dt="2020-06-01T03:30:27.989" v="9" actId="478"/>
-          <ac:spMkLst>
-            <pc:docMk/>
-            <pc:sldMk cId="3624803210" sldId="7065"/>
-            <ac:spMk id="16" creationId="{039186A4-8901-4498-A3ED-D75034C7CE6F}"/>
-          </ac:spMkLst>
-        </pc:spChg>
-        <pc:spChg chg="del">
-          <ac:chgData name="Liu, Changsheng A." userId="877438ce-3489-4027-b8c0-4bd167ef53d0" providerId="ADAL" clId="{35AB68C3-AADD-4C6C-B90D-EE9085003035}" dt="2020-06-01T03:30:27.989" v="9" actId="478"/>
-          <ac:spMkLst>
-            <pc:docMk/>
-            <pc:sldMk cId="3624803210" sldId="7065"/>
-            <ac:spMk id="17" creationId="{B946F402-1E80-45B3-8934-96BA34B51F65}"/>
-          </ac:spMkLst>
-        </pc:spChg>
-        <pc:spChg chg="del">
-          <ac:chgData name="Liu, Changsheng A." userId="877438ce-3489-4027-b8c0-4bd167ef53d0" providerId="ADAL" clId="{35AB68C3-AADD-4C6C-B90D-EE9085003035}" dt="2020-06-01T03:30:27.989" v="9" actId="478"/>
-          <ac:spMkLst>
-            <pc:docMk/>
-            <pc:sldMk cId="3624803210" sldId="7065"/>
-            <ac:spMk id="18" creationId="{143A9E40-AD01-472D-A770-B2B8175748FB}"/>
-          </ac:spMkLst>
-        </pc:spChg>
-        <pc:spChg chg="del">
-          <ac:chgData name="Liu, Changsheng A." userId="877438ce-3489-4027-b8c0-4bd167ef53d0" providerId="ADAL" clId="{35AB68C3-AADD-4C6C-B90D-EE9085003035}" dt="2020-06-01T03:30:27.989" v="9" actId="478"/>
-          <ac:spMkLst>
-            <pc:docMk/>
-            <pc:sldMk cId="3624803210" sldId="7065"/>
-            <ac:spMk id="19" creationId="{3D5F391C-2485-4310-9425-3DFACE909772}"/>
-          </ac:spMkLst>
-        </pc:spChg>
-        <pc:spChg chg="del">
-          <ac:chgData name="Liu, Changsheng A." userId="877438ce-3489-4027-b8c0-4bd167ef53d0" providerId="ADAL" clId="{35AB68C3-AADD-4C6C-B90D-EE9085003035}" dt="2020-06-01T03:30:27.989" v="9" actId="478"/>
-          <ac:spMkLst>
-            <pc:docMk/>
-            <pc:sldMk cId="3624803210" sldId="7065"/>
-            <ac:spMk id="20" creationId="{5DBB7662-C21C-46DE-8B26-C60C57BB5B46}"/>
-          </ac:spMkLst>
-        </pc:spChg>
-        <pc:spChg chg="del">
-          <ac:chgData name="Liu, Changsheng A." userId="877438ce-3489-4027-b8c0-4bd167ef53d0" providerId="ADAL" clId="{35AB68C3-AADD-4C6C-B90D-EE9085003035}" dt="2020-06-01T03:30:27.989" v="9" actId="478"/>
-          <ac:spMkLst>
-            <pc:docMk/>
-            <pc:sldMk cId="3624803210" sldId="7065"/>
-            <ac:spMk id="21" creationId="{FB471F62-91BE-4CF0-9AAD-874D28A42646}"/>
-          </ac:spMkLst>
-        </pc:spChg>
-        <pc:spChg chg="del">
-          <ac:chgData name="Liu, Changsheng A." userId="877438ce-3489-4027-b8c0-4bd167ef53d0" providerId="ADAL" clId="{35AB68C3-AADD-4C6C-B90D-EE9085003035}" dt="2020-06-01T03:30:27.989" v="9" actId="478"/>
-          <ac:spMkLst>
-            <pc:docMk/>
-            <pc:sldMk cId="3624803210" sldId="7065"/>
-            <ac:spMk id="22" creationId="{C08FB6A6-3A8E-4100-9422-364F1AA66C23}"/>
-          </ac:spMkLst>
-        </pc:spChg>
-        <pc:spChg chg="del">
-          <ac:chgData name="Liu, Changsheng A." userId="877438ce-3489-4027-b8c0-4bd167ef53d0" providerId="ADAL" clId="{35AB68C3-AADD-4C6C-B90D-EE9085003035}" dt="2020-06-01T03:30:30.166" v="10" actId="478"/>
-          <ac:spMkLst>
-            <pc:docMk/>
-            <pc:sldMk cId="3624803210" sldId="7065"/>
-            <ac:spMk id="23" creationId="{9296144F-283D-4B75-9511-A1160AC492F8}"/>
-          </ac:spMkLst>
-        </pc:spChg>
-        <pc:spChg chg="add mod">
-          <ac:chgData name="Liu, Changsheng A." userId="877438ce-3489-4027-b8c0-4bd167ef53d0" providerId="ADAL" clId="{35AB68C3-AADD-4C6C-B90D-EE9085003035}" dt="2020-06-01T03:59:11.903" v="281" actId="1076"/>
-          <ac:spMkLst>
-            <pc:docMk/>
-            <pc:sldMk cId="3624803210" sldId="7065"/>
-            <ac:spMk id="24" creationId="{1427C411-8467-4EC1-AFF2-82A3435FA2B7}"/>
-          </ac:spMkLst>
-        </pc:spChg>
-        <pc:spChg chg="del">
-          <ac:chgData name="Liu, Changsheng A." userId="877438ce-3489-4027-b8c0-4bd167ef53d0" providerId="ADAL" clId="{35AB68C3-AADD-4C6C-B90D-EE9085003035}" dt="2020-06-01T03:30:27.989" v="9" actId="478"/>
-          <ac:spMkLst>
-            <pc:docMk/>
-            <pc:sldMk cId="3624803210" sldId="7065"/>
-            <ac:spMk id="25" creationId="{76FFCA00-4311-4E40-8F22-3D87210FECF6}"/>
-          </ac:spMkLst>
-        </pc:spChg>
-        <pc:spChg chg="add del">
-          <ac:chgData name="Liu, Changsheng A." userId="877438ce-3489-4027-b8c0-4bd167ef53d0" providerId="ADAL" clId="{35AB68C3-AADD-4C6C-B90D-EE9085003035}" dt="2020-06-01T03:40:36.327" v="75" actId="478"/>
-          <ac:spMkLst>
-            <pc:docMk/>
-            <pc:sldMk cId="3624803210" sldId="7065"/>
-            <ac:spMk id="26" creationId="{6FC74805-22EA-49C0-BADA-2B84A7EFC3D7}"/>
-          </ac:spMkLst>
-        </pc:spChg>
-        <pc:spChg chg="add mod">
-          <ac:chgData name="Liu, Changsheng A." userId="877438ce-3489-4027-b8c0-4bd167ef53d0" providerId="ADAL" clId="{35AB68C3-AADD-4C6C-B90D-EE9085003035}" dt="2020-06-01T04:00:00.857" v="303" actId="164"/>
-          <ac:spMkLst>
-            <pc:docMk/>
-            <pc:sldMk cId="3624803210" sldId="7065"/>
-            <ac:spMk id="27" creationId="{11738D7A-04CC-4EF5-85EA-BDE095A887FD}"/>
-          </ac:spMkLst>
-        </pc:spChg>
-        <pc:spChg chg="add mod">
-          <ac:chgData name="Liu, Changsheng A." userId="877438ce-3489-4027-b8c0-4bd167ef53d0" providerId="ADAL" clId="{35AB68C3-AADD-4C6C-B90D-EE9085003035}" dt="2020-06-01T04:00:00.857" v="303" actId="164"/>
-          <ac:spMkLst>
-            <pc:docMk/>
-            <pc:sldMk cId="3624803210" sldId="7065"/>
-            <ac:spMk id="28" creationId="{647402D2-B8CB-46CB-8230-49DE19402AF3}"/>
-          </ac:spMkLst>
-        </pc:spChg>
-        <pc:spChg chg="add mod">
-          <ac:chgData name="Liu, Changsheng A." userId="877438ce-3489-4027-b8c0-4bd167ef53d0" providerId="ADAL" clId="{35AB68C3-AADD-4C6C-B90D-EE9085003035}" dt="2020-06-01T04:00:00.857" v="303" actId="164"/>
-          <ac:spMkLst>
-            <pc:docMk/>
-            <pc:sldMk cId="3624803210" sldId="7065"/>
-            <ac:spMk id="29" creationId="{8E9C722A-B2BA-42B5-9B86-8CA59B700607}"/>
-          </ac:spMkLst>
-        </pc:spChg>
-        <pc:spChg chg="add mod">
-          <ac:chgData name="Liu, Changsheng A." userId="877438ce-3489-4027-b8c0-4bd167ef53d0" providerId="ADAL" clId="{35AB68C3-AADD-4C6C-B90D-EE9085003035}" dt="2020-06-01T04:00:00.857" v="303" actId="164"/>
-          <ac:spMkLst>
-            <pc:docMk/>
-            <pc:sldMk cId="3624803210" sldId="7065"/>
-            <ac:spMk id="30" creationId="{8BCFEBA6-0EAC-473F-9E61-61E0E7D7E676}"/>
-          </ac:spMkLst>
-        </pc:spChg>
-        <pc:spChg chg="add mod">
-          <ac:chgData name="Liu, Changsheng A." userId="877438ce-3489-4027-b8c0-4bd167ef53d0" providerId="ADAL" clId="{35AB68C3-AADD-4C6C-B90D-EE9085003035}" dt="2020-06-01T04:00:00.857" v="303" actId="164"/>
-          <ac:spMkLst>
-            <pc:docMk/>
-            <pc:sldMk cId="3624803210" sldId="7065"/>
-            <ac:spMk id="31" creationId="{832A4CF6-9CE5-4438-BA5C-AFD082F0C2F4}"/>
-          </ac:spMkLst>
-        </pc:spChg>
-        <pc:spChg chg="add mod">
-          <ac:chgData name="Liu, Changsheng A." userId="877438ce-3489-4027-b8c0-4bd167ef53d0" providerId="ADAL" clId="{35AB68C3-AADD-4C6C-B90D-EE9085003035}" dt="2020-06-01T04:00:00.857" v="303" actId="164"/>
-          <ac:spMkLst>
-            <pc:docMk/>
-            <pc:sldMk cId="3624803210" sldId="7065"/>
-            <ac:spMk id="32" creationId="{71B31A1F-918C-43A4-AA7E-AFC6E6F24BDD}"/>
-          </ac:spMkLst>
-        </pc:spChg>
-        <pc:spChg chg="add mod">
-          <ac:chgData name="Liu, Changsheng A." userId="877438ce-3489-4027-b8c0-4bd167ef53d0" providerId="ADAL" clId="{35AB68C3-AADD-4C6C-B90D-EE9085003035}" dt="2020-06-01T04:00:00.857" v="303" actId="164"/>
-          <ac:spMkLst>
-            <pc:docMk/>
-            <pc:sldMk cId="3624803210" sldId="7065"/>
-            <ac:spMk id="33" creationId="{EB5F6BFC-515D-409D-98C7-AE8F56A40405}"/>
-          </ac:spMkLst>
-        </pc:spChg>
-        <pc:spChg chg="add mod">
-          <ac:chgData name="Liu, Changsheng A." userId="877438ce-3489-4027-b8c0-4bd167ef53d0" providerId="ADAL" clId="{35AB68C3-AADD-4C6C-B90D-EE9085003035}" dt="2020-06-01T04:00:00.857" v="303" actId="164"/>
-          <ac:spMkLst>
-            <pc:docMk/>
-            <pc:sldMk cId="3624803210" sldId="7065"/>
-            <ac:spMk id="34" creationId="{55E82AD3-D03E-478C-9A5F-F93F75E34F59}"/>
-          </ac:spMkLst>
-        </pc:spChg>
-        <pc:spChg chg="add mod">
-          <ac:chgData name="Liu, Changsheng A." userId="877438ce-3489-4027-b8c0-4bd167ef53d0" providerId="ADAL" clId="{35AB68C3-AADD-4C6C-B90D-EE9085003035}" dt="2020-06-01T04:00:00.857" v="303" actId="164"/>
-          <ac:spMkLst>
-            <pc:docMk/>
-            <pc:sldMk cId="3624803210" sldId="7065"/>
-            <ac:spMk id="35" creationId="{324ECC88-9E99-46EA-B9E6-8E27507BD242}"/>
-          </ac:spMkLst>
-        </pc:spChg>
-        <pc:spChg chg="add mod">
-          <ac:chgData name="Liu, Changsheng A." userId="877438ce-3489-4027-b8c0-4bd167ef53d0" providerId="ADAL" clId="{35AB68C3-AADD-4C6C-B90D-EE9085003035}" dt="2020-06-01T04:00:00.857" v="303" actId="164"/>
-          <ac:spMkLst>
-            <pc:docMk/>
-            <pc:sldMk cId="3624803210" sldId="7065"/>
-            <ac:spMk id="36" creationId="{55AEC59F-A253-42D6-BAB5-62B1A8024B6C}"/>
-          </ac:spMkLst>
-        </pc:spChg>
-        <pc:spChg chg="add mod">
-          <ac:chgData name="Liu, Changsheng A." userId="877438ce-3489-4027-b8c0-4bd167ef53d0" providerId="ADAL" clId="{35AB68C3-AADD-4C6C-B90D-EE9085003035}" dt="2020-06-01T04:00:00.857" v="303" actId="164"/>
-          <ac:spMkLst>
-            <pc:docMk/>
-            <pc:sldMk cId="3624803210" sldId="7065"/>
-            <ac:spMk id="37" creationId="{5768E9E1-7A19-4265-98EA-F4D06E010D87}"/>
-          </ac:spMkLst>
-        </pc:spChg>
-        <pc:spChg chg="add mod">
-          <ac:chgData name="Liu, Changsheng A." userId="877438ce-3489-4027-b8c0-4bd167ef53d0" providerId="ADAL" clId="{35AB68C3-AADD-4C6C-B90D-EE9085003035}" dt="2020-06-01T04:00:00.857" v="303" actId="164"/>
-          <ac:spMkLst>
-            <pc:docMk/>
-            <pc:sldMk cId="3624803210" sldId="7065"/>
-            <ac:spMk id="38" creationId="{121D65B4-E10C-4D60-B212-2C942968F72F}"/>
-          </ac:spMkLst>
-        </pc:spChg>
-        <pc:spChg chg="add mod">
-          <ac:chgData name="Liu, Changsheng A." userId="877438ce-3489-4027-b8c0-4bd167ef53d0" providerId="ADAL" clId="{35AB68C3-AADD-4C6C-B90D-EE9085003035}" dt="2020-06-01T04:00:00.857" v="303" actId="164"/>
-          <ac:spMkLst>
-            <pc:docMk/>
-            <pc:sldMk cId="3624803210" sldId="7065"/>
-            <ac:spMk id="39" creationId="{474E7E2E-C6D5-4FD4-A259-15836834AABA}"/>
-          </ac:spMkLst>
-        </pc:spChg>
-        <pc:spChg chg="add mod">
-          <ac:chgData name="Liu, Changsheng A." userId="877438ce-3489-4027-b8c0-4bd167ef53d0" providerId="ADAL" clId="{35AB68C3-AADD-4C6C-B90D-EE9085003035}" dt="2020-06-01T04:00:00.857" v="303" actId="164"/>
-          <ac:spMkLst>
-            <pc:docMk/>
-            <pc:sldMk cId="3624803210" sldId="7065"/>
-            <ac:spMk id="40" creationId="{EDBD5573-79E8-4AC2-A951-7D96D0C67F86}"/>
-          </ac:spMkLst>
-        </pc:spChg>
-        <pc:spChg chg="add mod">
-          <ac:chgData name="Liu, Changsheng A." userId="877438ce-3489-4027-b8c0-4bd167ef53d0" providerId="ADAL" clId="{35AB68C3-AADD-4C6C-B90D-EE9085003035}" dt="2020-06-01T04:00:00.857" v="303" actId="164"/>
-          <ac:spMkLst>
-            <pc:docMk/>
-            <pc:sldMk cId="3624803210" sldId="7065"/>
-            <ac:spMk id="41" creationId="{87D99611-DBFC-4621-B18D-892888142ECC}"/>
-          </ac:spMkLst>
-        </pc:spChg>
-        <pc:spChg chg="add mod">
-          <ac:chgData name="Liu, Changsheng A." userId="877438ce-3489-4027-b8c0-4bd167ef53d0" providerId="ADAL" clId="{35AB68C3-AADD-4C6C-B90D-EE9085003035}" dt="2020-06-01T04:00:00.857" v="303" actId="164"/>
-          <ac:spMkLst>
-            <pc:docMk/>
-            <pc:sldMk cId="3624803210" sldId="7065"/>
-            <ac:spMk id="42" creationId="{3E15D2F8-9DB0-4866-A4C8-8CD0F298F02A}"/>
-          </ac:spMkLst>
-        </pc:spChg>
-        <pc:spChg chg="add mod">
-          <ac:chgData name="Liu, Changsheng A." userId="877438ce-3489-4027-b8c0-4bd167ef53d0" providerId="ADAL" clId="{35AB68C3-AADD-4C6C-B90D-EE9085003035}" dt="2020-06-01T04:00:00.857" v="303" actId="164"/>
-          <ac:spMkLst>
-            <pc:docMk/>
-            <pc:sldMk cId="3624803210" sldId="7065"/>
-            <ac:spMk id="43" creationId="{07029AE1-F50D-4F8F-93D2-771A724A0918}"/>
-          </ac:spMkLst>
-        </pc:spChg>
-        <pc:spChg chg="add mod">
-          <ac:chgData name="Liu, Changsheng A." userId="877438ce-3489-4027-b8c0-4bd167ef53d0" providerId="ADAL" clId="{35AB68C3-AADD-4C6C-B90D-EE9085003035}" dt="2020-06-01T04:00:00.857" v="303" actId="164"/>
-          <ac:spMkLst>
-            <pc:docMk/>
-            <pc:sldMk cId="3624803210" sldId="7065"/>
-            <ac:spMk id="44" creationId="{8CD7A325-1339-4E4F-8A99-A2575C7BB420}"/>
-          </ac:spMkLst>
-        </pc:spChg>
-        <pc:spChg chg="add mod">
-          <ac:chgData name="Liu, Changsheng A." userId="877438ce-3489-4027-b8c0-4bd167ef53d0" providerId="ADAL" clId="{35AB68C3-AADD-4C6C-B90D-EE9085003035}" dt="2020-06-01T04:00:00.857" v="303" actId="164"/>
-          <ac:spMkLst>
-            <pc:docMk/>
-            <pc:sldMk cId="3624803210" sldId="7065"/>
-            <ac:spMk id="45" creationId="{8EE6D591-BD01-4AF9-9B1E-CA2D8A146FAB}"/>
-          </ac:spMkLst>
-        </pc:spChg>
-        <pc:spChg chg="add mod">
-          <ac:chgData name="Liu, Changsheng A." userId="877438ce-3489-4027-b8c0-4bd167ef53d0" providerId="ADAL" clId="{35AB68C3-AADD-4C6C-B90D-EE9085003035}" dt="2020-06-01T04:00:00.857" v="303" actId="164"/>
-          <ac:spMkLst>
-            <pc:docMk/>
-            <pc:sldMk cId="3624803210" sldId="7065"/>
-            <ac:spMk id="46" creationId="{FDF96610-225C-44FC-B78B-657ACA73AB8C}"/>
-          </ac:spMkLst>
-        </pc:spChg>
-        <pc:spChg chg="add mod">
-          <ac:chgData name="Liu, Changsheng A." userId="877438ce-3489-4027-b8c0-4bd167ef53d0" providerId="ADAL" clId="{35AB68C3-AADD-4C6C-B90D-EE9085003035}" dt="2020-06-01T04:00:00.857" v="303" actId="164"/>
-          <ac:spMkLst>
-            <pc:docMk/>
-            <pc:sldMk cId="3624803210" sldId="7065"/>
-            <ac:spMk id="47" creationId="{079577EA-BE69-4DE1-B648-AB5123CEBEBC}"/>
-          </ac:spMkLst>
-        </pc:spChg>
-        <pc:spChg chg="add mod">
-          <ac:chgData name="Liu, Changsheng A." userId="877438ce-3489-4027-b8c0-4bd167ef53d0" providerId="ADAL" clId="{35AB68C3-AADD-4C6C-B90D-EE9085003035}" dt="2020-06-01T04:00:00.857" v="303" actId="164"/>
-          <ac:spMkLst>
-            <pc:docMk/>
-            <pc:sldMk cId="3624803210" sldId="7065"/>
-            <ac:spMk id="48" creationId="{76CEF490-3071-41E9-B4AB-918ADD4A8177}"/>
-          </ac:spMkLst>
-        </pc:spChg>
-        <pc:spChg chg="add mod">
-          <ac:chgData name="Liu, Changsheng A." userId="877438ce-3489-4027-b8c0-4bd167ef53d0" providerId="ADAL" clId="{35AB68C3-AADD-4C6C-B90D-EE9085003035}" dt="2020-06-01T04:00:00.857" v="303" actId="164"/>
-          <ac:spMkLst>
-            <pc:docMk/>
-            <pc:sldMk cId="3624803210" sldId="7065"/>
-            <ac:spMk id="49" creationId="{C7AC6EAB-331F-42AF-8266-C1FF6C8666F2}"/>
-          </ac:spMkLst>
-        </pc:spChg>
-        <pc:spChg chg="add mod">
-          <ac:chgData name="Liu, Changsheng A." userId="877438ce-3489-4027-b8c0-4bd167ef53d0" providerId="ADAL" clId="{35AB68C3-AADD-4C6C-B90D-EE9085003035}" dt="2020-06-01T04:00:00.857" v="303" actId="164"/>
-          <ac:spMkLst>
-            <pc:docMk/>
-            <pc:sldMk cId="3624803210" sldId="7065"/>
-            <ac:spMk id="50" creationId="{54AB5148-3057-4A1D-BF9B-17047A4E42D1}"/>
-          </ac:spMkLst>
-        </pc:spChg>
-        <pc:spChg chg="add mod">
-          <ac:chgData name="Liu, Changsheng A." userId="877438ce-3489-4027-b8c0-4bd167ef53d0" providerId="ADAL" clId="{35AB68C3-AADD-4C6C-B90D-EE9085003035}" dt="2020-06-01T04:00:00.857" v="303" actId="164"/>
-          <ac:spMkLst>
-            <pc:docMk/>
-            <pc:sldMk cId="3624803210" sldId="7065"/>
-            <ac:spMk id="51" creationId="{4644D9B5-A3D9-47F4-B408-5874AC22245D}"/>
-          </ac:spMkLst>
-        </pc:spChg>
-        <pc:spChg chg="add mod">
-          <ac:chgData name="Liu, Changsheng A." userId="877438ce-3489-4027-b8c0-4bd167ef53d0" providerId="ADAL" clId="{35AB68C3-AADD-4C6C-B90D-EE9085003035}" dt="2020-06-01T04:00:00.857" v="303" actId="164"/>
-          <ac:spMkLst>
-            <pc:docMk/>
-            <pc:sldMk cId="3624803210" sldId="7065"/>
-            <ac:spMk id="52" creationId="{53990669-D6CF-4256-B0BC-62FAE4029A59}"/>
-          </ac:spMkLst>
-        </pc:spChg>
-        <pc:spChg chg="add mod">
-          <ac:chgData name="Liu, Changsheng A." userId="877438ce-3489-4027-b8c0-4bd167ef53d0" providerId="ADAL" clId="{35AB68C3-AADD-4C6C-B90D-EE9085003035}" dt="2020-06-01T04:00:00.857" v="303" actId="164"/>
-          <ac:spMkLst>
-            <pc:docMk/>
-            <pc:sldMk cId="3624803210" sldId="7065"/>
-            <ac:spMk id="53" creationId="{ED89F336-4BEA-4C0D-8F17-74E1240A9038}"/>
-          </ac:spMkLst>
-        </pc:spChg>
-        <pc:spChg chg="add mod">
-          <ac:chgData name="Liu, Changsheng A." userId="877438ce-3489-4027-b8c0-4bd167ef53d0" providerId="ADAL" clId="{35AB68C3-AADD-4C6C-B90D-EE9085003035}" dt="2020-06-01T04:00:00.857" v="303" actId="164"/>
-          <ac:spMkLst>
-            <pc:docMk/>
-            <pc:sldMk cId="3624803210" sldId="7065"/>
-            <ac:spMk id="54" creationId="{2867D0DC-A98D-485E-9B48-B550939BA2A3}"/>
-          </ac:spMkLst>
-        </pc:spChg>
-        <pc:spChg chg="add mod">
-          <ac:chgData name="Liu, Changsheng A." userId="877438ce-3489-4027-b8c0-4bd167ef53d0" providerId="ADAL" clId="{35AB68C3-AADD-4C6C-B90D-EE9085003035}" dt="2020-06-01T04:00:00.857" v="303" actId="164"/>
-          <ac:spMkLst>
-            <pc:docMk/>
-            <pc:sldMk cId="3624803210" sldId="7065"/>
-            <ac:spMk id="55" creationId="{20F13826-1658-42F1-904F-384B91864645}"/>
-          </ac:spMkLst>
-        </pc:spChg>
-        <pc:spChg chg="add mod">
-          <ac:chgData name="Liu, Changsheng A." userId="877438ce-3489-4027-b8c0-4bd167ef53d0" providerId="ADAL" clId="{35AB68C3-AADD-4C6C-B90D-EE9085003035}" dt="2020-06-01T04:00:00.857" v="303" actId="164"/>
-          <ac:spMkLst>
-            <pc:docMk/>
-            <pc:sldMk cId="3624803210" sldId="7065"/>
-            <ac:spMk id="56" creationId="{E1984666-CC3C-4BAF-A1C3-5D3BEA45E35D}"/>
-          </ac:spMkLst>
-        </pc:spChg>
-        <pc:spChg chg="add mod">
-          <ac:chgData name="Liu, Changsheng A." userId="877438ce-3489-4027-b8c0-4bd167ef53d0" providerId="ADAL" clId="{35AB68C3-AADD-4C6C-B90D-EE9085003035}" dt="2020-06-01T04:00:00.857" v="303" actId="164"/>
-          <ac:spMkLst>
-            <pc:docMk/>
-            <pc:sldMk cId="3624803210" sldId="7065"/>
-            <ac:spMk id="57" creationId="{B2012D40-374F-43A6-A06B-6ED394DFA93F}"/>
-          </ac:spMkLst>
-        </pc:spChg>
-        <pc:spChg chg="add mod">
-          <ac:chgData name="Liu, Changsheng A." userId="877438ce-3489-4027-b8c0-4bd167ef53d0" providerId="ADAL" clId="{35AB68C3-AADD-4C6C-B90D-EE9085003035}" dt="2020-06-01T04:00:00.857" v="303" actId="164"/>
-          <ac:spMkLst>
-            <pc:docMk/>
-            <pc:sldMk cId="3624803210" sldId="7065"/>
-            <ac:spMk id="58" creationId="{36C34AC6-6463-4DF4-B0F3-4D381DC1A4F3}"/>
-          </ac:spMkLst>
-        </pc:spChg>
-        <pc:spChg chg="add mod">
-          <ac:chgData name="Liu, Changsheng A." userId="877438ce-3489-4027-b8c0-4bd167ef53d0" providerId="ADAL" clId="{35AB68C3-AADD-4C6C-B90D-EE9085003035}" dt="2020-06-01T04:00:00.857" v="303" actId="164"/>
-          <ac:spMkLst>
-            <pc:docMk/>
-            <pc:sldMk cId="3624803210" sldId="7065"/>
-            <ac:spMk id="59" creationId="{8EB26390-F4CC-43F7-BC11-B9999A07DDA0}"/>
-          </ac:spMkLst>
-        </pc:spChg>
-        <pc:spChg chg="add mod">
-          <ac:chgData name="Liu, Changsheng A." userId="877438ce-3489-4027-b8c0-4bd167ef53d0" providerId="ADAL" clId="{35AB68C3-AADD-4C6C-B90D-EE9085003035}" dt="2020-06-01T04:00:00.857" v="303" actId="164"/>
-          <ac:spMkLst>
-            <pc:docMk/>
-            <pc:sldMk cId="3624803210" sldId="7065"/>
-            <ac:spMk id="60" creationId="{C312CAA5-7D7C-474A-9701-6EF0914A6244}"/>
-          </ac:spMkLst>
-        </pc:spChg>
-        <pc:spChg chg="add mod">
-          <ac:chgData name="Liu, Changsheng A." userId="877438ce-3489-4027-b8c0-4bd167ef53d0" providerId="ADAL" clId="{35AB68C3-AADD-4C6C-B90D-EE9085003035}" dt="2020-06-01T04:00:00.857" v="303" actId="164"/>
-          <ac:spMkLst>
-            <pc:docMk/>
-            <pc:sldMk cId="3624803210" sldId="7065"/>
-            <ac:spMk id="61" creationId="{BAF5D4EC-7B74-4F1E-B6CF-6B2EB899A7DE}"/>
-          </ac:spMkLst>
-        </pc:spChg>
-        <pc:spChg chg="add mod">
-          <ac:chgData name="Liu, Changsheng A." userId="877438ce-3489-4027-b8c0-4bd167ef53d0" providerId="ADAL" clId="{35AB68C3-AADD-4C6C-B90D-EE9085003035}" dt="2020-06-01T04:00:00.857" v="303" actId="164"/>
-          <ac:spMkLst>
-            <pc:docMk/>
-            <pc:sldMk cId="3624803210" sldId="7065"/>
-            <ac:spMk id="62" creationId="{E1E7A93B-6099-40C5-9663-CACA3885B393}"/>
-          </ac:spMkLst>
-        </pc:spChg>
-        <pc:spChg chg="add mod">
-          <ac:chgData name="Liu, Changsheng A." userId="877438ce-3489-4027-b8c0-4bd167ef53d0" providerId="ADAL" clId="{35AB68C3-AADD-4C6C-B90D-EE9085003035}" dt="2020-06-01T04:00:00.857" v="303" actId="164"/>
-          <ac:spMkLst>
-            <pc:docMk/>
-            <pc:sldMk cId="3624803210" sldId="7065"/>
-            <ac:spMk id="66" creationId="{32128900-A13D-4FA0-9EF3-1CE6C9EA1C55}"/>
-          </ac:spMkLst>
-        </pc:spChg>
-        <pc:spChg chg="add mod">
-          <ac:chgData name="Liu, Changsheng A." userId="877438ce-3489-4027-b8c0-4bd167ef53d0" providerId="ADAL" clId="{35AB68C3-AADD-4C6C-B90D-EE9085003035}" dt="2020-06-01T03:56:05.039" v="246" actId="571"/>
-          <ac:spMkLst>
-            <pc:docMk/>
-            <pc:sldMk cId="3624803210" sldId="7065"/>
-            <ac:spMk id="67" creationId="{46FE7740-4416-40FB-8BE9-591596249B3E}"/>
-          </ac:spMkLst>
-        </pc:spChg>
-        <pc:spChg chg="add mod">
-          <ac:chgData name="Liu, Changsheng A." userId="877438ce-3489-4027-b8c0-4bd167ef53d0" providerId="ADAL" clId="{35AB68C3-AADD-4C6C-B90D-EE9085003035}" dt="2020-06-01T04:00:00.857" v="303" actId="164"/>
-          <ac:spMkLst>
-            <pc:docMk/>
-            <pc:sldMk cId="3624803210" sldId="7065"/>
-            <ac:spMk id="68" creationId="{E2760D1B-B5A1-424A-8EFB-52943AAEA436}"/>
-          </ac:spMkLst>
-        </pc:spChg>
-        <pc:spChg chg="add mod">
-          <ac:chgData name="Liu, Changsheng A." userId="877438ce-3489-4027-b8c0-4bd167ef53d0" providerId="ADAL" clId="{35AB68C3-AADD-4C6C-B90D-EE9085003035}" dt="2020-06-01T03:59:34.132" v="302"/>
-          <ac:spMkLst>
-            <pc:docMk/>
-            <pc:sldMk cId="3624803210" sldId="7065"/>
-            <ac:spMk id="69" creationId="{5C141EF5-7E35-41E5-A919-CFA9081F5113}"/>
-          </ac:spMkLst>
-        </pc:spChg>
-        <pc:spChg chg="mod topLvl">
-          <ac:chgData name="Liu, Changsheng A." userId="877438ce-3489-4027-b8c0-4bd167ef53d0" providerId="ADAL" clId="{35AB68C3-AADD-4C6C-B90D-EE9085003035}" dt="2020-06-01T04:41:55.416" v="448" actId="1076"/>
-          <ac:spMkLst>
-            <pc:docMk/>
-            <pc:sldMk cId="3624803210" sldId="7065"/>
-            <ac:spMk id="73" creationId="{C918EAA6-9C07-44DC-B5F9-5F54AD289D5F}"/>
-          </ac:spMkLst>
-        </pc:spChg>
-        <pc:spChg chg="mod topLvl">
-          <ac:chgData name="Liu, Changsheng A." userId="877438ce-3489-4027-b8c0-4bd167ef53d0" providerId="ADAL" clId="{35AB68C3-AADD-4C6C-B90D-EE9085003035}" dt="2020-06-01T04:41:55.416" v="448" actId="1076"/>
-          <ac:spMkLst>
-            <pc:docMk/>
-            <pc:sldMk cId="3624803210" sldId="7065"/>
-            <ac:spMk id="74" creationId="{D1F19961-839A-43D0-9FD8-934DBF59A518}"/>
-          </ac:spMkLst>
-        </pc:spChg>
-        <pc:spChg chg="mod topLvl">
-          <ac:chgData name="Liu, Changsheng A." userId="877438ce-3489-4027-b8c0-4bd167ef53d0" providerId="ADAL" clId="{35AB68C3-AADD-4C6C-B90D-EE9085003035}" dt="2020-06-01T04:41:55.416" v="448" actId="1076"/>
-          <ac:spMkLst>
-            <pc:docMk/>
-            <pc:sldMk cId="3624803210" sldId="7065"/>
-            <ac:spMk id="75" creationId="{3D367AA3-8A5B-4703-8C98-B36A6627FC27}"/>
-          </ac:spMkLst>
-        </pc:spChg>
-        <pc:spChg chg="mod topLvl">
-          <ac:chgData name="Liu, Changsheng A." userId="877438ce-3489-4027-b8c0-4bd167ef53d0" providerId="ADAL" clId="{35AB68C3-AADD-4C6C-B90D-EE9085003035}" dt="2020-06-01T04:41:55.416" v="448" actId="1076"/>
-          <ac:spMkLst>
-            <pc:docMk/>
-            <pc:sldMk cId="3624803210" sldId="7065"/>
-            <ac:spMk id="76" creationId="{632CDAA2-F648-4C21-90FD-9B7D15758DFA}"/>
-          </ac:spMkLst>
-        </pc:spChg>
-        <pc:spChg chg="mod topLvl">
-          <ac:chgData name="Liu, Changsheng A." userId="877438ce-3489-4027-b8c0-4bd167ef53d0" providerId="ADAL" clId="{35AB68C3-AADD-4C6C-B90D-EE9085003035}" dt="2020-06-01T04:41:55.416" v="448" actId="1076"/>
-          <ac:spMkLst>
-            <pc:docMk/>
-            <pc:sldMk cId="3624803210" sldId="7065"/>
-            <ac:spMk id="77" creationId="{52A56CA4-BDEE-4E2D-BDAB-C12EEF19D873}"/>
-          </ac:spMkLst>
-        </pc:spChg>
-        <pc:spChg chg="mod topLvl">
-          <ac:chgData name="Liu, Changsheng A." userId="877438ce-3489-4027-b8c0-4bd167ef53d0" providerId="ADAL" clId="{35AB68C3-AADD-4C6C-B90D-EE9085003035}" dt="2020-06-01T04:41:55.416" v="448" actId="1076"/>
-          <ac:spMkLst>
-            <pc:docMk/>
-            <pc:sldMk cId="3624803210" sldId="7065"/>
-            <ac:spMk id="78" creationId="{66E78DA4-350B-42C6-8570-8B4AD41EDB73}"/>
-          </ac:spMkLst>
-        </pc:spChg>
-        <pc:spChg chg="mod topLvl">
-          <ac:chgData name="Liu, Changsheng A." userId="877438ce-3489-4027-b8c0-4bd167ef53d0" providerId="ADAL" clId="{35AB68C3-AADD-4C6C-B90D-EE9085003035}" dt="2020-06-01T04:41:55.416" v="448" actId="1076"/>
-          <ac:spMkLst>
-            <pc:docMk/>
-            <pc:sldMk cId="3624803210" sldId="7065"/>
-            <ac:spMk id="79" creationId="{B5671556-0C6A-45EF-87FB-B0F88B95FAC7}"/>
-          </ac:spMkLst>
-        </pc:spChg>
-        <pc:spChg chg="mod topLvl">
-          <ac:chgData name="Liu, Changsheng A." userId="877438ce-3489-4027-b8c0-4bd167ef53d0" providerId="ADAL" clId="{35AB68C3-AADD-4C6C-B90D-EE9085003035}" dt="2020-06-01T04:41:55.416" v="448" actId="1076"/>
-          <ac:spMkLst>
-            <pc:docMk/>
-            <pc:sldMk cId="3624803210" sldId="7065"/>
-            <ac:spMk id="80" creationId="{7213AE2C-9566-4E7C-8AEE-A752BADAB975}"/>
-          </ac:spMkLst>
-        </pc:spChg>
-        <pc:spChg chg="mod topLvl">
-          <ac:chgData name="Liu, Changsheng A." userId="877438ce-3489-4027-b8c0-4bd167ef53d0" providerId="ADAL" clId="{35AB68C3-AADD-4C6C-B90D-EE9085003035}" dt="2020-06-01T04:41:55.416" v="448" actId="1076"/>
-          <ac:spMkLst>
-            <pc:docMk/>
-            <pc:sldMk cId="3624803210" sldId="7065"/>
-            <ac:spMk id="81" creationId="{29E3C2BA-59C3-4C8C-A577-14F68BEBF182}"/>
-          </ac:spMkLst>
-        </pc:spChg>
-        <pc:spChg chg="mod topLvl">
-          <ac:chgData name="Liu, Changsheng A." userId="877438ce-3489-4027-b8c0-4bd167ef53d0" providerId="ADAL" clId="{35AB68C3-AADD-4C6C-B90D-EE9085003035}" dt="2020-06-01T04:41:55.416" v="448" actId="1076"/>
-          <ac:spMkLst>
-            <pc:docMk/>
-            <pc:sldMk cId="3624803210" sldId="7065"/>
-            <ac:spMk id="82" creationId="{2D00894F-720F-4D3B-9464-F5F7737E993E}"/>
-          </ac:spMkLst>
-        </pc:spChg>
-        <pc:spChg chg="mod topLvl">
-          <ac:chgData name="Liu, Changsheng A." userId="877438ce-3489-4027-b8c0-4bd167ef53d0" providerId="ADAL" clId="{35AB68C3-AADD-4C6C-B90D-EE9085003035}" dt="2020-06-01T04:41:55.416" v="448" actId="1076"/>
-          <ac:spMkLst>
-            <pc:docMk/>
-            <pc:sldMk cId="3624803210" sldId="7065"/>
-            <ac:spMk id="83" creationId="{A58D68DE-3B0F-40E2-942C-205EF9955733}"/>
-          </ac:spMkLst>
-        </pc:spChg>
-        <pc:spChg chg="mod topLvl">
-          <ac:chgData name="Liu, Changsheng A." userId="877438ce-3489-4027-b8c0-4bd167ef53d0" providerId="ADAL" clId="{35AB68C3-AADD-4C6C-B90D-EE9085003035}" dt="2020-06-01T04:41:55.416" v="448" actId="1076"/>
-          <ac:spMkLst>
-            <pc:docMk/>
-            <pc:sldMk cId="3624803210" sldId="7065"/>
-            <ac:spMk id="84" creationId="{A2406DB4-EC22-4584-8F6E-422D91D953B8}"/>
-          </ac:spMkLst>
-        </pc:spChg>
-        <pc:spChg chg="mod topLvl">
-          <ac:chgData name="Liu, Changsheng A." userId="877438ce-3489-4027-b8c0-4bd167ef53d0" providerId="ADAL" clId="{35AB68C3-AADD-4C6C-B90D-EE9085003035}" dt="2020-06-01T04:41:55.416" v="448" actId="1076"/>
-          <ac:spMkLst>
-            <pc:docMk/>
-            <pc:sldMk cId="3624803210" sldId="7065"/>
-            <ac:spMk id="85" creationId="{C2FFB4AE-ECEF-4F25-8FD4-25E26A11547E}"/>
-          </ac:spMkLst>
-        </pc:spChg>
-        <pc:spChg chg="mod topLvl">
-          <ac:chgData name="Liu, Changsheng A." userId="877438ce-3489-4027-b8c0-4bd167ef53d0" providerId="ADAL" clId="{35AB68C3-AADD-4C6C-B90D-EE9085003035}" dt="2020-06-01T04:41:55.416" v="448" actId="1076"/>
-          <ac:spMkLst>
-            <pc:docMk/>
-            <pc:sldMk cId="3624803210" sldId="7065"/>
-            <ac:spMk id="86" creationId="{9FCD27C7-B18C-4208-A08B-9A0E2F4005C9}"/>
-          </ac:spMkLst>
-        </pc:spChg>
-        <pc:spChg chg="mod topLvl">
-          <ac:chgData name="Liu, Changsheng A." userId="877438ce-3489-4027-b8c0-4bd167ef53d0" providerId="ADAL" clId="{35AB68C3-AADD-4C6C-B90D-EE9085003035}" dt="2020-06-01T04:41:55.416" v="448" actId="1076"/>
-          <ac:spMkLst>
-            <pc:docMk/>
-            <pc:sldMk cId="3624803210" sldId="7065"/>
-            <ac:spMk id="87" creationId="{95C96DFC-F507-40E2-980A-BD1D399C1716}"/>
-          </ac:spMkLst>
-        </pc:spChg>
-        <pc:spChg chg="mod topLvl">
-          <ac:chgData name="Liu, Changsheng A." userId="877438ce-3489-4027-b8c0-4bd167ef53d0" providerId="ADAL" clId="{35AB68C3-AADD-4C6C-B90D-EE9085003035}" dt="2020-06-01T04:41:55.416" v="448" actId="1076"/>
-          <ac:spMkLst>
-            <pc:docMk/>
-            <pc:sldMk cId="3624803210" sldId="7065"/>
-            <ac:spMk id="88" creationId="{C610D9EB-1277-45E9-8B63-0A6F93A2F4D9}"/>
-          </ac:spMkLst>
-        </pc:spChg>
-        <pc:spChg chg="mod topLvl">
-          <ac:chgData name="Liu, Changsheng A." userId="877438ce-3489-4027-b8c0-4bd167ef53d0" providerId="ADAL" clId="{35AB68C3-AADD-4C6C-B90D-EE9085003035}" dt="2020-06-01T04:41:55.416" v="448" actId="1076"/>
-          <ac:spMkLst>
-            <pc:docMk/>
-            <pc:sldMk cId="3624803210" sldId="7065"/>
-            <ac:spMk id="89" creationId="{15CBC2C3-9963-430E-A4F3-AEFBD069FDF4}"/>
-          </ac:spMkLst>
-        </pc:spChg>
-        <pc:spChg chg="mod topLvl">
-          <ac:chgData name="Liu, Changsheng A." userId="877438ce-3489-4027-b8c0-4bd167ef53d0" providerId="ADAL" clId="{35AB68C3-AADD-4C6C-B90D-EE9085003035}" dt="2020-06-01T04:41:55.416" v="448" actId="1076"/>
-          <ac:spMkLst>
-            <pc:docMk/>
-            <pc:sldMk cId="3624803210" sldId="7065"/>
-            <ac:spMk id="90" creationId="{85C4D1C7-71E6-4458-9F8C-5A46B68FBCEE}"/>
-          </ac:spMkLst>
-        </pc:spChg>
-        <pc:spChg chg="mod topLvl">
-          <ac:chgData name="Liu, Changsheng A." userId="877438ce-3489-4027-b8c0-4bd167ef53d0" providerId="ADAL" clId="{35AB68C3-AADD-4C6C-B90D-EE9085003035}" dt="2020-06-01T04:41:55.416" v="448" actId="1076"/>
-          <ac:spMkLst>
-            <pc:docMk/>
-            <pc:sldMk cId="3624803210" sldId="7065"/>
-            <ac:spMk id="91" creationId="{E9698AC7-C2D2-4CF6-B338-2A6BD4A9D0C5}"/>
-          </ac:spMkLst>
-        </pc:spChg>
-        <pc:spChg chg="mod topLvl">
-          <ac:chgData name="Liu, Changsheng A." userId="877438ce-3489-4027-b8c0-4bd167ef53d0" providerId="ADAL" clId="{35AB68C3-AADD-4C6C-B90D-EE9085003035}" dt="2020-06-01T04:41:55.416" v="448" actId="1076"/>
-          <ac:spMkLst>
-            <pc:docMk/>
-            <pc:sldMk cId="3624803210" sldId="7065"/>
-            <ac:spMk id="92" creationId="{474ACA4C-7E97-4885-BBE8-E8919C772130}"/>
-          </ac:spMkLst>
-        </pc:spChg>
-        <pc:spChg chg="mod topLvl">
-          <ac:chgData name="Liu, Changsheng A." userId="877438ce-3489-4027-b8c0-4bd167ef53d0" providerId="ADAL" clId="{35AB68C3-AADD-4C6C-B90D-EE9085003035}" dt="2020-06-01T04:41:55.416" v="448" actId="1076"/>
-          <ac:spMkLst>
-            <pc:docMk/>
-            <pc:sldMk cId="3624803210" sldId="7065"/>
-            <ac:spMk id="93" creationId="{2A91439D-1490-46AE-A0E5-1C26B48D69B3}"/>
-          </ac:spMkLst>
-        </pc:spChg>
-        <pc:spChg chg="mod topLvl">
-          <ac:chgData name="Liu, Changsheng A." userId="877438ce-3489-4027-b8c0-4bd167ef53d0" providerId="ADAL" clId="{35AB68C3-AADD-4C6C-B90D-EE9085003035}" dt="2020-06-01T04:41:55.416" v="448" actId="1076"/>
-          <ac:spMkLst>
-            <pc:docMk/>
-            <pc:sldMk cId="3624803210" sldId="7065"/>
-            <ac:spMk id="94" creationId="{37841FF5-848E-4BE6-B744-02FF44D8C7B9}"/>
-          </ac:spMkLst>
-        </pc:spChg>
-        <pc:spChg chg="mod topLvl">
-          <ac:chgData name="Liu, Changsheng A." userId="877438ce-3489-4027-b8c0-4bd167ef53d0" providerId="ADAL" clId="{35AB68C3-AADD-4C6C-B90D-EE9085003035}" dt="2020-06-01T04:41:55.416" v="448" actId="1076"/>
-          <ac:spMkLst>
-            <pc:docMk/>
-            <pc:sldMk cId="3624803210" sldId="7065"/>
-            <ac:spMk id="95" creationId="{FE396CCE-AAC0-4301-8301-833303B2454A}"/>
-          </ac:spMkLst>
-        </pc:spChg>
-        <pc:spChg chg="mod topLvl">
-          <ac:chgData name="Liu, Changsheng A." userId="877438ce-3489-4027-b8c0-4bd167ef53d0" providerId="ADAL" clId="{35AB68C3-AADD-4C6C-B90D-EE9085003035}" dt="2020-06-01T04:41:55.416" v="448" actId="1076"/>
-          <ac:spMkLst>
-            <pc:docMk/>
-            <pc:sldMk cId="3624803210" sldId="7065"/>
-            <ac:spMk id="96" creationId="{82C90A6D-3A2A-401A-93CF-DD1D728AE27B}"/>
-          </ac:spMkLst>
-        </pc:spChg>
-        <pc:spChg chg="mod topLvl">
-          <ac:chgData name="Liu, Changsheng A." userId="877438ce-3489-4027-b8c0-4bd167ef53d0" providerId="ADAL" clId="{35AB68C3-AADD-4C6C-B90D-EE9085003035}" dt="2020-06-01T04:41:55.416" v="448" actId="1076"/>
-          <ac:spMkLst>
-            <pc:docMk/>
-            <pc:sldMk cId="3624803210" sldId="7065"/>
-            <ac:spMk id="97" creationId="{4B38D850-F70E-4603-839A-295746F2711E}"/>
-          </ac:spMkLst>
-        </pc:spChg>
-        <pc:spChg chg="mod topLvl">
-          <ac:chgData name="Liu, Changsheng A." userId="877438ce-3489-4027-b8c0-4bd167ef53d0" providerId="ADAL" clId="{35AB68C3-AADD-4C6C-B90D-EE9085003035}" dt="2020-06-01T04:41:55.416" v="448" actId="1076"/>
-          <ac:spMkLst>
-            <pc:docMk/>
-            <pc:sldMk cId="3624803210" sldId="7065"/>
-            <ac:spMk id="98" creationId="{DB54479E-F8FA-462A-961A-16654FCBCE68}"/>
-          </ac:spMkLst>
-        </pc:spChg>
-        <pc:spChg chg="mod topLvl">
-          <ac:chgData name="Liu, Changsheng A." userId="877438ce-3489-4027-b8c0-4bd167ef53d0" providerId="ADAL" clId="{35AB68C3-AADD-4C6C-B90D-EE9085003035}" dt="2020-06-01T04:41:55.416" v="448" actId="1076"/>
-          <ac:spMkLst>
-            <pc:docMk/>
-            <pc:sldMk cId="3624803210" sldId="7065"/>
-            <ac:spMk id="99" creationId="{40491FAE-A039-496F-A88E-AFEBE57D02EB}"/>
-          </ac:spMkLst>
-        </pc:spChg>
-        <pc:spChg chg="mod topLvl">
-          <ac:chgData name="Liu, Changsheng A." userId="877438ce-3489-4027-b8c0-4bd167ef53d0" providerId="ADAL" clId="{35AB68C3-AADD-4C6C-B90D-EE9085003035}" dt="2020-06-01T04:41:55.416" v="448" actId="1076"/>
-          <ac:spMkLst>
-            <pc:docMk/>
-            <pc:sldMk cId="3624803210" sldId="7065"/>
-            <ac:spMk id="100" creationId="{1CBF5D12-AABF-416A-B695-631B7C7E47C4}"/>
-          </ac:spMkLst>
-        </pc:spChg>
-        <pc:spChg chg="mod topLvl">
-          <ac:chgData name="Liu, Changsheng A." userId="877438ce-3489-4027-b8c0-4bd167ef53d0" providerId="ADAL" clId="{35AB68C3-AADD-4C6C-B90D-EE9085003035}" dt="2020-06-01T04:41:55.416" v="448" actId="1076"/>
-          <ac:spMkLst>
-            <pc:docMk/>
-            <pc:sldMk cId="3624803210" sldId="7065"/>
-            <ac:spMk id="101" creationId="{04FE3A28-9252-4C9F-967D-2D294E319BFC}"/>
-          </ac:spMkLst>
-        </pc:spChg>
-        <pc:spChg chg="mod topLvl">
-          <ac:chgData name="Liu, Changsheng A." userId="877438ce-3489-4027-b8c0-4bd167ef53d0" providerId="ADAL" clId="{35AB68C3-AADD-4C6C-B90D-EE9085003035}" dt="2020-06-01T04:41:55.416" v="448" actId="1076"/>
-          <ac:spMkLst>
-            <pc:docMk/>
-            <pc:sldMk cId="3624803210" sldId="7065"/>
-            <ac:spMk id="102" creationId="{160E5C33-D47D-47A8-8CC0-3EF71F7F82EE}"/>
-          </ac:spMkLst>
-        </pc:spChg>
-        <pc:spChg chg="mod topLvl">
-          <ac:chgData name="Liu, Changsheng A." userId="877438ce-3489-4027-b8c0-4bd167ef53d0" providerId="ADAL" clId="{35AB68C3-AADD-4C6C-B90D-EE9085003035}" dt="2020-06-01T04:41:55.416" v="448" actId="1076"/>
-          <ac:spMkLst>
-            <pc:docMk/>
-            <pc:sldMk cId="3624803210" sldId="7065"/>
-            <ac:spMk id="103" creationId="{89C6A33B-9CCE-4BF6-92F8-223136E86BAE}"/>
-          </ac:spMkLst>
-        </pc:spChg>
-        <pc:spChg chg="mod topLvl">
-          <ac:chgData name="Liu, Changsheng A." userId="877438ce-3489-4027-b8c0-4bd167ef53d0" providerId="ADAL" clId="{35AB68C3-AADD-4C6C-B90D-EE9085003035}" dt="2020-06-01T04:41:55.416" v="448" actId="1076"/>
-          <ac:spMkLst>
-            <pc:docMk/>
-            <pc:sldMk cId="3624803210" sldId="7065"/>
-            <ac:spMk id="104" creationId="{54A573E5-6491-4E0A-B530-C587C24BD2D8}"/>
-          </ac:spMkLst>
-        </pc:spChg>
-        <pc:spChg chg="mod topLvl">
-          <ac:chgData name="Liu, Changsheng A." userId="877438ce-3489-4027-b8c0-4bd167ef53d0" providerId="ADAL" clId="{35AB68C3-AADD-4C6C-B90D-EE9085003035}" dt="2020-06-01T04:41:55.416" v="448" actId="1076"/>
-          <ac:spMkLst>
-            <pc:docMk/>
-            <pc:sldMk cId="3624803210" sldId="7065"/>
-            <ac:spMk id="105" creationId="{ED125A6F-5662-4835-97BE-45B32B26858D}"/>
-          </ac:spMkLst>
-        </pc:spChg>
-        <pc:spChg chg="mod topLvl">
-          <ac:chgData name="Liu, Changsheng A." userId="877438ce-3489-4027-b8c0-4bd167ef53d0" providerId="ADAL" clId="{35AB68C3-AADD-4C6C-B90D-EE9085003035}" dt="2020-06-01T04:41:55.416" v="448" actId="1076"/>
-          <ac:spMkLst>
-            <pc:docMk/>
-            <pc:sldMk cId="3624803210" sldId="7065"/>
-            <ac:spMk id="106" creationId="{99D10CBF-0E1D-46C2-BA30-72539A224612}"/>
-          </ac:spMkLst>
-        </pc:spChg>
-        <pc:spChg chg="mod topLvl">
-          <ac:chgData name="Liu, Changsheng A." userId="877438ce-3489-4027-b8c0-4bd167ef53d0" providerId="ADAL" clId="{35AB68C3-AADD-4C6C-B90D-EE9085003035}" dt="2020-06-01T04:41:55.416" v="448" actId="1076"/>
-          <ac:spMkLst>
-            <pc:docMk/>
-            <pc:sldMk cId="3624803210" sldId="7065"/>
-            <ac:spMk id="107" creationId="{E9841B50-00AF-4DFD-B750-37D87FEE0781}"/>
-          </ac:spMkLst>
-        </pc:spChg>
-        <pc:spChg chg="mod topLvl">
-          <ac:chgData name="Liu, Changsheng A." userId="877438ce-3489-4027-b8c0-4bd167ef53d0" providerId="ADAL" clId="{35AB68C3-AADD-4C6C-B90D-EE9085003035}" dt="2020-06-01T04:41:55.416" v="448" actId="1076"/>
-          <ac:spMkLst>
-            <pc:docMk/>
-            <pc:sldMk cId="3624803210" sldId="7065"/>
-            <ac:spMk id="108" creationId="{8D621B53-54E3-4C27-938B-E9C70955B71F}"/>
-          </ac:spMkLst>
-        </pc:spChg>
-        <pc:spChg chg="mod topLvl">
-          <ac:chgData name="Liu, Changsheng A." userId="877438ce-3489-4027-b8c0-4bd167ef53d0" providerId="ADAL" clId="{35AB68C3-AADD-4C6C-B90D-EE9085003035}" dt="2020-06-01T04:41:55.416" v="448" actId="1076"/>
-          <ac:spMkLst>
-            <pc:docMk/>
-            <pc:sldMk cId="3624803210" sldId="7065"/>
-            <ac:spMk id="110" creationId="{714FBE2E-5B11-4823-BFC9-75F56BC840B5}"/>
-          </ac:spMkLst>
-        </pc:spChg>
-        <pc:spChg chg="mod topLvl">
-          <ac:chgData name="Liu, Changsheng A." userId="877438ce-3489-4027-b8c0-4bd167ef53d0" providerId="ADAL" clId="{35AB68C3-AADD-4C6C-B90D-EE9085003035}" dt="2020-06-01T04:41:55.416" v="448" actId="1076"/>
-          <ac:spMkLst>
-            <pc:docMk/>
-            <pc:sldMk cId="3624803210" sldId="7065"/>
-            <ac:spMk id="111" creationId="{547B5C38-A9AE-4689-BF62-BAC1F0E99A97}"/>
-          </ac:spMkLst>
-        </pc:spChg>
-        <pc:spChg chg="add mod">
-          <ac:chgData name="Liu, Changsheng A." userId="877438ce-3489-4027-b8c0-4bd167ef53d0" providerId="ADAL" clId="{35AB68C3-AADD-4C6C-B90D-EE9085003035}" dt="2020-06-01T04:41:55.416" v="448" actId="1076"/>
-          <ac:spMkLst>
-            <pc:docMk/>
-            <pc:sldMk cId="3624803210" sldId="7065"/>
-            <ac:spMk id="112" creationId="{D4EFD47A-D98A-45E4-AF91-7501C47B75AA}"/>
-          </ac:spMkLst>
-        </pc:spChg>
-        <pc:spChg chg="add mod">
-          <ac:chgData name="Liu, Changsheng A." userId="877438ce-3489-4027-b8c0-4bd167ef53d0" providerId="ADAL" clId="{35AB68C3-AADD-4C6C-B90D-EE9085003035}" dt="2020-06-01T04:41:55.416" v="448" actId="1076"/>
-          <ac:spMkLst>
-            <pc:docMk/>
-            <pc:sldMk cId="3624803210" sldId="7065"/>
-            <ac:spMk id="113" creationId="{793D7213-8B76-4FA2-B315-A319B3627314}"/>
-          </ac:spMkLst>
-        </pc:spChg>
-        <pc:spChg chg="add mod">
-          <ac:chgData name="Liu, Changsheng A." userId="877438ce-3489-4027-b8c0-4bd167ef53d0" providerId="ADAL" clId="{35AB68C3-AADD-4C6C-B90D-EE9085003035}" dt="2020-06-01T04:41:55.416" v="448" actId="1076"/>
-          <ac:spMkLst>
-            <pc:docMk/>
-            <pc:sldMk cId="3624803210" sldId="7065"/>
-            <ac:spMk id="114" creationId="{ED2AC2BB-CDC0-4E31-9902-EFBBC86428B8}"/>
-          </ac:spMkLst>
-        </pc:spChg>
-        <pc:spChg chg="add mod">
-          <ac:chgData name="Liu, Changsheng A." userId="877438ce-3489-4027-b8c0-4bd167ef53d0" providerId="ADAL" clId="{35AB68C3-AADD-4C6C-B90D-EE9085003035}" dt="2020-06-01T04:41:55.416" v="448" actId="1076"/>
-          <ac:spMkLst>
-            <pc:docMk/>
-            <pc:sldMk cId="3624803210" sldId="7065"/>
-            <ac:spMk id="115" creationId="{6CDA40B8-F4A0-4861-B72A-38E7B58A3F44}"/>
-          </ac:spMkLst>
-        </pc:spChg>
-        <pc:spChg chg="add mod">
-          <ac:chgData name="Liu, Changsheng A." userId="877438ce-3489-4027-b8c0-4bd167ef53d0" providerId="ADAL" clId="{35AB68C3-AADD-4C6C-B90D-EE9085003035}" dt="2020-06-01T04:41:55.416" v="448" actId="1076"/>
-          <ac:spMkLst>
-            <pc:docMk/>
-            <pc:sldMk cId="3624803210" sldId="7065"/>
-            <ac:spMk id="116" creationId="{894C126A-BEA1-4F11-AC55-22E9DFAB53E7}"/>
-          </ac:spMkLst>
-        </pc:spChg>
-        <pc:spChg chg="add mod">
-          <ac:chgData name="Liu, Changsheng A." userId="877438ce-3489-4027-b8c0-4bd167ef53d0" providerId="ADAL" clId="{35AB68C3-AADD-4C6C-B90D-EE9085003035}" dt="2020-06-01T04:42:12.642" v="452" actId="20577"/>
-          <ac:spMkLst>
-            <pc:docMk/>
-            <pc:sldMk cId="3624803210" sldId="7065"/>
-            <ac:spMk id="117" creationId="{C2A8819C-3381-4E57-AD93-22E41798B6EE}"/>
-          </ac:spMkLst>
-        </pc:spChg>
-        <pc:spChg chg="add mod">
-          <ac:chgData name="Liu, Changsheng A." userId="877438ce-3489-4027-b8c0-4bd167ef53d0" providerId="ADAL" clId="{35AB68C3-AADD-4C6C-B90D-EE9085003035}" dt="2020-06-01T04:41:55.416" v="448" actId="1076"/>
-          <ac:spMkLst>
-            <pc:docMk/>
-            <pc:sldMk cId="3624803210" sldId="7065"/>
-            <ac:spMk id="118" creationId="{2622495D-1E42-43C8-AC19-A5D5F65DAB62}"/>
-          </ac:spMkLst>
-        </pc:spChg>
-        <pc:spChg chg="add mod">
-          <ac:chgData name="Liu, Changsheng A." userId="877438ce-3489-4027-b8c0-4bd167ef53d0" providerId="ADAL" clId="{35AB68C3-AADD-4C6C-B90D-EE9085003035}" dt="2020-06-01T04:41:55.416" v="448" actId="1076"/>
-          <ac:spMkLst>
-            <pc:docMk/>
-            <pc:sldMk cId="3624803210" sldId="7065"/>
-            <ac:spMk id="119" creationId="{FC662C65-B179-454D-8BD0-D4BAB5FD98ED}"/>
-          </ac:spMkLst>
-        </pc:spChg>
-        <pc:spChg chg="add mod">
-          <ac:chgData name="Liu, Changsheng A." userId="877438ce-3489-4027-b8c0-4bd167ef53d0" providerId="ADAL" clId="{35AB68C3-AADD-4C6C-B90D-EE9085003035}" dt="2020-06-01T04:41:55.416" v="448" actId="1076"/>
-          <ac:spMkLst>
-            <pc:docMk/>
-            <pc:sldMk cId="3624803210" sldId="7065"/>
-            <ac:spMk id="120" creationId="{0CBF8F5D-EBFA-4DB7-AEA6-5DE9CC1952D9}"/>
-          </ac:spMkLst>
-        </pc:spChg>
-        <pc:spChg chg="add mod">
-          <ac:chgData name="Liu, Changsheng A." userId="877438ce-3489-4027-b8c0-4bd167ef53d0" providerId="ADAL" clId="{35AB68C3-AADD-4C6C-B90D-EE9085003035}" dt="2020-06-01T04:41:55.416" v="448" actId="1076"/>
-          <ac:spMkLst>
-            <pc:docMk/>
-            <pc:sldMk cId="3624803210" sldId="7065"/>
-            <ac:spMk id="121" creationId="{DAE7034C-64DD-4BC5-9C41-7E7AB97D6C68}"/>
-          </ac:spMkLst>
-        </pc:spChg>
-        <pc:spChg chg="add mod">
-          <ac:chgData name="Liu, Changsheng A." userId="877438ce-3489-4027-b8c0-4bd167ef53d0" providerId="ADAL" clId="{35AB68C3-AADD-4C6C-B90D-EE9085003035}" dt="2020-06-01T04:41:55.416" v="448" actId="1076"/>
-          <ac:spMkLst>
-            <pc:docMk/>
-            <pc:sldMk cId="3624803210" sldId="7065"/>
-            <ac:spMk id="122" creationId="{51FAE396-2C07-4CAF-A018-EF6E49A62D6B}"/>
-          </ac:spMkLst>
-        </pc:spChg>
-        <pc:spChg chg="add mod">
-          <ac:chgData name="Liu, Changsheng A." userId="877438ce-3489-4027-b8c0-4bd167ef53d0" providerId="ADAL" clId="{35AB68C3-AADD-4C6C-B90D-EE9085003035}" dt="2020-06-01T04:41:55.416" v="448" actId="1076"/>
-          <ac:spMkLst>
-            <pc:docMk/>
-            <pc:sldMk cId="3624803210" sldId="7065"/>
-            <ac:spMk id="123" creationId="{1A904466-5E80-4255-B766-D2B4011238DB}"/>
-          </ac:spMkLst>
-        </pc:spChg>
-        <pc:spChg chg="add mod">
-          <ac:chgData name="Liu, Changsheng A." userId="877438ce-3489-4027-b8c0-4bd167ef53d0" providerId="ADAL" clId="{35AB68C3-AADD-4C6C-B90D-EE9085003035}" dt="2020-06-01T04:41:55.416" v="448" actId="1076"/>
-          <ac:spMkLst>
-            <pc:docMk/>
-            <pc:sldMk cId="3624803210" sldId="7065"/>
-            <ac:spMk id="124" creationId="{A036FA98-1031-4A32-9136-DFF6CB048146}"/>
-          </ac:spMkLst>
-        </pc:spChg>
-        <pc:spChg chg="add mod">
-          <ac:chgData name="Liu, Changsheng A." userId="877438ce-3489-4027-b8c0-4bd167ef53d0" providerId="ADAL" clId="{35AB68C3-AADD-4C6C-B90D-EE9085003035}" dt="2020-06-01T04:41:55.416" v="448" actId="1076"/>
-          <ac:spMkLst>
-            <pc:docMk/>
-            <pc:sldMk cId="3624803210" sldId="7065"/>
-            <ac:spMk id="125" creationId="{9937ED0F-EE52-4C81-80B8-509FC8035FD3}"/>
-          </ac:spMkLst>
-        </pc:spChg>
-        <pc:spChg chg="add mod">
-          <ac:chgData name="Liu, Changsheng A." userId="877438ce-3489-4027-b8c0-4bd167ef53d0" providerId="ADAL" clId="{35AB68C3-AADD-4C6C-B90D-EE9085003035}" dt="2020-06-01T04:41:55.416" v="448" actId="1076"/>
-          <ac:spMkLst>
-            <pc:docMk/>
-            <pc:sldMk cId="3624803210" sldId="7065"/>
-            <ac:spMk id="126" creationId="{ED64DE50-9A2F-469D-8A57-F146B167D905}"/>
-          </ac:spMkLst>
-        </pc:spChg>
-        <pc:spChg chg="add mod">
-          <ac:chgData name="Liu, Changsheng A." userId="877438ce-3489-4027-b8c0-4bd167ef53d0" providerId="ADAL" clId="{35AB68C3-AADD-4C6C-B90D-EE9085003035}" dt="2020-06-01T04:41:55.416" v="448" actId="1076"/>
-          <ac:spMkLst>
-            <pc:docMk/>
-            <pc:sldMk cId="3624803210" sldId="7065"/>
-            <ac:spMk id="127" creationId="{ED8D19AD-27F5-44C4-B75F-E270EBD8FC55}"/>
-          </ac:spMkLst>
-        </pc:spChg>
-        <pc:spChg chg="add mod">
-          <ac:chgData name="Liu, Changsheng A." userId="877438ce-3489-4027-b8c0-4bd167ef53d0" providerId="ADAL" clId="{35AB68C3-AADD-4C6C-B90D-EE9085003035}" dt="2020-06-01T04:41:55.416" v="448" actId="1076"/>
-          <ac:spMkLst>
-            <pc:docMk/>
-            <pc:sldMk cId="3624803210" sldId="7065"/>
-            <ac:spMk id="128" creationId="{4DC4A63D-19A4-46BC-86D6-16996397011B}"/>
-          </ac:spMkLst>
-        </pc:spChg>
-        <pc:spChg chg="add mod">
-          <ac:chgData name="Liu, Changsheng A." userId="877438ce-3489-4027-b8c0-4bd167ef53d0" providerId="ADAL" clId="{35AB68C3-AADD-4C6C-B90D-EE9085003035}" dt="2020-06-01T04:42:03.623" v="449" actId="20577"/>
-          <ac:spMkLst>
-            <pc:docMk/>
-            <pc:sldMk cId="3624803210" sldId="7065"/>
-            <ac:spMk id="129" creationId="{705984BB-07A3-4E06-BBAC-BCE9E6DCBFF3}"/>
-          </ac:spMkLst>
-        </pc:spChg>
-        <pc:spChg chg="add mod">
-          <ac:chgData name="Liu, Changsheng A." userId="877438ce-3489-4027-b8c0-4bd167ef53d0" providerId="ADAL" clId="{35AB68C3-AADD-4C6C-B90D-EE9085003035}" dt="2020-06-01T04:41:55.416" v="448" actId="1076"/>
-          <ac:spMkLst>
-            <pc:docMk/>
-            <pc:sldMk cId="3624803210" sldId="7065"/>
-            <ac:spMk id="130" creationId="{B0A627FC-B90A-4686-976E-D00E4CC3AF59}"/>
-          </ac:spMkLst>
-        </pc:spChg>
-        <pc:spChg chg="add mod">
-          <ac:chgData name="Liu, Changsheng A." userId="877438ce-3489-4027-b8c0-4bd167ef53d0" providerId="ADAL" clId="{35AB68C3-AADD-4C6C-B90D-EE9085003035}" dt="2020-06-01T04:41:55.416" v="448" actId="1076"/>
-          <ac:spMkLst>
-            <pc:docMk/>
-            <pc:sldMk cId="3624803210" sldId="7065"/>
-            <ac:spMk id="131" creationId="{4F9195A5-AF64-420D-936D-EDBDF363366C}"/>
-          </ac:spMkLst>
-        </pc:spChg>
-        <pc:spChg chg="add mod">
-          <ac:chgData name="Liu, Changsheng A." userId="877438ce-3489-4027-b8c0-4bd167ef53d0" providerId="ADAL" clId="{35AB68C3-AADD-4C6C-B90D-EE9085003035}" dt="2020-06-01T04:41:55.416" v="448" actId="1076"/>
-          <ac:spMkLst>
-            <pc:docMk/>
-            <pc:sldMk cId="3624803210" sldId="7065"/>
-            <ac:spMk id="132" creationId="{09FE3130-6CBF-4B62-A986-C4EFF7FE307F}"/>
-          </ac:spMkLst>
-        </pc:spChg>
-        <pc:spChg chg="add mod">
-          <ac:chgData name="Liu, Changsheng A." userId="877438ce-3489-4027-b8c0-4bd167ef53d0" providerId="ADAL" clId="{35AB68C3-AADD-4C6C-B90D-EE9085003035}" dt="2020-06-01T04:41:55.416" v="448" actId="1076"/>
-          <ac:spMkLst>
-            <pc:docMk/>
-            <pc:sldMk cId="3624803210" sldId="7065"/>
-            <ac:spMk id="133" creationId="{6E71A595-0713-49DB-9642-30B754F15B1B}"/>
-          </ac:spMkLst>
-        </pc:spChg>
-        <pc:spChg chg="add mod">
-          <ac:chgData name="Liu, Changsheng A." userId="877438ce-3489-4027-b8c0-4bd167ef53d0" providerId="ADAL" clId="{35AB68C3-AADD-4C6C-B90D-EE9085003035}" dt="2020-06-01T04:41:55.416" v="448" actId="1076"/>
-          <ac:spMkLst>
-            <pc:docMk/>
-            <pc:sldMk cId="3624803210" sldId="7065"/>
-            <ac:spMk id="134" creationId="{5E823B8A-6520-4406-9386-871DB3039303}"/>
-          </ac:spMkLst>
-        </pc:spChg>
-        <pc:spChg chg="add mod">
-          <ac:chgData name="Liu, Changsheng A." userId="877438ce-3489-4027-b8c0-4bd167ef53d0" providerId="ADAL" clId="{35AB68C3-AADD-4C6C-B90D-EE9085003035}" dt="2020-06-01T04:42:06.032" v="450" actId="20577"/>
-          <ac:spMkLst>
-            <pc:docMk/>
-            <pc:sldMk cId="3624803210" sldId="7065"/>
-            <ac:spMk id="135" creationId="{B68DE4DB-DFE8-4FC9-B714-07D9E649F71D}"/>
-          </ac:spMkLst>
-        </pc:spChg>
-        <pc:spChg chg="add mod">
-          <ac:chgData name="Liu, Changsheng A." userId="877438ce-3489-4027-b8c0-4bd167ef53d0" providerId="ADAL" clId="{35AB68C3-AADD-4C6C-B90D-EE9085003035}" dt="2020-06-01T04:41:55.416" v="448" actId="1076"/>
-          <ac:spMkLst>
-            <pc:docMk/>
-            <pc:sldMk cId="3624803210" sldId="7065"/>
-            <ac:spMk id="136" creationId="{B459B751-DBF5-4ABE-855B-C2B2A5473FD5}"/>
-          </ac:spMkLst>
-        </pc:spChg>
-        <pc:spChg chg="add mod">
-          <ac:chgData name="Liu, Changsheng A." userId="877438ce-3489-4027-b8c0-4bd167ef53d0" providerId="ADAL" clId="{35AB68C3-AADD-4C6C-B90D-EE9085003035}" dt="2020-06-01T04:41:55.416" v="448" actId="1076"/>
-          <ac:spMkLst>
-            <pc:docMk/>
-            <pc:sldMk cId="3624803210" sldId="7065"/>
-            <ac:spMk id="137" creationId="{75379FCD-8F53-4895-B489-0E1FFC8D0118}"/>
-          </ac:spMkLst>
-        </pc:spChg>
-        <pc:spChg chg="add mod">
-          <ac:chgData name="Liu, Changsheng A." userId="877438ce-3489-4027-b8c0-4bd167ef53d0" providerId="ADAL" clId="{35AB68C3-AADD-4C6C-B90D-EE9085003035}" dt="2020-06-01T04:41:55.416" v="448" actId="1076"/>
-          <ac:spMkLst>
-            <pc:docMk/>
-            <pc:sldMk cId="3624803210" sldId="7065"/>
-            <ac:spMk id="138" creationId="{7E22C88E-D969-42F3-8E4B-D3D886E2DF0A}"/>
-          </ac:spMkLst>
-        </pc:spChg>
-        <pc:spChg chg="add mod">
-          <ac:chgData name="Liu, Changsheng A." userId="877438ce-3489-4027-b8c0-4bd167ef53d0" providerId="ADAL" clId="{35AB68C3-AADD-4C6C-B90D-EE9085003035}" dt="2020-06-01T04:41:55.416" v="448" actId="1076"/>
-          <ac:spMkLst>
-            <pc:docMk/>
-            <pc:sldMk cId="3624803210" sldId="7065"/>
-            <ac:spMk id="139" creationId="{55584928-94C2-4A79-ADFD-404D60653844}"/>
-          </ac:spMkLst>
-        </pc:spChg>
-        <pc:spChg chg="add mod">
-          <ac:chgData name="Liu, Changsheng A." userId="877438ce-3489-4027-b8c0-4bd167ef53d0" providerId="ADAL" clId="{35AB68C3-AADD-4C6C-B90D-EE9085003035}" dt="2020-06-01T04:41:55.416" v="448" actId="1076"/>
-          <ac:spMkLst>
-            <pc:docMk/>
-            <pc:sldMk cId="3624803210" sldId="7065"/>
-            <ac:spMk id="140" creationId="{20548975-1E1B-4260-9213-DC974ED71EB2}"/>
-          </ac:spMkLst>
-        </pc:spChg>
-        <pc:spChg chg="add mod">
-          <ac:chgData name="Liu, Changsheng A." userId="877438ce-3489-4027-b8c0-4bd167ef53d0" providerId="ADAL" clId="{35AB68C3-AADD-4C6C-B90D-EE9085003035}" dt="2020-06-01T04:42:07.658" v="451" actId="20577"/>
-          <ac:spMkLst>
-            <pc:docMk/>
-            <pc:sldMk cId="3624803210" sldId="7065"/>
-            <ac:spMk id="141" creationId="{4268D7DC-C166-490D-89BC-8F6E76B22BF4}"/>
-          </ac:spMkLst>
-        </pc:spChg>
-        <pc:spChg chg="add mod">
-          <ac:chgData name="Liu, Changsheng A." userId="877438ce-3489-4027-b8c0-4bd167ef53d0" providerId="ADAL" clId="{35AB68C3-AADD-4C6C-B90D-EE9085003035}" dt="2020-06-01T04:43:03.856" v="492" actId="14100"/>
-          <ac:spMkLst>
-            <pc:docMk/>
-            <pc:sldMk cId="3624803210" sldId="7065"/>
-            <ac:spMk id="143" creationId="{D027D3CF-BC74-4B21-95C0-AB24D8EA394C}"/>
-          </ac:spMkLst>
-        </pc:spChg>
-        <pc:spChg chg="add mod">
-          <ac:chgData name="Liu, Changsheng A." userId="877438ce-3489-4027-b8c0-4bd167ef53d0" providerId="ADAL" clId="{35AB68C3-AADD-4C6C-B90D-EE9085003035}" dt="2020-06-01T04:43:06.503" v="493" actId="14100"/>
-          <ac:spMkLst>
-            <pc:docMk/>
-            <pc:sldMk cId="3624803210" sldId="7065"/>
-            <ac:spMk id="144" creationId="{057AAA7E-A201-4F37-BC46-72BE9BD8B75D}"/>
-          </ac:spMkLst>
-        </pc:spChg>
-        <pc:spChg chg="add del mod">
-          <ac:chgData name="Liu, Changsheng A." userId="877438ce-3489-4027-b8c0-4bd167ef53d0" providerId="ADAL" clId="{35AB68C3-AADD-4C6C-B90D-EE9085003035}" dt="2020-06-01T04:43:21.542" v="548" actId="478"/>
-          <ac:spMkLst>
-            <pc:docMk/>
-            <pc:sldMk cId="3624803210" sldId="7065"/>
-            <ac:spMk id="145" creationId="{D8010A55-4F01-46C8-B1C4-C9BBF84F2B6F}"/>
-          </ac:spMkLst>
-        </pc:spChg>
-        <pc:spChg chg="add del mod">
-          <ac:chgData name="Liu, Changsheng A." userId="877438ce-3489-4027-b8c0-4bd167ef53d0" providerId="ADAL" clId="{35AB68C3-AADD-4C6C-B90D-EE9085003035}" dt="2020-06-01T04:43:21.542" v="548" actId="478"/>
-          <ac:spMkLst>
-            <pc:docMk/>
-            <pc:sldMk cId="3624803210" sldId="7065"/>
-            <ac:spMk id="147" creationId="{34A71683-8807-447B-B82D-9D9CB1615669}"/>
-          </ac:spMkLst>
-        </pc:spChg>
-        <pc:spChg chg="add del mod">
-          <ac:chgData name="Liu, Changsheng A." userId="877438ce-3489-4027-b8c0-4bd167ef53d0" providerId="ADAL" clId="{35AB68C3-AADD-4C6C-B90D-EE9085003035}" dt="2020-06-01T04:43:21.542" v="548" actId="478"/>
-          <ac:spMkLst>
-            <pc:docMk/>
-            <pc:sldMk cId="3624803210" sldId="7065"/>
-            <ac:spMk id="148" creationId="{06698FCD-9D0B-444B-8EF5-4F3BC9989500}"/>
-          </ac:spMkLst>
-        </pc:spChg>
-        <pc:spChg chg="add mod">
-          <ac:chgData name="Liu, Changsheng A." userId="877438ce-3489-4027-b8c0-4bd167ef53d0" providerId="ADAL" clId="{35AB68C3-AADD-4C6C-B90D-EE9085003035}" dt="2020-06-01T04:43:50.479" v="573" actId="14100"/>
-          <ac:spMkLst>
-            <pc:docMk/>
-            <pc:sldMk cId="3624803210" sldId="7065"/>
-            <ac:spMk id="149" creationId="{7AD20000-F972-4CC3-84BE-DA24CD4BD453}"/>
-          </ac:spMkLst>
-        </pc:spChg>
-        <pc:grpChg chg="add mod">
-          <ac:chgData name="Liu, Changsheng A." userId="877438ce-3489-4027-b8c0-4bd167ef53d0" providerId="ADAL" clId="{35AB68C3-AADD-4C6C-B90D-EE9085003035}" dt="2020-06-01T04:00:04.354" v="304" actId="1076"/>
-          <ac:grpSpMkLst>
-            <pc:docMk/>
-            <pc:sldMk cId="3624803210" sldId="7065"/>
-            <ac:grpSpMk id="70" creationId="{5BBA9151-CA60-480C-B47F-4D27E73879B3}"/>
-          </ac:grpSpMkLst>
-        </pc:grpChg>
-        <pc:grpChg chg="add del mod">
-          <ac:chgData name="Liu, Changsheng A." userId="877438ce-3489-4027-b8c0-4bd167ef53d0" providerId="ADAL" clId="{35AB68C3-AADD-4C6C-B90D-EE9085003035}" dt="2020-06-01T04:38:47.735" v="311" actId="165"/>
-          <ac:grpSpMkLst>
-            <pc:docMk/>
-            <pc:sldMk cId="3624803210" sldId="7065"/>
-            <ac:grpSpMk id="72" creationId="{5AB3140C-F394-4F5A-BBEC-F19616BCE2CD}"/>
-          </ac:grpSpMkLst>
-        </pc:grpChg>
-        <pc:graphicFrameChg chg="add del mod">
-          <ac:chgData name="Liu, Changsheng A." userId="877438ce-3489-4027-b8c0-4bd167ef53d0" providerId="ADAL" clId="{35AB68C3-AADD-4C6C-B90D-EE9085003035}" dt="2020-06-01T03:32:10.516" v="13" actId="478"/>
-          <ac:graphicFrameMkLst>
-            <pc:docMk/>
-            <pc:sldMk cId="3624803210" sldId="7065"/>
-            <ac:graphicFrameMk id="3" creationId="{6B5134B3-5BD1-47BE-B580-7AB7F6FB27F8}"/>
-          </ac:graphicFrameMkLst>
-        </pc:graphicFrameChg>
-        <pc:graphicFrameChg chg="add mod modGraphic">
-          <ac:chgData name="Liu, Changsheng A." userId="877438ce-3489-4027-b8c0-4bd167ef53d0" providerId="ADAL" clId="{35AB68C3-AADD-4C6C-B90D-EE9085003035}" dt="2020-06-01T04:10:50.378" v="308" actId="14100"/>
-          <ac:graphicFrameMkLst>
-            <pc:docMk/>
-            <pc:sldMk cId="3624803210" sldId="7065"/>
-            <ac:graphicFrameMk id="4" creationId="{6155957B-9638-40C1-A9BC-BE1BC7C9E984}"/>
-          </ac:graphicFrameMkLst>
-        </pc:graphicFrameChg>
-        <pc:graphicFrameChg chg="add del mod">
-          <ac:chgData name="Liu, Changsheng A." userId="877438ce-3489-4027-b8c0-4bd167ef53d0" providerId="ADAL" clId="{35AB68C3-AADD-4C6C-B90D-EE9085003035}" dt="2020-06-01T03:38:50.905" v="73" actId="478"/>
-          <ac:graphicFrameMkLst>
-            <pc:docMk/>
-            <pc:sldMk cId="3624803210" sldId="7065"/>
-            <ac:graphicFrameMk id="13" creationId="{C5FD9407-6364-45AE-A0A5-308AF89FB796}"/>
-          </ac:graphicFrameMkLst>
-        </pc:graphicFrameChg>
-        <pc:graphicFrameChg chg="add del mod modGraphic">
-          <ac:chgData name="Liu, Changsheng A." userId="877438ce-3489-4027-b8c0-4bd167ef53d0" providerId="ADAL" clId="{35AB68C3-AADD-4C6C-B90D-EE9085003035}" dt="2020-06-01T03:44:05.148" v="102" actId="478"/>
-          <ac:graphicFrameMkLst>
-            <pc:docMk/>
-            <pc:sldMk cId="3624803210" sldId="7065"/>
-            <ac:graphicFrameMk id="15" creationId="{9B41905D-4D4E-49B0-B14F-B9036AEEE888}"/>
-          </ac:graphicFrameMkLst>
-        </pc:graphicFrameChg>
-        <pc:graphicFrameChg chg="add del">
-          <ac:chgData name="Liu, Changsheng A." userId="877438ce-3489-4027-b8c0-4bd167ef53d0" providerId="ADAL" clId="{35AB68C3-AADD-4C6C-B90D-EE9085003035}" dt="2020-06-01T04:10:34.437" v="306"/>
-          <ac:graphicFrameMkLst>
-            <pc:docMk/>
-            <pc:sldMk cId="3624803210" sldId="7065"/>
-            <ac:graphicFrameMk id="71" creationId="{53886AAD-B07C-4686-9C20-3C62B9FDC2A0}"/>
-          </ac:graphicFrameMkLst>
-        </pc:graphicFrameChg>
-        <pc:cxnChg chg="add mod">
-          <ac:chgData name="Liu, Changsheng A." userId="877438ce-3489-4027-b8c0-4bd167ef53d0" providerId="ADAL" clId="{35AB68C3-AADD-4C6C-B90D-EE9085003035}" dt="2020-06-01T04:00:00.857" v="303" actId="164"/>
-          <ac:cxnSpMkLst>
-            <pc:docMk/>
-            <pc:sldMk cId="3624803210" sldId="7065"/>
-            <ac:cxnSpMk id="64" creationId="{9B801E2D-BCCB-43A2-B462-A9E7A0ECD55F}"/>
-          </ac:cxnSpMkLst>
-        </pc:cxnChg>
-        <pc:cxnChg chg="mod topLvl">
-          <ac:chgData name="Liu, Changsheng A." userId="877438ce-3489-4027-b8c0-4bd167ef53d0" providerId="ADAL" clId="{35AB68C3-AADD-4C6C-B90D-EE9085003035}" dt="2020-06-01T04:41:55.416" v="448" actId="1076"/>
-          <ac:cxnSpMkLst>
-            <pc:docMk/>
-            <pc:sldMk cId="3624803210" sldId="7065"/>
-            <ac:cxnSpMk id="109" creationId="{245FBB01-08FA-4811-9086-E7CE9FFFC97E}"/>
-          </ac:cxnSpMkLst>
-        </pc:cxnChg>
-        <pc:cxnChg chg="add del mod">
-          <ac:chgData name="Liu, Changsheng A." userId="877438ce-3489-4027-b8c0-4bd167ef53d0" providerId="ADAL" clId="{35AB68C3-AADD-4C6C-B90D-EE9085003035}" dt="2020-06-01T04:43:21.542" v="548" actId="478"/>
-          <ac:cxnSpMkLst>
-            <pc:docMk/>
-            <pc:sldMk cId="3624803210" sldId="7065"/>
-            <ac:cxnSpMk id="146" creationId="{C2306AD4-F50F-444E-9EF7-3C1EFECAD6A8}"/>
-          </ac:cxnSpMkLst>
-        </pc:cxnChg>
-      </pc:sldChg>
-      <pc:sldChg chg="add ord modTransition">
-        <pc:chgData name="Liu, Changsheng A." userId="877438ce-3489-4027-b8c0-4bd167ef53d0" providerId="ADAL" clId="{35AB68C3-AADD-4C6C-B90D-EE9085003035}" dt="2020-06-01T05:44:31.546" v="1075"/>
-        <pc:sldMkLst>
-          <pc:docMk/>
-          <pc:sldMk cId="3511397984" sldId="7071"/>
-        </pc:sldMkLst>
-      </pc:sldChg>
-      <pc:sldChg chg="addSp delSp modSp add">
-        <pc:chgData name="Liu, Changsheng A." userId="877438ce-3489-4027-b8c0-4bd167ef53d0" providerId="ADAL" clId="{35AB68C3-AADD-4C6C-B90D-EE9085003035}" dt="2020-06-01T05:48:05.710" v="1085" actId="113"/>
-        <pc:sldMkLst>
-          <pc:docMk/>
-          <pc:sldMk cId="2729856478" sldId="7072"/>
-        </pc:sldMkLst>
-        <pc:spChg chg="add del mod">
-          <ac:chgData name="Liu, Changsheng A." userId="877438ce-3489-4027-b8c0-4bd167ef53d0" providerId="ADAL" clId="{35AB68C3-AADD-4C6C-B90D-EE9085003035}" dt="2020-06-01T05:24:28.323" v="655" actId="478"/>
-          <ac:spMkLst>
-            <pc:docMk/>
-            <pc:sldMk cId="2729856478" sldId="7072"/>
-            <ac:spMk id="5" creationId="{C32D9D65-F9A5-4A48-A65F-9BD1E31D47B4}"/>
-          </ac:spMkLst>
-        </pc:spChg>
-        <pc:spChg chg="add mod">
-          <ac:chgData name="Liu, Changsheng A." userId="877438ce-3489-4027-b8c0-4bd167ef53d0" providerId="ADAL" clId="{35AB68C3-AADD-4C6C-B90D-EE9085003035}" dt="2020-06-01T05:42:29.002" v="1028" actId="1076"/>
-          <ac:spMkLst>
-            <pc:docMk/>
-            <pc:sldMk cId="2729856478" sldId="7072"/>
-            <ac:spMk id="10" creationId="{4D9B5909-B820-4B3C-8F02-83CB81D8980F}"/>
-          </ac:spMkLst>
-        </pc:spChg>
-        <pc:spChg chg="mod">
-          <ac:chgData name="Liu, Changsheng A." userId="877438ce-3489-4027-b8c0-4bd167ef53d0" providerId="ADAL" clId="{35AB68C3-AADD-4C6C-B90D-EE9085003035}" dt="2020-06-01T05:36:41.392" v="933" actId="1076"/>
-          <ac:spMkLst>
-            <pc:docMk/>
-            <pc:sldMk cId="2729856478" sldId="7072"/>
-            <ac:spMk id="24" creationId="{1427C411-8467-4EC1-AFF2-82A3435FA2B7}"/>
-          </ac:spMkLst>
-        </pc:spChg>
-        <pc:spChg chg="mod">
-          <ac:chgData name="Liu, Changsheng A." userId="877438ce-3489-4027-b8c0-4bd167ef53d0" providerId="ADAL" clId="{35AB68C3-AADD-4C6C-B90D-EE9085003035}" dt="2020-06-01T05:42:18.607" v="1027" actId="1076"/>
-          <ac:spMkLst>
-            <pc:docMk/>
-            <pc:sldMk cId="2729856478" sldId="7072"/>
-            <ac:spMk id="69" creationId="{5C141EF5-7E35-41E5-A919-CFA9081F5113}"/>
-          </ac:spMkLst>
-        </pc:spChg>
-        <pc:spChg chg="del">
-          <ac:chgData name="Liu, Changsheng A." userId="877438ce-3489-4027-b8c0-4bd167ef53d0" providerId="ADAL" clId="{35AB68C3-AADD-4C6C-B90D-EE9085003035}" dt="2020-06-01T05:19:53.228" v="575" actId="478"/>
-          <ac:spMkLst>
-            <pc:docMk/>
-            <pc:sldMk cId="2729856478" sldId="7072"/>
-            <ac:spMk id="73" creationId="{C918EAA6-9C07-44DC-B5F9-5F54AD289D5F}"/>
-          </ac:spMkLst>
-        </pc:spChg>
-        <pc:spChg chg="del">
-          <ac:chgData name="Liu, Changsheng A." userId="877438ce-3489-4027-b8c0-4bd167ef53d0" providerId="ADAL" clId="{35AB68C3-AADD-4C6C-B90D-EE9085003035}" dt="2020-06-01T05:19:53.228" v="575" actId="478"/>
-          <ac:spMkLst>
-            <pc:docMk/>
-            <pc:sldMk cId="2729856478" sldId="7072"/>
-            <ac:spMk id="74" creationId="{D1F19961-839A-43D0-9FD8-934DBF59A518}"/>
-          </ac:spMkLst>
-        </pc:spChg>
-        <pc:spChg chg="del">
-          <ac:chgData name="Liu, Changsheng A." userId="877438ce-3489-4027-b8c0-4bd167ef53d0" providerId="ADAL" clId="{35AB68C3-AADD-4C6C-B90D-EE9085003035}" dt="2020-06-01T05:19:53.228" v="575" actId="478"/>
-          <ac:spMkLst>
-            <pc:docMk/>
-            <pc:sldMk cId="2729856478" sldId="7072"/>
-            <ac:spMk id="75" creationId="{3D367AA3-8A5B-4703-8C98-B36A6627FC27}"/>
-          </ac:spMkLst>
-        </pc:spChg>
-        <pc:spChg chg="del">
-          <ac:chgData name="Liu, Changsheng A." userId="877438ce-3489-4027-b8c0-4bd167ef53d0" providerId="ADAL" clId="{35AB68C3-AADD-4C6C-B90D-EE9085003035}" dt="2020-06-01T05:19:53.228" v="575" actId="478"/>
-          <ac:spMkLst>
-            <pc:docMk/>
-            <pc:sldMk cId="2729856478" sldId="7072"/>
-            <ac:spMk id="76" creationId="{632CDAA2-F648-4C21-90FD-9B7D15758DFA}"/>
-          </ac:spMkLst>
-        </pc:spChg>
-        <pc:spChg chg="del">
-          <ac:chgData name="Liu, Changsheng A." userId="877438ce-3489-4027-b8c0-4bd167ef53d0" providerId="ADAL" clId="{35AB68C3-AADD-4C6C-B90D-EE9085003035}" dt="2020-06-01T05:19:53.228" v="575" actId="478"/>
-          <ac:spMkLst>
-            <pc:docMk/>
-            <pc:sldMk cId="2729856478" sldId="7072"/>
-            <ac:spMk id="77" creationId="{52A56CA4-BDEE-4E2D-BDAB-C12EEF19D873}"/>
-          </ac:spMkLst>
-        </pc:spChg>
-        <pc:spChg chg="del">
-          <ac:chgData name="Liu, Changsheng A." userId="877438ce-3489-4027-b8c0-4bd167ef53d0" providerId="ADAL" clId="{35AB68C3-AADD-4C6C-B90D-EE9085003035}" dt="2020-06-01T05:19:53.228" v="575" actId="478"/>
-          <ac:spMkLst>
-            <pc:docMk/>
-            <pc:sldMk cId="2729856478" sldId="7072"/>
-            <ac:spMk id="78" creationId="{66E78DA4-350B-42C6-8570-8B4AD41EDB73}"/>
-          </ac:spMkLst>
-        </pc:spChg>
-        <pc:spChg chg="del">
-          <ac:chgData name="Liu, Changsheng A." userId="877438ce-3489-4027-b8c0-4bd167ef53d0" providerId="ADAL" clId="{35AB68C3-AADD-4C6C-B90D-EE9085003035}" dt="2020-06-01T05:19:53.228" v="575" actId="478"/>
-          <ac:spMkLst>
-            <pc:docMk/>
-            <pc:sldMk cId="2729856478" sldId="7072"/>
-            <ac:spMk id="79" creationId="{B5671556-0C6A-45EF-87FB-B0F88B95FAC7}"/>
-          </ac:spMkLst>
-        </pc:spChg>
-        <pc:spChg chg="del">
-          <ac:chgData name="Liu, Changsheng A." userId="877438ce-3489-4027-b8c0-4bd167ef53d0" providerId="ADAL" clId="{35AB68C3-AADD-4C6C-B90D-EE9085003035}" dt="2020-06-01T05:19:53.228" v="575" actId="478"/>
-          <ac:spMkLst>
-            <pc:docMk/>
-            <pc:sldMk cId="2729856478" sldId="7072"/>
-            <ac:spMk id="80" creationId="{7213AE2C-9566-4E7C-8AEE-A752BADAB975}"/>
-          </ac:spMkLst>
-        </pc:spChg>
-        <pc:spChg chg="del">
-          <ac:chgData name="Liu, Changsheng A." userId="877438ce-3489-4027-b8c0-4bd167ef53d0" providerId="ADAL" clId="{35AB68C3-AADD-4C6C-B90D-EE9085003035}" dt="2020-06-01T05:19:53.228" v="575" actId="478"/>
-          <ac:spMkLst>
-            <pc:docMk/>
-            <pc:sldMk cId="2729856478" sldId="7072"/>
-            <ac:spMk id="81" creationId="{29E3C2BA-59C3-4C8C-A577-14F68BEBF182}"/>
-          </ac:spMkLst>
-        </pc:spChg>
-        <pc:spChg chg="del">
-          <ac:chgData name="Liu, Changsheng A." userId="877438ce-3489-4027-b8c0-4bd167ef53d0" providerId="ADAL" clId="{35AB68C3-AADD-4C6C-B90D-EE9085003035}" dt="2020-06-01T05:19:53.228" v="575" actId="478"/>
-          <ac:spMkLst>
-            <pc:docMk/>
-            <pc:sldMk cId="2729856478" sldId="7072"/>
-            <ac:spMk id="82" creationId="{2D00894F-720F-4D3B-9464-F5F7737E993E}"/>
-          </ac:spMkLst>
-        </pc:spChg>
-        <pc:spChg chg="del">
-          <ac:chgData name="Liu, Changsheng A." userId="877438ce-3489-4027-b8c0-4bd167ef53d0" providerId="ADAL" clId="{35AB68C3-AADD-4C6C-B90D-EE9085003035}" dt="2020-06-01T05:19:53.228" v="575" actId="478"/>
-          <ac:spMkLst>
-            <pc:docMk/>
-            <pc:sldMk cId="2729856478" sldId="7072"/>
-            <ac:spMk id="83" creationId="{A58D68DE-3B0F-40E2-942C-205EF9955733}"/>
-          </ac:spMkLst>
-        </pc:spChg>
-        <pc:spChg chg="del">
-          <ac:chgData name="Liu, Changsheng A." userId="877438ce-3489-4027-b8c0-4bd167ef53d0" providerId="ADAL" clId="{35AB68C3-AADD-4C6C-B90D-EE9085003035}" dt="2020-06-01T05:19:53.228" v="575" actId="478"/>
-          <ac:spMkLst>
-            <pc:docMk/>
-            <pc:sldMk cId="2729856478" sldId="7072"/>
-            <ac:spMk id="84" creationId="{A2406DB4-EC22-4584-8F6E-422D91D953B8}"/>
-          </ac:spMkLst>
-        </pc:spChg>
-        <pc:spChg chg="del">
-          <ac:chgData name="Liu, Changsheng A." userId="877438ce-3489-4027-b8c0-4bd167ef53d0" providerId="ADAL" clId="{35AB68C3-AADD-4C6C-B90D-EE9085003035}" dt="2020-06-01T05:19:53.228" v="575" actId="478"/>
-          <ac:spMkLst>
-            <pc:docMk/>
-            <pc:sldMk cId="2729856478" sldId="7072"/>
-            <ac:spMk id="85" creationId="{C2FFB4AE-ECEF-4F25-8FD4-25E26A11547E}"/>
-          </ac:spMkLst>
-        </pc:spChg>
-        <pc:spChg chg="del">
-          <ac:chgData name="Liu, Changsheng A." userId="877438ce-3489-4027-b8c0-4bd167ef53d0" providerId="ADAL" clId="{35AB68C3-AADD-4C6C-B90D-EE9085003035}" dt="2020-06-01T05:19:53.228" v="575" actId="478"/>
-          <ac:spMkLst>
-            <pc:docMk/>
-            <pc:sldMk cId="2729856478" sldId="7072"/>
-            <ac:spMk id="86" creationId="{9FCD27C7-B18C-4208-A08B-9A0E2F4005C9}"/>
-          </ac:spMkLst>
-        </pc:spChg>
-        <pc:spChg chg="del">
-          <ac:chgData name="Liu, Changsheng A." userId="877438ce-3489-4027-b8c0-4bd167ef53d0" providerId="ADAL" clId="{35AB68C3-AADD-4C6C-B90D-EE9085003035}" dt="2020-06-01T05:19:53.228" v="575" actId="478"/>
-          <ac:spMkLst>
-            <pc:docMk/>
-            <pc:sldMk cId="2729856478" sldId="7072"/>
-            <ac:spMk id="87" creationId="{95C96DFC-F507-40E2-980A-BD1D399C1716}"/>
-          </ac:spMkLst>
-        </pc:spChg>
-        <pc:spChg chg="del">
-          <ac:chgData name="Liu, Changsheng A." userId="877438ce-3489-4027-b8c0-4bd167ef53d0" providerId="ADAL" clId="{35AB68C3-AADD-4C6C-B90D-EE9085003035}" dt="2020-06-01T05:19:53.228" v="575" actId="478"/>
-          <ac:spMkLst>
-            <pc:docMk/>
-            <pc:sldMk cId="2729856478" sldId="7072"/>
-            <ac:spMk id="88" creationId="{C610D9EB-1277-45E9-8B63-0A6F93A2F4D9}"/>
-          </ac:spMkLst>
-        </pc:spChg>
-        <pc:spChg chg="del">
-          <ac:chgData name="Liu, Changsheng A." userId="877438ce-3489-4027-b8c0-4bd167ef53d0" providerId="ADAL" clId="{35AB68C3-AADD-4C6C-B90D-EE9085003035}" dt="2020-06-01T05:19:53.228" v="575" actId="478"/>
-          <ac:spMkLst>
-            <pc:docMk/>
-            <pc:sldMk cId="2729856478" sldId="7072"/>
-            <ac:spMk id="89" creationId="{15CBC2C3-9963-430E-A4F3-AEFBD069FDF4}"/>
-          </ac:spMkLst>
-        </pc:spChg>
-        <pc:spChg chg="del">
-          <ac:chgData name="Liu, Changsheng A." userId="877438ce-3489-4027-b8c0-4bd167ef53d0" providerId="ADAL" clId="{35AB68C3-AADD-4C6C-B90D-EE9085003035}" dt="2020-06-01T05:19:53.228" v="575" actId="478"/>
-          <ac:spMkLst>
-            <pc:docMk/>
-            <pc:sldMk cId="2729856478" sldId="7072"/>
-            <ac:spMk id="90" creationId="{85C4D1C7-71E6-4458-9F8C-5A46B68FBCEE}"/>
-          </ac:spMkLst>
-        </pc:spChg>
-        <pc:spChg chg="del">
-          <ac:chgData name="Liu, Changsheng A." userId="877438ce-3489-4027-b8c0-4bd167ef53d0" providerId="ADAL" clId="{35AB68C3-AADD-4C6C-B90D-EE9085003035}" dt="2020-06-01T05:19:53.228" v="575" actId="478"/>
-          <ac:spMkLst>
-            <pc:docMk/>
-            <pc:sldMk cId="2729856478" sldId="7072"/>
-            <ac:spMk id="91" creationId="{E9698AC7-C2D2-4CF6-B338-2A6BD4A9D0C5}"/>
-          </ac:spMkLst>
-        </pc:spChg>
-        <pc:spChg chg="del">
-          <ac:chgData name="Liu, Changsheng A." userId="877438ce-3489-4027-b8c0-4bd167ef53d0" providerId="ADAL" clId="{35AB68C3-AADD-4C6C-B90D-EE9085003035}" dt="2020-06-01T05:19:53.228" v="575" actId="478"/>
-          <ac:spMkLst>
-            <pc:docMk/>
-            <pc:sldMk cId="2729856478" sldId="7072"/>
-            <ac:spMk id="92" creationId="{474ACA4C-7E97-4885-BBE8-E8919C772130}"/>
-          </ac:spMkLst>
-        </pc:spChg>
-        <pc:spChg chg="del">
-          <ac:chgData name="Liu, Changsheng A." userId="877438ce-3489-4027-b8c0-4bd167ef53d0" providerId="ADAL" clId="{35AB68C3-AADD-4C6C-B90D-EE9085003035}" dt="2020-06-01T05:19:53.228" v="575" actId="478"/>
-          <ac:spMkLst>
-            <pc:docMk/>
-            <pc:sldMk cId="2729856478" sldId="7072"/>
-            <ac:spMk id="93" creationId="{2A91439D-1490-46AE-A0E5-1C26B48D69B3}"/>
-          </ac:spMkLst>
-        </pc:spChg>
-        <pc:spChg chg="del">
-          <ac:chgData name="Liu, Changsheng A." userId="877438ce-3489-4027-b8c0-4bd167ef53d0" providerId="ADAL" clId="{35AB68C3-AADD-4C6C-B90D-EE9085003035}" dt="2020-06-01T05:19:53.228" v="575" actId="478"/>
-          <ac:spMkLst>
-            <pc:docMk/>
-            <pc:sldMk cId="2729856478" sldId="7072"/>
-            <ac:spMk id="94" creationId="{37841FF5-848E-4BE6-B744-02FF44D8C7B9}"/>
-          </ac:spMkLst>
-        </pc:spChg>
-        <pc:spChg chg="del">
-          <ac:chgData name="Liu, Changsheng A." userId="877438ce-3489-4027-b8c0-4bd167ef53d0" providerId="ADAL" clId="{35AB68C3-AADD-4C6C-B90D-EE9085003035}" dt="2020-06-01T05:19:53.228" v="575" actId="478"/>
-          <ac:spMkLst>
-            <pc:docMk/>
-            <pc:sldMk cId="2729856478" sldId="7072"/>
-            <ac:spMk id="95" creationId="{FE396CCE-AAC0-4301-8301-833303B2454A}"/>
-          </ac:spMkLst>
-        </pc:spChg>
-        <pc:spChg chg="del">
-          <ac:chgData name="Liu, Changsheng A." userId="877438ce-3489-4027-b8c0-4bd167ef53d0" providerId="ADAL" clId="{35AB68C3-AADD-4C6C-B90D-EE9085003035}" dt="2020-06-01T05:19:53.228" v="575" actId="478"/>
-          <ac:spMkLst>
-            <pc:docMk/>
-            <pc:sldMk cId="2729856478" sldId="7072"/>
-            <ac:spMk id="96" creationId="{82C90A6D-3A2A-401A-93CF-DD1D728AE27B}"/>
-          </ac:spMkLst>
-        </pc:spChg>
-        <pc:spChg chg="del">
-          <ac:chgData name="Liu, Changsheng A." userId="877438ce-3489-4027-b8c0-4bd167ef53d0" providerId="ADAL" clId="{35AB68C3-AADD-4C6C-B90D-EE9085003035}" dt="2020-06-01T05:19:53.228" v="575" actId="478"/>
-          <ac:spMkLst>
-            <pc:docMk/>
-            <pc:sldMk cId="2729856478" sldId="7072"/>
-            <ac:spMk id="97" creationId="{4B38D850-F70E-4603-839A-295746F2711E}"/>
-          </ac:spMkLst>
-        </pc:spChg>
-        <pc:spChg chg="del">
-          <ac:chgData name="Liu, Changsheng A." userId="877438ce-3489-4027-b8c0-4bd167ef53d0" providerId="ADAL" clId="{35AB68C3-AADD-4C6C-B90D-EE9085003035}" dt="2020-06-01T05:19:53.228" v="575" actId="478"/>
-          <ac:spMkLst>
-            <pc:docMk/>
-            <pc:sldMk cId="2729856478" sldId="7072"/>
-            <ac:spMk id="98" creationId="{DB54479E-F8FA-462A-961A-16654FCBCE68}"/>
-          </ac:spMkLst>
-        </pc:spChg>
-        <pc:spChg chg="del">
-          <ac:chgData name="Liu, Changsheng A." userId="877438ce-3489-4027-b8c0-4bd167ef53d0" providerId="ADAL" clId="{35AB68C3-AADD-4C6C-B90D-EE9085003035}" dt="2020-06-01T05:19:53.228" v="575" actId="478"/>
-          <ac:spMkLst>
-            <pc:docMk/>
-            <pc:sldMk cId="2729856478" sldId="7072"/>
-            <ac:spMk id="99" creationId="{40491FAE-A039-496F-A88E-AFEBE57D02EB}"/>
-          </ac:spMkLst>
-        </pc:spChg>
-        <pc:spChg chg="del">
-          <ac:chgData name="Liu, Changsheng A." userId="877438ce-3489-4027-b8c0-4bd167ef53d0" providerId="ADAL" clId="{35AB68C3-AADD-4C6C-B90D-EE9085003035}" dt="2020-06-01T05:19:53.228" v="575" actId="478"/>
-          <ac:spMkLst>
-            <pc:docMk/>
-            <pc:sldMk cId="2729856478" sldId="7072"/>
-            <ac:spMk id="100" creationId="{1CBF5D12-AABF-416A-B695-631B7C7E47C4}"/>
-          </ac:spMkLst>
-        </pc:spChg>
-        <pc:spChg chg="del">
-          <ac:chgData name="Liu, Changsheng A." userId="877438ce-3489-4027-b8c0-4bd167ef53d0" providerId="ADAL" clId="{35AB68C3-AADD-4C6C-B90D-EE9085003035}" dt="2020-06-01T05:19:53.228" v="575" actId="478"/>
-          <ac:spMkLst>
-            <pc:docMk/>
-            <pc:sldMk cId="2729856478" sldId="7072"/>
-            <ac:spMk id="101" creationId="{04FE3A28-9252-4C9F-967D-2D294E319BFC}"/>
-          </ac:spMkLst>
-        </pc:spChg>
-        <pc:spChg chg="del">
-          <ac:chgData name="Liu, Changsheng A." userId="877438ce-3489-4027-b8c0-4bd167ef53d0" providerId="ADAL" clId="{35AB68C3-AADD-4C6C-B90D-EE9085003035}" dt="2020-06-01T05:19:53.228" v="575" actId="478"/>
-          <ac:spMkLst>
-            <pc:docMk/>
-            <pc:sldMk cId="2729856478" sldId="7072"/>
-            <ac:spMk id="102" creationId="{160E5C33-D47D-47A8-8CC0-3EF71F7F82EE}"/>
-          </ac:spMkLst>
-        </pc:spChg>
-        <pc:spChg chg="del">
-          <ac:chgData name="Liu, Changsheng A." userId="877438ce-3489-4027-b8c0-4bd167ef53d0" providerId="ADAL" clId="{35AB68C3-AADD-4C6C-B90D-EE9085003035}" dt="2020-06-01T05:19:53.228" v="575" actId="478"/>
-          <ac:spMkLst>
-            <pc:docMk/>
-            <pc:sldMk cId="2729856478" sldId="7072"/>
-            <ac:spMk id="103" creationId="{89C6A33B-9CCE-4BF6-92F8-223136E86BAE}"/>
-          </ac:spMkLst>
-        </pc:spChg>
-        <pc:spChg chg="del">
-          <ac:chgData name="Liu, Changsheng A." userId="877438ce-3489-4027-b8c0-4bd167ef53d0" providerId="ADAL" clId="{35AB68C3-AADD-4C6C-B90D-EE9085003035}" dt="2020-06-01T05:19:53.228" v="575" actId="478"/>
-          <ac:spMkLst>
-            <pc:docMk/>
-            <pc:sldMk cId="2729856478" sldId="7072"/>
-            <ac:spMk id="104" creationId="{54A573E5-6491-4E0A-B530-C587C24BD2D8}"/>
-          </ac:spMkLst>
-        </pc:spChg>
-        <pc:spChg chg="del">
-          <ac:chgData name="Liu, Changsheng A." userId="877438ce-3489-4027-b8c0-4bd167ef53d0" providerId="ADAL" clId="{35AB68C3-AADD-4C6C-B90D-EE9085003035}" dt="2020-06-01T05:19:53.228" v="575" actId="478"/>
-          <ac:spMkLst>
-            <pc:docMk/>
-            <pc:sldMk cId="2729856478" sldId="7072"/>
-            <ac:spMk id="105" creationId="{ED125A6F-5662-4835-97BE-45B32B26858D}"/>
-          </ac:spMkLst>
-        </pc:spChg>
-        <pc:spChg chg="del">
-          <ac:chgData name="Liu, Changsheng A." userId="877438ce-3489-4027-b8c0-4bd167ef53d0" providerId="ADAL" clId="{35AB68C3-AADD-4C6C-B90D-EE9085003035}" dt="2020-06-01T05:19:53.228" v="575" actId="478"/>
-          <ac:spMkLst>
-            <pc:docMk/>
-            <pc:sldMk cId="2729856478" sldId="7072"/>
-            <ac:spMk id="106" creationId="{99D10CBF-0E1D-46C2-BA30-72539A224612}"/>
-          </ac:spMkLst>
-        </pc:spChg>
-        <pc:spChg chg="del">
-          <ac:chgData name="Liu, Changsheng A." userId="877438ce-3489-4027-b8c0-4bd167ef53d0" providerId="ADAL" clId="{35AB68C3-AADD-4C6C-B90D-EE9085003035}" dt="2020-06-01T05:19:53.228" v="575" actId="478"/>
-          <ac:spMkLst>
-            <pc:docMk/>
-            <pc:sldMk cId="2729856478" sldId="7072"/>
-            <ac:spMk id="107" creationId="{E9841B50-00AF-4DFD-B750-37D87FEE0781}"/>
-          </ac:spMkLst>
-        </pc:spChg>
-        <pc:spChg chg="del">
-          <ac:chgData name="Liu, Changsheng A." userId="877438ce-3489-4027-b8c0-4bd167ef53d0" providerId="ADAL" clId="{35AB68C3-AADD-4C6C-B90D-EE9085003035}" dt="2020-06-01T05:19:53.228" v="575" actId="478"/>
-          <ac:spMkLst>
-            <pc:docMk/>
-            <pc:sldMk cId="2729856478" sldId="7072"/>
-            <ac:spMk id="108" creationId="{8D621B53-54E3-4C27-938B-E9C70955B71F}"/>
-          </ac:spMkLst>
-        </pc:spChg>
-        <pc:spChg chg="del">
-          <ac:chgData name="Liu, Changsheng A." userId="877438ce-3489-4027-b8c0-4bd167ef53d0" providerId="ADAL" clId="{35AB68C3-AADD-4C6C-B90D-EE9085003035}" dt="2020-06-01T05:19:53.228" v="575" actId="478"/>
-          <ac:spMkLst>
-            <pc:docMk/>
-            <pc:sldMk cId="2729856478" sldId="7072"/>
-            <ac:spMk id="110" creationId="{714FBE2E-5B11-4823-BFC9-75F56BC840B5}"/>
-          </ac:spMkLst>
-        </pc:spChg>
-        <pc:spChg chg="del">
-          <ac:chgData name="Liu, Changsheng A." userId="877438ce-3489-4027-b8c0-4bd167ef53d0" providerId="ADAL" clId="{35AB68C3-AADD-4C6C-B90D-EE9085003035}" dt="2020-06-01T05:19:53.228" v="575" actId="478"/>
-          <ac:spMkLst>
-            <pc:docMk/>
-            <pc:sldMk cId="2729856478" sldId="7072"/>
-            <ac:spMk id="111" creationId="{547B5C38-A9AE-4689-BF62-BAC1F0E99A97}"/>
-          </ac:spMkLst>
-        </pc:spChg>
-        <pc:spChg chg="del">
-          <ac:chgData name="Liu, Changsheng A." userId="877438ce-3489-4027-b8c0-4bd167ef53d0" providerId="ADAL" clId="{35AB68C3-AADD-4C6C-B90D-EE9085003035}" dt="2020-06-01T05:19:53.228" v="575" actId="478"/>
-          <ac:spMkLst>
-            <pc:docMk/>
-            <pc:sldMk cId="2729856478" sldId="7072"/>
-            <ac:spMk id="112" creationId="{D4EFD47A-D98A-45E4-AF91-7501C47B75AA}"/>
-          </ac:spMkLst>
-        </pc:spChg>
-        <pc:spChg chg="del">
-          <ac:chgData name="Liu, Changsheng A." userId="877438ce-3489-4027-b8c0-4bd167ef53d0" providerId="ADAL" clId="{35AB68C3-AADD-4C6C-B90D-EE9085003035}" dt="2020-06-01T05:19:53.228" v="575" actId="478"/>
-          <ac:spMkLst>
-            <pc:docMk/>
-            <pc:sldMk cId="2729856478" sldId="7072"/>
-            <ac:spMk id="113" creationId="{793D7213-8B76-4FA2-B315-A319B3627314}"/>
-          </ac:spMkLst>
-        </pc:spChg>
-        <pc:spChg chg="del">
-          <ac:chgData name="Liu, Changsheng A." userId="877438ce-3489-4027-b8c0-4bd167ef53d0" providerId="ADAL" clId="{35AB68C3-AADD-4C6C-B90D-EE9085003035}" dt="2020-06-01T05:19:53.228" v="575" actId="478"/>
-          <ac:spMkLst>
-            <pc:docMk/>
-            <pc:sldMk cId="2729856478" sldId="7072"/>
-            <ac:spMk id="114" creationId="{ED2AC2BB-CDC0-4E31-9902-EFBBC86428B8}"/>
-          </ac:spMkLst>
-        </pc:spChg>
-        <pc:spChg chg="del">
-          <ac:chgData name="Liu, Changsheng A." userId="877438ce-3489-4027-b8c0-4bd167ef53d0" providerId="ADAL" clId="{35AB68C3-AADD-4C6C-B90D-EE9085003035}" dt="2020-06-01T05:19:53.228" v="575" actId="478"/>
-          <ac:spMkLst>
-            <pc:docMk/>
-            <pc:sldMk cId="2729856478" sldId="7072"/>
-            <ac:spMk id="115" creationId="{6CDA40B8-F4A0-4861-B72A-38E7B58A3F44}"/>
-          </ac:spMkLst>
-        </pc:spChg>
-        <pc:spChg chg="del">
-          <ac:chgData name="Liu, Changsheng A." userId="877438ce-3489-4027-b8c0-4bd167ef53d0" providerId="ADAL" clId="{35AB68C3-AADD-4C6C-B90D-EE9085003035}" dt="2020-06-01T05:19:53.228" v="575" actId="478"/>
-          <ac:spMkLst>
-            <pc:docMk/>
-            <pc:sldMk cId="2729856478" sldId="7072"/>
-            <ac:spMk id="116" creationId="{894C126A-BEA1-4F11-AC55-22E9DFAB53E7}"/>
-          </ac:spMkLst>
-        </pc:spChg>
-        <pc:spChg chg="del">
-          <ac:chgData name="Liu, Changsheng A." userId="877438ce-3489-4027-b8c0-4bd167ef53d0" providerId="ADAL" clId="{35AB68C3-AADD-4C6C-B90D-EE9085003035}" dt="2020-06-01T05:19:53.228" v="575" actId="478"/>
-          <ac:spMkLst>
-            <pc:docMk/>
-            <pc:sldMk cId="2729856478" sldId="7072"/>
-            <ac:spMk id="117" creationId="{C2A8819C-3381-4E57-AD93-22E41798B6EE}"/>
-          </ac:spMkLst>
-        </pc:spChg>
-        <pc:spChg chg="del">
-          <ac:chgData name="Liu, Changsheng A." userId="877438ce-3489-4027-b8c0-4bd167ef53d0" providerId="ADAL" clId="{35AB68C3-AADD-4C6C-B90D-EE9085003035}" dt="2020-06-01T05:19:53.228" v="575" actId="478"/>
-          <ac:spMkLst>
-            <pc:docMk/>
-            <pc:sldMk cId="2729856478" sldId="7072"/>
-            <ac:spMk id="118" creationId="{2622495D-1E42-43C8-AC19-A5D5F65DAB62}"/>
-          </ac:spMkLst>
-        </pc:spChg>
-        <pc:spChg chg="del">
-          <ac:chgData name="Liu, Changsheng A." userId="877438ce-3489-4027-b8c0-4bd167ef53d0" providerId="ADAL" clId="{35AB68C3-AADD-4C6C-B90D-EE9085003035}" dt="2020-06-01T05:19:53.228" v="575" actId="478"/>
-          <ac:spMkLst>
-            <pc:docMk/>
-            <pc:sldMk cId="2729856478" sldId="7072"/>
-            <ac:spMk id="119" creationId="{FC662C65-B179-454D-8BD0-D4BAB5FD98ED}"/>
-          </ac:spMkLst>
-        </pc:spChg>
-        <pc:spChg chg="del">
-          <ac:chgData name="Liu, Changsheng A." userId="877438ce-3489-4027-b8c0-4bd167ef53d0" providerId="ADAL" clId="{35AB68C3-AADD-4C6C-B90D-EE9085003035}" dt="2020-06-01T05:19:53.228" v="575" actId="478"/>
-          <ac:spMkLst>
-            <pc:docMk/>
-            <pc:sldMk cId="2729856478" sldId="7072"/>
-            <ac:spMk id="120" creationId="{0CBF8F5D-EBFA-4DB7-AEA6-5DE9CC1952D9}"/>
-          </ac:spMkLst>
-        </pc:spChg>
-        <pc:spChg chg="del">
-          <ac:chgData name="Liu, Changsheng A." userId="877438ce-3489-4027-b8c0-4bd167ef53d0" providerId="ADAL" clId="{35AB68C3-AADD-4C6C-B90D-EE9085003035}" dt="2020-06-01T05:19:53.228" v="575" actId="478"/>
-          <ac:spMkLst>
-            <pc:docMk/>
-            <pc:sldMk cId="2729856478" sldId="7072"/>
-            <ac:spMk id="121" creationId="{DAE7034C-64DD-4BC5-9C41-7E7AB97D6C68}"/>
-          </ac:spMkLst>
-        </pc:spChg>
-        <pc:spChg chg="del">
-          <ac:chgData name="Liu, Changsheng A." userId="877438ce-3489-4027-b8c0-4bd167ef53d0" providerId="ADAL" clId="{35AB68C3-AADD-4C6C-B90D-EE9085003035}" dt="2020-06-01T05:19:53.228" v="575" actId="478"/>
-          <ac:spMkLst>
-            <pc:docMk/>
-            <pc:sldMk cId="2729856478" sldId="7072"/>
-            <ac:spMk id="122" creationId="{51FAE396-2C07-4CAF-A018-EF6E49A62D6B}"/>
-          </ac:spMkLst>
-        </pc:spChg>
-        <pc:spChg chg="del">
-          <ac:chgData name="Liu, Changsheng A." userId="877438ce-3489-4027-b8c0-4bd167ef53d0" providerId="ADAL" clId="{35AB68C3-AADD-4C6C-B90D-EE9085003035}" dt="2020-06-01T05:19:53.228" v="575" actId="478"/>
-          <ac:spMkLst>
-            <pc:docMk/>
-            <pc:sldMk cId="2729856478" sldId="7072"/>
-            <ac:spMk id="123" creationId="{1A904466-5E80-4255-B766-D2B4011238DB}"/>
-          </ac:spMkLst>
-        </pc:spChg>
-        <pc:spChg chg="del">
-          <ac:chgData name="Liu, Changsheng A." userId="877438ce-3489-4027-b8c0-4bd167ef53d0" providerId="ADAL" clId="{35AB68C3-AADD-4C6C-B90D-EE9085003035}" dt="2020-06-01T05:19:53.228" v="575" actId="478"/>
-          <ac:spMkLst>
-            <pc:docMk/>
-            <pc:sldMk cId="2729856478" sldId="7072"/>
-            <ac:spMk id="124" creationId="{A036FA98-1031-4A32-9136-DFF6CB048146}"/>
-          </ac:spMkLst>
-        </pc:spChg>
-        <pc:spChg chg="del">
-          <ac:chgData name="Liu, Changsheng A." userId="877438ce-3489-4027-b8c0-4bd167ef53d0" providerId="ADAL" clId="{35AB68C3-AADD-4C6C-B90D-EE9085003035}" dt="2020-06-01T05:19:53.228" v="575" actId="478"/>
-          <ac:spMkLst>
-            <pc:docMk/>
-            <pc:sldMk cId="2729856478" sldId="7072"/>
-            <ac:spMk id="125" creationId="{9937ED0F-EE52-4C81-80B8-509FC8035FD3}"/>
-          </ac:spMkLst>
-        </pc:spChg>
-        <pc:spChg chg="del">
-          <ac:chgData name="Liu, Changsheng A." userId="877438ce-3489-4027-b8c0-4bd167ef53d0" providerId="ADAL" clId="{35AB68C3-AADD-4C6C-B90D-EE9085003035}" dt="2020-06-01T05:19:53.228" v="575" actId="478"/>
-          <ac:spMkLst>
-            <pc:docMk/>
-            <pc:sldMk cId="2729856478" sldId="7072"/>
-            <ac:spMk id="126" creationId="{ED64DE50-9A2F-469D-8A57-F146B167D905}"/>
-          </ac:spMkLst>
-        </pc:spChg>
-        <pc:spChg chg="del">
-          <ac:chgData name="Liu, Changsheng A." userId="877438ce-3489-4027-b8c0-4bd167ef53d0" providerId="ADAL" clId="{35AB68C3-AADD-4C6C-B90D-EE9085003035}" dt="2020-06-01T05:19:53.228" v="575" actId="478"/>
-          <ac:spMkLst>
-            <pc:docMk/>
-            <pc:sldMk cId="2729856478" sldId="7072"/>
-            <ac:spMk id="127" creationId="{ED8D19AD-27F5-44C4-B75F-E270EBD8FC55}"/>
-          </ac:spMkLst>
-        </pc:spChg>
-        <pc:spChg chg="del">
-          <ac:chgData name="Liu, Changsheng A." userId="877438ce-3489-4027-b8c0-4bd167ef53d0" providerId="ADAL" clId="{35AB68C3-AADD-4C6C-B90D-EE9085003035}" dt="2020-06-01T05:19:53.228" v="575" actId="478"/>
-          <ac:spMkLst>
-            <pc:docMk/>
-            <pc:sldMk cId="2729856478" sldId="7072"/>
-            <ac:spMk id="128" creationId="{4DC4A63D-19A4-46BC-86D6-16996397011B}"/>
-          </ac:spMkLst>
-        </pc:spChg>
-        <pc:spChg chg="del">
-          <ac:chgData name="Liu, Changsheng A." userId="877438ce-3489-4027-b8c0-4bd167ef53d0" providerId="ADAL" clId="{35AB68C3-AADD-4C6C-B90D-EE9085003035}" dt="2020-06-01T05:19:53.228" v="575" actId="478"/>
-          <ac:spMkLst>
-            <pc:docMk/>
-            <pc:sldMk cId="2729856478" sldId="7072"/>
-            <ac:spMk id="129" creationId="{705984BB-07A3-4E06-BBAC-BCE9E6DCBFF3}"/>
-          </ac:spMkLst>
-        </pc:spChg>
-        <pc:spChg chg="del">
-          <ac:chgData name="Liu, Changsheng A." userId="877438ce-3489-4027-b8c0-4bd167ef53d0" providerId="ADAL" clId="{35AB68C3-AADD-4C6C-B90D-EE9085003035}" dt="2020-06-01T05:19:53.228" v="575" actId="478"/>
-          <ac:spMkLst>
-            <pc:docMk/>
-            <pc:sldMk cId="2729856478" sldId="7072"/>
-            <ac:spMk id="130" creationId="{B0A627FC-B90A-4686-976E-D00E4CC3AF59}"/>
-          </ac:spMkLst>
-        </pc:spChg>
-        <pc:spChg chg="del">
-          <ac:chgData name="Liu, Changsheng A." userId="877438ce-3489-4027-b8c0-4bd167ef53d0" providerId="ADAL" clId="{35AB68C3-AADD-4C6C-B90D-EE9085003035}" dt="2020-06-01T05:19:53.228" v="575" actId="478"/>
-          <ac:spMkLst>
-            <pc:docMk/>
-            <pc:sldMk cId="2729856478" sldId="7072"/>
-            <ac:spMk id="131" creationId="{4F9195A5-AF64-420D-936D-EDBDF363366C}"/>
-          </ac:spMkLst>
-        </pc:spChg>
-        <pc:spChg chg="del">
-          <ac:chgData name="Liu, Changsheng A." userId="877438ce-3489-4027-b8c0-4bd167ef53d0" providerId="ADAL" clId="{35AB68C3-AADD-4C6C-B90D-EE9085003035}" dt="2020-06-01T05:19:53.228" v="575" actId="478"/>
-          <ac:spMkLst>
-            <pc:docMk/>
-            <pc:sldMk cId="2729856478" sldId="7072"/>
-            <ac:spMk id="132" creationId="{09FE3130-6CBF-4B62-A986-C4EFF7FE307F}"/>
-          </ac:spMkLst>
-        </pc:spChg>
-        <pc:spChg chg="del">
-          <ac:chgData name="Liu, Changsheng A." userId="877438ce-3489-4027-b8c0-4bd167ef53d0" providerId="ADAL" clId="{35AB68C3-AADD-4C6C-B90D-EE9085003035}" dt="2020-06-01T05:19:53.228" v="575" actId="478"/>
-          <ac:spMkLst>
-            <pc:docMk/>
-            <pc:sldMk cId="2729856478" sldId="7072"/>
-            <ac:spMk id="133" creationId="{6E71A595-0713-49DB-9642-30B754F15B1B}"/>
-          </ac:spMkLst>
-        </pc:spChg>
-        <pc:spChg chg="del">
-          <ac:chgData name="Liu, Changsheng A." userId="877438ce-3489-4027-b8c0-4bd167ef53d0" providerId="ADAL" clId="{35AB68C3-AADD-4C6C-B90D-EE9085003035}" dt="2020-06-01T05:19:53.228" v="575" actId="478"/>
-          <ac:spMkLst>
-            <pc:docMk/>
-            <pc:sldMk cId="2729856478" sldId="7072"/>
-            <ac:spMk id="134" creationId="{5E823B8A-6520-4406-9386-871DB3039303}"/>
-          </ac:spMkLst>
-        </pc:spChg>
-        <pc:spChg chg="del">
-          <ac:chgData name="Liu, Changsheng A." userId="877438ce-3489-4027-b8c0-4bd167ef53d0" providerId="ADAL" clId="{35AB68C3-AADD-4C6C-B90D-EE9085003035}" dt="2020-06-01T05:19:53.228" v="575" actId="478"/>
-          <ac:spMkLst>
-            <pc:docMk/>
-            <pc:sldMk cId="2729856478" sldId="7072"/>
-            <ac:spMk id="135" creationId="{B68DE4DB-DFE8-4FC9-B714-07D9E649F71D}"/>
-          </ac:spMkLst>
-        </pc:spChg>
-        <pc:spChg chg="del">
-          <ac:chgData name="Liu, Changsheng A." userId="877438ce-3489-4027-b8c0-4bd167ef53d0" providerId="ADAL" clId="{35AB68C3-AADD-4C6C-B90D-EE9085003035}" dt="2020-06-01T05:19:53.228" v="575" actId="478"/>
-          <ac:spMkLst>
-            <pc:docMk/>
-            <pc:sldMk cId="2729856478" sldId="7072"/>
-            <ac:spMk id="136" creationId="{B459B751-DBF5-4ABE-855B-C2B2A5473FD5}"/>
-          </ac:spMkLst>
-        </pc:spChg>
-        <pc:spChg chg="del">
-          <ac:chgData name="Liu, Changsheng A." userId="877438ce-3489-4027-b8c0-4bd167ef53d0" providerId="ADAL" clId="{35AB68C3-AADD-4C6C-B90D-EE9085003035}" dt="2020-06-01T05:19:53.228" v="575" actId="478"/>
-          <ac:spMkLst>
-            <pc:docMk/>
-            <pc:sldMk cId="2729856478" sldId="7072"/>
-            <ac:spMk id="137" creationId="{75379FCD-8F53-4895-B489-0E1FFC8D0118}"/>
-          </ac:spMkLst>
-        </pc:spChg>
-        <pc:spChg chg="del">
-          <ac:chgData name="Liu, Changsheng A." userId="877438ce-3489-4027-b8c0-4bd167ef53d0" providerId="ADAL" clId="{35AB68C3-AADD-4C6C-B90D-EE9085003035}" dt="2020-06-01T05:19:53.228" v="575" actId="478"/>
-          <ac:spMkLst>
-            <pc:docMk/>
-            <pc:sldMk cId="2729856478" sldId="7072"/>
-            <ac:spMk id="138" creationId="{7E22C88E-D969-42F3-8E4B-D3D886E2DF0A}"/>
-          </ac:spMkLst>
-        </pc:spChg>
-        <pc:spChg chg="del">
-          <ac:chgData name="Liu, Changsheng A." userId="877438ce-3489-4027-b8c0-4bd167ef53d0" providerId="ADAL" clId="{35AB68C3-AADD-4C6C-B90D-EE9085003035}" dt="2020-06-01T05:19:53.228" v="575" actId="478"/>
-          <ac:spMkLst>
-            <pc:docMk/>
-            <pc:sldMk cId="2729856478" sldId="7072"/>
-            <ac:spMk id="139" creationId="{55584928-94C2-4A79-ADFD-404D60653844}"/>
-          </ac:spMkLst>
-        </pc:spChg>
-        <pc:spChg chg="del">
-          <ac:chgData name="Liu, Changsheng A." userId="877438ce-3489-4027-b8c0-4bd167ef53d0" providerId="ADAL" clId="{35AB68C3-AADD-4C6C-B90D-EE9085003035}" dt="2020-06-01T05:19:53.228" v="575" actId="478"/>
-          <ac:spMkLst>
-            <pc:docMk/>
-            <pc:sldMk cId="2729856478" sldId="7072"/>
-            <ac:spMk id="140" creationId="{20548975-1E1B-4260-9213-DC974ED71EB2}"/>
-          </ac:spMkLst>
-        </pc:spChg>
-        <pc:spChg chg="del">
-          <ac:chgData name="Liu, Changsheng A." userId="877438ce-3489-4027-b8c0-4bd167ef53d0" providerId="ADAL" clId="{35AB68C3-AADD-4C6C-B90D-EE9085003035}" dt="2020-06-01T05:19:53.228" v="575" actId="478"/>
-          <ac:spMkLst>
-            <pc:docMk/>
-            <pc:sldMk cId="2729856478" sldId="7072"/>
-            <ac:spMk id="141" creationId="{4268D7DC-C166-490D-89BC-8F6E76B22BF4}"/>
-          </ac:spMkLst>
-        </pc:spChg>
-        <pc:spChg chg="add del mod">
-          <ac:chgData name="Liu, Changsheng A." userId="877438ce-3489-4027-b8c0-4bd167ef53d0" providerId="ADAL" clId="{35AB68C3-AADD-4C6C-B90D-EE9085003035}" dt="2020-06-01T05:20:25.842" v="581"/>
-          <ac:spMkLst>
-            <pc:docMk/>
-            <pc:sldMk cId="2729856478" sldId="7072"/>
-            <ac:spMk id="142" creationId="{5A0CD868-B78F-42A2-8C8A-07737332A4EF}"/>
-          </ac:spMkLst>
-        </pc:spChg>
-        <pc:spChg chg="del">
-          <ac:chgData name="Liu, Changsheng A." userId="877438ce-3489-4027-b8c0-4bd167ef53d0" providerId="ADAL" clId="{35AB68C3-AADD-4C6C-B90D-EE9085003035}" dt="2020-06-01T05:19:53.228" v="575" actId="478"/>
-          <ac:spMkLst>
-            <pc:docMk/>
-            <pc:sldMk cId="2729856478" sldId="7072"/>
-            <ac:spMk id="143" creationId="{D027D3CF-BC74-4B21-95C0-AB24D8EA394C}"/>
-          </ac:spMkLst>
-        </pc:spChg>
-        <pc:spChg chg="del">
-          <ac:chgData name="Liu, Changsheng A." userId="877438ce-3489-4027-b8c0-4bd167ef53d0" providerId="ADAL" clId="{35AB68C3-AADD-4C6C-B90D-EE9085003035}" dt="2020-06-01T05:19:53.228" v="575" actId="478"/>
-          <ac:spMkLst>
-            <pc:docMk/>
-            <pc:sldMk cId="2729856478" sldId="7072"/>
-            <ac:spMk id="144" creationId="{057AAA7E-A201-4F37-BC46-72BE9BD8B75D}"/>
-          </ac:spMkLst>
-        </pc:spChg>
-        <pc:spChg chg="add del mod">
-          <ac:chgData name="Liu, Changsheng A." userId="877438ce-3489-4027-b8c0-4bd167ef53d0" providerId="ADAL" clId="{35AB68C3-AADD-4C6C-B90D-EE9085003035}" dt="2020-06-01T05:20:25.842" v="581"/>
-          <ac:spMkLst>
-            <pc:docMk/>
-            <pc:sldMk cId="2729856478" sldId="7072"/>
-            <ac:spMk id="145" creationId="{1EC82E18-1C38-43BA-AA67-FCE15AC3D064}"/>
-          </ac:spMkLst>
-        </pc:spChg>
-        <pc:spChg chg="add del mod">
-          <ac:chgData name="Liu, Changsheng A." userId="877438ce-3489-4027-b8c0-4bd167ef53d0" providerId="ADAL" clId="{35AB68C3-AADD-4C6C-B90D-EE9085003035}" dt="2020-06-01T05:20:25.842" v="581"/>
-          <ac:spMkLst>
-            <pc:docMk/>
-            <pc:sldMk cId="2729856478" sldId="7072"/>
-            <ac:spMk id="146" creationId="{DA8250B3-2043-4847-8312-620296CA23A4}"/>
-          </ac:spMkLst>
-        </pc:spChg>
-        <pc:spChg chg="add del mod">
-          <ac:chgData name="Liu, Changsheng A." userId="877438ce-3489-4027-b8c0-4bd167ef53d0" providerId="ADAL" clId="{35AB68C3-AADD-4C6C-B90D-EE9085003035}" dt="2020-06-01T05:20:25.842" v="581"/>
-          <ac:spMkLst>
-            <pc:docMk/>
-            <pc:sldMk cId="2729856478" sldId="7072"/>
-            <ac:spMk id="147" creationId="{999874C7-C88D-462B-87A9-C49D91E7F0D2}"/>
-          </ac:spMkLst>
-        </pc:spChg>
-        <pc:spChg chg="add del mod">
-          <ac:chgData name="Liu, Changsheng A." userId="877438ce-3489-4027-b8c0-4bd167ef53d0" providerId="ADAL" clId="{35AB68C3-AADD-4C6C-B90D-EE9085003035}" dt="2020-06-01T05:20:25.842" v="581"/>
-          <ac:spMkLst>
-            <pc:docMk/>
-            <pc:sldMk cId="2729856478" sldId="7072"/>
-            <ac:spMk id="148" creationId="{53F9656B-52F0-495A-957B-18A4132569CC}"/>
-          </ac:spMkLst>
-        </pc:spChg>
-        <pc:spChg chg="del">
-          <ac:chgData name="Liu, Changsheng A." userId="877438ce-3489-4027-b8c0-4bd167ef53d0" providerId="ADAL" clId="{35AB68C3-AADD-4C6C-B90D-EE9085003035}" dt="2020-06-01T05:19:53.228" v="575" actId="478"/>
-          <ac:spMkLst>
-            <pc:docMk/>
-            <pc:sldMk cId="2729856478" sldId="7072"/>
-            <ac:spMk id="149" creationId="{7AD20000-F972-4CC3-84BE-DA24CD4BD453}"/>
-          </ac:spMkLst>
-        </pc:spChg>
-        <pc:spChg chg="add del mod">
-          <ac:chgData name="Liu, Changsheng A." userId="877438ce-3489-4027-b8c0-4bd167ef53d0" providerId="ADAL" clId="{35AB68C3-AADD-4C6C-B90D-EE9085003035}" dt="2020-06-01T05:24:37.096" v="659" actId="478"/>
-          <ac:spMkLst>
-            <pc:docMk/>
-            <pc:sldMk cId="2729856478" sldId="7072"/>
-            <ac:spMk id="150" creationId="{4C12926C-C9B3-4873-BB1F-C05497747AAC}"/>
-          </ac:spMkLst>
-        </pc:spChg>
-        <pc:spChg chg="add del mod">
-          <ac:chgData name="Liu, Changsheng A." userId="877438ce-3489-4027-b8c0-4bd167ef53d0" providerId="ADAL" clId="{35AB68C3-AADD-4C6C-B90D-EE9085003035}" dt="2020-06-01T05:24:37.722" v="660" actId="478"/>
-          <ac:spMkLst>
-            <pc:docMk/>
-            <pc:sldMk cId="2729856478" sldId="7072"/>
-            <ac:spMk id="151" creationId="{CB01E2F7-11FD-4E32-BCD0-48D3F99F9E34}"/>
-          </ac:spMkLst>
-        </pc:spChg>
-        <pc:spChg chg="add del mod">
-          <ac:chgData name="Liu, Changsheng A." userId="877438ce-3489-4027-b8c0-4bd167ef53d0" providerId="ADAL" clId="{35AB68C3-AADD-4C6C-B90D-EE9085003035}" dt="2020-06-01T05:24:38.428" v="661" actId="478"/>
-          <ac:spMkLst>
-            <pc:docMk/>
-            <pc:sldMk cId="2729856478" sldId="7072"/>
-            <ac:spMk id="152" creationId="{4406527A-080F-4511-91B8-37D3C131B631}"/>
-          </ac:spMkLst>
-        </pc:spChg>
-        <pc:spChg chg="add del mod">
-          <ac:chgData name="Liu, Changsheng A." userId="877438ce-3489-4027-b8c0-4bd167ef53d0" providerId="ADAL" clId="{35AB68C3-AADD-4C6C-B90D-EE9085003035}" dt="2020-06-01T05:24:39.145" v="662" actId="478"/>
-          <ac:spMkLst>
-            <pc:docMk/>
-            <pc:sldMk cId="2729856478" sldId="7072"/>
-            <ac:spMk id="153" creationId="{F5709649-4BB1-4C8D-BDBA-C75F4B28E050}"/>
-          </ac:spMkLst>
-        </pc:spChg>
-        <pc:spChg chg="add del mod">
-          <ac:chgData name="Liu, Changsheng A." userId="877438ce-3489-4027-b8c0-4bd167ef53d0" providerId="ADAL" clId="{35AB68C3-AADD-4C6C-B90D-EE9085003035}" dt="2020-06-01T05:24:39.846" v="663" actId="478"/>
-          <ac:spMkLst>
-            <pc:docMk/>
-            <pc:sldMk cId="2729856478" sldId="7072"/>
-            <ac:spMk id="154" creationId="{C9B8856B-AF4C-409D-9E60-72B5B28E3817}"/>
-          </ac:spMkLst>
-        </pc:spChg>
-        <pc:spChg chg="add mod ord topLvl">
-          <ac:chgData name="Liu, Changsheng A." userId="877438ce-3489-4027-b8c0-4bd167ef53d0" providerId="ADAL" clId="{35AB68C3-AADD-4C6C-B90D-EE9085003035}" dt="2020-06-01T05:48:05.710" v="1085" actId="113"/>
-          <ac:spMkLst>
-            <pc:docMk/>
-            <pc:sldMk cId="2729856478" sldId="7072"/>
-            <ac:spMk id="155" creationId="{6982A03D-8A4B-43BB-91E2-9159A662C013}"/>
-          </ac:spMkLst>
-        </pc:spChg>
-        <pc:spChg chg="add mod topLvl">
-          <ac:chgData name="Liu, Changsheng A." userId="877438ce-3489-4027-b8c0-4bd167ef53d0" providerId="ADAL" clId="{35AB68C3-AADD-4C6C-B90D-EE9085003035}" dt="2020-06-01T05:38:53.538" v="979" actId="165"/>
-          <ac:spMkLst>
-            <pc:docMk/>
-            <pc:sldMk cId="2729856478" sldId="7072"/>
-            <ac:spMk id="163" creationId="{CA1BAFED-5DDC-47B0-BD1C-D57A40700217}"/>
-          </ac:spMkLst>
-        </pc:spChg>
-        <pc:spChg chg="add mod topLvl">
-          <ac:chgData name="Liu, Changsheng A." userId="877438ce-3489-4027-b8c0-4bd167ef53d0" providerId="ADAL" clId="{35AB68C3-AADD-4C6C-B90D-EE9085003035}" dt="2020-06-01T05:38:53.538" v="979" actId="165"/>
-          <ac:spMkLst>
-            <pc:docMk/>
-            <pc:sldMk cId="2729856478" sldId="7072"/>
-            <ac:spMk id="164" creationId="{B4516EAE-17E2-4D0B-BB0B-D6B897412231}"/>
-          </ac:spMkLst>
-        </pc:spChg>
-        <pc:spChg chg="add mod topLvl">
-          <ac:chgData name="Liu, Changsheng A." userId="877438ce-3489-4027-b8c0-4bd167ef53d0" providerId="ADAL" clId="{35AB68C3-AADD-4C6C-B90D-EE9085003035}" dt="2020-06-01T05:38:53.538" v="979" actId="165"/>
-          <ac:spMkLst>
-            <pc:docMk/>
-            <pc:sldMk cId="2729856478" sldId="7072"/>
-            <ac:spMk id="165" creationId="{91F95AEF-9785-4B46-A061-AB38A8446185}"/>
-          </ac:spMkLst>
-        </pc:spChg>
-        <pc:spChg chg="add mod topLvl">
-          <ac:chgData name="Liu, Changsheng A." userId="877438ce-3489-4027-b8c0-4bd167ef53d0" providerId="ADAL" clId="{35AB68C3-AADD-4C6C-B90D-EE9085003035}" dt="2020-06-01T05:38:53.538" v="979" actId="165"/>
-          <ac:spMkLst>
-            <pc:docMk/>
-            <pc:sldMk cId="2729856478" sldId="7072"/>
-            <ac:spMk id="166" creationId="{97C91B7C-AE15-468F-AC9B-A9A2E55C20E1}"/>
-          </ac:spMkLst>
-        </pc:spChg>
-        <pc:spChg chg="add mod topLvl">
-          <ac:chgData name="Liu, Changsheng A." userId="877438ce-3489-4027-b8c0-4bd167ef53d0" providerId="ADAL" clId="{35AB68C3-AADD-4C6C-B90D-EE9085003035}" dt="2020-06-01T05:38:53.538" v="979" actId="165"/>
-          <ac:spMkLst>
-            <pc:docMk/>
-            <pc:sldMk cId="2729856478" sldId="7072"/>
-            <ac:spMk id="167" creationId="{6B408180-4917-4DB9-AC94-8DEACB234430}"/>
-          </ac:spMkLst>
-        </pc:spChg>
-        <pc:spChg chg="add mod topLvl">
-          <ac:chgData name="Liu, Changsheng A." userId="877438ce-3489-4027-b8c0-4bd167ef53d0" providerId="ADAL" clId="{35AB68C3-AADD-4C6C-B90D-EE9085003035}" dt="2020-06-01T05:38:53.538" v="979" actId="165"/>
-          <ac:spMkLst>
-            <pc:docMk/>
-            <pc:sldMk cId="2729856478" sldId="7072"/>
-            <ac:spMk id="169" creationId="{99A53870-5371-4C8A-A81D-276EE8EFBB7A}"/>
-          </ac:spMkLst>
-        </pc:spChg>
-        <pc:spChg chg="add mod topLvl">
-          <ac:chgData name="Liu, Changsheng A." userId="877438ce-3489-4027-b8c0-4bd167ef53d0" providerId="ADAL" clId="{35AB68C3-AADD-4C6C-B90D-EE9085003035}" dt="2020-06-01T05:38:53.538" v="979" actId="165"/>
-          <ac:spMkLst>
-            <pc:docMk/>
-            <pc:sldMk cId="2729856478" sldId="7072"/>
-            <ac:spMk id="170" creationId="{E18C2752-AB71-4B8B-A535-FCA9A9E361FE}"/>
-          </ac:spMkLst>
-        </pc:spChg>
-        <pc:spChg chg="add mod topLvl">
-          <ac:chgData name="Liu, Changsheng A." userId="877438ce-3489-4027-b8c0-4bd167ef53d0" providerId="ADAL" clId="{35AB68C3-AADD-4C6C-B90D-EE9085003035}" dt="2020-06-01T05:38:53.538" v="979" actId="165"/>
-          <ac:spMkLst>
-            <pc:docMk/>
-            <pc:sldMk cId="2729856478" sldId="7072"/>
-            <ac:spMk id="171" creationId="{7A9A740D-B213-46A1-AC27-9FD465A398A1}"/>
-          </ac:spMkLst>
-        </pc:spChg>
-        <pc:spChg chg="add mod topLvl">
-          <ac:chgData name="Liu, Changsheng A." userId="877438ce-3489-4027-b8c0-4bd167ef53d0" providerId="ADAL" clId="{35AB68C3-AADD-4C6C-B90D-EE9085003035}" dt="2020-06-01T05:38:53.538" v="979" actId="165"/>
-          <ac:spMkLst>
-            <pc:docMk/>
-            <pc:sldMk cId="2729856478" sldId="7072"/>
-            <ac:spMk id="172" creationId="{7F0957FE-EBB4-4908-9598-0A31BD7571C7}"/>
-          </ac:spMkLst>
-        </pc:spChg>
-        <pc:spChg chg="add mod topLvl">
-          <ac:chgData name="Liu, Changsheng A." userId="877438ce-3489-4027-b8c0-4bd167ef53d0" providerId="ADAL" clId="{35AB68C3-AADD-4C6C-B90D-EE9085003035}" dt="2020-06-01T05:38:53.538" v="979" actId="165"/>
-          <ac:spMkLst>
-            <pc:docMk/>
-            <pc:sldMk cId="2729856478" sldId="7072"/>
-            <ac:spMk id="173" creationId="{CFA64541-AEC5-4EA2-8A3D-0D45CD8687FF}"/>
-          </ac:spMkLst>
-        </pc:spChg>
-        <pc:spChg chg="add mod topLvl">
-          <ac:chgData name="Liu, Changsheng A." userId="877438ce-3489-4027-b8c0-4bd167ef53d0" providerId="ADAL" clId="{35AB68C3-AADD-4C6C-B90D-EE9085003035}" dt="2020-06-01T05:40:33.591" v="1019" actId="1035"/>
-          <ac:spMkLst>
-            <pc:docMk/>
-            <pc:sldMk cId="2729856478" sldId="7072"/>
-            <ac:spMk id="174" creationId="{92E56961-D660-475F-9B5B-B563A8DE9738}"/>
-          </ac:spMkLst>
-        </pc:spChg>
-        <pc:spChg chg="add mod topLvl">
-          <ac:chgData name="Liu, Changsheng A." userId="877438ce-3489-4027-b8c0-4bd167ef53d0" providerId="ADAL" clId="{35AB68C3-AADD-4C6C-B90D-EE9085003035}" dt="2020-06-01T05:40:31.988" v="1017" actId="1035"/>
-          <ac:spMkLst>
-            <pc:docMk/>
-            <pc:sldMk cId="2729856478" sldId="7072"/>
-            <ac:spMk id="175" creationId="{82DD84EE-4862-40E4-B96F-05774D7524F3}"/>
-          </ac:spMkLst>
-        </pc:spChg>
-        <pc:spChg chg="add mod">
-          <ac:chgData name="Liu, Changsheng A." userId="877438ce-3489-4027-b8c0-4bd167ef53d0" providerId="ADAL" clId="{35AB68C3-AADD-4C6C-B90D-EE9085003035}" dt="2020-06-01T05:37:38.473" v="969" actId="1076"/>
-          <ac:spMkLst>
-            <pc:docMk/>
-            <pc:sldMk cId="2729856478" sldId="7072"/>
-            <ac:spMk id="176" creationId="{FE8BBEC4-CC86-4720-9F7B-B3ED90B167B5}"/>
-          </ac:spMkLst>
-        </pc:spChg>
-        <pc:spChg chg="add mod">
-          <ac:chgData name="Liu, Changsheng A." userId="877438ce-3489-4027-b8c0-4bd167ef53d0" providerId="ADAL" clId="{35AB68C3-AADD-4C6C-B90D-EE9085003035}" dt="2020-06-01T05:46:15.751" v="1082" actId="113"/>
-          <ac:spMkLst>
-            <pc:docMk/>
-            <pc:sldMk cId="2729856478" sldId="7072"/>
-            <ac:spMk id="177" creationId="{F73C9FEE-6350-4F05-B744-92279F143778}"/>
-          </ac:spMkLst>
-        </pc:spChg>
-        <pc:spChg chg="add del">
-          <ac:chgData name="Liu, Changsheng A." userId="877438ce-3489-4027-b8c0-4bd167ef53d0" providerId="ADAL" clId="{35AB68C3-AADD-4C6C-B90D-EE9085003035}" dt="2020-06-01T05:46:14.694" v="1081"/>
-          <ac:spMkLst>
-            <pc:docMk/>
-            <pc:sldMk cId="2729856478" sldId="7072"/>
-            <ac:spMk id="178" creationId="{D6FF7610-9449-4B4A-9ECD-BF5C9D0B4262}"/>
-          </ac:spMkLst>
-        </pc:spChg>
-        <pc:grpChg chg="add del mod">
-          <ac:chgData name="Liu, Changsheng A." userId="877438ce-3489-4027-b8c0-4bd167ef53d0" providerId="ADAL" clId="{35AB68C3-AADD-4C6C-B90D-EE9085003035}" dt="2020-06-01T05:38:53.538" v="979" actId="165"/>
-          <ac:grpSpMkLst>
-            <pc:docMk/>
-            <pc:sldMk cId="2729856478" sldId="7072"/>
-            <ac:grpSpMk id="9" creationId="{D469497E-55AB-4B7C-A1E5-EA502777FE18}"/>
-          </ac:grpSpMkLst>
-        </pc:grpChg>
-        <pc:grpChg chg="mod">
-          <ac:chgData name="Liu, Changsheng A." userId="877438ce-3489-4027-b8c0-4bd167ef53d0" providerId="ADAL" clId="{35AB68C3-AADD-4C6C-B90D-EE9085003035}" dt="2020-06-01T05:42:18.607" v="1027" actId="1076"/>
-          <ac:grpSpMkLst>
-            <pc:docMk/>
-            <pc:sldMk cId="2729856478" sldId="7072"/>
-            <ac:grpSpMk id="70" creationId="{5BBA9151-CA60-480C-B47F-4D27E73879B3}"/>
-          </ac:grpSpMkLst>
-        </pc:grpChg>
-        <pc:graphicFrameChg chg="add mod topLvl">
-          <ac:chgData name="Liu, Changsheng A." userId="877438ce-3489-4027-b8c0-4bd167ef53d0" providerId="ADAL" clId="{35AB68C3-AADD-4C6C-B90D-EE9085003035}" dt="2020-06-01T05:42:49.272" v="1029" actId="12269"/>
-          <ac:graphicFrameMkLst>
-            <pc:docMk/>
-            <pc:sldMk cId="2729856478" sldId="7072"/>
-            <ac:graphicFrameMk id="3" creationId="{48812ECC-C370-4011-B626-AECE60B19270}"/>
-          </ac:graphicFrameMkLst>
-        </pc:graphicFrameChg>
-        <pc:graphicFrameChg chg="modGraphic">
-          <ac:chgData name="Liu, Changsheng A." userId="877438ce-3489-4027-b8c0-4bd167ef53d0" providerId="ADAL" clId="{35AB68C3-AADD-4C6C-B90D-EE9085003035}" dt="2020-06-01T05:46:45.095" v="1083" actId="207"/>
-          <ac:graphicFrameMkLst>
-            <pc:docMk/>
-            <pc:sldMk cId="2729856478" sldId="7072"/>
-            <ac:graphicFrameMk id="4" creationId="{6155957B-9638-40C1-A9BC-BE1BC7C9E984}"/>
-          </ac:graphicFrameMkLst>
-        </pc:graphicFrameChg>
-        <pc:cxnChg chg="del">
-          <ac:chgData name="Liu, Changsheng A." userId="877438ce-3489-4027-b8c0-4bd167ef53d0" providerId="ADAL" clId="{35AB68C3-AADD-4C6C-B90D-EE9085003035}" dt="2020-06-01T05:19:53.228" v="575" actId="478"/>
-          <ac:cxnSpMkLst>
-            <pc:docMk/>
-            <pc:sldMk cId="2729856478" sldId="7072"/>
-            <ac:cxnSpMk id="109" creationId="{245FBB01-08FA-4811-9086-E7CE9FFFC97E}"/>
-          </ac:cxnSpMkLst>
-        </pc:cxnChg>
-        <pc:cxnChg chg="add mod ord topLvl">
-          <ac:chgData name="Liu, Changsheng A." userId="877438ce-3489-4027-b8c0-4bd167ef53d0" providerId="ADAL" clId="{35AB68C3-AADD-4C6C-B90D-EE9085003035}" dt="2020-06-01T05:45:19.523" v="1078" actId="166"/>
-          <ac:cxnSpMkLst>
-            <pc:docMk/>
-            <pc:sldMk cId="2729856478" sldId="7072"/>
-            <ac:cxnSpMk id="156" creationId="{057354C6-0346-4CA3-A479-3477BEAE1DAB}"/>
-          </ac:cxnSpMkLst>
-        </pc:cxnChg>
-        <pc:cxnChg chg="add mod ord topLvl">
-          <ac:chgData name="Liu, Changsheng A." userId="877438ce-3489-4027-b8c0-4bd167ef53d0" providerId="ADAL" clId="{35AB68C3-AADD-4C6C-B90D-EE9085003035}" dt="2020-06-01T05:45:19.523" v="1078" actId="166"/>
-          <ac:cxnSpMkLst>
-            <pc:docMk/>
-            <pc:sldMk cId="2729856478" sldId="7072"/>
-            <ac:cxnSpMk id="157" creationId="{283245AB-D2A2-442F-AB6F-5C47867B2BDA}"/>
-          </ac:cxnSpMkLst>
-        </pc:cxnChg>
-        <pc:cxnChg chg="add mod ord topLvl">
-          <ac:chgData name="Liu, Changsheng A." userId="877438ce-3489-4027-b8c0-4bd167ef53d0" providerId="ADAL" clId="{35AB68C3-AADD-4C6C-B90D-EE9085003035}" dt="2020-06-01T05:45:19.523" v="1078" actId="166"/>
-          <ac:cxnSpMkLst>
-            <pc:docMk/>
-            <pc:sldMk cId="2729856478" sldId="7072"/>
-            <ac:cxnSpMk id="158" creationId="{55F60300-A651-44B0-9DF7-118B18A86167}"/>
-          </ac:cxnSpMkLst>
-        </pc:cxnChg>
-        <pc:cxnChg chg="add mod ord topLvl">
-          <ac:chgData name="Liu, Changsheng A." userId="877438ce-3489-4027-b8c0-4bd167ef53d0" providerId="ADAL" clId="{35AB68C3-AADD-4C6C-B90D-EE9085003035}" dt="2020-06-01T05:45:19.523" v="1078" actId="166"/>
-          <ac:cxnSpMkLst>
-            <pc:docMk/>
-            <pc:sldMk cId="2729856478" sldId="7072"/>
-            <ac:cxnSpMk id="159" creationId="{71E90A51-52B0-4AC3-82A9-35270E042A43}"/>
-          </ac:cxnSpMkLst>
-        </pc:cxnChg>
-        <pc:cxnChg chg="add mod ord topLvl">
-          <ac:chgData name="Liu, Changsheng A." userId="877438ce-3489-4027-b8c0-4bd167ef53d0" providerId="ADAL" clId="{35AB68C3-AADD-4C6C-B90D-EE9085003035}" dt="2020-06-01T05:45:19.523" v="1078" actId="166"/>
-          <ac:cxnSpMkLst>
-            <pc:docMk/>
-            <pc:sldMk cId="2729856478" sldId="7072"/>
-            <ac:cxnSpMk id="160" creationId="{5112B6FD-E24B-413E-98D1-F4B3771C9BCE}"/>
-          </ac:cxnSpMkLst>
-        </pc:cxnChg>
-        <pc:cxnChg chg="add mod ord topLvl">
-          <ac:chgData name="Liu, Changsheng A." userId="877438ce-3489-4027-b8c0-4bd167ef53d0" providerId="ADAL" clId="{35AB68C3-AADD-4C6C-B90D-EE9085003035}" dt="2020-06-01T05:45:19.523" v="1078" actId="166"/>
-          <ac:cxnSpMkLst>
-            <pc:docMk/>
-            <pc:sldMk cId="2729856478" sldId="7072"/>
-            <ac:cxnSpMk id="161" creationId="{0B4DB62A-5517-430A-94F5-0C22A7A10A28}"/>
-          </ac:cxnSpMkLst>
-        </pc:cxnChg>
-        <pc:cxnChg chg="add mod topLvl">
-          <ac:chgData name="Liu, Changsheng A." userId="877438ce-3489-4027-b8c0-4bd167ef53d0" providerId="ADAL" clId="{35AB68C3-AADD-4C6C-B90D-EE9085003035}" dt="2020-06-01T05:47:58.505" v="1084" actId="208"/>
-          <ac:cxnSpMkLst>
-            <pc:docMk/>
-            <pc:sldMk cId="2729856478" sldId="7072"/>
-            <ac:cxnSpMk id="162" creationId="{AFB8B8D4-EEE9-4B04-862C-D0A85B5AFA07}"/>
-          </ac:cxnSpMkLst>
-        </pc:cxnChg>
-        <pc:cxnChg chg="add mod topLvl">
-          <ac:chgData name="Liu, Changsheng A." userId="877438ce-3489-4027-b8c0-4bd167ef53d0" providerId="ADAL" clId="{35AB68C3-AADD-4C6C-B90D-EE9085003035}" dt="2020-06-01T05:44:55.287" v="1077" actId="692"/>
-          <ac:cxnSpMkLst>
-            <pc:docMk/>
-            <pc:sldMk cId="2729856478" sldId="7072"/>
-            <ac:cxnSpMk id="168" creationId="{4F63E910-D499-436F-B596-AEA1E239E922}"/>
-          </ac:cxnSpMkLst>
-        </pc:cxnChg>
-      </pc:sldChg>
-      <pc:sldChg chg="addSp delSp modSp add">
-        <pc:chgData name="Liu, Changsheng A." userId="877438ce-3489-4027-b8c0-4bd167ef53d0" providerId="ADAL" clId="{35AB68C3-AADD-4C6C-B90D-EE9085003035}" dt="2020-06-01T11:01:21.863" v="1344" actId="207"/>
-        <pc:sldMkLst>
-          <pc:docMk/>
-          <pc:sldMk cId="2078933728" sldId="7073"/>
-        </pc:sldMkLst>
-        <pc:spChg chg="add mod">
-          <ac:chgData name="Liu, Changsheng A." userId="877438ce-3489-4027-b8c0-4bd167ef53d0" providerId="ADAL" clId="{35AB68C3-AADD-4C6C-B90D-EE9085003035}" dt="2020-06-01T10:58:16.238" v="1338" actId="1076"/>
-          <ac:spMkLst>
-            <pc:docMk/>
-            <pc:sldMk cId="2078933728" sldId="7073"/>
-            <ac:spMk id="5" creationId="{AA98423E-8F40-4B2A-AC95-647A24DD16D8}"/>
-          </ac:spMkLst>
-        </pc:spChg>
-        <pc:spChg chg="mod">
-          <ac:chgData name="Liu, Changsheng A." userId="877438ce-3489-4027-b8c0-4bd167ef53d0" providerId="ADAL" clId="{35AB68C3-AADD-4C6C-B90D-EE9085003035}" dt="2020-06-01T10:47:33.285" v="1293" actId="1076"/>
-          <ac:spMkLst>
-            <pc:docMk/>
-            <pc:sldMk cId="2078933728" sldId="7073"/>
-            <ac:spMk id="10" creationId="{4D9B5909-B820-4B3C-8F02-83CB81D8980F}"/>
-          </ac:spMkLst>
-        </pc:spChg>
-        <pc:spChg chg="mod">
-          <ac:chgData name="Liu, Changsheng A." userId="877438ce-3489-4027-b8c0-4bd167ef53d0" providerId="ADAL" clId="{35AB68C3-AADD-4C6C-B90D-EE9085003035}" dt="2020-06-01T10:48:25.509" v="1302" actId="1076"/>
-          <ac:spMkLst>
-            <pc:docMk/>
-            <pc:sldMk cId="2078933728" sldId="7073"/>
-            <ac:spMk id="24" creationId="{1427C411-8467-4EC1-AFF2-82A3435FA2B7}"/>
-          </ac:spMkLst>
-        </pc:spChg>
-        <pc:spChg chg="mod topLvl">
-          <ac:chgData name="Liu, Changsheng A." userId="877438ce-3489-4027-b8c0-4bd167ef53d0" providerId="ADAL" clId="{35AB68C3-AADD-4C6C-B90D-EE9085003035}" dt="2020-06-01T10:41:04.721" v="1164" actId="1037"/>
-          <ac:spMkLst>
-            <pc:docMk/>
-            <pc:sldMk cId="2078933728" sldId="7073"/>
-            <ac:spMk id="27" creationId="{11738D7A-04CC-4EF5-85EA-BDE095A887FD}"/>
-          </ac:spMkLst>
-        </pc:spChg>
-        <pc:spChg chg="mod topLvl">
-          <ac:chgData name="Liu, Changsheng A." userId="877438ce-3489-4027-b8c0-4bd167ef53d0" providerId="ADAL" clId="{35AB68C3-AADD-4C6C-B90D-EE9085003035}" dt="2020-06-01T10:41:04.721" v="1164" actId="1037"/>
-          <ac:spMkLst>
-            <pc:docMk/>
-            <pc:sldMk cId="2078933728" sldId="7073"/>
-            <ac:spMk id="28" creationId="{647402D2-B8CB-46CB-8230-49DE19402AF3}"/>
-          </ac:spMkLst>
-        </pc:spChg>
-        <pc:spChg chg="mod topLvl">
-          <ac:chgData name="Liu, Changsheng A." userId="877438ce-3489-4027-b8c0-4bd167ef53d0" providerId="ADAL" clId="{35AB68C3-AADD-4C6C-B90D-EE9085003035}" dt="2020-06-01T10:41:04.721" v="1164" actId="1037"/>
-          <ac:spMkLst>
-            <pc:docMk/>
-            <pc:sldMk cId="2078933728" sldId="7073"/>
-            <ac:spMk id="29" creationId="{8E9C722A-B2BA-42B5-9B86-8CA59B700607}"/>
-          </ac:spMkLst>
-        </pc:spChg>
-        <pc:spChg chg="mod topLvl">
-          <ac:chgData name="Liu, Changsheng A." userId="877438ce-3489-4027-b8c0-4bd167ef53d0" providerId="ADAL" clId="{35AB68C3-AADD-4C6C-B90D-EE9085003035}" dt="2020-06-01T10:41:04.721" v="1164" actId="1037"/>
-          <ac:spMkLst>
-            <pc:docMk/>
-            <pc:sldMk cId="2078933728" sldId="7073"/>
-            <ac:spMk id="30" creationId="{8BCFEBA6-0EAC-473F-9E61-61E0E7D7E676}"/>
-          </ac:spMkLst>
-        </pc:spChg>
-        <pc:spChg chg="mod topLvl">
-          <ac:chgData name="Liu, Changsheng A." userId="877438ce-3489-4027-b8c0-4bd167ef53d0" providerId="ADAL" clId="{35AB68C3-AADD-4C6C-B90D-EE9085003035}" dt="2020-06-01T10:41:04.721" v="1164" actId="1037"/>
-          <ac:spMkLst>
-            <pc:docMk/>
-            <pc:sldMk cId="2078933728" sldId="7073"/>
-            <ac:spMk id="31" creationId="{832A4CF6-9CE5-4438-BA5C-AFD082F0C2F4}"/>
-          </ac:spMkLst>
-        </pc:spChg>
-        <pc:spChg chg="mod topLvl">
-          <ac:chgData name="Liu, Changsheng A." userId="877438ce-3489-4027-b8c0-4bd167ef53d0" providerId="ADAL" clId="{35AB68C3-AADD-4C6C-B90D-EE9085003035}" dt="2020-06-01T10:41:44.668" v="1217" actId="1035"/>
-          <ac:spMkLst>
-            <pc:docMk/>
-            <pc:sldMk cId="2078933728" sldId="7073"/>
-            <ac:spMk id="32" creationId="{71B31A1F-918C-43A4-AA7E-AFC6E6F24BDD}"/>
-          </ac:spMkLst>
-        </pc:spChg>
-        <pc:spChg chg="mod topLvl">
-          <ac:chgData name="Liu, Changsheng A." userId="877438ce-3489-4027-b8c0-4bd167ef53d0" providerId="ADAL" clId="{35AB68C3-AADD-4C6C-B90D-EE9085003035}" dt="2020-06-01T10:41:44.668" v="1217" actId="1035"/>
-          <ac:spMkLst>
-            <pc:docMk/>
-            <pc:sldMk cId="2078933728" sldId="7073"/>
-            <ac:spMk id="33" creationId="{EB5F6BFC-515D-409D-98C7-AE8F56A40405}"/>
-          </ac:spMkLst>
-        </pc:spChg>
-        <pc:spChg chg="mod topLvl">
-          <ac:chgData name="Liu, Changsheng A." userId="877438ce-3489-4027-b8c0-4bd167ef53d0" providerId="ADAL" clId="{35AB68C3-AADD-4C6C-B90D-EE9085003035}" dt="2020-06-01T10:41:44.668" v="1217" actId="1035"/>
-          <ac:spMkLst>
-            <pc:docMk/>
-            <pc:sldMk cId="2078933728" sldId="7073"/>
-            <ac:spMk id="34" creationId="{55E82AD3-D03E-478C-9A5F-F93F75E34F59}"/>
-          </ac:spMkLst>
-        </pc:spChg>
-        <pc:spChg chg="mod topLvl">
-          <ac:chgData name="Liu, Changsheng A." userId="877438ce-3489-4027-b8c0-4bd167ef53d0" providerId="ADAL" clId="{35AB68C3-AADD-4C6C-B90D-EE9085003035}" dt="2020-06-01T10:41:44.668" v="1217" actId="1035"/>
-          <ac:spMkLst>
-            <pc:docMk/>
-            <pc:sldMk cId="2078933728" sldId="7073"/>
-            <ac:spMk id="35" creationId="{324ECC88-9E99-46EA-B9E6-8E27507BD242}"/>
-          </ac:spMkLst>
-        </pc:spChg>
-        <pc:spChg chg="mod topLvl">
-          <ac:chgData name="Liu, Changsheng A." userId="877438ce-3489-4027-b8c0-4bd167ef53d0" providerId="ADAL" clId="{35AB68C3-AADD-4C6C-B90D-EE9085003035}" dt="2020-06-01T10:41:44.668" v="1217" actId="1035"/>
-          <ac:spMkLst>
-            <pc:docMk/>
-            <pc:sldMk cId="2078933728" sldId="7073"/>
-            <ac:spMk id="36" creationId="{55AEC59F-A253-42D6-BAB5-62B1A8024B6C}"/>
-          </ac:spMkLst>
-        </pc:spChg>
-        <pc:spChg chg="mod topLvl">
-          <ac:chgData name="Liu, Changsheng A." userId="877438ce-3489-4027-b8c0-4bd167ef53d0" providerId="ADAL" clId="{35AB68C3-AADD-4C6C-B90D-EE9085003035}" dt="2020-06-01T10:52:42.410" v="1329" actId="20577"/>
-          <ac:spMkLst>
-            <pc:docMk/>
-            <pc:sldMk cId="2078933728" sldId="7073"/>
-            <ac:spMk id="37" creationId="{5768E9E1-7A19-4265-98EA-F4D06E010D87}"/>
-          </ac:spMkLst>
-        </pc:spChg>
-        <pc:spChg chg="mod topLvl">
-          <ac:chgData name="Liu, Changsheng A." userId="877438ce-3489-4027-b8c0-4bd167ef53d0" providerId="ADAL" clId="{35AB68C3-AADD-4C6C-B90D-EE9085003035}" dt="2020-06-01T10:53:00.510" v="1334" actId="20577"/>
-          <ac:spMkLst>
-            <pc:docMk/>
-            <pc:sldMk cId="2078933728" sldId="7073"/>
-            <ac:spMk id="38" creationId="{121D65B4-E10C-4D60-B212-2C942968F72F}"/>
-          </ac:spMkLst>
-        </pc:spChg>
-        <pc:spChg chg="mod topLvl">
-          <ac:chgData name="Liu, Changsheng A." userId="877438ce-3489-4027-b8c0-4bd167ef53d0" providerId="ADAL" clId="{35AB68C3-AADD-4C6C-B90D-EE9085003035}" dt="2020-06-01T10:52:09.045" v="1322" actId="207"/>
-          <ac:spMkLst>
-            <pc:docMk/>
-            <pc:sldMk cId="2078933728" sldId="7073"/>
-            <ac:spMk id="39" creationId="{474E7E2E-C6D5-4FD4-A259-15836834AABA}"/>
-          </ac:spMkLst>
-        </pc:spChg>
-        <pc:spChg chg="mod topLvl">
-          <ac:chgData name="Liu, Changsheng A." userId="877438ce-3489-4027-b8c0-4bd167ef53d0" providerId="ADAL" clId="{35AB68C3-AADD-4C6C-B90D-EE9085003035}" dt="2020-06-01T10:51:35.640" v="1321" actId="207"/>
-          <ac:spMkLst>
-            <pc:docMk/>
-            <pc:sldMk cId="2078933728" sldId="7073"/>
-            <ac:spMk id="40" creationId="{EDBD5573-79E8-4AC2-A951-7D96D0C67F86}"/>
-          </ac:spMkLst>
-        </pc:spChg>
-        <pc:spChg chg="mod topLvl">
-          <ac:chgData name="Liu, Changsheng A." userId="877438ce-3489-4027-b8c0-4bd167ef53d0" providerId="ADAL" clId="{35AB68C3-AADD-4C6C-B90D-EE9085003035}" dt="2020-06-01T10:41:44.668" v="1217" actId="1035"/>
-          <ac:spMkLst>
-            <pc:docMk/>
-            <pc:sldMk cId="2078933728" sldId="7073"/>
-            <ac:spMk id="41" creationId="{87D99611-DBFC-4621-B18D-892888142ECC}"/>
-          </ac:spMkLst>
-        </pc:spChg>
-        <pc:spChg chg="mod topLvl">
-          <ac:chgData name="Liu, Changsheng A." userId="877438ce-3489-4027-b8c0-4bd167ef53d0" providerId="ADAL" clId="{35AB68C3-AADD-4C6C-B90D-EE9085003035}" dt="2020-06-01T10:52:58.641" v="1333" actId="20577"/>
-          <ac:spMkLst>
-            <pc:docMk/>
-            <pc:sldMk cId="2078933728" sldId="7073"/>
-            <ac:spMk id="42" creationId="{3E15D2F8-9DB0-4866-A4C8-8CD0F298F02A}"/>
-          </ac:spMkLst>
-        </pc:spChg>
-        <pc:spChg chg="mod topLvl">
-          <ac:chgData name="Liu, Changsheng A." userId="877438ce-3489-4027-b8c0-4bd167ef53d0" providerId="ADAL" clId="{35AB68C3-AADD-4C6C-B90D-EE9085003035}" dt="2020-06-01T10:52:09.045" v="1322" actId="207"/>
-          <ac:spMkLst>
-            <pc:docMk/>
-            <pc:sldMk cId="2078933728" sldId="7073"/>
-            <ac:spMk id="43" creationId="{07029AE1-F50D-4F8F-93D2-771A724A0918}"/>
-          </ac:spMkLst>
-        </pc:spChg>
-        <pc:spChg chg="mod topLvl">
-          <ac:chgData name="Liu, Changsheng A." userId="877438ce-3489-4027-b8c0-4bd167ef53d0" providerId="ADAL" clId="{35AB68C3-AADD-4C6C-B90D-EE9085003035}" dt="2020-06-01T10:52:09.045" v="1322" actId="207"/>
-          <ac:spMkLst>
-            <pc:docMk/>
-            <pc:sldMk cId="2078933728" sldId="7073"/>
-            <ac:spMk id="44" creationId="{8CD7A325-1339-4E4F-8A99-A2575C7BB420}"/>
-          </ac:spMkLst>
-        </pc:spChg>
-        <pc:spChg chg="mod topLvl">
-          <ac:chgData name="Liu, Changsheng A." userId="877438ce-3489-4027-b8c0-4bd167ef53d0" providerId="ADAL" clId="{35AB68C3-AADD-4C6C-B90D-EE9085003035}" dt="2020-06-01T10:51:35.640" v="1321" actId="207"/>
-          <ac:spMkLst>
-            <pc:docMk/>
-            <pc:sldMk cId="2078933728" sldId="7073"/>
-            <ac:spMk id="45" creationId="{8EE6D591-BD01-4AF9-9B1E-CA2D8A146FAB}"/>
-          </ac:spMkLst>
-        </pc:spChg>
-        <pc:spChg chg="mod topLvl">
-          <ac:chgData name="Liu, Changsheng A." userId="877438ce-3489-4027-b8c0-4bd167ef53d0" providerId="ADAL" clId="{35AB68C3-AADD-4C6C-B90D-EE9085003035}" dt="2020-06-01T10:41:44.668" v="1217" actId="1035"/>
-          <ac:spMkLst>
-            <pc:docMk/>
-            <pc:sldMk cId="2078933728" sldId="7073"/>
-            <ac:spMk id="46" creationId="{FDF96610-225C-44FC-B78B-657ACA73AB8C}"/>
-          </ac:spMkLst>
-        </pc:spChg>
-        <pc:spChg chg="mod topLvl">
-          <ac:chgData name="Liu, Changsheng A." userId="877438ce-3489-4027-b8c0-4bd167ef53d0" providerId="ADAL" clId="{35AB68C3-AADD-4C6C-B90D-EE9085003035}" dt="2020-06-01T10:52:09.045" v="1322" actId="207"/>
-          <ac:spMkLst>
-            <pc:docMk/>
-            <pc:sldMk cId="2078933728" sldId="7073"/>
-            <ac:spMk id="47" creationId="{079577EA-BE69-4DE1-B648-AB5123CEBEBC}"/>
-          </ac:spMkLst>
-        </pc:spChg>
-        <pc:spChg chg="mod topLvl">
-          <ac:chgData name="Liu, Changsheng A." userId="877438ce-3489-4027-b8c0-4bd167ef53d0" providerId="ADAL" clId="{35AB68C3-AADD-4C6C-B90D-EE9085003035}" dt="2020-06-01T10:52:09.045" v="1322" actId="207"/>
-          <ac:spMkLst>
-            <pc:docMk/>
-            <pc:sldMk cId="2078933728" sldId="7073"/>
-            <ac:spMk id="48" creationId="{76CEF490-3071-41E9-B4AB-918ADD4A8177}"/>
-          </ac:spMkLst>
-        </pc:spChg>
-        <pc:spChg chg="mod topLvl">
-          <ac:chgData name="Liu, Changsheng A." userId="877438ce-3489-4027-b8c0-4bd167ef53d0" providerId="ADAL" clId="{35AB68C3-AADD-4C6C-B90D-EE9085003035}" dt="2020-06-01T10:51:35.640" v="1321" actId="207"/>
-          <ac:spMkLst>
-            <pc:docMk/>
-            <pc:sldMk cId="2078933728" sldId="7073"/>
-            <ac:spMk id="49" creationId="{C7AC6EAB-331F-42AF-8266-C1FF6C8666F2}"/>
-          </ac:spMkLst>
-        </pc:spChg>
-        <pc:spChg chg="mod topLvl">
-          <ac:chgData name="Liu, Changsheng A." userId="877438ce-3489-4027-b8c0-4bd167ef53d0" providerId="ADAL" clId="{35AB68C3-AADD-4C6C-B90D-EE9085003035}" dt="2020-06-01T10:41:44.668" v="1217" actId="1035"/>
-          <ac:spMkLst>
-            <pc:docMk/>
-            <pc:sldMk cId="2078933728" sldId="7073"/>
-            <ac:spMk id="50" creationId="{54AB5148-3057-4A1D-BF9B-17047A4E42D1}"/>
-          </ac:spMkLst>
-        </pc:spChg>
-        <pc:spChg chg="mod topLvl">
-          <ac:chgData name="Liu, Changsheng A." userId="877438ce-3489-4027-b8c0-4bd167ef53d0" providerId="ADAL" clId="{35AB68C3-AADD-4C6C-B90D-EE9085003035}" dt="2020-06-01T10:41:44.668" v="1217" actId="1035"/>
-          <ac:spMkLst>
-            <pc:docMk/>
-            <pc:sldMk cId="2078933728" sldId="7073"/>
-            <ac:spMk id="51" creationId="{4644D9B5-A3D9-47F4-B408-5874AC22245D}"/>
-          </ac:spMkLst>
-        </pc:spChg>
-        <pc:spChg chg="mod topLvl">
-          <ac:chgData name="Liu, Changsheng A." userId="877438ce-3489-4027-b8c0-4bd167ef53d0" providerId="ADAL" clId="{35AB68C3-AADD-4C6C-B90D-EE9085003035}" dt="2020-06-01T10:51:35.640" v="1321" actId="207"/>
-          <ac:spMkLst>
-            <pc:docMk/>
-            <pc:sldMk cId="2078933728" sldId="7073"/>
-            <ac:spMk id="52" creationId="{53990669-D6CF-4256-B0BC-62FAE4029A59}"/>
-          </ac:spMkLst>
-        </pc:spChg>
-        <pc:spChg chg="mod topLvl">
-          <ac:chgData name="Liu, Changsheng A." userId="877438ce-3489-4027-b8c0-4bd167ef53d0" providerId="ADAL" clId="{35AB68C3-AADD-4C6C-B90D-EE9085003035}" dt="2020-06-01T10:51:35.640" v="1321" actId="207"/>
-          <ac:spMkLst>
-            <pc:docMk/>
-            <pc:sldMk cId="2078933728" sldId="7073"/>
-            <ac:spMk id="53" creationId="{ED89F336-4BEA-4C0D-8F17-74E1240A9038}"/>
-          </ac:spMkLst>
-        </pc:spChg>
-        <pc:spChg chg="mod topLvl">
-          <ac:chgData name="Liu, Changsheng A." userId="877438ce-3489-4027-b8c0-4bd167ef53d0" providerId="ADAL" clId="{35AB68C3-AADD-4C6C-B90D-EE9085003035}" dt="2020-06-01T10:41:44.668" v="1217" actId="1035"/>
-          <ac:spMkLst>
-            <pc:docMk/>
-            <pc:sldMk cId="2078933728" sldId="7073"/>
-            <ac:spMk id="54" creationId="{2867D0DC-A98D-485E-9B48-B550939BA2A3}"/>
-          </ac:spMkLst>
-        </pc:spChg>
-        <pc:spChg chg="mod topLvl">
-          <ac:chgData name="Liu, Changsheng A." userId="877438ce-3489-4027-b8c0-4bd167ef53d0" providerId="ADAL" clId="{35AB68C3-AADD-4C6C-B90D-EE9085003035}" dt="2020-06-01T10:46:10.186" v="1289" actId="20577"/>
-          <ac:spMkLst>
-            <pc:docMk/>
-            <pc:sldMk cId="2078933728" sldId="7073"/>
-            <ac:spMk id="55" creationId="{20F13826-1658-42F1-904F-384B91864645}"/>
-          </ac:spMkLst>
-        </pc:spChg>
-        <pc:spChg chg="mod topLvl">
-          <ac:chgData name="Liu, Changsheng A." userId="877438ce-3489-4027-b8c0-4bd167ef53d0" providerId="ADAL" clId="{35AB68C3-AADD-4C6C-B90D-EE9085003035}" dt="2020-06-01T10:41:44.668" v="1217" actId="1035"/>
-          <ac:spMkLst>
-            <pc:docMk/>
-            <pc:sldMk cId="2078933728" sldId="7073"/>
-            <ac:spMk id="56" creationId="{E1984666-CC3C-4BAF-A1C3-5D3BEA45E35D}"/>
-          </ac:spMkLst>
-        </pc:spChg>
-        <pc:spChg chg="mod topLvl">
-          <ac:chgData name="Liu, Changsheng A." userId="877438ce-3489-4027-b8c0-4bd167ef53d0" providerId="ADAL" clId="{35AB68C3-AADD-4C6C-B90D-EE9085003035}" dt="2020-06-01T10:41:44.668" v="1217" actId="1035"/>
-          <ac:spMkLst>
-            <pc:docMk/>
-            <pc:sldMk cId="2078933728" sldId="7073"/>
-            <ac:spMk id="57" creationId="{B2012D40-374F-43A6-A06B-6ED394DFA93F}"/>
-          </ac:spMkLst>
-        </pc:spChg>
-        <pc:spChg chg="mod topLvl">
-          <ac:chgData name="Liu, Changsheng A." userId="877438ce-3489-4027-b8c0-4bd167ef53d0" providerId="ADAL" clId="{35AB68C3-AADD-4C6C-B90D-EE9085003035}" dt="2020-06-01T10:41:44.668" v="1217" actId="1035"/>
-          <ac:spMkLst>
-            <pc:docMk/>
-            <pc:sldMk cId="2078933728" sldId="7073"/>
-            <ac:spMk id="58" creationId="{36C34AC6-6463-4DF4-B0F3-4D381DC1A4F3}"/>
-          </ac:spMkLst>
-        </pc:spChg>
-        <pc:spChg chg="mod topLvl">
-          <ac:chgData name="Liu, Changsheng A." userId="877438ce-3489-4027-b8c0-4bd167ef53d0" providerId="ADAL" clId="{35AB68C3-AADD-4C6C-B90D-EE9085003035}" dt="2020-06-01T10:41:44.668" v="1217" actId="1035"/>
-          <ac:spMkLst>
-            <pc:docMk/>
-            <pc:sldMk cId="2078933728" sldId="7073"/>
-            <ac:spMk id="59" creationId="{8EB26390-F4CC-43F7-BC11-B9999A07DDA0}"/>
-          </ac:spMkLst>
-        </pc:spChg>
-        <pc:spChg chg="mod topLvl">
-          <ac:chgData name="Liu, Changsheng A." userId="877438ce-3489-4027-b8c0-4bd167ef53d0" providerId="ADAL" clId="{35AB68C3-AADD-4C6C-B90D-EE9085003035}" dt="2020-06-01T10:41:44.668" v="1217" actId="1035"/>
-          <ac:spMkLst>
-            <pc:docMk/>
-            <pc:sldMk cId="2078933728" sldId="7073"/>
-            <ac:spMk id="60" creationId="{C312CAA5-7D7C-474A-9701-6EF0914A6244}"/>
-          </ac:spMkLst>
-        </pc:spChg>
-        <pc:spChg chg="mod topLvl">
-          <ac:chgData name="Liu, Changsheng A." userId="877438ce-3489-4027-b8c0-4bd167ef53d0" providerId="ADAL" clId="{35AB68C3-AADD-4C6C-B90D-EE9085003035}" dt="2020-06-01T10:41:44.668" v="1217" actId="1035"/>
-          <ac:spMkLst>
-            <pc:docMk/>
-            <pc:sldMk cId="2078933728" sldId="7073"/>
-            <ac:spMk id="61" creationId="{BAF5D4EC-7B74-4F1E-B6CF-6B2EB899A7DE}"/>
-          </ac:spMkLst>
-        </pc:spChg>
-        <pc:spChg chg="mod topLvl">
-          <ac:chgData name="Liu, Changsheng A." userId="877438ce-3489-4027-b8c0-4bd167ef53d0" providerId="ADAL" clId="{35AB68C3-AADD-4C6C-B90D-EE9085003035}" dt="2020-06-01T10:40:28.625" v="1122" actId="165"/>
-          <ac:spMkLst>
-            <pc:docMk/>
-            <pc:sldMk cId="2078933728" sldId="7073"/>
-            <ac:spMk id="62" creationId="{E1E7A93B-6099-40C5-9663-CACA3885B393}"/>
-          </ac:spMkLst>
-        </pc:spChg>
-        <pc:spChg chg="mod topLvl">
-          <ac:chgData name="Liu, Changsheng A." userId="877438ce-3489-4027-b8c0-4bd167ef53d0" providerId="ADAL" clId="{35AB68C3-AADD-4C6C-B90D-EE9085003035}" dt="2020-06-01T10:40:28.625" v="1122" actId="165"/>
-          <ac:spMkLst>
-            <pc:docMk/>
-            <pc:sldMk cId="2078933728" sldId="7073"/>
-            <ac:spMk id="66" creationId="{32128900-A13D-4FA0-9EF3-1CE6C9EA1C55}"/>
-          </ac:spMkLst>
-        </pc:spChg>
-        <pc:spChg chg="mod topLvl">
-          <ac:chgData name="Liu, Changsheng A." userId="877438ce-3489-4027-b8c0-4bd167ef53d0" providerId="ADAL" clId="{35AB68C3-AADD-4C6C-B90D-EE9085003035}" dt="2020-06-01T10:40:28.625" v="1122" actId="165"/>
-          <ac:spMkLst>
-            <pc:docMk/>
-            <pc:sldMk cId="2078933728" sldId="7073"/>
-            <ac:spMk id="68" creationId="{E2760D1B-B5A1-424A-8EFB-52943AAEA436}"/>
-          </ac:spMkLst>
-        </pc:spChg>
-        <pc:spChg chg="add mod">
-          <ac:chgData name="Liu, Changsheng A." userId="877438ce-3489-4027-b8c0-4bd167ef53d0" providerId="ADAL" clId="{35AB68C3-AADD-4C6C-B90D-EE9085003035}" dt="2020-06-01T10:41:20.657" v="1166" actId="20577"/>
-          <ac:spMkLst>
-            <pc:docMk/>
-            <pc:sldMk cId="2078933728" sldId="7073"/>
-            <ac:spMk id="72" creationId="{2AA5DAF8-DCEE-4FB4-903A-A5DE76111CFA}"/>
-          </ac:spMkLst>
-        </pc:spChg>
-        <pc:spChg chg="add mod">
-          <ac:chgData name="Liu, Changsheng A." userId="877438ce-3489-4027-b8c0-4bd167ef53d0" providerId="ADAL" clId="{35AB68C3-AADD-4C6C-B90D-EE9085003035}" dt="2020-06-01T10:52:36.140" v="1328" actId="20577"/>
-          <ac:spMkLst>
-            <pc:docMk/>
-            <pc:sldMk cId="2078933728" sldId="7073"/>
-            <ac:spMk id="73" creationId="{CB23F596-D5BE-454E-B59B-1378CFC55C5E}"/>
-          </ac:spMkLst>
-        </pc:spChg>
-        <pc:spChg chg="add mod">
-          <ac:chgData name="Liu, Changsheng A." userId="877438ce-3489-4027-b8c0-4bd167ef53d0" providerId="ADAL" clId="{35AB68C3-AADD-4C6C-B90D-EE9085003035}" dt="2020-06-01T10:52:55.422" v="1332" actId="20577"/>
-          <ac:spMkLst>
-            <pc:docMk/>
-            <pc:sldMk cId="2078933728" sldId="7073"/>
-            <ac:spMk id="74" creationId="{4AA14367-7A10-476F-9016-49A2BBEA799F}"/>
-          </ac:spMkLst>
-        </pc:spChg>
-        <pc:spChg chg="add mod">
-          <ac:chgData name="Liu, Changsheng A." userId="877438ce-3489-4027-b8c0-4bd167ef53d0" providerId="ADAL" clId="{35AB68C3-AADD-4C6C-B90D-EE9085003035}" dt="2020-06-01T10:52:09.045" v="1322" actId="207"/>
-          <ac:spMkLst>
-            <pc:docMk/>
-            <pc:sldMk cId="2078933728" sldId="7073"/>
-            <ac:spMk id="75" creationId="{BC02985C-7420-4986-B441-1AA4D0775D16}"/>
-          </ac:spMkLst>
-        </pc:spChg>
-        <pc:spChg chg="add mod">
-          <ac:chgData name="Liu, Changsheng A." userId="877438ce-3489-4027-b8c0-4bd167ef53d0" providerId="ADAL" clId="{35AB68C3-AADD-4C6C-B90D-EE9085003035}" dt="2020-06-01T10:51:35.640" v="1321" actId="207"/>
-          <ac:spMkLst>
-            <pc:docMk/>
-            <pc:sldMk cId="2078933728" sldId="7073"/>
-            <ac:spMk id="76" creationId="{17710159-EF59-48F8-B91B-8D2134F4FDE8}"/>
-          </ac:spMkLst>
-        </pc:spChg>
-        <pc:spChg chg="add mod">
-          <ac:chgData name="Liu, Changsheng A." userId="877438ce-3489-4027-b8c0-4bd167ef53d0" providerId="ADAL" clId="{35AB68C3-AADD-4C6C-B90D-EE9085003035}" dt="2020-06-01T10:41:44.668" v="1217" actId="1035"/>
-          <ac:spMkLst>
-            <pc:docMk/>
-            <pc:sldMk cId="2078933728" sldId="7073"/>
-            <ac:spMk id="77" creationId="{30050CDE-A4DD-4DF7-AC94-99C0B4C96423}"/>
-          </ac:spMkLst>
-        </pc:spChg>
-        <pc:spChg chg="add mod">
-          <ac:chgData name="Liu, Changsheng A." userId="877438ce-3489-4027-b8c0-4bd167ef53d0" providerId="ADAL" clId="{35AB68C3-AADD-4C6C-B90D-EE9085003035}" dt="2020-06-01T10:41:51.803" v="1219" actId="20577"/>
-          <ac:spMkLst>
-            <pc:docMk/>
-            <pc:sldMk cId="2078933728" sldId="7073"/>
-            <ac:spMk id="78" creationId="{BCC7604B-327C-413F-9DA2-2B112C3E7359}"/>
-          </ac:spMkLst>
-        </pc:spChg>
-        <pc:spChg chg="add mod">
-          <ac:chgData name="Liu, Changsheng A." userId="877438ce-3489-4027-b8c0-4bd167ef53d0" providerId="ADAL" clId="{35AB68C3-AADD-4C6C-B90D-EE9085003035}" dt="2020-06-01T10:43:11.423" v="1232" actId="20577"/>
-          <ac:spMkLst>
-            <pc:docMk/>
-            <pc:sldMk cId="2078933728" sldId="7073"/>
-            <ac:spMk id="79" creationId="{3B0118A3-C45C-4EF2-9D15-7D5E3275D655}"/>
-          </ac:spMkLst>
-        </pc:spChg>
-        <pc:spChg chg="add mod">
-          <ac:chgData name="Liu, Changsheng A." userId="877438ce-3489-4027-b8c0-4bd167ef53d0" providerId="ADAL" clId="{35AB68C3-AADD-4C6C-B90D-EE9085003035}" dt="2020-06-01T10:52:33.320" v="1324" actId="20577"/>
-          <ac:spMkLst>
-            <pc:docMk/>
-            <pc:sldMk cId="2078933728" sldId="7073"/>
-            <ac:spMk id="80" creationId="{5687D83A-6553-459A-B2AF-7C6D59655E9D}"/>
-          </ac:spMkLst>
-        </pc:spChg>
-        <pc:spChg chg="add mod">
-          <ac:chgData name="Liu, Changsheng A." userId="877438ce-3489-4027-b8c0-4bd167ef53d0" providerId="ADAL" clId="{35AB68C3-AADD-4C6C-B90D-EE9085003035}" dt="2020-06-01T10:52:09.045" v="1322" actId="207"/>
-          <ac:spMkLst>
-            <pc:docMk/>
-            <pc:sldMk cId="2078933728" sldId="7073"/>
-            <ac:spMk id="81" creationId="{EB7133EF-8594-4403-A8F8-500F799473D1}"/>
-          </ac:spMkLst>
-        </pc:spChg>
-        <pc:spChg chg="add mod">
-          <ac:chgData name="Liu, Changsheng A." userId="877438ce-3489-4027-b8c0-4bd167ef53d0" providerId="ADAL" clId="{35AB68C3-AADD-4C6C-B90D-EE9085003035}" dt="2020-06-01T10:51:35.640" v="1321" actId="207"/>
-          <ac:spMkLst>
-            <pc:docMk/>
-            <pc:sldMk cId="2078933728" sldId="7073"/>
-            <ac:spMk id="82" creationId="{BBED5C99-389D-49D0-9DD0-A611CAB83AA6}"/>
-          </ac:spMkLst>
-        </pc:spChg>
-        <pc:spChg chg="add mod">
-          <ac:chgData name="Liu, Changsheng A." userId="877438ce-3489-4027-b8c0-4bd167ef53d0" providerId="ADAL" clId="{35AB68C3-AADD-4C6C-B90D-EE9085003035}" dt="2020-06-01T10:41:36.293" v="1194" actId="571"/>
-          <ac:spMkLst>
-            <pc:docMk/>
-            <pc:sldMk cId="2078933728" sldId="7073"/>
-            <ac:spMk id="83" creationId="{7C624BD0-FD52-49EC-99AD-160153C5B3B5}"/>
-          </ac:spMkLst>
-        </pc:spChg>
-        <pc:spChg chg="add mod">
-          <ac:chgData name="Liu, Changsheng A." userId="877438ce-3489-4027-b8c0-4bd167ef53d0" providerId="ADAL" clId="{35AB68C3-AADD-4C6C-B90D-EE9085003035}" dt="2020-06-01T10:53:09.844" v="1336" actId="20577"/>
-          <ac:spMkLst>
-            <pc:docMk/>
-            <pc:sldMk cId="2078933728" sldId="7073"/>
-            <ac:spMk id="84" creationId="{16EB385F-196F-4CDA-88C5-119228B5A246}"/>
-          </ac:spMkLst>
-        </pc:spChg>
-        <pc:spChg chg="mod">
-          <ac:chgData name="Liu, Changsheng A." userId="877438ce-3489-4027-b8c0-4bd167ef53d0" providerId="ADAL" clId="{35AB68C3-AADD-4C6C-B90D-EE9085003035}" dt="2020-06-01T10:36:51.030" v="1094" actId="20577"/>
-          <ac:spMkLst>
-            <pc:docMk/>
-            <pc:sldMk cId="2078933728" sldId="7073"/>
-            <ac:spMk id="164" creationId="{B4516EAE-17E2-4D0B-BB0B-D6B897412231}"/>
-          </ac:spMkLst>
-        </pc:spChg>
-        <pc:spChg chg="mod">
-          <ac:chgData name="Liu, Changsheng A." userId="877438ce-3489-4027-b8c0-4bd167ef53d0" providerId="ADAL" clId="{35AB68C3-AADD-4C6C-B90D-EE9085003035}" dt="2020-06-01T10:36:54.423" v="1095" actId="20577"/>
-          <ac:spMkLst>
-            <pc:docMk/>
-            <pc:sldMk cId="2078933728" sldId="7073"/>
-            <ac:spMk id="165" creationId="{91F95AEF-9785-4B46-A061-AB38A8446185}"/>
-          </ac:spMkLst>
-        </pc:spChg>
-        <pc:spChg chg="mod">
-          <ac:chgData name="Liu, Changsheng A." userId="877438ce-3489-4027-b8c0-4bd167ef53d0" providerId="ADAL" clId="{35AB68C3-AADD-4C6C-B90D-EE9085003035}" dt="2020-06-01T10:37:05.032" v="1097" actId="20577"/>
-          <ac:spMkLst>
-            <pc:docMk/>
-            <pc:sldMk cId="2078933728" sldId="7073"/>
-            <ac:spMk id="166" creationId="{97C91B7C-AE15-468F-AC9B-A9A2E55C20E1}"/>
-          </ac:spMkLst>
-        </pc:spChg>
-        <pc:spChg chg="mod">
-          <ac:chgData name="Liu, Changsheng A." userId="877438ce-3489-4027-b8c0-4bd167ef53d0" providerId="ADAL" clId="{35AB68C3-AADD-4C6C-B90D-EE9085003035}" dt="2020-06-01T10:58:57.464" v="1341" actId="20577"/>
-          <ac:spMkLst>
-            <pc:docMk/>
-            <pc:sldMk cId="2078933728" sldId="7073"/>
-            <ac:spMk id="167" creationId="{6B408180-4917-4DB9-AC94-8DEACB234430}"/>
-          </ac:spMkLst>
-        </pc:spChg>
-        <pc:spChg chg="mod">
-          <ac:chgData name="Liu, Changsheng A." userId="877438ce-3489-4027-b8c0-4bd167ef53d0" providerId="ADAL" clId="{35AB68C3-AADD-4C6C-B90D-EE9085003035}" dt="2020-06-01T10:47:51.326" v="1297" actId="20577"/>
-          <ac:spMkLst>
-            <pc:docMk/>
-            <pc:sldMk cId="2078933728" sldId="7073"/>
-            <ac:spMk id="171" creationId="{7A9A740D-B213-46A1-AC27-9FD465A398A1}"/>
-          </ac:spMkLst>
-        </pc:spChg>
-        <pc:spChg chg="mod">
-          <ac:chgData name="Liu, Changsheng A." userId="877438ce-3489-4027-b8c0-4bd167ef53d0" providerId="ADAL" clId="{35AB68C3-AADD-4C6C-B90D-EE9085003035}" dt="2020-06-01T10:47:54.088" v="1299" actId="20577"/>
-          <ac:spMkLst>
-            <pc:docMk/>
-            <pc:sldMk cId="2078933728" sldId="7073"/>
-            <ac:spMk id="172" creationId="{7F0957FE-EBB4-4908-9598-0A31BD7571C7}"/>
-          </ac:spMkLst>
-        </pc:spChg>
-        <pc:spChg chg="mod">
-          <ac:chgData name="Liu, Changsheng A." userId="877438ce-3489-4027-b8c0-4bd167ef53d0" providerId="ADAL" clId="{35AB68C3-AADD-4C6C-B90D-EE9085003035}" dt="2020-06-01T10:47:56.546" v="1300" actId="20577"/>
-          <ac:spMkLst>
-            <pc:docMk/>
-            <pc:sldMk cId="2078933728" sldId="7073"/>
-            <ac:spMk id="173" creationId="{CFA64541-AEC5-4EA2-8A3D-0D45CD8687FF}"/>
-          </ac:spMkLst>
-        </pc:spChg>
-        <pc:spChg chg="del mod">
-          <ac:chgData name="Liu, Changsheng A." userId="877438ce-3489-4027-b8c0-4bd167ef53d0" providerId="ADAL" clId="{35AB68C3-AADD-4C6C-B90D-EE9085003035}" dt="2020-06-01T10:40:44.795" v="1153" actId="478"/>
-          <ac:spMkLst>
-            <pc:docMk/>
-            <pc:sldMk cId="2078933728" sldId="7073"/>
-            <ac:spMk id="177" creationId="{F73C9FEE-6350-4F05-B744-92279F143778}"/>
-          </ac:spMkLst>
-        </pc:spChg>
-        <pc:grpChg chg="del">
-          <ac:chgData name="Liu, Changsheng A." userId="877438ce-3489-4027-b8c0-4bd167ef53d0" providerId="ADAL" clId="{35AB68C3-AADD-4C6C-B90D-EE9085003035}" dt="2020-06-01T10:40:28.625" v="1122" actId="165"/>
-          <ac:grpSpMkLst>
-            <pc:docMk/>
-            <pc:sldMk cId="2078933728" sldId="7073"/>
-            <ac:grpSpMk id="70" creationId="{5BBA9151-CA60-480C-B47F-4D27E73879B3}"/>
-          </ac:grpSpMkLst>
-        </pc:grpChg>
-        <pc:graphicFrameChg chg="mod">
-          <ac:chgData name="Liu, Changsheng A." userId="877438ce-3489-4027-b8c0-4bd167ef53d0" providerId="ADAL" clId="{35AB68C3-AADD-4C6C-B90D-EE9085003035}" dt="2020-06-01T11:01:21.863" v="1344" actId="207"/>
-          <ac:graphicFrameMkLst>
-            <pc:docMk/>
-            <pc:sldMk cId="2078933728" sldId="7073"/>
-            <ac:graphicFrameMk id="3" creationId="{48812ECC-C370-4011-B626-AECE60B19270}"/>
-          </ac:graphicFrameMkLst>
-        </pc:graphicFrameChg>
-        <pc:graphicFrameChg chg="mod modGraphic">
-          <ac:chgData name="Liu, Changsheng A." userId="877438ce-3489-4027-b8c0-4bd167ef53d0" providerId="ADAL" clId="{35AB68C3-AADD-4C6C-B90D-EE9085003035}" dt="2020-06-01T10:48:31.951" v="1303" actId="255"/>
-          <ac:graphicFrameMkLst>
-            <pc:docMk/>
-            <pc:sldMk cId="2078933728" sldId="7073"/>
-            <ac:graphicFrameMk id="4" creationId="{6155957B-9638-40C1-A9BC-BE1BC7C9E984}"/>
-          </ac:graphicFrameMkLst>
-        </pc:graphicFrameChg>
-        <pc:cxnChg chg="mod topLvl">
-          <ac:chgData name="Liu, Changsheng A." userId="877438ce-3489-4027-b8c0-4bd167ef53d0" providerId="ADAL" clId="{35AB68C3-AADD-4C6C-B90D-EE9085003035}" dt="2020-06-01T10:40:28.625" v="1122" actId="165"/>
-          <ac:cxnSpMkLst>
-            <pc:docMk/>
-            <pc:sldMk cId="2078933728" sldId="7073"/>
-            <ac:cxnSpMk id="64" creationId="{9B801E2D-BCCB-43A2-B462-A9E7A0ECD55F}"/>
-          </ac:cxnSpMkLst>
-        </pc:cxnChg>
-      </pc:sldChg>
-      <pc:sldChg chg="addSp modSp add">
-        <pc:chgData name="Liu, Changsheng A." userId="877438ce-3489-4027-b8c0-4bd167ef53d0" providerId="ADAL" clId="{35AB68C3-AADD-4C6C-B90D-EE9085003035}" dt="2020-06-01T11:54:34.824" v="1781" actId="1076"/>
-        <pc:sldMkLst>
-          <pc:docMk/>
-          <pc:sldMk cId="2921799353" sldId="7074"/>
-        </pc:sldMkLst>
-        <pc:spChg chg="mod">
-          <ac:chgData name="Liu, Changsheng A." userId="877438ce-3489-4027-b8c0-4bd167ef53d0" providerId="ADAL" clId="{35AB68C3-AADD-4C6C-B90D-EE9085003035}" dt="2020-06-01T11:48:17.661" v="1692" actId="164"/>
-          <ac:spMkLst>
-            <pc:docMk/>
-            <pc:sldMk cId="2921799353" sldId="7074"/>
-            <ac:spMk id="5" creationId="{AA98423E-8F40-4B2A-AC95-647A24DD16D8}"/>
-          </ac:spMkLst>
-        </pc:spChg>
-        <pc:spChg chg="mod">
-          <ac:chgData name="Liu, Changsheng A." userId="877438ce-3489-4027-b8c0-4bd167ef53d0" providerId="ADAL" clId="{35AB68C3-AADD-4C6C-B90D-EE9085003035}" dt="2020-06-01T11:54:34.824" v="1781" actId="1076"/>
-          <ac:spMkLst>
-            <pc:docMk/>
-            <pc:sldMk cId="2921799353" sldId="7074"/>
-            <ac:spMk id="10" creationId="{4D9B5909-B820-4B3C-8F02-83CB81D8980F}"/>
-          </ac:spMkLst>
-        </pc:spChg>
-        <pc:spChg chg="mod">
-          <ac:chgData name="Liu, Changsheng A." userId="877438ce-3489-4027-b8c0-4bd167ef53d0" providerId="ADAL" clId="{35AB68C3-AADD-4C6C-B90D-EE9085003035}" dt="2020-06-01T11:54:30.522" v="1780" actId="1037"/>
-          <ac:spMkLst>
-            <pc:docMk/>
-            <pc:sldMk cId="2921799353" sldId="7074"/>
-            <ac:spMk id="24" creationId="{1427C411-8467-4EC1-AFF2-82A3435FA2B7}"/>
-          </ac:spMkLst>
-        </pc:spChg>
-        <pc:spChg chg="mod">
-          <ac:chgData name="Liu, Changsheng A." userId="877438ce-3489-4027-b8c0-4bd167ef53d0" providerId="ADAL" clId="{35AB68C3-AADD-4C6C-B90D-EE9085003035}" dt="2020-06-01T11:47:48.724" v="1689" actId="164"/>
-          <ac:spMkLst>
-            <pc:docMk/>
-            <pc:sldMk cId="2921799353" sldId="7074"/>
-            <ac:spMk id="27" creationId="{11738D7A-04CC-4EF5-85EA-BDE095A887FD}"/>
-          </ac:spMkLst>
-        </pc:spChg>
-        <pc:spChg chg="mod">
-          <ac:chgData name="Liu, Changsheng A." userId="877438ce-3489-4027-b8c0-4bd167ef53d0" providerId="ADAL" clId="{35AB68C3-AADD-4C6C-B90D-EE9085003035}" dt="2020-06-01T11:47:48.724" v="1689" actId="164"/>
-          <ac:spMkLst>
-            <pc:docMk/>
-            <pc:sldMk cId="2921799353" sldId="7074"/>
-            <ac:spMk id="28" creationId="{647402D2-B8CB-46CB-8230-49DE19402AF3}"/>
-          </ac:spMkLst>
-        </pc:spChg>
-        <pc:spChg chg="mod">
-          <ac:chgData name="Liu, Changsheng A." userId="877438ce-3489-4027-b8c0-4bd167ef53d0" providerId="ADAL" clId="{35AB68C3-AADD-4C6C-B90D-EE9085003035}" dt="2020-06-01T11:47:48.724" v="1689" actId="164"/>
-          <ac:spMkLst>
-            <pc:docMk/>
-            <pc:sldMk cId="2921799353" sldId="7074"/>
-            <ac:spMk id="29" creationId="{8E9C722A-B2BA-42B5-9B86-8CA59B700607}"/>
-          </ac:spMkLst>
-        </pc:spChg>
-        <pc:spChg chg="mod">
-          <ac:chgData name="Liu, Changsheng A." userId="877438ce-3489-4027-b8c0-4bd167ef53d0" providerId="ADAL" clId="{35AB68C3-AADD-4C6C-B90D-EE9085003035}" dt="2020-06-01T11:47:48.724" v="1689" actId="164"/>
-          <ac:spMkLst>
-            <pc:docMk/>
-            <pc:sldMk cId="2921799353" sldId="7074"/>
-            <ac:spMk id="30" creationId="{8BCFEBA6-0EAC-473F-9E61-61E0E7D7E676}"/>
-          </ac:spMkLst>
-        </pc:spChg>
-        <pc:spChg chg="mod">
-          <ac:chgData name="Liu, Changsheng A." userId="877438ce-3489-4027-b8c0-4bd167ef53d0" providerId="ADAL" clId="{35AB68C3-AADD-4C6C-B90D-EE9085003035}" dt="2020-06-01T11:47:48.724" v="1689" actId="164"/>
-          <ac:spMkLst>
-            <pc:docMk/>
-            <pc:sldMk cId="2921799353" sldId="7074"/>
-            <ac:spMk id="31" creationId="{832A4CF6-9CE5-4438-BA5C-AFD082F0C2F4}"/>
-          </ac:spMkLst>
-        </pc:spChg>
-        <pc:spChg chg="mod">
-          <ac:chgData name="Liu, Changsheng A." userId="877438ce-3489-4027-b8c0-4bd167ef53d0" providerId="ADAL" clId="{35AB68C3-AADD-4C6C-B90D-EE9085003035}" dt="2020-06-01T11:47:48.724" v="1689" actId="164"/>
-          <ac:spMkLst>
-            <pc:docMk/>
-            <pc:sldMk cId="2921799353" sldId="7074"/>
-            <ac:spMk id="32" creationId="{71B31A1F-918C-43A4-AA7E-AFC6E6F24BDD}"/>
-          </ac:spMkLst>
-        </pc:spChg>
-        <pc:spChg chg="mod">
-          <ac:chgData name="Liu, Changsheng A." userId="877438ce-3489-4027-b8c0-4bd167ef53d0" providerId="ADAL" clId="{35AB68C3-AADD-4C6C-B90D-EE9085003035}" dt="2020-06-01T11:47:48.724" v="1689" actId="164"/>
-          <ac:spMkLst>
-            <pc:docMk/>
-            <pc:sldMk cId="2921799353" sldId="7074"/>
-            <ac:spMk id="33" creationId="{EB5F6BFC-515D-409D-98C7-AE8F56A40405}"/>
-          </ac:spMkLst>
-        </pc:spChg>
-        <pc:spChg chg="mod">
-          <ac:chgData name="Liu, Changsheng A." userId="877438ce-3489-4027-b8c0-4bd167ef53d0" providerId="ADAL" clId="{35AB68C3-AADD-4C6C-B90D-EE9085003035}" dt="2020-06-01T11:47:48.724" v="1689" actId="164"/>
-          <ac:spMkLst>
-            <pc:docMk/>
-            <pc:sldMk cId="2921799353" sldId="7074"/>
-            <ac:spMk id="34" creationId="{55E82AD3-D03E-478C-9A5F-F93F75E34F59}"/>
-          </ac:spMkLst>
-        </pc:spChg>
-        <pc:spChg chg="mod">
-          <ac:chgData name="Liu, Changsheng A." userId="877438ce-3489-4027-b8c0-4bd167ef53d0" providerId="ADAL" clId="{35AB68C3-AADD-4C6C-B90D-EE9085003035}" dt="2020-06-01T11:47:48.724" v="1689" actId="164"/>
-          <ac:spMkLst>
-            <pc:docMk/>
-            <pc:sldMk cId="2921799353" sldId="7074"/>
-            <ac:spMk id="35" creationId="{324ECC88-9E99-46EA-B9E6-8E27507BD242}"/>
-          </ac:spMkLst>
-        </pc:spChg>
-        <pc:spChg chg="mod">
-          <ac:chgData name="Liu, Changsheng A." userId="877438ce-3489-4027-b8c0-4bd167ef53d0" providerId="ADAL" clId="{35AB68C3-AADD-4C6C-B90D-EE9085003035}" dt="2020-06-01T11:47:48.724" v="1689" actId="164"/>
-          <ac:spMkLst>
-            <pc:docMk/>
-            <pc:sldMk cId="2921799353" sldId="7074"/>
-            <ac:spMk id="36" creationId="{55AEC59F-A253-42D6-BAB5-62B1A8024B6C}"/>
-          </ac:spMkLst>
-        </pc:spChg>
-        <pc:spChg chg="mod">
-          <ac:chgData name="Liu, Changsheng A." userId="877438ce-3489-4027-b8c0-4bd167ef53d0" providerId="ADAL" clId="{35AB68C3-AADD-4C6C-B90D-EE9085003035}" dt="2020-06-01T11:47:48.724" v="1689" actId="164"/>
-          <ac:spMkLst>
-            <pc:docMk/>
-            <pc:sldMk cId="2921799353" sldId="7074"/>
-            <ac:spMk id="37" creationId="{5768E9E1-7A19-4265-98EA-F4D06E010D87}"/>
-          </ac:spMkLst>
-        </pc:spChg>
-        <pc:spChg chg="mod">
-          <ac:chgData name="Liu, Changsheng A." userId="877438ce-3489-4027-b8c0-4bd167ef53d0" providerId="ADAL" clId="{35AB68C3-AADD-4C6C-B90D-EE9085003035}" dt="2020-06-01T11:47:48.724" v="1689" actId="164"/>
-          <ac:spMkLst>
-            <pc:docMk/>
-            <pc:sldMk cId="2921799353" sldId="7074"/>
-            <ac:spMk id="38" creationId="{121D65B4-E10C-4D60-B212-2C942968F72F}"/>
-          </ac:spMkLst>
-        </pc:spChg>
-        <pc:spChg chg="mod">
-          <ac:chgData name="Liu, Changsheng A." userId="877438ce-3489-4027-b8c0-4bd167ef53d0" providerId="ADAL" clId="{35AB68C3-AADD-4C6C-B90D-EE9085003035}" dt="2020-06-01T11:47:48.724" v="1689" actId="164"/>
-          <ac:spMkLst>
-            <pc:docMk/>
-            <pc:sldMk cId="2921799353" sldId="7074"/>
-            <ac:spMk id="39" creationId="{474E7E2E-C6D5-4FD4-A259-15836834AABA}"/>
-          </ac:spMkLst>
-        </pc:spChg>
-        <pc:spChg chg="mod">
-          <ac:chgData name="Liu, Changsheng A." userId="877438ce-3489-4027-b8c0-4bd167ef53d0" providerId="ADAL" clId="{35AB68C3-AADD-4C6C-B90D-EE9085003035}" dt="2020-06-01T11:47:48.724" v="1689" actId="164"/>
-          <ac:spMkLst>
-            <pc:docMk/>
-            <pc:sldMk cId="2921799353" sldId="7074"/>
-            <ac:spMk id="40" creationId="{EDBD5573-79E8-4AC2-A951-7D96D0C67F86}"/>
-          </ac:spMkLst>
-        </pc:spChg>
-        <pc:spChg chg="mod">
-          <ac:chgData name="Liu, Changsheng A." userId="877438ce-3489-4027-b8c0-4bd167ef53d0" providerId="ADAL" clId="{35AB68C3-AADD-4C6C-B90D-EE9085003035}" dt="2020-06-01T11:47:48.724" v="1689" actId="164"/>
-          <ac:spMkLst>
-            <pc:docMk/>
-            <pc:sldMk cId="2921799353" sldId="7074"/>
-            <ac:spMk id="41" creationId="{87D99611-DBFC-4621-B18D-892888142ECC}"/>
-          </ac:spMkLst>
-        </pc:spChg>
-        <pc:spChg chg="mod">
-          <ac:chgData name="Liu, Changsheng A." userId="877438ce-3489-4027-b8c0-4bd167ef53d0" providerId="ADAL" clId="{35AB68C3-AADD-4C6C-B90D-EE9085003035}" dt="2020-06-01T11:47:48.724" v="1689" actId="164"/>
-          <ac:spMkLst>
-            <pc:docMk/>
-            <pc:sldMk cId="2921799353" sldId="7074"/>
-            <ac:spMk id="42" creationId="{3E15D2F8-9DB0-4866-A4C8-8CD0F298F02A}"/>
-          </ac:spMkLst>
-        </pc:spChg>
-        <pc:spChg chg="mod">
-          <ac:chgData name="Liu, Changsheng A." userId="877438ce-3489-4027-b8c0-4bd167ef53d0" providerId="ADAL" clId="{35AB68C3-AADD-4C6C-B90D-EE9085003035}" dt="2020-06-01T11:47:48.724" v="1689" actId="164"/>
-          <ac:spMkLst>
-            <pc:docMk/>
-            <pc:sldMk cId="2921799353" sldId="7074"/>
-            <ac:spMk id="43" creationId="{07029AE1-F50D-4F8F-93D2-771A724A0918}"/>
-          </ac:spMkLst>
-        </pc:spChg>
-        <pc:spChg chg="mod">
-          <ac:chgData name="Liu, Changsheng A." userId="877438ce-3489-4027-b8c0-4bd167ef53d0" providerId="ADAL" clId="{35AB68C3-AADD-4C6C-B90D-EE9085003035}" dt="2020-06-01T11:47:48.724" v="1689" actId="164"/>
-          <ac:spMkLst>
-            <pc:docMk/>
-            <pc:sldMk cId="2921799353" sldId="7074"/>
-            <ac:spMk id="44" creationId="{8CD7A325-1339-4E4F-8A99-A2575C7BB420}"/>
-          </ac:spMkLst>
-        </pc:spChg>
-        <pc:spChg chg="mod">
-          <ac:chgData name="Liu, Changsheng A." userId="877438ce-3489-4027-b8c0-4bd167ef53d0" providerId="ADAL" clId="{35AB68C3-AADD-4C6C-B90D-EE9085003035}" dt="2020-06-01T11:47:48.724" v="1689" actId="164"/>
-          <ac:spMkLst>
-            <pc:docMk/>
-            <pc:sldMk cId="2921799353" sldId="7074"/>
-            <ac:spMk id="45" creationId="{8EE6D591-BD01-4AF9-9B1E-CA2D8A146FAB}"/>
-          </ac:spMkLst>
-        </pc:spChg>
-        <pc:spChg chg="mod">
-          <ac:chgData name="Liu, Changsheng A." userId="877438ce-3489-4027-b8c0-4bd167ef53d0" providerId="ADAL" clId="{35AB68C3-AADD-4C6C-B90D-EE9085003035}" dt="2020-06-01T11:47:48.724" v="1689" actId="164"/>
-          <ac:spMkLst>
-            <pc:docMk/>
-            <pc:sldMk cId="2921799353" sldId="7074"/>
-            <ac:spMk id="46" creationId="{FDF96610-225C-44FC-B78B-657ACA73AB8C}"/>
-          </ac:spMkLst>
-        </pc:spChg>
-        <pc:spChg chg="mod">
-          <ac:chgData name="Liu, Changsheng A." userId="877438ce-3489-4027-b8c0-4bd167ef53d0" providerId="ADAL" clId="{35AB68C3-AADD-4C6C-B90D-EE9085003035}" dt="2020-06-01T11:47:48.724" v="1689" actId="164"/>
-          <ac:spMkLst>
-            <pc:docMk/>
-            <pc:sldMk cId="2921799353" sldId="7074"/>
-            <ac:spMk id="47" creationId="{079577EA-BE69-4DE1-B648-AB5123CEBEBC}"/>
-          </ac:spMkLst>
-        </pc:spChg>
-        <pc:spChg chg="mod">
-          <ac:chgData name="Liu, Changsheng A." userId="877438ce-3489-4027-b8c0-4bd167ef53d0" providerId="ADAL" clId="{35AB68C3-AADD-4C6C-B90D-EE9085003035}" dt="2020-06-01T11:47:48.724" v="1689" actId="164"/>
-          <ac:spMkLst>
-            <pc:docMk/>
-            <pc:sldMk cId="2921799353" sldId="7074"/>
-            <ac:spMk id="48" creationId="{76CEF490-3071-41E9-B4AB-918ADD4A8177}"/>
-          </ac:spMkLst>
-        </pc:spChg>
-        <pc:spChg chg="mod">
-          <ac:chgData name="Liu, Changsheng A." userId="877438ce-3489-4027-b8c0-4bd167ef53d0" providerId="ADAL" clId="{35AB68C3-AADD-4C6C-B90D-EE9085003035}" dt="2020-06-01T11:47:48.724" v="1689" actId="164"/>
-          <ac:spMkLst>
-            <pc:docMk/>
-            <pc:sldMk cId="2921799353" sldId="7074"/>
-            <ac:spMk id="49" creationId="{C7AC6EAB-331F-42AF-8266-C1FF6C8666F2}"/>
-          </ac:spMkLst>
-        </pc:spChg>
-        <pc:spChg chg="mod">
-          <ac:chgData name="Liu, Changsheng A." userId="877438ce-3489-4027-b8c0-4bd167ef53d0" providerId="ADAL" clId="{35AB68C3-AADD-4C6C-B90D-EE9085003035}" dt="2020-06-01T11:47:48.724" v="1689" actId="164"/>
-          <ac:spMkLst>
-            <pc:docMk/>
-            <pc:sldMk cId="2921799353" sldId="7074"/>
-            <ac:spMk id="50" creationId="{54AB5148-3057-4A1D-BF9B-17047A4E42D1}"/>
-          </ac:spMkLst>
-        </pc:spChg>
-        <pc:spChg chg="mod">
-          <ac:chgData name="Liu, Changsheng A." userId="877438ce-3489-4027-b8c0-4bd167ef53d0" providerId="ADAL" clId="{35AB68C3-AADD-4C6C-B90D-EE9085003035}" dt="2020-06-01T11:47:48.724" v="1689" actId="164"/>
-          <ac:spMkLst>
-            <pc:docMk/>
-            <pc:sldMk cId="2921799353" sldId="7074"/>
-            <ac:spMk id="51" creationId="{4644D9B5-A3D9-47F4-B408-5874AC22245D}"/>
-          </ac:spMkLst>
-        </pc:spChg>
-        <pc:spChg chg="mod">
-          <ac:chgData name="Liu, Changsheng A." userId="877438ce-3489-4027-b8c0-4bd167ef53d0" providerId="ADAL" clId="{35AB68C3-AADD-4C6C-B90D-EE9085003035}" dt="2020-06-01T11:47:48.724" v="1689" actId="164"/>
-          <ac:spMkLst>
-            <pc:docMk/>
-            <pc:sldMk cId="2921799353" sldId="7074"/>
-            <ac:spMk id="52" creationId="{53990669-D6CF-4256-B0BC-62FAE4029A59}"/>
-          </ac:spMkLst>
-        </pc:spChg>
-        <pc:spChg chg="mod">
-          <ac:chgData name="Liu, Changsheng A." userId="877438ce-3489-4027-b8c0-4bd167ef53d0" providerId="ADAL" clId="{35AB68C3-AADD-4C6C-B90D-EE9085003035}" dt="2020-06-01T11:47:48.724" v="1689" actId="164"/>
-          <ac:spMkLst>
-            <pc:docMk/>
-            <pc:sldMk cId="2921799353" sldId="7074"/>
-            <ac:spMk id="53" creationId="{ED89F336-4BEA-4C0D-8F17-74E1240A9038}"/>
-          </ac:spMkLst>
-        </pc:spChg>
-        <pc:spChg chg="mod">
-          <ac:chgData name="Liu, Changsheng A." userId="877438ce-3489-4027-b8c0-4bd167ef53d0" providerId="ADAL" clId="{35AB68C3-AADD-4C6C-B90D-EE9085003035}" dt="2020-06-01T11:47:48.724" v="1689" actId="164"/>
-          <ac:spMkLst>
-            <pc:docMk/>
-            <pc:sldMk cId="2921799353" sldId="7074"/>
-            <ac:spMk id="54" creationId="{2867D0DC-A98D-485E-9B48-B550939BA2A3}"/>
-          </ac:spMkLst>
-        </pc:spChg>
-        <pc:spChg chg="mod">
-          <ac:chgData name="Liu, Changsheng A." userId="877438ce-3489-4027-b8c0-4bd167ef53d0" providerId="ADAL" clId="{35AB68C3-AADD-4C6C-B90D-EE9085003035}" dt="2020-06-01T11:47:48.724" v="1689" actId="164"/>
-          <ac:spMkLst>
-            <pc:docMk/>
-            <pc:sldMk cId="2921799353" sldId="7074"/>
-            <ac:spMk id="55" creationId="{20F13826-1658-42F1-904F-384B91864645}"/>
-          </ac:spMkLst>
-        </pc:spChg>
-        <pc:spChg chg="mod">
-          <ac:chgData name="Liu, Changsheng A." userId="877438ce-3489-4027-b8c0-4bd167ef53d0" providerId="ADAL" clId="{35AB68C3-AADD-4C6C-B90D-EE9085003035}" dt="2020-06-01T11:47:48.724" v="1689" actId="164"/>
-          <ac:spMkLst>
-            <pc:docMk/>
-            <pc:sldMk cId="2921799353" sldId="7074"/>
-            <ac:spMk id="56" creationId="{E1984666-CC3C-4BAF-A1C3-5D3BEA45E35D}"/>
-          </ac:spMkLst>
-        </pc:spChg>
-        <pc:spChg chg="mod">
-          <ac:chgData name="Liu, Changsheng A." userId="877438ce-3489-4027-b8c0-4bd167ef53d0" providerId="ADAL" clId="{35AB68C3-AADD-4C6C-B90D-EE9085003035}" dt="2020-06-01T11:47:48.724" v="1689" actId="164"/>
-          <ac:spMkLst>
-            <pc:docMk/>
-            <pc:sldMk cId="2921799353" sldId="7074"/>
-            <ac:spMk id="57" creationId="{B2012D40-374F-43A6-A06B-6ED394DFA93F}"/>
-          </ac:spMkLst>
-        </pc:spChg>
-        <pc:spChg chg="mod">
-          <ac:chgData name="Liu, Changsheng A." userId="877438ce-3489-4027-b8c0-4bd167ef53d0" providerId="ADAL" clId="{35AB68C3-AADD-4C6C-B90D-EE9085003035}" dt="2020-06-01T11:47:48.724" v="1689" actId="164"/>
-          <ac:spMkLst>
-            <pc:docMk/>
-            <pc:sldMk cId="2921799353" sldId="7074"/>
-            <ac:spMk id="58" creationId="{36C34AC6-6463-4DF4-B0F3-4D381DC1A4F3}"/>
-          </ac:spMkLst>
-        </pc:spChg>
-        <pc:spChg chg="mod">
-          <ac:chgData name="Liu, Changsheng A." userId="877438ce-3489-4027-b8c0-4bd167ef53d0" providerId="ADAL" clId="{35AB68C3-AADD-4C6C-B90D-EE9085003035}" dt="2020-06-01T11:47:48.724" v="1689" actId="164"/>
-          <ac:spMkLst>
-            <pc:docMk/>
-            <pc:sldMk cId="2921799353" sldId="7074"/>
-            <ac:spMk id="59" creationId="{8EB26390-F4CC-43F7-BC11-B9999A07DDA0}"/>
-          </ac:spMkLst>
-        </pc:spChg>
-        <pc:spChg chg="mod">
-          <ac:chgData name="Liu, Changsheng A." userId="877438ce-3489-4027-b8c0-4bd167ef53d0" providerId="ADAL" clId="{35AB68C3-AADD-4C6C-B90D-EE9085003035}" dt="2020-06-01T11:47:48.724" v="1689" actId="164"/>
-          <ac:spMkLst>
-            <pc:docMk/>
-            <pc:sldMk cId="2921799353" sldId="7074"/>
-            <ac:spMk id="60" creationId="{C312CAA5-7D7C-474A-9701-6EF0914A6244}"/>
-          </ac:spMkLst>
-        </pc:spChg>
-        <pc:spChg chg="mod">
-          <ac:chgData name="Liu, Changsheng A." userId="877438ce-3489-4027-b8c0-4bd167ef53d0" providerId="ADAL" clId="{35AB68C3-AADD-4C6C-B90D-EE9085003035}" dt="2020-06-01T11:47:48.724" v="1689" actId="164"/>
-          <ac:spMkLst>
-            <pc:docMk/>
-            <pc:sldMk cId="2921799353" sldId="7074"/>
-            <ac:spMk id="61" creationId="{BAF5D4EC-7B74-4F1E-B6CF-6B2EB899A7DE}"/>
-          </ac:spMkLst>
-        </pc:spChg>
-        <pc:spChg chg="mod">
-          <ac:chgData name="Liu, Changsheng A." userId="877438ce-3489-4027-b8c0-4bd167ef53d0" providerId="ADAL" clId="{35AB68C3-AADD-4C6C-B90D-EE9085003035}" dt="2020-06-01T11:47:48.724" v="1689" actId="164"/>
-          <ac:spMkLst>
-            <pc:docMk/>
-            <pc:sldMk cId="2921799353" sldId="7074"/>
-            <ac:spMk id="62" creationId="{E1E7A93B-6099-40C5-9663-CACA3885B393}"/>
-          </ac:spMkLst>
-        </pc:spChg>
-        <pc:spChg chg="mod">
-          <ac:chgData name="Liu, Changsheng A." userId="877438ce-3489-4027-b8c0-4bd167ef53d0" providerId="ADAL" clId="{35AB68C3-AADD-4C6C-B90D-EE9085003035}" dt="2020-06-01T11:47:48.724" v="1689" actId="164"/>
-          <ac:spMkLst>
-            <pc:docMk/>
-            <pc:sldMk cId="2921799353" sldId="7074"/>
-            <ac:spMk id="66" creationId="{32128900-A13D-4FA0-9EF3-1CE6C9EA1C55}"/>
-          </ac:spMkLst>
-        </pc:spChg>
-        <pc:spChg chg="mod">
-          <ac:chgData name="Liu, Changsheng A." userId="877438ce-3489-4027-b8c0-4bd167ef53d0" providerId="ADAL" clId="{35AB68C3-AADD-4C6C-B90D-EE9085003035}" dt="2020-06-01T11:47:48.724" v="1689" actId="164"/>
-          <ac:spMkLst>
-            <pc:docMk/>
-            <pc:sldMk cId="2921799353" sldId="7074"/>
-            <ac:spMk id="68" creationId="{E2760D1B-B5A1-424A-8EFB-52943AAEA436}"/>
-          </ac:spMkLst>
-        </pc:spChg>
-        <pc:spChg chg="mod">
-          <ac:chgData name="Liu, Changsheng A." userId="877438ce-3489-4027-b8c0-4bd167ef53d0" providerId="ADAL" clId="{35AB68C3-AADD-4C6C-B90D-EE9085003035}" dt="2020-06-01T11:54:30.522" v="1780" actId="1037"/>
-          <ac:spMkLst>
-            <pc:docMk/>
-            <pc:sldMk cId="2921799353" sldId="7074"/>
-            <ac:spMk id="69" creationId="{5C141EF5-7E35-41E5-A919-CFA9081F5113}"/>
-          </ac:spMkLst>
-        </pc:spChg>
-        <pc:spChg chg="mod">
-          <ac:chgData name="Liu, Changsheng A." userId="877438ce-3489-4027-b8c0-4bd167ef53d0" providerId="ADAL" clId="{35AB68C3-AADD-4C6C-B90D-EE9085003035}" dt="2020-06-01T11:47:48.724" v="1689" actId="164"/>
-          <ac:spMkLst>
-            <pc:docMk/>
-            <pc:sldMk cId="2921799353" sldId="7074"/>
-            <ac:spMk id="72" creationId="{2AA5DAF8-DCEE-4FB4-903A-A5DE76111CFA}"/>
-          </ac:spMkLst>
-        </pc:spChg>
-        <pc:spChg chg="mod">
-          <ac:chgData name="Liu, Changsheng A." userId="877438ce-3489-4027-b8c0-4bd167ef53d0" providerId="ADAL" clId="{35AB68C3-AADD-4C6C-B90D-EE9085003035}" dt="2020-06-01T11:47:48.724" v="1689" actId="164"/>
-          <ac:spMkLst>
-            <pc:docMk/>
-            <pc:sldMk cId="2921799353" sldId="7074"/>
-            <ac:spMk id="73" creationId="{CB23F596-D5BE-454E-B59B-1378CFC55C5E}"/>
-          </ac:spMkLst>
-        </pc:spChg>
-        <pc:spChg chg="mod">
-          <ac:chgData name="Liu, Changsheng A." userId="877438ce-3489-4027-b8c0-4bd167ef53d0" providerId="ADAL" clId="{35AB68C3-AADD-4C6C-B90D-EE9085003035}" dt="2020-06-01T11:47:48.724" v="1689" actId="164"/>
-          <ac:spMkLst>
-            <pc:docMk/>
-            <pc:sldMk cId="2921799353" sldId="7074"/>
-            <ac:spMk id="74" creationId="{4AA14367-7A10-476F-9016-49A2BBEA799F}"/>
-          </ac:spMkLst>
-        </pc:spChg>
-        <pc:spChg chg="mod">
-          <ac:chgData name="Liu, Changsheng A." userId="877438ce-3489-4027-b8c0-4bd167ef53d0" providerId="ADAL" clId="{35AB68C3-AADD-4C6C-B90D-EE9085003035}" dt="2020-06-01T11:47:48.724" v="1689" actId="164"/>
-          <ac:spMkLst>
-            <pc:docMk/>
-            <pc:sldMk cId="2921799353" sldId="7074"/>
-            <ac:spMk id="75" creationId="{BC02985C-7420-4986-B441-1AA4D0775D16}"/>
-          </ac:spMkLst>
-        </pc:spChg>
-        <pc:spChg chg="mod">
-          <ac:chgData name="Liu, Changsheng A." userId="877438ce-3489-4027-b8c0-4bd167ef53d0" providerId="ADAL" clId="{35AB68C3-AADD-4C6C-B90D-EE9085003035}" dt="2020-06-01T11:47:48.724" v="1689" actId="164"/>
-          <ac:spMkLst>
-            <pc:docMk/>
-            <pc:sldMk cId="2921799353" sldId="7074"/>
-            <ac:spMk id="76" creationId="{17710159-EF59-48F8-B91B-8D2134F4FDE8}"/>
-          </ac:spMkLst>
-        </pc:spChg>
-        <pc:spChg chg="mod">
-          <ac:chgData name="Liu, Changsheng A." userId="877438ce-3489-4027-b8c0-4bd167ef53d0" providerId="ADAL" clId="{35AB68C3-AADD-4C6C-B90D-EE9085003035}" dt="2020-06-01T11:47:48.724" v="1689" actId="164"/>
-          <ac:spMkLst>
-            <pc:docMk/>
-            <pc:sldMk cId="2921799353" sldId="7074"/>
-            <ac:spMk id="77" creationId="{30050CDE-A4DD-4DF7-AC94-99C0B4C96423}"/>
-          </ac:spMkLst>
-        </pc:spChg>
-        <pc:spChg chg="mod">
-          <ac:chgData name="Liu, Changsheng A." userId="877438ce-3489-4027-b8c0-4bd167ef53d0" providerId="ADAL" clId="{35AB68C3-AADD-4C6C-B90D-EE9085003035}" dt="2020-06-01T11:47:48.724" v="1689" actId="164"/>
-          <ac:spMkLst>
-            <pc:docMk/>
-            <pc:sldMk cId="2921799353" sldId="7074"/>
-            <ac:spMk id="78" creationId="{BCC7604B-327C-413F-9DA2-2B112C3E7359}"/>
-          </ac:spMkLst>
-        </pc:spChg>
-        <pc:spChg chg="mod">
-          <ac:chgData name="Liu, Changsheng A." userId="877438ce-3489-4027-b8c0-4bd167ef53d0" providerId="ADAL" clId="{35AB68C3-AADD-4C6C-B90D-EE9085003035}" dt="2020-06-01T11:47:48.724" v="1689" actId="164"/>
-          <ac:spMkLst>
-            <pc:docMk/>
-            <pc:sldMk cId="2921799353" sldId="7074"/>
-            <ac:spMk id="79" creationId="{3B0118A3-C45C-4EF2-9D15-7D5E3275D655}"/>
-          </ac:spMkLst>
-        </pc:spChg>
-        <pc:spChg chg="mod">
-          <ac:chgData name="Liu, Changsheng A." userId="877438ce-3489-4027-b8c0-4bd167ef53d0" providerId="ADAL" clId="{35AB68C3-AADD-4C6C-B90D-EE9085003035}" dt="2020-06-01T11:47:48.724" v="1689" actId="164"/>
-          <ac:spMkLst>
-            <pc:docMk/>
-            <pc:sldMk cId="2921799353" sldId="7074"/>
-            <ac:spMk id="80" creationId="{5687D83A-6553-459A-B2AF-7C6D59655E9D}"/>
-          </ac:spMkLst>
-        </pc:spChg>
-        <pc:spChg chg="mod">
-          <ac:chgData name="Liu, Changsheng A." userId="877438ce-3489-4027-b8c0-4bd167ef53d0" providerId="ADAL" clId="{35AB68C3-AADD-4C6C-B90D-EE9085003035}" dt="2020-06-01T11:47:48.724" v="1689" actId="164"/>
-          <ac:spMkLst>
-            <pc:docMk/>
-            <pc:sldMk cId="2921799353" sldId="7074"/>
-            <ac:spMk id="81" creationId="{EB7133EF-8594-4403-A8F8-500F799473D1}"/>
-          </ac:spMkLst>
-        </pc:spChg>
-        <pc:spChg chg="mod">
-          <ac:chgData name="Liu, Changsheng A." userId="877438ce-3489-4027-b8c0-4bd167ef53d0" providerId="ADAL" clId="{35AB68C3-AADD-4C6C-B90D-EE9085003035}" dt="2020-06-01T11:47:48.724" v="1689" actId="164"/>
-          <ac:spMkLst>
-            <pc:docMk/>
-            <pc:sldMk cId="2921799353" sldId="7074"/>
-            <ac:spMk id="82" creationId="{BBED5C99-389D-49D0-9DD0-A611CAB83AA6}"/>
-          </ac:spMkLst>
-        </pc:spChg>
-        <pc:spChg chg="mod">
-          <ac:chgData name="Liu, Changsheng A." userId="877438ce-3489-4027-b8c0-4bd167ef53d0" providerId="ADAL" clId="{35AB68C3-AADD-4C6C-B90D-EE9085003035}" dt="2020-06-01T11:47:48.724" v="1689" actId="164"/>
-          <ac:spMkLst>
-            <pc:docMk/>
-            <pc:sldMk cId="2921799353" sldId="7074"/>
-            <ac:spMk id="83" creationId="{7C624BD0-FD52-49EC-99AD-160153C5B3B5}"/>
-          </ac:spMkLst>
-        </pc:spChg>
-        <pc:spChg chg="mod">
-          <ac:chgData name="Liu, Changsheng A." userId="877438ce-3489-4027-b8c0-4bd167ef53d0" providerId="ADAL" clId="{35AB68C3-AADD-4C6C-B90D-EE9085003035}" dt="2020-06-01T11:47:48.724" v="1689" actId="164"/>
-          <ac:spMkLst>
-            <pc:docMk/>
-            <pc:sldMk cId="2921799353" sldId="7074"/>
-            <ac:spMk id="84" creationId="{16EB385F-196F-4CDA-88C5-119228B5A246}"/>
-          </ac:spMkLst>
-        </pc:spChg>
-        <pc:spChg chg="mod">
-          <ac:chgData name="Liu, Changsheng A." userId="877438ce-3489-4027-b8c0-4bd167ef53d0" providerId="ADAL" clId="{35AB68C3-AADD-4C6C-B90D-EE9085003035}" dt="2020-06-01T11:48:17.661" v="1692" actId="164"/>
-          <ac:spMkLst>
-            <pc:docMk/>
-            <pc:sldMk cId="2921799353" sldId="7074"/>
-            <ac:spMk id="155" creationId="{6982A03D-8A4B-43BB-91E2-9159A662C013}"/>
-          </ac:spMkLst>
-        </pc:spChg>
-        <pc:spChg chg="mod">
-          <ac:chgData name="Liu, Changsheng A." userId="877438ce-3489-4027-b8c0-4bd167ef53d0" providerId="ADAL" clId="{35AB68C3-AADD-4C6C-B90D-EE9085003035}" dt="2020-06-01T11:48:17.661" v="1692" actId="164"/>
-          <ac:spMkLst>
-            <pc:docMk/>
-            <pc:sldMk cId="2921799353" sldId="7074"/>
-            <ac:spMk id="163" creationId="{CA1BAFED-5DDC-47B0-BD1C-D57A40700217}"/>
-          </ac:spMkLst>
-        </pc:spChg>
-        <pc:spChg chg="mod">
-          <ac:chgData name="Liu, Changsheng A." userId="877438ce-3489-4027-b8c0-4bd167ef53d0" providerId="ADAL" clId="{35AB68C3-AADD-4C6C-B90D-EE9085003035}" dt="2020-06-01T11:48:17.661" v="1692" actId="164"/>
-          <ac:spMkLst>
-            <pc:docMk/>
-            <pc:sldMk cId="2921799353" sldId="7074"/>
-            <ac:spMk id="164" creationId="{B4516EAE-17E2-4D0B-BB0B-D6B897412231}"/>
-          </ac:spMkLst>
-        </pc:spChg>
-        <pc:spChg chg="mod">
-          <ac:chgData name="Liu, Changsheng A." userId="877438ce-3489-4027-b8c0-4bd167ef53d0" providerId="ADAL" clId="{35AB68C3-AADD-4C6C-B90D-EE9085003035}" dt="2020-06-01T11:48:17.661" v="1692" actId="164"/>
-          <ac:spMkLst>
-            <pc:docMk/>
-            <pc:sldMk cId="2921799353" sldId="7074"/>
-            <ac:spMk id="165" creationId="{91F95AEF-9785-4B46-A061-AB38A8446185}"/>
-          </ac:spMkLst>
-        </pc:spChg>
-        <pc:spChg chg="mod">
-          <ac:chgData name="Liu, Changsheng A." userId="877438ce-3489-4027-b8c0-4bd167ef53d0" providerId="ADAL" clId="{35AB68C3-AADD-4C6C-B90D-EE9085003035}" dt="2020-06-01T11:48:17.661" v="1692" actId="164"/>
-          <ac:spMkLst>
-            <pc:docMk/>
-            <pc:sldMk cId="2921799353" sldId="7074"/>
-            <ac:spMk id="166" creationId="{97C91B7C-AE15-468F-AC9B-A9A2E55C20E1}"/>
-          </ac:spMkLst>
-        </pc:spChg>
-        <pc:spChg chg="mod">
-          <ac:chgData name="Liu, Changsheng A." userId="877438ce-3489-4027-b8c0-4bd167ef53d0" providerId="ADAL" clId="{35AB68C3-AADD-4C6C-B90D-EE9085003035}" dt="2020-06-01T11:48:17.661" v="1692" actId="164"/>
-          <ac:spMkLst>
-            <pc:docMk/>
-            <pc:sldMk cId="2921799353" sldId="7074"/>
-            <ac:spMk id="167" creationId="{6B408180-4917-4DB9-AC94-8DEACB234430}"/>
-          </ac:spMkLst>
-        </pc:spChg>
-        <pc:spChg chg="mod">
-          <ac:chgData name="Liu, Changsheng A." userId="877438ce-3489-4027-b8c0-4bd167ef53d0" providerId="ADAL" clId="{35AB68C3-AADD-4C6C-B90D-EE9085003035}" dt="2020-06-01T11:48:17.661" v="1692" actId="164"/>
-          <ac:spMkLst>
-            <pc:docMk/>
-            <pc:sldMk cId="2921799353" sldId="7074"/>
-            <ac:spMk id="169" creationId="{99A53870-5371-4C8A-A81D-276EE8EFBB7A}"/>
-          </ac:spMkLst>
-        </pc:spChg>
-        <pc:spChg chg="mod">
-          <ac:chgData name="Liu, Changsheng A." userId="877438ce-3489-4027-b8c0-4bd167ef53d0" providerId="ADAL" clId="{35AB68C3-AADD-4C6C-B90D-EE9085003035}" dt="2020-06-01T11:48:17.661" v="1692" actId="164"/>
-          <ac:spMkLst>
-            <pc:docMk/>
-            <pc:sldMk cId="2921799353" sldId="7074"/>
-            <ac:spMk id="170" creationId="{E18C2752-AB71-4B8B-A535-FCA9A9E361FE}"/>
-          </ac:spMkLst>
-        </pc:spChg>
-        <pc:spChg chg="mod">
-          <ac:chgData name="Liu, Changsheng A." userId="877438ce-3489-4027-b8c0-4bd167ef53d0" providerId="ADAL" clId="{35AB68C3-AADD-4C6C-B90D-EE9085003035}" dt="2020-06-01T11:48:17.661" v="1692" actId="164"/>
-          <ac:spMkLst>
-            <pc:docMk/>
-            <pc:sldMk cId="2921799353" sldId="7074"/>
-            <ac:spMk id="171" creationId="{7A9A740D-B213-46A1-AC27-9FD465A398A1}"/>
-          </ac:spMkLst>
-        </pc:spChg>
-        <pc:spChg chg="mod">
-          <ac:chgData name="Liu, Changsheng A." userId="877438ce-3489-4027-b8c0-4bd167ef53d0" providerId="ADAL" clId="{35AB68C3-AADD-4C6C-B90D-EE9085003035}" dt="2020-06-01T11:48:17.661" v="1692" actId="164"/>
-          <ac:spMkLst>
-            <pc:docMk/>
-            <pc:sldMk cId="2921799353" sldId="7074"/>
-            <ac:spMk id="172" creationId="{7F0957FE-EBB4-4908-9598-0A31BD7571C7}"/>
-          </ac:spMkLst>
-        </pc:spChg>
-        <pc:spChg chg="mod">
-          <ac:chgData name="Liu, Changsheng A." userId="877438ce-3489-4027-b8c0-4bd167ef53d0" providerId="ADAL" clId="{35AB68C3-AADD-4C6C-B90D-EE9085003035}" dt="2020-06-01T11:48:17.661" v="1692" actId="164"/>
-          <ac:spMkLst>
-            <pc:docMk/>
-            <pc:sldMk cId="2921799353" sldId="7074"/>
-            <ac:spMk id="173" creationId="{CFA64541-AEC5-4EA2-8A3D-0D45CD8687FF}"/>
-          </ac:spMkLst>
-        </pc:spChg>
-        <pc:spChg chg="mod">
-          <ac:chgData name="Liu, Changsheng A." userId="877438ce-3489-4027-b8c0-4bd167ef53d0" providerId="ADAL" clId="{35AB68C3-AADD-4C6C-B90D-EE9085003035}" dt="2020-06-01T11:49:25.762" v="1700" actId="255"/>
-          <ac:spMkLst>
-            <pc:docMk/>
-            <pc:sldMk cId="2921799353" sldId="7074"/>
-            <ac:spMk id="174" creationId="{92E56961-D660-475F-9B5B-B563A8DE9738}"/>
-          </ac:spMkLst>
-        </pc:spChg>
-        <pc:spChg chg="mod ord">
-          <ac:chgData name="Liu, Changsheng A." userId="877438ce-3489-4027-b8c0-4bd167ef53d0" providerId="ADAL" clId="{35AB68C3-AADD-4C6C-B90D-EE9085003035}" dt="2020-06-01T11:49:38.129" v="1702" actId="166"/>
-          <ac:spMkLst>
-            <pc:docMk/>
-            <pc:sldMk cId="2921799353" sldId="7074"/>
-            <ac:spMk id="175" creationId="{82DD84EE-4862-40E4-B96F-05774D7524F3}"/>
-          </ac:spMkLst>
-        </pc:spChg>
-        <pc:spChg chg="mod">
-          <ac:chgData name="Liu, Changsheng A." userId="877438ce-3489-4027-b8c0-4bd167ef53d0" providerId="ADAL" clId="{35AB68C3-AADD-4C6C-B90D-EE9085003035}" dt="2020-06-01T11:48:57.429" v="1697" actId="1076"/>
-          <ac:spMkLst>
-            <pc:docMk/>
-            <pc:sldMk cId="2921799353" sldId="7074"/>
-            <ac:spMk id="176" creationId="{FE8BBEC4-CC86-4720-9F7B-B3ED90B167B5}"/>
-          </ac:spMkLst>
-        </pc:spChg>
-        <pc:grpChg chg="add mod">
-          <ac:chgData name="Liu, Changsheng A." userId="877438ce-3489-4027-b8c0-4bd167ef53d0" providerId="ADAL" clId="{35AB68C3-AADD-4C6C-B90D-EE9085003035}" dt="2020-06-01T11:54:30.522" v="1780" actId="1037"/>
-          <ac:grpSpMkLst>
-            <pc:docMk/>
-            <pc:sldMk cId="2921799353" sldId="7074"/>
-            <ac:grpSpMk id="6" creationId="{073EFC90-D264-4C76-BA70-0382BC3C7385}"/>
-          </ac:grpSpMkLst>
-        </pc:grpChg>
-        <pc:grpChg chg="add mod">
-          <ac:chgData name="Liu, Changsheng A." userId="877438ce-3489-4027-b8c0-4bd167ef53d0" providerId="ADAL" clId="{35AB68C3-AADD-4C6C-B90D-EE9085003035}" dt="2020-06-01T11:54:16.544" v="1764" actId="1076"/>
-          <ac:grpSpMkLst>
-            <pc:docMk/>
-            <pc:sldMk cId="2921799353" sldId="7074"/>
-            <ac:grpSpMk id="7" creationId="{95545018-B45C-40BD-8AFE-BF6018B61921}"/>
-          </ac:grpSpMkLst>
-        </pc:grpChg>
-        <pc:graphicFrameChg chg="mod">
-          <ac:chgData name="Liu, Changsheng A." userId="877438ce-3489-4027-b8c0-4bd167ef53d0" providerId="ADAL" clId="{35AB68C3-AADD-4C6C-B90D-EE9085003035}" dt="2020-06-01T11:48:17.661" v="1692" actId="164"/>
-          <ac:graphicFrameMkLst>
-            <pc:docMk/>
-            <pc:sldMk cId="2921799353" sldId="7074"/>
-            <ac:graphicFrameMk id="3" creationId="{48812ECC-C370-4011-B626-AECE60B19270}"/>
-          </ac:graphicFrameMkLst>
-        </pc:graphicFrameChg>
-        <pc:graphicFrameChg chg="mod modGraphic">
-          <ac:chgData name="Liu, Changsheng A." userId="877438ce-3489-4027-b8c0-4bd167ef53d0" providerId="ADAL" clId="{35AB68C3-AADD-4C6C-B90D-EE9085003035}" dt="2020-06-01T11:54:30.522" v="1780" actId="1037"/>
-          <ac:graphicFrameMkLst>
-            <pc:docMk/>
-            <pc:sldMk cId="2921799353" sldId="7074"/>
-            <ac:graphicFrameMk id="4" creationId="{6155957B-9638-40C1-A9BC-BE1BC7C9E984}"/>
-          </ac:graphicFrameMkLst>
-        </pc:graphicFrameChg>
-        <pc:cxnChg chg="mod">
-          <ac:chgData name="Liu, Changsheng A." userId="877438ce-3489-4027-b8c0-4bd167ef53d0" providerId="ADAL" clId="{35AB68C3-AADD-4C6C-B90D-EE9085003035}" dt="2020-06-01T11:47:48.724" v="1689" actId="164"/>
-          <ac:cxnSpMkLst>
-            <pc:docMk/>
-            <pc:sldMk cId="2921799353" sldId="7074"/>
-            <ac:cxnSpMk id="64" creationId="{9B801E2D-BCCB-43A2-B462-A9E7A0ECD55F}"/>
-          </ac:cxnSpMkLst>
-        </pc:cxnChg>
-        <pc:cxnChg chg="mod">
-          <ac:chgData name="Liu, Changsheng A." userId="877438ce-3489-4027-b8c0-4bd167ef53d0" providerId="ADAL" clId="{35AB68C3-AADD-4C6C-B90D-EE9085003035}" dt="2020-06-01T11:48:17.661" v="1692" actId="164"/>
-          <ac:cxnSpMkLst>
-            <pc:docMk/>
-            <pc:sldMk cId="2921799353" sldId="7074"/>
-            <ac:cxnSpMk id="156" creationId="{057354C6-0346-4CA3-A479-3477BEAE1DAB}"/>
-          </ac:cxnSpMkLst>
-        </pc:cxnChg>
-        <pc:cxnChg chg="mod">
-          <ac:chgData name="Liu, Changsheng A." userId="877438ce-3489-4027-b8c0-4bd167ef53d0" providerId="ADAL" clId="{35AB68C3-AADD-4C6C-B90D-EE9085003035}" dt="2020-06-01T11:48:17.661" v="1692" actId="164"/>
-          <ac:cxnSpMkLst>
-            <pc:docMk/>
-            <pc:sldMk cId="2921799353" sldId="7074"/>
-            <ac:cxnSpMk id="157" creationId="{283245AB-D2A2-442F-AB6F-5C47867B2BDA}"/>
-          </ac:cxnSpMkLst>
-        </pc:cxnChg>
-        <pc:cxnChg chg="mod">
-          <ac:chgData name="Liu, Changsheng A." userId="877438ce-3489-4027-b8c0-4bd167ef53d0" providerId="ADAL" clId="{35AB68C3-AADD-4C6C-B90D-EE9085003035}" dt="2020-06-01T11:48:17.661" v="1692" actId="164"/>
-          <ac:cxnSpMkLst>
-            <pc:docMk/>
-            <pc:sldMk cId="2921799353" sldId="7074"/>
-            <ac:cxnSpMk id="158" creationId="{55F60300-A651-44B0-9DF7-118B18A86167}"/>
-          </ac:cxnSpMkLst>
-        </pc:cxnChg>
-        <pc:cxnChg chg="mod">
-          <ac:chgData name="Liu, Changsheng A." userId="877438ce-3489-4027-b8c0-4bd167ef53d0" providerId="ADAL" clId="{35AB68C3-AADD-4C6C-B90D-EE9085003035}" dt="2020-06-01T11:48:17.661" v="1692" actId="164"/>
-          <ac:cxnSpMkLst>
-            <pc:docMk/>
-            <pc:sldMk cId="2921799353" sldId="7074"/>
-            <ac:cxnSpMk id="159" creationId="{71E90A51-52B0-4AC3-82A9-35270E042A43}"/>
-          </ac:cxnSpMkLst>
-        </pc:cxnChg>
-        <pc:cxnChg chg="mod">
-          <ac:chgData name="Liu, Changsheng A." userId="877438ce-3489-4027-b8c0-4bd167ef53d0" providerId="ADAL" clId="{35AB68C3-AADD-4C6C-B90D-EE9085003035}" dt="2020-06-01T11:48:17.661" v="1692" actId="164"/>
-          <ac:cxnSpMkLst>
-            <pc:docMk/>
-            <pc:sldMk cId="2921799353" sldId="7074"/>
-            <ac:cxnSpMk id="160" creationId="{5112B6FD-E24B-413E-98D1-F4B3771C9BCE}"/>
-          </ac:cxnSpMkLst>
-        </pc:cxnChg>
-        <pc:cxnChg chg="mod">
-          <ac:chgData name="Liu, Changsheng A." userId="877438ce-3489-4027-b8c0-4bd167ef53d0" providerId="ADAL" clId="{35AB68C3-AADD-4C6C-B90D-EE9085003035}" dt="2020-06-01T11:48:17.661" v="1692" actId="164"/>
-          <ac:cxnSpMkLst>
-            <pc:docMk/>
-            <pc:sldMk cId="2921799353" sldId="7074"/>
-            <ac:cxnSpMk id="161" creationId="{0B4DB62A-5517-430A-94F5-0C22A7A10A28}"/>
-          </ac:cxnSpMkLst>
-        </pc:cxnChg>
-        <pc:cxnChg chg="mod">
-          <ac:chgData name="Liu, Changsheng A." userId="877438ce-3489-4027-b8c0-4bd167ef53d0" providerId="ADAL" clId="{35AB68C3-AADD-4C6C-B90D-EE9085003035}" dt="2020-06-01T11:48:17.661" v="1692" actId="164"/>
-          <ac:cxnSpMkLst>
-            <pc:docMk/>
-            <pc:sldMk cId="2921799353" sldId="7074"/>
-            <ac:cxnSpMk id="162" creationId="{AFB8B8D4-EEE9-4B04-862C-D0A85B5AFA07}"/>
-          </ac:cxnSpMkLst>
-        </pc:cxnChg>
-        <pc:cxnChg chg="mod">
-          <ac:chgData name="Liu, Changsheng A." userId="877438ce-3489-4027-b8c0-4bd167ef53d0" providerId="ADAL" clId="{35AB68C3-AADD-4C6C-B90D-EE9085003035}" dt="2020-06-01T11:48:17.661" v="1692" actId="164"/>
-          <ac:cxnSpMkLst>
-            <pc:docMk/>
-            <pc:sldMk cId="2921799353" sldId="7074"/>
-            <ac:cxnSpMk id="168" creationId="{4F63E910-D499-436F-B596-AEA1E239E922}"/>
-          </ac:cxnSpMkLst>
-        </pc:cxnChg>
-      </pc:sldChg>
-    </pc:docChg>
-  </pc:docChgLst>
-  <pc:docChgLst>
     <pc:chgData name="Liu, Changsheng A." userId="877438ce-3489-4027-b8c0-4bd167ef53d0" providerId="ADAL" clId="{9D4D2B09-BA73-40DC-BD03-39B4694EDC98}"/>
     <pc:docChg chg="undo custSel addSld modSld sldOrd">
       <pc:chgData name="Liu, Changsheng A." userId="877438ce-3489-4027-b8c0-4bd167ef53d0" providerId="ADAL" clId="{9D4D2B09-BA73-40DC-BD03-39B4694EDC98}" dt="2020-07-17T10:38:55.111" v="1387" actId="14100"/>
@@ -7208,46 +7208,6 @@
           <pc:docMk/>
           <pc:sldMk cId="893485740" sldId="7084"/>
         </pc:sldMkLst>
-      </pc:sldChg>
-    </pc:docChg>
-  </pc:docChgLst>
-  <pc:docChgLst>
-    <pc:chgData name="Liu, Changsheng A." userId="877438ce-3489-4027-b8c0-4bd167ef53d0" providerId="ADAL" clId="{38D8BDCF-4E03-479E-ADF0-E564E876D239}"/>
-    <pc:docChg chg="modSld">
-      <pc:chgData name="Liu, Changsheng A." userId="877438ce-3489-4027-b8c0-4bd167ef53d0" providerId="ADAL" clId="{38D8BDCF-4E03-479E-ADF0-E564E876D239}" dt="2020-08-13T09:44:58.825" v="35"/>
-      <pc:docMkLst>
-        <pc:docMk/>
-      </pc:docMkLst>
-      <pc:sldChg chg="addSp modSp">
-        <pc:chgData name="Liu, Changsheng A." userId="877438ce-3489-4027-b8c0-4bd167ef53d0" providerId="ADAL" clId="{38D8BDCF-4E03-479E-ADF0-E564E876D239}" dt="2020-08-13T09:44:58.825" v="35"/>
-        <pc:sldMkLst>
-          <pc:docMk/>
-          <pc:sldMk cId="2507160028" sldId="7079"/>
-        </pc:sldMkLst>
-        <pc:spChg chg="add mod">
-          <ac:chgData name="Liu, Changsheng A." userId="877438ce-3489-4027-b8c0-4bd167ef53d0" providerId="ADAL" clId="{38D8BDCF-4E03-479E-ADF0-E564E876D239}" dt="2020-08-13T09:44:58.825" v="35"/>
-          <ac:spMkLst>
-            <pc:docMk/>
-            <pc:sldMk cId="2507160028" sldId="7079"/>
-            <ac:spMk id="11" creationId="{D78D53F9-2E56-484B-8F8F-8EC57F84E397}"/>
-          </ac:spMkLst>
-        </pc:spChg>
-        <pc:spChg chg="mod">
-          <ac:chgData name="Liu, Changsheng A." userId="877438ce-3489-4027-b8c0-4bd167ef53d0" providerId="ADAL" clId="{38D8BDCF-4E03-479E-ADF0-E564E876D239}" dt="2020-08-07T03:11:01.151" v="3" actId="207"/>
-          <ac:spMkLst>
-            <pc:docMk/>
-            <pc:sldMk cId="2507160028" sldId="7079"/>
-            <ac:spMk id="19" creationId="{4939358C-4E70-487A-B200-1F687810FFDB}"/>
-          </ac:spMkLst>
-        </pc:spChg>
-        <pc:spChg chg="mod">
-          <ac:chgData name="Liu, Changsheng A." userId="877438ce-3489-4027-b8c0-4bd167ef53d0" providerId="ADAL" clId="{38D8BDCF-4E03-479E-ADF0-E564E876D239}" dt="2020-08-07T03:10:56.391" v="2" actId="207"/>
-          <ac:spMkLst>
-            <pc:docMk/>
-            <pc:sldMk cId="2507160028" sldId="7079"/>
-            <ac:spMk id="24" creationId="{41B1751F-88A7-44FF-BE8F-7C4F64B13ED8}"/>
-          </ac:spMkLst>
-        </pc:spChg>
       </pc:sldChg>
     </pc:docChg>
   </pc:docChgLst>
@@ -7845,6 +7805,46 @@
       </pc:sldMasterChg>
     </pc:docChg>
   </pc:docChgLst>
+  <pc:docChgLst>
+    <pc:chgData name="Liu, Changsheng A." userId="877438ce-3489-4027-b8c0-4bd167ef53d0" providerId="ADAL" clId="{38D8BDCF-4E03-479E-ADF0-E564E876D239}"/>
+    <pc:docChg chg="modSld">
+      <pc:chgData name="Liu, Changsheng A." userId="877438ce-3489-4027-b8c0-4bd167ef53d0" providerId="ADAL" clId="{38D8BDCF-4E03-479E-ADF0-E564E876D239}" dt="2020-08-13T09:44:58.825" v="35"/>
+      <pc:docMkLst>
+        <pc:docMk/>
+      </pc:docMkLst>
+      <pc:sldChg chg="addSp modSp">
+        <pc:chgData name="Liu, Changsheng A." userId="877438ce-3489-4027-b8c0-4bd167ef53d0" providerId="ADAL" clId="{38D8BDCF-4E03-479E-ADF0-E564E876D239}" dt="2020-08-13T09:44:58.825" v="35"/>
+        <pc:sldMkLst>
+          <pc:docMk/>
+          <pc:sldMk cId="2507160028" sldId="7079"/>
+        </pc:sldMkLst>
+        <pc:spChg chg="add mod">
+          <ac:chgData name="Liu, Changsheng A." userId="877438ce-3489-4027-b8c0-4bd167ef53d0" providerId="ADAL" clId="{38D8BDCF-4E03-479E-ADF0-E564E876D239}" dt="2020-08-13T09:44:58.825" v="35"/>
+          <ac:spMkLst>
+            <pc:docMk/>
+            <pc:sldMk cId="2507160028" sldId="7079"/>
+            <ac:spMk id="11" creationId="{D78D53F9-2E56-484B-8F8F-8EC57F84E397}"/>
+          </ac:spMkLst>
+        </pc:spChg>
+        <pc:spChg chg="mod">
+          <ac:chgData name="Liu, Changsheng A." userId="877438ce-3489-4027-b8c0-4bd167ef53d0" providerId="ADAL" clId="{38D8BDCF-4E03-479E-ADF0-E564E876D239}" dt="2020-08-07T03:11:01.151" v="3" actId="207"/>
+          <ac:spMkLst>
+            <pc:docMk/>
+            <pc:sldMk cId="2507160028" sldId="7079"/>
+            <ac:spMk id="19" creationId="{4939358C-4E70-487A-B200-1F687810FFDB}"/>
+          </ac:spMkLst>
+        </pc:spChg>
+        <pc:spChg chg="mod">
+          <ac:chgData name="Liu, Changsheng A." userId="877438ce-3489-4027-b8c0-4bd167ef53d0" providerId="ADAL" clId="{38D8BDCF-4E03-479E-ADF0-E564E876D239}" dt="2020-08-07T03:10:56.391" v="2" actId="207"/>
+          <ac:spMkLst>
+            <pc:docMk/>
+            <pc:sldMk cId="2507160028" sldId="7079"/>
+            <ac:spMk id="24" creationId="{41B1751F-88A7-44FF-BE8F-7C4F64B13ED8}"/>
+          </ac:spMkLst>
+        </pc:spChg>
+      </pc:sldChg>
+    </pc:docChg>
+  </pc:docChgLst>
 </pc:chgInfo>
 </file>
 
@@ -8580,7 +8580,7 @@
           <a:graphicData uri="http://schemas.openxmlformats.org/presentationml/2006/ole">
             <mc:AlternateContent xmlns:mc="http://schemas.openxmlformats.org/markup-compatibility/2006">
               <mc:Choice xmlns:v="urn:schemas-microsoft-com:vml" Requires="v">
-                <p:oleObj spid="_x0000_s1091" name="think-cell Folie" r:id="rId5" imgW="425" imgH="426" progId="TCLayout.ActiveDocument.1">
+                <p:oleObj spid="_x0000_s1098" name="think-cell Folie" r:id="rId5" imgW="425" imgH="426" progId="TCLayout.ActiveDocument.1">
                   <p:embed/>
                 </p:oleObj>
               </mc:Choice>
@@ -12098,27 +12098,7 @@
                 <a:latin typeface="Microsoft YaHei UI" panose="020B0503020204020204" pitchFamily="34" charset="-122"/>
                 <a:ea typeface="Microsoft YaHei UI" panose="020B0503020204020204" pitchFamily="34" charset="-122"/>
               </a:rPr>
-              <a:t>中的绝对定位概念一致。同一轴上，给定其中任意两个值，就会自动计算出第三个值（</a:t>
-            </a:r>
-            <a:r>
-              <a:rPr lang="en" altLang="zh-CN" sz="1400" dirty="0">
-                <a:solidFill>
-                  <a:schemeClr val="bg1"/>
-                </a:solidFill>
-                <a:latin typeface="Microsoft YaHei UI" panose="020B0503020204020204" pitchFamily="34" charset="-122"/>
-                <a:ea typeface="Microsoft YaHei UI" panose="020B0503020204020204" pitchFamily="34" charset="-122"/>
-              </a:rPr>
-              <a:t>web </a:t>
-            </a:r>
-            <a:r>
-              <a:rPr lang="zh-CN" altLang="en-US" sz="1400" dirty="0">
-                <a:solidFill>
-                  <a:schemeClr val="bg1"/>
-                </a:solidFill>
-                <a:latin typeface="Microsoft YaHei UI" panose="020B0503020204020204" pitchFamily="34" charset="-122"/>
-                <a:ea typeface="Microsoft YaHei UI" panose="020B0503020204020204" pitchFamily="34" charset="-122"/>
-              </a:rPr>
-              <a:t>中一样）。</a:t>
+              <a:t>中的绝对定位概念一致。同一轴上，给定其中任意两个值，就会自动计算出第三个值。</a:t>
             </a:r>
             <a:r>
               <a:rPr lang="en" altLang="zh-CN" sz="1400" dirty="0">
@@ -14589,10 +14569,10 @@
       </p:sp>
       <p:pic>
         <p:nvPicPr>
-          <p:cNvPr id="5" name="图片 4">
+          <p:cNvPr id="4" name="图片 3">
             <a:extLst>
               <a:ext uri="{FF2B5EF4-FFF2-40B4-BE49-F238E27FC236}">
-                <a16:creationId xmlns:a16="http://schemas.microsoft.com/office/drawing/2014/main" id="{DD440707-092C-E749-B6E4-4ADBD122A39F}"/>
+                <a16:creationId xmlns:a16="http://schemas.microsoft.com/office/drawing/2014/main" id="{12267731-2E09-4183-A8EC-7C3C24E1D5AF}"/>
               </a:ext>
             </a:extLst>
           </p:cNvPr>
@@ -14609,8 +14589,8 @@
         </p:blipFill>
         <p:spPr>
           <a:xfrm>
-            <a:off x="211015" y="1572285"/>
-            <a:ext cx="8067855" cy="4580037"/>
+            <a:off x="471340" y="1356309"/>
+            <a:ext cx="7344917" cy="4145382"/>
           </a:xfrm>
           <a:prstGeom prst="rect">
             <a:avLst/>
@@ -16006,7 +15986,7 @@
                 <a:latin typeface="Microsoft YaHei UI" panose="020B0503020204020204" pitchFamily="34" charset="-122"/>
                 <a:ea typeface="Microsoft YaHei UI" panose="020B0503020204020204" pitchFamily="34" charset="-122"/>
               </a:rPr>
-              <a:t>表示主轴（水平）方向上占用的空间，默认是 </a:t>
+              <a:t>表示主轴方向上占用的空间，默认是 </a:t>
             </a:r>
             <a:r>
               <a:rPr lang="en" altLang="zh-CN" sz="1400" dirty="0" err="1">
@@ -16036,7 +16016,7 @@
                 <a:latin typeface="Microsoft YaHei UI" panose="020B0503020204020204" pitchFamily="34" charset="-122"/>
                 <a:ea typeface="Microsoft YaHei UI" panose="020B0503020204020204" pitchFamily="34" charset="-122"/>
               </a:rPr>
-              <a:t>表示尽可能多的占用水平方向的空间。</a:t>
+              <a:t>表示尽可能多的占用主轴方向上的空间。</a:t>
             </a:r>
             <a:r>
               <a:rPr lang="en" altLang="zh-CN" sz="1400" dirty="0" err="1">
@@ -16116,7 +16096,7 @@
                 <a:latin typeface="Microsoft YaHei UI" panose="020B0503020204020204" pitchFamily="34" charset="-122"/>
                 <a:ea typeface="Microsoft YaHei UI" panose="020B0503020204020204" pitchFamily="34" charset="-122"/>
               </a:rPr>
-              <a:t>组件）占有的水平空间。</a:t>
+              <a:t>组件）占有的主轴空间。</a:t>
             </a:r>
             <a:endParaRPr lang="en-US" altLang="zh-CN" sz="1400" dirty="0">
               <a:solidFill>
@@ -16247,7 +16227,7 @@
                 <a:latin typeface="Microsoft YaHei UI" panose="020B0503020204020204" pitchFamily="34" charset="-122"/>
                 <a:ea typeface="Microsoft YaHei UI" panose="020B0503020204020204" pitchFamily="34" charset="-122"/>
               </a:rPr>
-              <a:t>组件）在水平空间内的对齐方式。</a:t>
+              <a:t>组件）在主轴空间内的对齐方式。</a:t>
             </a:r>
             <a:endParaRPr lang="en-US" altLang="zh-CN" sz="1400" dirty="0">
               <a:solidFill>
@@ -16378,7 +16358,7 @@
                 <a:latin typeface="Microsoft YaHei UI" panose="020B0503020204020204" pitchFamily="34" charset="-122"/>
                 <a:ea typeface="Microsoft YaHei UI" panose="020B0503020204020204" pitchFamily="34" charset="-122"/>
               </a:rPr>
-              <a:t>组件）在垂直空间内的对齐方式。交叉轴的高度取决于子</a:t>
+              <a:t>组件）在交叉轴空间内的对齐方式。交叉轴的高度取决于子</a:t>
             </a:r>
             <a:r>
               <a:rPr lang="en" altLang="zh-CN" sz="1400" dirty="0">
@@ -16664,7 +16644,7 @@
         <p:spPr>
           <a:xfrm>
             <a:off x="4814278" y="1137444"/>
-            <a:ext cx="7166708" cy="5177387"/>
+            <a:ext cx="7166708" cy="5404758"/>
           </a:xfrm>
           <a:prstGeom prst="rect">
             <a:avLst/>
@@ -16977,6 +16957,196 @@
               <a:latin typeface="Microsoft YaHei UI" panose="020B0503020204020204" pitchFamily="34" charset="-122"/>
               <a:ea typeface="Microsoft YaHei UI" panose="020B0503020204020204" pitchFamily="34" charset="-122"/>
             </a:endParaRPr>
+          </a:p>
+          <a:p>
+            <a:endParaRPr lang="en-US" altLang="zh-CN" dirty="0">
+              <a:solidFill>
+                <a:schemeClr val="bg1"/>
+              </a:solidFill>
+              <a:latin typeface="Microsoft YaHei UI" panose="020B0503020204020204" pitchFamily="34" charset="-122"/>
+              <a:ea typeface="Microsoft YaHei UI" panose="020B0503020204020204" pitchFamily="34" charset="-122"/>
+            </a:endParaRPr>
+          </a:p>
+          <a:p>
+            <a:r>
+              <a:rPr lang="zh-CN" altLang="en-US" dirty="0">
+                <a:solidFill>
+                  <a:schemeClr val="bg1"/>
+                </a:solidFill>
+                <a:latin typeface="Microsoft YaHei UI" panose="020B0503020204020204" pitchFamily="34" charset="-122"/>
+                <a:ea typeface="Microsoft YaHei UI" panose="020B0503020204020204" pitchFamily="34" charset="-122"/>
+              </a:rPr>
+              <a:t>基于 </a:t>
+            </a:r>
+            <a:r>
+              <a:rPr lang="en" altLang="zh-CN" dirty="0">
+                <a:solidFill>
+                  <a:schemeClr val="bg1"/>
+                </a:solidFill>
+                <a:latin typeface="Microsoft YaHei UI" panose="020B0503020204020204" pitchFamily="34" charset="-122"/>
+                <a:ea typeface="Microsoft YaHei UI" panose="020B0503020204020204" pitchFamily="34" charset="-122"/>
+              </a:rPr>
+              <a:t>Sliver </a:t>
+            </a:r>
+            <a:r>
+              <a:rPr lang="zh-CN" altLang="en-US" dirty="0">
+                <a:solidFill>
+                  <a:schemeClr val="bg1"/>
+                </a:solidFill>
+                <a:latin typeface="Microsoft YaHei UI" panose="020B0503020204020204" pitchFamily="34" charset="-122"/>
+                <a:ea typeface="Microsoft YaHei UI" panose="020B0503020204020204" pitchFamily="34" charset="-122"/>
+              </a:rPr>
+              <a:t>的延迟构建模型</a:t>
+            </a:r>
+            <a:endParaRPr lang="en-US" altLang="zh-CN" dirty="0">
+              <a:solidFill>
+                <a:schemeClr val="bg1"/>
+              </a:solidFill>
+              <a:latin typeface="Microsoft YaHei UI" panose="020B0503020204020204" pitchFamily="34" charset="-122"/>
+              <a:ea typeface="Microsoft YaHei UI" panose="020B0503020204020204" pitchFamily="34" charset="-122"/>
+            </a:endParaRPr>
+          </a:p>
+          <a:p>
+            <a:r>
+              <a:rPr lang="zh-CN" altLang="en-US" dirty="0">
+                <a:solidFill>
+                  <a:schemeClr val="bg1"/>
+                </a:solidFill>
+                <a:latin typeface="Microsoft YaHei UI" panose="020B0503020204020204" pitchFamily="34" charset="-122"/>
+                <a:ea typeface="Microsoft YaHei UI" panose="020B0503020204020204" pitchFamily="34" charset="-122"/>
+              </a:rPr>
+              <a:t>如果一个可滚动</a:t>
+            </a:r>
+            <a:r>
+              <a:rPr lang="en" altLang="zh-CN" dirty="0">
+                <a:solidFill>
+                  <a:schemeClr val="bg1"/>
+                </a:solidFill>
+                <a:latin typeface="Microsoft YaHei UI" panose="020B0503020204020204" pitchFamily="34" charset="-122"/>
+                <a:ea typeface="Microsoft YaHei UI" panose="020B0503020204020204" pitchFamily="34" charset="-122"/>
+              </a:rPr>
+              <a:t>Widget</a:t>
+            </a:r>
+            <a:r>
+              <a:rPr lang="zh-CN" altLang="en" dirty="0">
+                <a:solidFill>
+                  <a:schemeClr val="bg1"/>
+                </a:solidFill>
+                <a:latin typeface="Microsoft YaHei UI" panose="020B0503020204020204" pitchFamily="34" charset="-122"/>
+                <a:ea typeface="Microsoft YaHei UI" panose="020B0503020204020204" pitchFamily="34" charset="-122"/>
+              </a:rPr>
+              <a:t>（</a:t>
+            </a:r>
+            <a:r>
+              <a:rPr lang="zh-CN" altLang="en-US" dirty="0">
+                <a:solidFill>
+                  <a:schemeClr val="bg1"/>
+                </a:solidFill>
+                <a:latin typeface="Microsoft YaHei UI" panose="020B0503020204020204" pitchFamily="34" charset="-122"/>
+                <a:ea typeface="Microsoft YaHei UI" panose="020B0503020204020204" pitchFamily="34" charset="-122"/>
+              </a:rPr>
+              <a:t>组件）支持 </a:t>
+            </a:r>
+            <a:r>
+              <a:rPr lang="en" altLang="zh-CN" dirty="0">
+                <a:solidFill>
+                  <a:schemeClr val="bg1"/>
+                </a:solidFill>
+                <a:latin typeface="Microsoft YaHei UI" panose="020B0503020204020204" pitchFamily="34" charset="-122"/>
+                <a:ea typeface="Microsoft YaHei UI" panose="020B0503020204020204" pitchFamily="34" charset="-122"/>
+              </a:rPr>
+              <a:t>Sliver </a:t>
+            </a:r>
+            <a:r>
+              <a:rPr lang="zh-CN" altLang="en-US" dirty="0">
+                <a:solidFill>
+                  <a:schemeClr val="bg1"/>
+                </a:solidFill>
+                <a:latin typeface="Microsoft YaHei UI" panose="020B0503020204020204" pitchFamily="34" charset="-122"/>
+                <a:ea typeface="Microsoft YaHei UI" panose="020B0503020204020204" pitchFamily="34" charset="-122"/>
+              </a:rPr>
+              <a:t>模型，那么该滚动可以将子</a:t>
+            </a:r>
+            <a:r>
+              <a:rPr lang="en" altLang="zh-CN" dirty="0">
+                <a:solidFill>
+                  <a:schemeClr val="bg1"/>
+                </a:solidFill>
+                <a:latin typeface="Microsoft YaHei UI" panose="020B0503020204020204" pitchFamily="34" charset="-122"/>
+                <a:ea typeface="Microsoft YaHei UI" panose="020B0503020204020204" pitchFamily="34" charset="-122"/>
+              </a:rPr>
+              <a:t>Widget</a:t>
+            </a:r>
+            <a:r>
+              <a:rPr lang="zh-CN" altLang="en" dirty="0">
+                <a:solidFill>
+                  <a:schemeClr val="bg1"/>
+                </a:solidFill>
+                <a:latin typeface="Microsoft YaHei UI" panose="020B0503020204020204" pitchFamily="34" charset="-122"/>
+                <a:ea typeface="Microsoft YaHei UI" panose="020B0503020204020204" pitchFamily="34" charset="-122"/>
+              </a:rPr>
+              <a:t>（</a:t>
+            </a:r>
+            <a:r>
+              <a:rPr lang="zh-CN" altLang="en-US" dirty="0">
+                <a:solidFill>
+                  <a:schemeClr val="bg1"/>
+                </a:solidFill>
+                <a:latin typeface="Microsoft YaHei UI" panose="020B0503020204020204" pitchFamily="34" charset="-122"/>
+                <a:ea typeface="Microsoft YaHei UI" panose="020B0503020204020204" pitchFamily="34" charset="-122"/>
+              </a:rPr>
+              <a:t>组件）分成好多个薄片（</a:t>
+            </a:r>
+            <a:r>
+              <a:rPr lang="en" altLang="zh-CN" dirty="0">
+                <a:solidFill>
+                  <a:schemeClr val="bg1"/>
+                </a:solidFill>
+                <a:latin typeface="Microsoft YaHei UI" panose="020B0503020204020204" pitchFamily="34" charset="-122"/>
+                <a:ea typeface="Microsoft YaHei UI" panose="020B0503020204020204" pitchFamily="34" charset="-122"/>
+              </a:rPr>
+              <a:t>Sliver</a:t>
+            </a:r>
+            <a:r>
+              <a:rPr lang="zh-CN" altLang="en" dirty="0">
+                <a:solidFill>
+                  <a:schemeClr val="bg1"/>
+                </a:solidFill>
+                <a:latin typeface="Microsoft YaHei UI" panose="020B0503020204020204" pitchFamily="34" charset="-122"/>
+                <a:ea typeface="Microsoft YaHei UI" panose="020B0503020204020204" pitchFamily="34" charset="-122"/>
+              </a:rPr>
+              <a:t>），</a:t>
+            </a:r>
+            <a:r>
+              <a:rPr lang="zh-CN" altLang="en-US" dirty="0">
+                <a:solidFill>
+                  <a:schemeClr val="bg1"/>
+                </a:solidFill>
+                <a:latin typeface="Microsoft YaHei UI" panose="020B0503020204020204" pitchFamily="34" charset="-122"/>
+                <a:ea typeface="Microsoft YaHei UI" panose="020B0503020204020204" pitchFamily="34" charset="-122"/>
+              </a:rPr>
+              <a:t>只有当 </a:t>
+            </a:r>
+            <a:r>
+              <a:rPr lang="en" altLang="zh-CN" dirty="0">
+                <a:solidFill>
+                  <a:schemeClr val="bg1"/>
+                </a:solidFill>
+                <a:latin typeface="Microsoft YaHei UI" panose="020B0503020204020204" pitchFamily="34" charset="-122"/>
+                <a:ea typeface="Microsoft YaHei UI" panose="020B0503020204020204" pitchFamily="34" charset="-122"/>
+              </a:rPr>
+              <a:t>Sliver </a:t>
+            </a:r>
+            <a:r>
+              <a:rPr lang="zh-CN" altLang="en-US" dirty="0">
+                <a:solidFill>
+                  <a:schemeClr val="bg1"/>
+                </a:solidFill>
+                <a:latin typeface="Microsoft YaHei UI" panose="020B0503020204020204" pitchFamily="34" charset="-122"/>
+                <a:ea typeface="Microsoft YaHei UI" panose="020B0503020204020204" pitchFamily="34" charset="-122"/>
+              </a:rPr>
+              <a:t>出现在视口中时才会去构建它</a:t>
+            </a:r>
           </a:p>
           <a:p>
             <a:endParaRPr lang="en-US" altLang="zh-CN" dirty="0">
@@ -17174,196 +17344,6 @@
               <a:cs typeface="Montserrat"/>
               <a:sym typeface="Montserrat"/>
             </a:endParaRPr>
-          </a:p>
-          <a:p>
-            <a:r>
-              <a:rPr lang="zh-CN" altLang="en-US" dirty="0">
-                <a:solidFill>
-                  <a:schemeClr val="bg1"/>
-                </a:solidFill>
-                <a:latin typeface="Microsoft YaHei UI" panose="020B0503020204020204" pitchFamily="34" charset="-122"/>
-                <a:ea typeface="Microsoft YaHei UI" panose="020B0503020204020204" pitchFamily="34" charset="-122"/>
-              </a:rPr>
-              <a:t>基于 </a:t>
-            </a:r>
-            <a:r>
-              <a:rPr lang="en" altLang="zh-CN" dirty="0">
-                <a:solidFill>
-                  <a:schemeClr val="bg1"/>
-                </a:solidFill>
-                <a:latin typeface="Microsoft YaHei UI" panose="020B0503020204020204" pitchFamily="34" charset="-122"/>
-                <a:ea typeface="Microsoft YaHei UI" panose="020B0503020204020204" pitchFamily="34" charset="-122"/>
-              </a:rPr>
-              <a:t>Sliver </a:t>
-            </a:r>
-            <a:r>
-              <a:rPr lang="zh-CN" altLang="en-US" dirty="0">
-                <a:solidFill>
-                  <a:schemeClr val="bg1"/>
-                </a:solidFill>
-                <a:latin typeface="Microsoft YaHei UI" panose="020B0503020204020204" pitchFamily="34" charset="-122"/>
-                <a:ea typeface="Microsoft YaHei UI" panose="020B0503020204020204" pitchFamily="34" charset="-122"/>
-              </a:rPr>
-              <a:t>的延迟构建模型</a:t>
-            </a:r>
-            <a:endParaRPr lang="en-US" altLang="zh-CN" dirty="0">
-              <a:solidFill>
-                <a:schemeClr val="bg1"/>
-              </a:solidFill>
-              <a:latin typeface="Microsoft YaHei UI" panose="020B0503020204020204" pitchFamily="34" charset="-122"/>
-              <a:ea typeface="Microsoft YaHei UI" panose="020B0503020204020204" pitchFamily="34" charset="-122"/>
-            </a:endParaRPr>
-          </a:p>
-          <a:p>
-            <a:endParaRPr lang="en-US" altLang="zh-CN" dirty="0">
-              <a:solidFill>
-                <a:schemeClr val="bg1"/>
-              </a:solidFill>
-              <a:latin typeface="Microsoft YaHei UI" panose="020B0503020204020204" pitchFamily="34" charset="-122"/>
-              <a:ea typeface="Microsoft YaHei UI" panose="020B0503020204020204" pitchFamily="34" charset="-122"/>
-            </a:endParaRPr>
-          </a:p>
-          <a:p>
-            <a:r>
-              <a:rPr lang="zh-CN" altLang="en-US" sz="1400" dirty="0">
-                <a:solidFill>
-                  <a:schemeClr val="bg1"/>
-                </a:solidFill>
-                <a:latin typeface="Microsoft YaHei UI" panose="020B0503020204020204" pitchFamily="34" charset="-122"/>
-                <a:ea typeface="Microsoft YaHei UI" panose="020B0503020204020204" pitchFamily="34" charset="-122"/>
-              </a:rPr>
-              <a:t>如果一个可滚动</a:t>
-            </a:r>
-            <a:r>
-              <a:rPr lang="en" altLang="zh-CN" sz="1400" dirty="0">
-                <a:solidFill>
-                  <a:schemeClr val="bg1"/>
-                </a:solidFill>
-                <a:latin typeface="Microsoft YaHei UI" panose="020B0503020204020204" pitchFamily="34" charset="-122"/>
-                <a:ea typeface="Microsoft YaHei UI" panose="020B0503020204020204" pitchFamily="34" charset="-122"/>
-              </a:rPr>
-              <a:t>Widget</a:t>
-            </a:r>
-            <a:r>
-              <a:rPr lang="zh-CN" altLang="en" sz="1400" dirty="0">
-                <a:solidFill>
-                  <a:schemeClr val="bg1"/>
-                </a:solidFill>
-                <a:latin typeface="Microsoft YaHei UI" panose="020B0503020204020204" pitchFamily="34" charset="-122"/>
-                <a:ea typeface="Microsoft YaHei UI" panose="020B0503020204020204" pitchFamily="34" charset="-122"/>
-              </a:rPr>
-              <a:t>（</a:t>
-            </a:r>
-            <a:r>
-              <a:rPr lang="zh-CN" altLang="en-US" sz="1400" dirty="0">
-                <a:solidFill>
-                  <a:schemeClr val="bg1"/>
-                </a:solidFill>
-                <a:latin typeface="Microsoft YaHei UI" panose="020B0503020204020204" pitchFamily="34" charset="-122"/>
-                <a:ea typeface="Microsoft YaHei UI" panose="020B0503020204020204" pitchFamily="34" charset="-122"/>
-              </a:rPr>
-              <a:t>组件）支持 </a:t>
-            </a:r>
-            <a:r>
-              <a:rPr lang="en" altLang="zh-CN" sz="1400" dirty="0">
-                <a:solidFill>
-                  <a:schemeClr val="bg1"/>
-                </a:solidFill>
-                <a:latin typeface="Microsoft YaHei UI" panose="020B0503020204020204" pitchFamily="34" charset="-122"/>
-                <a:ea typeface="Microsoft YaHei UI" panose="020B0503020204020204" pitchFamily="34" charset="-122"/>
-              </a:rPr>
-              <a:t>Sliver </a:t>
-            </a:r>
-            <a:r>
-              <a:rPr lang="zh-CN" altLang="en-US" sz="1400" dirty="0">
-                <a:solidFill>
-                  <a:schemeClr val="bg1"/>
-                </a:solidFill>
-                <a:latin typeface="Microsoft YaHei UI" panose="020B0503020204020204" pitchFamily="34" charset="-122"/>
-                <a:ea typeface="Microsoft YaHei UI" panose="020B0503020204020204" pitchFamily="34" charset="-122"/>
-              </a:rPr>
-              <a:t>模型，那么该滚动可以将子</a:t>
-            </a:r>
-            <a:r>
-              <a:rPr lang="en" altLang="zh-CN" sz="1400" dirty="0">
-                <a:solidFill>
-                  <a:schemeClr val="bg1"/>
-                </a:solidFill>
-                <a:latin typeface="Microsoft YaHei UI" panose="020B0503020204020204" pitchFamily="34" charset="-122"/>
-                <a:ea typeface="Microsoft YaHei UI" panose="020B0503020204020204" pitchFamily="34" charset="-122"/>
-              </a:rPr>
-              <a:t>Widget</a:t>
-            </a:r>
-            <a:r>
-              <a:rPr lang="zh-CN" altLang="en" sz="1400" dirty="0">
-                <a:solidFill>
-                  <a:schemeClr val="bg1"/>
-                </a:solidFill>
-                <a:latin typeface="Microsoft YaHei UI" panose="020B0503020204020204" pitchFamily="34" charset="-122"/>
-                <a:ea typeface="Microsoft YaHei UI" panose="020B0503020204020204" pitchFamily="34" charset="-122"/>
-              </a:rPr>
-              <a:t>（</a:t>
-            </a:r>
-            <a:r>
-              <a:rPr lang="zh-CN" altLang="en-US" sz="1400" dirty="0">
-                <a:solidFill>
-                  <a:schemeClr val="bg1"/>
-                </a:solidFill>
-                <a:latin typeface="Microsoft YaHei UI" panose="020B0503020204020204" pitchFamily="34" charset="-122"/>
-                <a:ea typeface="Microsoft YaHei UI" panose="020B0503020204020204" pitchFamily="34" charset="-122"/>
-              </a:rPr>
-              <a:t>组件）分成好多个薄片（</a:t>
-            </a:r>
-            <a:r>
-              <a:rPr lang="en" altLang="zh-CN" sz="1400" dirty="0">
-                <a:solidFill>
-                  <a:schemeClr val="bg1"/>
-                </a:solidFill>
-                <a:latin typeface="Microsoft YaHei UI" panose="020B0503020204020204" pitchFamily="34" charset="-122"/>
-                <a:ea typeface="Microsoft YaHei UI" panose="020B0503020204020204" pitchFamily="34" charset="-122"/>
-              </a:rPr>
-              <a:t>Sliver</a:t>
-            </a:r>
-            <a:r>
-              <a:rPr lang="zh-CN" altLang="en" sz="1400" dirty="0">
-                <a:solidFill>
-                  <a:schemeClr val="bg1"/>
-                </a:solidFill>
-                <a:latin typeface="Microsoft YaHei UI" panose="020B0503020204020204" pitchFamily="34" charset="-122"/>
-                <a:ea typeface="Microsoft YaHei UI" panose="020B0503020204020204" pitchFamily="34" charset="-122"/>
-              </a:rPr>
-              <a:t>），</a:t>
-            </a:r>
-            <a:r>
-              <a:rPr lang="zh-CN" altLang="en-US" sz="1400" dirty="0">
-                <a:solidFill>
-                  <a:schemeClr val="bg1"/>
-                </a:solidFill>
-                <a:latin typeface="Microsoft YaHei UI" panose="020B0503020204020204" pitchFamily="34" charset="-122"/>
-                <a:ea typeface="Microsoft YaHei UI" panose="020B0503020204020204" pitchFamily="34" charset="-122"/>
-              </a:rPr>
-              <a:t>只有当 </a:t>
-            </a:r>
-            <a:r>
-              <a:rPr lang="en" altLang="zh-CN" sz="1400" dirty="0">
-                <a:solidFill>
-                  <a:schemeClr val="bg1"/>
-                </a:solidFill>
-                <a:latin typeface="Microsoft YaHei UI" panose="020B0503020204020204" pitchFamily="34" charset="-122"/>
-                <a:ea typeface="Microsoft YaHei UI" panose="020B0503020204020204" pitchFamily="34" charset="-122"/>
-              </a:rPr>
-              <a:t>Sliver </a:t>
-            </a:r>
-            <a:r>
-              <a:rPr lang="zh-CN" altLang="en-US" sz="1400" dirty="0">
-                <a:solidFill>
-                  <a:schemeClr val="bg1"/>
-                </a:solidFill>
-                <a:latin typeface="Microsoft YaHei UI" panose="020B0503020204020204" pitchFamily="34" charset="-122"/>
-                <a:ea typeface="Microsoft YaHei UI" panose="020B0503020204020204" pitchFamily="34" charset="-122"/>
-              </a:rPr>
-              <a:t>出现在视口中时才会去构建它</a:t>
-            </a:r>
           </a:p>
           <a:p>
             <a:pPr marL="285750" indent="-285750">
@@ -18304,12 +18284,6 @@
 </file>
 
 <file path=customXml/item1.xml><?xml version="1.0" encoding="utf-8"?>
-<p:properties xmlns:p="http://schemas.microsoft.com/office/2006/metadata/properties" xmlns:xsi="http://www.w3.org/2001/XMLSchema-instance" xmlns:pc="http://schemas.microsoft.com/office/infopath/2007/PartnerControls">
-  <documentManagement/>
-</p:properties>
-</file>
-
-<file path=customXml/item2.xml><?xml version="1.0" encoding="utf-8"?>
 <ct:contentTypeSchema xmlns:ct="http://schemas.microsoft.com/office/2006/metadata/contentType" xmlns:ma="http://schemas.microsoft.com/office/2006/metadata/properties/metaAttributes" ct:_="" ma:_="" ma:contentTypeName="Document" ma:contentTypeID="0x0101001C319FCE6387F64AB7B3381E50573171" ma:contentTypeVersion="14" ma:contentTypeDescription="Create a new document." ma:contentTypeScope="" ma:versionID="1f43b093e6ba3fad59df3230f95fb4c9">
   <xsd:schema xmlns:xsd="http://www.w3.org/2001/XMLSchema" xmlns:xs="http://www.w3.org/2001/XMLSchema" xmlns:p="http://schemas.microsoft.com/office/2006/metadata/properties" xmlns:ns3="9e1bbf04-b180-48d2-bbbb-61f0a7c66d12" xmlns:ns4="25d6be39-4b2b-497f-8d2a-229cf38d528f" targetNamespace="http://schemas.microsoft.com/office/2006/metadata/properties" ma:root="true" ma:fieldsID="82a8667625e0a81fe74377eed9e42d7a" ns3:_="" ns4:_="">
     <xsd:import namespace="9e1bbf04-b180-48d2-bbbb-61f0a7c66d12"/>
@@ -18540,6 +18514,12 @@
 </ct:contentTypeSchema>
 </file>
 
+<file path=customXml/item2.xml><?xml version="1.0" encoding="utf-8"?>
+<p:properties xmlns:p="http://schemas.microsoft.com/office/2006/metadata/properties" xmlns:xsi="http://www.w3.org/2001/XMLSchema-instance" xmlns:pc="http://schemas.microsoft.com/office/infopath/2007/PartnerControls">
+  <documentManagement/>
+</p:properties>
+</file>
+
 <file path=customXml/item3.xml><?xml version="1.0" encoding="utf-8"?>
 <?mso-contentType ?>
 <FormTemplates xmlns="http://schemas.microsoft.com/sharepoint/v3/contenttype/forms">
@@ -18550,15 +18530,6 @@
 </file>
 
 <file path=customXml/itemProps1.xml><?xml version="1.0" encoding="utf-8"?>
-<ds:datastoreItem xmlns:ds="http://schemas.openxmlformats.org/officeDocument/2006/customXml" ds:itemID="{2EEA3CCB-11BD-4692-BF66-763C3240C567}">
-  <ds:schemaRefs>
-    <ds:schemaRef ds:uri="http://schemas.microsoft.com/office/2006/metadata/properties"/>
-    <ds:schemaRef ds:uri="http://schemas.microsoft.com/office/infopath/2007/PartnerControls"/>
-  </ds:schemaRefs>
-</ds:datastoreItem>
-</file>
-
-<file path=customXml/itemProps2.xml><?xml version="1.0" encoding="utf-8"?>
 <ds:datastoreItem xmlns:ds="http://schemas.openxmlformats.org/officeDocument/2006/customXml" ds:itemID="{B0C2BC9F-4768-45AA-8888-696B17A566AA}">
   <ds:schemaRefs>
     <ds:schemaRef ds:uri="http://schemas.microsoft.com/office/2006/metadata/contentType"/>
@@ -18577,6 +18548,15 @@
 </ds:datastoreItem>
 </file>
 
+<file path=customXml/itemProps2.xml><?xml version="1.0" encoding="utf-8"?>
+<ds:datastoreItem xmlns:ds="http://schemas.openxmlformats.org/officeDocument/2006/customXml" ds:itemID="{2EEA3CCB-11BD-4692-BF66-763C3240C567}">
+  <ds:schemaRefs>
+    <ds:schemaRef ds:uri="http://schemas.microsoft.com/office/2006/metadata/properties"/>
+    <ds:schemaRef ds:uri="http://schemas.microsoft.com/office/infopath/2007/PartnerControls"/>
+  </ds:schemaRefs>
+</ds:datastoreItem>
+</file>
+
 <file path=customXml/itemProps3.xml><?xml version="1.0" encoding="utf-8"?>
 <ds:datastoreItem xmlns:ds="http://schemas.openxmlformats.org/officeDocument/2006/customXml" ds:itemID="{34AF9B24-1B56-4804-AC27-68F49A385132}">
   <ds:schemaRefs>
